--- a/Proyectos/2016/Métricas y monitoreo/Reporte_monitoreo_2016.pptx
+++ b/Proyectos/2016/Métricas y monitoreo/Reporte_monitoreo_2016.pptx
@@ -130,6 +130,11 @@
       </a:defRPr>
     </a:lvl9pPr>
   </p:defaultTextStyle>
+  <p:extLst>
+    <p:ext uri="{EFAFB233-063F-42B5-8137-9DF3F51BA10A}">
+      <p15:sldGuideLst xmlns:p15="http://schemas.microsoft.com/office/powerpoint/2012/main"/>
+    </p:ext>
+  </p:extLst>
 </p:presentation>
 </file>
 
@@ -462,11 +467,11 @@
         </c:dLbls>
         <c:gapWidth val="219"/>
         <c:overlap val="-27"/>
-        <c:axId val="333315528"/>
-        <c:axId val="333317096"/>
+        <c:axId val="219828376"/>
+        <c:axId val="218765512"/>
       </c:barChart>
       <c:catAx>
-        <c:axId val="333315528"/>
+        <c:axId val="219828376"/>
         <c:scaling>
           <c:orientation val="minMax"/>
         </c:scaling>
@@ -484,7 +489,7 @@
             <a:round/>
           </a:ln>
         </c:spPr>
-        <c:crossAx val="333317096"/>
+        <c:crossAx val="218765512"/>
         <c:crosses val="autoZero"/>
         <c:auto val="1"/>
         <c:lblAlgn val="ctr"/>
@@ -492,7 +497,7 @@
         <c:noMultiLvlLbl val="1"/>
       </c:catAx>
       <c:valAx>
-        <c:axId val="333317096"/>
+        <c:axId val="218765512"/>
         <c:scaling>
           <c:orientation val="minMax"/>
         </c:scaling>
@@ -517,7 +522,7 @@
             <a:noFill/>
           </a:ln>
         </c:spPr>
-        <c:crossAx val="333315528"/>
+        <c:crossAx val="219828376"/>
         <c:crosses val="autoZero"/>
         <c:crossBetween val="between"/>
       </c:valAx>
@@ -679,11 +684,11 @@
           <c:showBubbleSize val="0"/>
         </c:dLbls>
         <c:gapWidth val="100"/>
-        <c:axId val="332389576"/>
-        <c:axId val="332391928"/>
+        <c:axId val="220066344"/>
+        <c:axId val="220067128"/>
       </c:barChart>
       <c:catAx>
-        <c:axId val="332389576"/>
+        <c:axId val="220066344"/>
         <c:scaling>
           <c:orientation val="minMax"/>
         </c:scaling>
@@ -700,7 +705,7 @@
             </a:solidFill>
           </a:ln>
         </c:spPr>
-        <c:crossAx val="332391928"/>
+        <c:crossAx val="220067128"/>
         <c:crosses val="autoZero"/>
         <c:auto val="1"/>
         <c:lblAlgn val="ctr"/>
@@ -708,7 +713,7 @@
         <c:noMultiLvlLbl val="1"/>
       </c:catAx>
       <c:valAx>
-        <c:axId val="332391928"/>
+        <c:axId val="220067128"/>
         <c:scaling>
           <c:orientation val="minMax"/>
         </c:scaling>
@@ -734,7 +739,7 @@
             </a:solidFill>
           </a:ln>
         </c:spPr>
-        <c:crossAx val="332389576"/>
+        <c:crossAx val="220066344"/>
         <c:crosses val="autoZero"/>
         <c:crossBetween val="between"/>
       </c:valAx>
@@ -749,7 +754,6 @@
     </c:plotArea>
     <c:legend>
       <c:legendPos val="r"/>
-      <c:layout/>
       <c:overlay val="0"/>
       <c:spPr>
         <a:noFill/>
@@ -907,11 +911,11 @@
           <c:showBubbleSize val="0"/>
         </c:dLbls>
         <c:gapWidth val="100"/>
-        <c:axId val="398101944"/>
-        <c:axId val="398090968"/>
+        <c:axId val="220067520"/>
+        <c:axId val="220067912"/>
       </c:barChart>
       <c:catAx>
-        <c:axId val="398101944"/>
+        <c:axId val="220067520"/>
         <c:scaling>
           <c:orientation val="minMax"/>
         </c:scaling>
@@ -928,7 +932,7 @@
             </a:solidFill>
           </a:ln>
         </c:spPr>
-        <c:crossAx val="398090968"/>
+        <c:crossAx val="220067912"/>
         <c:crosses val="autoZero"/>
         <c:auto val="1"/>
         <c:lblAlgn val="ctr"/>
@@ -936,7 +940,7 @@
         <c:noMultiLvlLbl val="1"/>
       </c:catAx>
       <c:valAx>
-        <c:axId val="398090968"/>
+        <c:axId val="220067912"/>
         <c:scaling>
           <c:orientation val="minMax"/>
         </c:scaling>
@@ -962,7 +966,7 @@
             </a:solidFill>
           </a:ln>
         </c:spPr>
-        <c:crossAx val="398101944"/>
+        <c:crossAx val="220067520"/>
         <c:crosses val="autoZero"/>
         <c:crossBetween val="between"/>
       </c:valAx>
@@ -977,7 +981,6 @@
     </c:plotArea>
     <c:legend>
       <c:legendPos val="r"/>
-      <c:layout/>
       <c:overlay val="0"/>
       <c:spPr>
         <a:noFill/>
@@ -1147,11 +1150,11 @@
           <c:showBubbleSize val="0"/>
         </c:dLbls>
         <c:gapWidth val="100"/>
-        <c:axId val="332311088"/>
-        <c:axId val="332306384"/>
+        <c:axId val="220068696"/>
+        <c:axId val="220070656"/>
       </c:barChart>
       <c:catAx>
-        <c:axId val="332311088"/>
+        <c:axId val="220068696"/>
         <c:scaling>
           <c:orientation val="minMax"/>
         </c:scaling>
@@ -1168,7 +1171,7 @@
             </a:solidFill>
           </a:ln>
         </c:spPr>
-        <c:crossAx val="332306384"/>
+        <c:crossAx val="220070656"/>
         <c:crosses val="autoZero"/>
         <c:auto val="1"/>
         <c:lblAlgn val="ctr"/>
@@ -1176,7 +1179,7 @@
         <c:noMultiLvlLbl val="1"/>
       </c:catAx>
       <c:valAx>
-        <c:axId val="332306384"/>
+        <c:axId val="220070656"/>
         <c:scaling>
           <c:orientation val="minMax"/>
         </c:scaling>
@@ -1202,7 +1205,7 @@
             </a:solidFill>
           </a:ln>
         </c:spPr>
-        <c:crossAx val="332311088"/>
+        <c:crossAx val="220068696"/>
         <c:crosses val="autoZero"/>
         <c:crossBetween val="between"/>
       </c:valAx>
@@ -1217,7 +1220,6 @@
     </c:plotArea>
     <c:legend>
       <c:legendPos val="r"/>
-      <c:layout/>
       <c:overlay val="0"/>
       <c:spPr>
         <a:noFill/>
@@ -1375,11 +1377,11 @@
           <c:showBubbleSize val="0"/>
         </c:dLbls>
         <c:gapWidth val="100"/>
-        <c:axId val="330929976"/>
-        <c:axId val="330934288"/>
+        <c:axId val="220069872"/>
+        <c:axId val="220071048"/>
       </c:barChart>
       <c:catAx>
-        <c:axId val="330929976"/>
+        <c:axId val="220069872"/>
         <c:scaling>
           <c:orientation val="minMax"/>
         </c:scaling>
@@ -1396,7 +1398,7 @@
             </a:solidFill>
           </a:ln>
         </c:spPr>
-        <c:crossAx val="330934288"/>
+        <c:crossAx val="220071048"/>
         <c:crosses val="autoZero"/>
         <c:auto val="1"/>
         <c:lblAlgn val="ctr"/>
@@ -1404,7 +1406,7 @@
         <c:noMultiLvlLbl val="1"/>
       </c:catAx>
       <c:valAx>
-        <c:axId val="330934288"/>
+        <c:axId val="220071048"/>
         <c:scaling>
           <c:orientation val="minMax"/>
         </c:scaling>
@@ -1430,7 +1432,7 @@
             </a:solidFill>
           </a:ln>
         </c:spPr>
-        <c:crossAx val="330929976"/>
+        <c:crossAx val="220069872"/>
         <c:crosses val="autoZero"/>
         <c:crossBetween val="between"/>
       </c:valAx>
@@ -1445,7 +1447,6 @@
     </c:plotArea>
     <c:legend>
       <c:legendPos val="r"/>
-      <c:layout/>
       <c:overlay val="0"/>
       <c:spPr>
         <a:noFill/>
@@ -1592,11 +1593,11 @@
           <c:showBubbleSize val="0"/>
         </c:dLbls>
         <c:gapWidth val="100"/>
-        <c:axId val="333319056"/>
-        <c:axId val="333313176"/>
+        <c:axId val="220072616"/>
+        <c:axId val="220066736"/>
       </c:barChart>
       <c:catAx>
-        <c:axId val="333319056"/>
+        <c:axId val="220072616"/>
         <c:scaling>
           <c:orientation val="minMax"/>
         </c:scaling>
@@ -1613,7 +1614,7 @@
             </a:solidFill>
           </a:ln>
         </c:spPr>
-        <c:crossAx val="333313176"/>
+        <c:crossAx val="220066736"/>
         <c:crosses val="autoZero"/>
         <c:auto val="1"/>
         <c:lblAlgn val="ctr"/>
@@ -1621,7 +1622,7 @@
         <c:noMultiLvlLbl val="1"/>
       </c:catAx>
       <c:valAx>
-        <c:axId val="333313176"/>
+        <c:axId val="220066736"/>
         <c:scaling>
           <c:orientation val="minMax"/>
         </c:scaling>
@@ -1647,7 +1648,7 @@
             </a:solidFill>
           </a:ln>
         </c:spPr>
-        <c:crossAx val="333319056"/>
+        <c:crossAx val="220072616"/>
         <c:crosses val="autoZero"/>
         <c:crossBetween val="between"/>
       </c:valAx>
@@ -1662,7 +1663,6 @@
     </c:plotArea>
     <c:legend>
       <c:legendPos val="r"/>
-      <c:layout/>
       <c:overlay val="0"/>
       <c:spPr>
         <a:noFill/>
@@ -1986,11 +1986,11 @@
         </c:dLbls>
         <c:gapWidth val="219"/>
         <c:overlap val="-27"/>
-        <c:axId val="399928592"/>
-        <c:axId val="399918400"/>
+        <c:axId val="220761440"/>
+        <c:axId val="220761048"/>
       </c:barChart>
       <c:catAx>
-        <c:axId val="399928592"/>
+        <c:axId val="220761440"/>
         <c:scaling>
           <c:orientation val="minMax"/>
         </c:scaling>
@@ -2008,7 +2008,7 @@
             <a:round/>
           </a:ln>
         </c:spPr>
-        <c:crossAx val="399918400"/>
+        <c:crossAx val="220761048"/>
         <c:crosses val="autoZero"/>
         <c:auto val="1"/>
         <c:lblAlgn val="ctr"/>
@@ -2016,7 +2016,7 @@
         <c:noMultiLvlLbl val="1"/>
       </c:catAx>
       <c:valAx>
-        <c:axId val="399918400"/>
+        <c:axId val="220761048"/>
         <c:scaling>
           <c:orientation val="minMax"/>
         </c:scaling>
@@ -2041,7 +2041,7 @@
             <a:noFill/>
           </a:ln>
         </c:spPr>
-        <c:crossAx val="399928592"/>
+        <c:crossAx val="220761440"/>
         <c:crosses val="autoZero"/>
         <c:crossBetween val="between"/>
       </c:valAx>
@@ -2054,7 +2054,6 @@
     </c:plotArea>
     <c:legend>
       <c:legendPos val="b"/>
-      <c:layout/>
       <c:overlay val="0"/>
       <c:spPr>
         <a:noFill/>
@@ -2230,11 +2229,11 @@
         </c:dLbls>
         <c:gapWidth val="219"/>
         <c:overlap val="-27"/>
-        <c:axId val="328860520"/>
-        <c:axId val="328860128"/>
+        <c:axId val="308011336"/>
+        <c:axId val="308011728"/>
       </c:barChart>
       <c:catAx>
-        <c:axId val="328860520"/>
+        <c:axId val="308011336"/>
         <c:scaling>
           <c:orientation val="minMax"/>
         </c:scaling>
@@ -2252,7 +2251,7 @@
             <a:round/>
           </a:ln>
         </c:spPr>
-        <c:crossAx val="328860128"/>
+        <c:crossAx val="308011728"/>
         <c:crosses val="autoZero"/>
         <c:auto val="1"/>
         <c:lblAlgn val="ctr"/>
@@ -2260,7 +2259,7 @@
         <c:noMultiLvlLbl val="1"/>
       </c:catAx>
       <c:valAx>
-        <c:axId val="328860128"/>
+        <c:axId val="308011728"/>
         <c:scaling>
           <c:orientation val="minMax"/>
           <c:max val="1"/>
@@ -2287,7 +2286,7 @@
             <a:noFill/>
           </a:ln>
         </c:spPr>
-        <c:crossAx val="328860520"/>
+        <c:crossAx val="308011336"/>
         <c:crosses val="autoZero"/>
         <c:crossBetween val="between"/>
       </c:valAx>
@@ -2425,11 +2424,11 @@
         </c:dLbls>
         <c:gapWidth val="219"/>
         <c:overlap val="-27"/>
-        <c:axId val="399926632"/>
-        <c:axId val="399922320"/>
+        <c:axId val="220757128"/>
+        <c:axId val="220763400"/>
       </c:barChart>
       <c:catAx>
-        <c:axId val="399926632"/>
+        <c:axId val="220757128"/>
         <c:scaling>
           <c:orientation val="minMax"/>
         </c:scaling>
@@ -2447,7 +2446,7 @@
             <a:round/>
           </a:ln>
         </c:spPr>
-        <c:crossAx val="399922320"/>
+        <c:crossAx val="220763400"/>
         <c:crosses val="autoZero"/>
         <c:auto val="1"/>
         <c:lblAlgn val="ctr"/>
@@ -2455,7 +2454,7 @@
         <c:noMultiLvlLbl val="1"/>
       </c:catAx>
       <c:valAx>
-        <c:axId val="399922320"/>
+        <c:axId val="220763400"/>
         <c:scaling>
           <c:orientation val="minMax"/>
         </c:scaling>
@@ -2480,7 +2479,7 @@
             <a:noFill/>
           </a:ln>
         </c:spPr>
-        <c:crossAx val="399926632"/>
+        <c:crossAx val="220757128"/>
         <c:crosses val="autoZero"/>
         <c:crossBetween val="between"/>
       </c:valAx>
@@ -2632,11 +2631,11 @@
           <c:showBubbleSize val="0"/>
         </c:dLbls>
         <c:gapWidth val="100"/>
-        <c:axId val="330932720"/>
-        <c:axId val="330933504"/>
+        <c:axId val="220762224"/>
+        <c:axId val="220759872"/>
       </c:barChart>
       <c:catAx>
-        <c:axId val="330932720"/>
+        <c:axId val="220762224"/>
         <c:scaling>
           <c:orientation val="minMax"/>
         </c:scaling>
@@ -2653,7 +2652,7 @@
             </a:solidFill>
           </a:ln>
         </c:spPr>
-        <c:crossAx val="330933504"/>
+        <c:crossAx val="220759872"/>
         <c:crosses val="autoZero"/>
         <c:auto val="1"/>
         <c:lblAlgn val="ctr"/>
@@ -2661,7 +2660,7 @@
         <c:noMultiLvlLbl val="1"/>
       </c:catAx>
       <c:valAx>
-        <c:axId val="330933504"/>
+        <c:axId val="220759872"/>
         <c:scaling>
           <c:orientation val="minMax"/>
         </c:scaling>
@@ -2687,7 +2686,7 @@
             </a:solidFill>
           </a:ln>
         </c:spPr>
-        <c:crossAx val="330932720"/>
+        <c:crossAx val="220762224"/>
         <c:crosses val="autoZero"/>
         <c:crossBetween val="between"/>
       </c:valAx>
@@ -2702,7 +2701,6 @@
     </c:plotArea>
     <c:legend>
       <c:legendPos val="r"/>
-      <c:layout/>
       <c:overlay val="0"/>
       <c:spPr>
         <a:noFill/>
@@ -2898,11 +2896,11 @@
         </c:dLbls>
         <c:gapWidth val="219"/>
         <c:overlap val="-27"/>
-        <c:axId val="333327288"/>
-        <c:axId val="333326504"/>
+        <c:axId val="219578512"/>
+        <c:axId val="219150696"/>
       </c:barChart>
       <c:catAx>
-        <c:axId val="333327288"/>
+        <c:axId val="219578512"/>
         <c:scaling>
           <c:orientation val="minMax"/>
         </c:scaling>
@@ -2920,7 +2918,7 @@
             <a:round/>
           </a:ln>
         </c:spPr>
-        <c:crossAx val="333326504"/>
+        <c:crossAx val="219150696"/>
         <c:crosses val="autoZero"/>
         <c:auto val="1"/>
         <c:lblAlgn val="ctr"/>
@@ -2928,7 +2926,7 @@
         <c:noMultiLvlLbl val="1"/>
       </c:catAx>
       <c:valAx>
-        <c:axId val="333326504"/>
+        <c:axId val="219150696"/>
         <c:scaling>
           <c:orientation val="minMax"/>
         </c:scaling>
@@ -2953,7 +2951,7 @@
             <a:noFill/>
           </a:ln>
         </c:spPr>
-        <c:crossAx val="333327288"/>
+        <c:crossAx val="219578512"/>
         <c:crosses val="autoZero"/>
         <c:crossBetween val="between"/>
       </c:valAx>
@@ -3265,11 +3263,11 @@
           <c:showBubbleSize val="0"/>
         </c:dLbls>
         <c:gapWidth val="100"/>
-        <c:axId val="332393888"/>
-        <c:axId val="332390360"/>
+        <c:axId val="219148344"/>
+        <c:axId val="219152656"/>
       </c:barChart>
       <c:catAx>
-        <c:axId val="332393888"/>
+        <c:axId val="219148344"/>
         <c:scaling>
           <c:orientation val="minMax"/>
         </c:scaling>
@@ -3286,7 +3284,7 @@
             </a:solidFill>
           </a:ln>
         </c:spPr>
-        <c:crossAx val="332390360"/>
+        <c:crossAx val="219152656"/>
         <c:crosses val="autoZero"/>
         <c:auto val="1"/>
         <c:lblAlgn val="ctr"/>
@@ -3294,7 +3292,7 @@
         <c:noMultiLvlLbl val="1"/>
       </c:catAx>
       <c:valAx>
-        <c:axId val="332390360"/>
+        <c:axId val="219152656"/>
         <c:scaling>
           <c:orientation val="minMax"/>
         </c:scaling>
@@ -3320,7 +3318,7 @@
             </a:solidFill>
           </a:ln>
         </c:spPr>
-        <c:crossAx val="332393888"/>
+        <c:crossAx val="219148344"/>
         <c:crosses val="autoZero"/>
         <c:crossBetween val="between"/>
       </c:valAx>
@@ -3541,11 +3539,11 @@
           <c:showBubbleSize val="0"/>
         </c:dLbls>
         <c:gapWidth val="100"/>
-        <c:axId val="332312264"/>
-        <c:axId val="329813744"/>
+        <c:axId val="219153048"/>
+        <c:axId val="219148736"/>
       </c:barChart>
       <c:catAx>
-        <c:axId val="332312264"/>
+        <c:axId val="219153048"/>
         <c:scaling>
           <c:orientation val="minMax"/>
         </c:scaling>
@@ -3562,7 +3560,7 @@
             </a:solidFill>
           </a:ln>
         </c:spPr>
-        <c:crossAx val="329813744"/>
+        <c:crossAx val="219148736"/>
         <c:crosses val="autoZero"/>
         <c:auto val="1"/>
         <c:lblAlgn val="ctr"/>
@@ -3570,7 +3568,7 @@
         <c:noMultiLvlLbl val="1"/>
       </c:catAx>
       <c:valAx>
-        <c:axId val="329813744"/>
+        <c:axId val="219148736"/>
         <c:scaling>
           <c:orientation val="minMax"/>
         </c:scaling>
@@ -3596,7 +3594,7 @@
             </a:solidFill>
           </a:ln>
         </c:spPr>
-        <c:crossAx val="332312264"/>
+        <c:crossAx val="219153048"/>
         <c:crosses val="autoZero"/>
         <c:crossBetween val="between"/>
       </c:valAx>
@@ -3918,11 +3916,11 @@
           <c:showBubbleSize val="0"/>
         </c:dLbls>
         <c:gapWidth val="100"/>
-        <c:axId val="399929768"/>
-        <c:axId val="399921536"/>
+        <c:axId val="219151088"/>
+        <c:axId val="219146776"/>
       </c:barChart>
       <c:catAx>
-        <c:axId val="399929768"/>
+        <c:axId val="219151088"/>
         <c:scaling>
           <c:orientation val="minMax"/>
         </c:scaling>
@@ -3939,7 +3937,7 @@
             </a:solidFill>
           </a:ln>
         </c:spPr>
-        <c:crossAx val="399921536"/>
+        <c:crossAx val="219146776"/>
         <c:crosses val="autoZero"/>
         <c:auto val="1"/>
         <c:lblAlgn val="ctr"/>
@@ -3947,7 +3945,7 @@
         <c:noMultiLvlLbl val="1"/>
       </c:catAx>
       <c:valAx>
-        <c:axId val="399921536"/>
+        <c:axId val="219146776"/>
         <c:scaling>
           <c:orientation val="minMax"/>
         </c:scaling>
@@ -3973,7 +3971,7 @@
             </a:solidFill>
           </a:ln>
         </c:spPr>
-        <c:crossAx val="399929768"/>
+        <c:crossAx val="219151088"/>
         <c:crosses val="autoZero"/>
         <c:crossBetween val="between"/>
       </c:valAx>
@@ -4194,11 +4192,11 @@
           <c:showBubbleSize val="0"/>
         </c:dLbls>
         <c:gapWidth val="100"/>
-        <c:axId val="329814920"/>
-        <c:axId val="329808648"/>
+        <c:axId val="219149912"/>
+        <c:axId val="219153440"/>
       </c:barChart>
       <c:catAx>
-        <c:axId val="329814920"/>
+        <c:axId val="219149912"/>
         <c:scaling>
           <c:orientation val="minMax"/>
         </c:scaling>
@@ -4215,7 +4213,7 @@
             </a:solidFill>
           </a:ln>
         </c:spPr>
-        <c:crossAx val="329808648"/>
+        <c:crossAx val="219153440"/>
         <c:crosses val="autoZero"/>
         <c:auto val="1"/>
         <c:lblAlgn val="ctr"/>
@@ -4223,7 +4221,7 @@
         <c:noMultiLvlLbl val="1"/>
       </c:catAx>
       <c:valAx>
-        <c:axId val="329808648"/>
+        <c:axId val="219153440"/>
         <c:scaling>
           <c:orientation val="minMax"/>
         </c:scaling>
@@ -4249,7 +4247,7 @@
             </a:solidFill>
           </a:ln>
         </c:spPr>
-        <c:crossAx val="329814920"/>
+        <c:crossAx val="219149912"/>
         <c:crosses val="autoZero"/>
         <c:crossBetween val="between"/>
       </c:valAx>
@@ -4264,7 +4262,6 @@
     </c:plotArea>
     <c:legend>
       <c:legendPos val="r"/>
-      <c:layout/>
       <c:overlay val="0"/>
       <c:spPr>
         <a:noFill/>
@@ -4416,11 +4413,11 @@
           <c:showBubbleSize val="0"/>
         </c:dLbls>
         <c:gapWidth val="100"/>
-        <c:axId val="399926240"/>
-        <c:axId val="399923496"/>
+        <c:axId val="219146384"/>
+        <c:axId val="219145992"/>
       </c:barChart>
       <c:catAx>
-        <c:axId val="399926240"/>
+        <c:axId val="219146384"/>
         <c:scaling>
           <c:orientation val="minMax"/>
         </c:scaling>
@@ -4437,7 +4434,7 @@
             </a:solidFill>
           </a:ln>
         </c:spPr>
-        <c:crossAx val="399923496"/>
+        <c:crossAx val="219145992"/>
         <c:crosses val="autoZero"/>
         <c:auto val="1"/>
         <c:lblAlgn val="ctr"/>
@@ -4445,7 +4442,7 @@
         <c:noMultiLvlLbl val="1"/>
       </c:catAx>
       <c:valAx>
-        <c:axId val="399923496"/>
+        <c:axId val="219145992"/>
         <c:scaling>
           <c:orientation val="minMax"/>
         </c:scaling>
@@ -4471,7 +4468,7 @@
             </a:solidFill>
           </a:ln>
         </c:spPr>
-        <c:crossAx val="399926240"/>
+        <c:crossAx val="219146384"/>
         <c:crosses val="autoZero"/>
         <c:crossBetween val="between"/>
       </c:valAx>
@@ -4486,7 +4483,6 @@
     </c:plotArea>
     <c:legend>
       <c:legendPos val="r"/>
-      <c:layout/>
       <c:overlay val="0"/>
       <c:spPr>
         <a:noFill/>
@@ -4626,11 +4622,11 @@
           <c:showBubbleSize val="0"/>
         </c:dLbls>
         <c:gapWidth val="100"/>
-        <c:axId val="398087048"/>
-        <c:axId val="398092928"/>
+        <c:axId val="219151872"/>
+        <c:axId val="220071832"/>
       </c:barChart>
       <c:catAx>
-        <c:axId val="398087048"/>
+        <c:axId val="219151872"/>
         <c:scaling>
           <c:orientation val="minMax"/>
         </c:scaling>
@@ -4647,7 +4643,7 @@
             </a:solidFill>
           </a:ln>
         </c:spPr>
-        <c:crossAx val="398092928"/>
+        <c:crossAx val="220071832"/>
         <c:crosses val="autoZero"/>
         <c:auto val="1"/>
         <c:lblAlgn val="ctr"/>
@@ -4655,7 +4651,7 @@
         <c:noMultiLvlLbl val="1"/>
       </c:catAx>
       <c:valAx>
-        <c:axId val="398092928"/>
+        <c:axId val="220071832"/>
         <c:scaling>
           <c:orientation val="minMax"/>
         </c:scaling>
@@ -4681,7 +4677,7 @@
             </a:solidFill>
           </a:ln>
         </c:spPr>
-        <c:crossAx val="398087048"/>
+        <c:crossAx val="219151872"/>
         <c:crosses val="autoZero"/>
         <c:crossBetween val="between"/>
       </c:valAx>
@@ -4696,7 +4692,6 @@
     </c:plotArea>
     <c:legend>
       <c:legendPos val="r"/>
-      <c:layout/>
       <c:overlay val="0"/>
       <c:spPr>
         <a:noFill/>
@@ -4836,11 +4831,11 @@
           <c:showBubbleSize val="0"/>
         </c:dLbls>
         <c:gapWidth val="100"/>
-        <c:axId val="332391144"/>
-        <c:axId val="332393496"/>
+        <c:axId val="220069088"/>
+        <c:axId val="220072224"/>
       </c:barChart>
       <c:catAx>
-        <c:axId val="332391144"/>
+        <c:axId val="220069088"/>
         <c:scaling>
           <c:orientation val="minMax"/>
         </c:scaling>
@@ -4857,7 +4852,7 @@
             </a:solidFill>
           </a:ln>
         </c:spPr>
-        <c:crossAx val="332393496"/>
+        <c:crossAx val="220072224"/>
         <c:crosses val="autoZero"/>
         <c:auto val="1"/>
         <c:lblAlgn val="ctr"/>
@@ -4865,7 +4860,7 @@
         <c:noMultiLvlLbl val="1"/>
       </c:catAx>
       <c:valAx>
-        <c:axId val="332393496"/>
+        <c:axId val="220072224"/>
         <c:scaling>
           <c:orientation val="minMax"/>
         </c:scaling>
@@ -4891,7 +4886,7 @@
             </a:solidFill>
           </a:ln>
         </c:spPr>
-        <c:crossAx val="332391144"/>
+        <c:crossAx val="220069088"/>
         <c:crosses val="autoZero"/>
         <c:crossBetween val="between"/>
       </c:valAx>
@@ -4906,7 +4901,6 @@
     </c:plotArea>
     <c:legend>
       <c:legendPos val="r"/>
-      <c:layout/>
       <c:overlay val="0"/>
       <c:spPr>
         <a:noFill/>
@@ -18937,16 +18931,16 @@
               </a:lnSpc>
             </a:pPr>
             <a:r>
-              <a:rPr lang="es-MX" sz="4400" strike="noStrike">
+              <a:rPr lang="es-MX" sz="4400" strike="noStrike" dirty="0" smtClean="0">
                 <a:solidFill>
                   <a:srgbClr val="000000"/>
                 </a:solidFill>
                 <a:latin typeface="Calibri"/>
                 <a:ea typeface="DejaVu Sans"/>
               </a:rPr>
-              <a:t>Esfuerzo</a:t>
+              <a:t>Esfuerzo área de ventas</a:t>
             </a:r>
-            <a:endParaRPr/>
+            <a:endParaRPr dirty="0"/>
           </a:p>
         </p:txBody>
       </p:sp>
@@ -19054,81 +19048,19 @@
                 <a:latin typeface="Times New Roman"/>
                 <a:ea typeface="DejaVu Sans"/>
               </a:rPr>
-              <a:t>Análisis: No se presenta un esfuerzo alto en ninguna de las áreas por lo que se puede asumir que el mes fue poco laborable.</a:t>
+              <a:t>Análisis: </a:t>
             </a:r>
-            <a:endParaRPr dirty="0"/>
-          </a:p>
-        </p:txBody>
-      </p:sp>
-      <p:pic>
-        <p:nvPicPr>
-          <p:cNvPr id="211" name="Imagen 210"/>
-          <p:cNvPicPr/>
-          <p:nvPr/>
-        </p:nvPicPr>
-        <p:blipFill>
-          <a:blip r:embed="rId2"/>
-          <a:stretch/>
-        </p:blipFill>
-        <p:spPr>
-          <a:xfrm>
-            <a:off x="72000" y="1076400"/>
-            <a:ext cx="8867520" cy="1154160"/>
-          </a:xfrm>
-          <a:prstGeom prst="rect">
-            <a:avLst/>
-          </a:prstGeom>
-          <a:ln>
-            <a:noFill/>
-          </a:ln>
-        </p:spPr>
-      </p:pic>
-      <p:sp>
-        <p:nvSpPr>
-          <p:cNvPr id="213" name="CustomShape 4"/>
-          <p:cNvSpPr/>
-          <p:nvPr/>
-        </p:nvSpPr>
-        <p:spPr>
-          <a:xfrm>
-            <a:off x="288000" y="2304000"/>
-            <a:ext cx="4391280" cy="345600"/>
-          </a:xfrm>
-          <a:prstGeom prst="rect">
-            <a:avLst/>
-          </a:prstGeom>
-          <a:noFill/>
-          <a:ln>
-            <a:noFill/>
-          </a:ln>
-        </p:spPr>
-        <p:style>
-          <a:lnRef idx="0">
-            <a:scrgbClr r="0" g="0" b="0"/>
-          </a:lnRef>
-          <a:fillRef idx="0">
-            <a:scrgbClr r="0" g="0" b="0"/>
-          </a:fillRef>
-          <a:effectRef idx="0">
-            <a:scrgbClr r="0" g="0" b="0"/>
-          </a:effectRef>
-          <a:fontRef idx="minor"/>
-        </p:style>
-        <p:txBody>
-          <a:bodyPr lIns="90000" tIns="45000" rIns="90000" bIns="45000"/>
-          <a:lstStyle/>
-          <a:p>
             <a:r>
-              <a:rPr lang="es-MX" strike="noStrike">
+              <a:rPr lang="es-MX" strike="noStrike" dirty="0" smtClean="0">
                 <a:solidFill>
                   <a:srgbClr val="000000"/>
                 </a:solidFill>
-                <a:latin typeface="Arial"/>
+                <a:latin typeface="Times New Roman"/>
                 <a:ea typeface="DejaVu Sans"/>
               </a:rPr>
-              <a:t>Esfuerzo área de ventas</a:t>
+              <a:t>El esfuerzo del área de ventas se encuentra arriba del 50 porciento lo cual representa un nivel bajo en ventas. Soporte esta casi por llegar a su meta.</a:t>
             </a:r>
-            <a:endParaRPr/>
+            <a:endParaRPr dirty="0"/>
           </a:p>
         </p:txBody>
       </p:sp>
@@ -19141,21 +19073,45 @@
           <p:nvPr>
             <p:extLst>
               <p:ext uri="{D42A27DB-BD31-4B8C-83A1-F6EECF244321}">
-                <p14:modId xmlns:p14="http://schemas.microsoft.com/office/powerpoint/2010/main" val="2917505399"/>
+                <p14:modId xmlns:p14="http://schemas.microsoft.com/office/powerpoint/2010/main" val="2818048225"/>
               </p:ext>
             </p:extLst>
           </p:nvPr>
         </p:nvGraphicFramePr>
         <p:xfrm>
-          <a:off x="761001" y="2649600"/>
+          <a:off x="1192789" y="2963499"/>
           <a:ext cx="4319240" cy="3516840"/>
         </p:xfrm>
         <a:graphic>
           <a:graphicData uri="http://schemas.openxmlformats.org/drawingml/2006/chart">
-            <c:chart xmlns:c="http://schemas.openxmlformats.org/drawingml/2006/chart" xmlns:r="http://schemas.openxmlformats.org/officeDocument/2006/relationships" r:id="rId3"/>
+            <c:chart xmlns:c="http://schemas.openxmlformats.org/drawingml/2006/chart" xmlns:r="http://schemas.openxmlformats.org/officeDocument/2006/relationships" r:id="rId2"/>
           </a:graphicData>
         </a:graphic>
       </p:graphicFrame>
+      <p:pic>
+        <p:nvPicPr>
+          <p:cNvPr id="2" name="Imagen 1"/>
+          <p:cNvPicPr>
+            <a:picLocks noChangeAspect="1"/>
+          </p:cNvPicPr>
+          <p:nvPr/>
+        </p:nvPicPr>
+        <p:blipFill>
+          <a:blip r:embed="rId3"/>
+          <a:stretch>
+            <a:fillRect/>
+          </a:stretch>
+        </p:blipFill>
+        <p:spPr>
+          <a:xfrm>
+            <a:off x="1192789" y="1215816"/>
+            <a:ext cx="6832095" cy="1504924"/>
+          </a:xfrm>
+          <a:prstGeom prst="rect">
+            <a:avLst/>
+          </a:prstGeom>
+        </p:spPr>
+      </p:pic>
     </p:spTree>
   </p:cSld>
   <p:clrMapOvr>

--- a/Proyectos/2016/Métricas y monitoreo/Reporte_monitoreo_2016.pptx
+++ b/Proyectos/2016/Métricas y monitoreo/Reporte_monitoreo_2016.pptx
@@ -467,11 +467,11 @@
         </c:dLbls>
         <c:gapWidth val="219"/>
         <c:overlap val="-27"/>
-        <c:axId val="219828376"/>
-        <c:axId val="218765512"/>
+        <c:axId val="181839272"/>
+        <c:axId val="181841232"/>
       </c:barChart>
       <c:catAx>
-        <c:axId val="219828376"/>
+        <c:axId val="181839272"/>
         <c:scaling>
           <c:orientation val="minMax"/>
         </c:scaling>
@@ -489,7 +489,7 @@
             <a:round/>
           </a:ln>
         </c:spPr>
-        <c:crossAx val="218765512"/>
+        <c:crossAx val="181841232"/>
         <c:crosses val="autoZero"/>
         <c:auto val="1"/>
         <c:lblAlgn val="ctr"/>
@@ -497,7 +497,7 @@
         <c:noMultiLvlLbl val="1"/>
       </c:catAx>
       <c:valAx>
-        <c:axId val="218765512"/>
+        <c:axId val="181841232"/>
         <c:scaling>
           <c:orientation val="minMax"/>
         </c:scaling>
@@ -522,7 +522,7 @@
             <a:noFill/>
           </a:ln>
         </c:spPr>
-        <c:crossAx val="219828376"/>
+        <c:crossAx val="181839272"/>
         <c:crosses val="autoZero"/>
         <c:crossBetween val="between"/>
       </c:valAx>
@@ -684,11 +684,11 @@
           <c:showBubbleSize val="0"/>
         </c:dLbls>
         <c:gapWidth val="100"/>
-        <c:axId val="220066344"/>
-        <c:axId val="220067128"/>
+        <c:axId val="306553160"/>
+        <c:axId val="306549632"/>
       </c:barChart>
       <c:catAx>
-        <c:axId val="220066344"/>
+        <c:axId val="306553160"/>
         <c:scaling>
           <c:orientation val="minMax"/>
         </c:scaling>
@@ -705,7 +705,7 @@
             </a:solidFill>
           </a:ln>
         </c:spPr>
-        <c:crossAx val="220067128"/>
+        <c:crossAx val="306549632"/>
         <c:crosses val="autoZero"/>
         <c:auto val="1"/>
         <c:lblAlgn val="ctr"/>
@@ -713,7 +713,7 @@
         <c:noMultiLvlLbl val="1"/>
       </c:catAx>
       <c:valAx>
-        <c:axId val="220067128"/>
+        <c:axId val="306549632"/>
         <c:scaling>
           <c:orientation val="minMax"/>
         </c:scaling>
@@ -739,7 +739,7 @@
             </a:solidFill>
           </a:ln>
         </c:spPr>
-        <c:crossAx val="220066344"/>
+        <c:crossAx val="306553160"/>
         <c:crosses val="autoZero"/>
         <c:crossBetween val="between"/>
       </c:valAx>
@@ -754,6 +754,7 @@
     </c:plotArea>
     <c:legend>
       <c:legendPos val="r"/>
+      <c:layout/>
       <c:overlay val="0"/>
       <c:spPr>
         <a:noFill/>
@@ -858,10 +859,11 @@
                   <c:v>Solicitud de compra</c:v>
                 </c:pt>
                 <c:pt idx="2">
-                  <c:v>Carta de aceptación</c:v>
+                  <c:v>Carta de agradecimiento</c:v>
                 </c:pt>
                 <c:pt idx="3">
-                  <c:v>Tickets de servicio</c:v>
+                  <c:v>Tickets de
+servicio</c:v>
                 </c:pt>
               </c:strCache>
             </c:strRef>
@@ -911,11 +913,11 @@
           <c:showBubbleSize val="0"/>
         </c:dLbls>
         <c:gapWidth val="100"/>
-        <c:axId val="220067520"/>
-        <c:axId val="220067912"/>
+        <c:axId val="212626808"/>
+        <c:axId val="212627200"/>
       </c:barChart>
       <c:catAx>
-        <c:axId val="220067520"/>
+        <c:axId val="212626808"/>
         <c:scaling>
           <c:orientation val="minMax"/>
         </c:scaling>
@@ -932,7 +934,7 @@
             </a:solidFill>
           </a:ln>
         </c:spPr>
-        <c:crossAx val="220067912"/>
+        <c:crossAx val="212627200"/>
         <c:crosses val="autoZero"/>
         <c:auto val="1"/>
         <c:lblAlgn val="ctr"/>
@@ -940,7 +942,7 @@
         <c:noMultiLvlLbl val="1"/>
       </c:catAx>
       <c:valAx>
-        <c:axId val="220067912"/>
+        <c:axId val="212627200"/>
         <c:scaling>
           <c:orientation val="minMax"/>
         </c:scaling>
@@ -966,7 +968,7 @@
             </a:solidFill>
           </a:ln>
         </c:spPr>
-        <c:crossAx val="220067520"/>
+        <c:crossAx val="212626808"/>
         <c:crosses val="autoZero"/>
         <c:crossBetween val="between"/>
       </c:valAx>
@@ -981,6 +983,7 @@
     </c:plotArea>
     <c:legend>
       <c:legendPos val="r"/>
+      <c:layout/>
       <c:overlay val="0"/>
       <c:spPr>
         <a:noFill/>
@@ -1079,16 +1082,18 @@
               <c:strCache>
                 <c:ptCount val="6"/>
                 <c:pt idx="0">
-                  <c:v>Catalogo de servicios</c:v>
+                  <c:v>Catálogo de servicios</c:v>
                 </c:pt>
                 <c:pt idx="1">
                   <c:v>Plan de calidad</c:v>
                 </c:pt>
                 <c:pt idx="2">
-                  <c:v>Plan de Métricas</c:v>
+                  <c:v>Plan de
+Métricas</c:v>
                 </c:pt>
                 <c:pt idx="3">
-                  <c:v>Plan de Configuración</c:v>
+                  <c:v>Plan de
+Configuración</c:v>
                 </c:pt>
                 <c:pt idx="4">
                   <c:v>Plan de proyecto</c:v>
@@ -1121,7 +1126,7 @@
                   <c:v>1</c:v>
                 </c:pt>
                 <c:pt idx="5">
-                  <c:v>0.96300000000000008</c:v>
+                  <c:v>0.97225000000000006</c:v>
                 </c:pt>
               </c:numCache>
             </c:numRef>
@@ -1150,11 +1155,11 @@
           <c:showBubbleSize val="0"/>
         </c:dLbls>
         <c:gapWidth val="100"/>
-        <c:axId val="220068696"/>
-        <c:axId val="220070656"/>
+        <c:axId val="300537128"/>
+        <c:axId val="300544576"/>
       </c:barChart>
       <c:catAx>
-        <c:axId val="220068696"/>
+        <c:axId val="300537128"/>
         <c:scaling>
           <c:orientation val="minMax"/>
         </c:scaling>
@@ -1171,7 +1176,7 @@
             </a:solidFill>
           </a:ln>
         </c:spPr>
-        <c:crossAx val="220070656"/>
+        <c:crossAx val="300544576"/>
         <c:crosses val="autoZero"/>
         <c:auto val="1"/>
         <c:lblAlgn val="ctr"/>
@@ -1179,7 +1184,7 @@
         <c:noMultiLvlLbl val="1"/>
       </c:catAx>
       <c:valAx>
-        <c:axId val="220070656"/>
+        <c:axId val="300544576"/>
         <c:scaling>
           <c:orientation val="minMax"/>
         </c:scaling>
@@ -1205,7 +1210,7 @@
             </a:solidFill>
           </a:ln>
         </c:spPr>
-        <c:crossAx val="220068696"/>
+        <c:crossAx val="300537128"/>
         <c:crosses val="autoZero"/>
         <c:crossBetween val="between"/>
       </c:valAx>
@@ -1220,6 +1225,7 @@
     </c:plotArea>
     <c:legend>
       <c:legendPos val="r"/>
+      <c:layout/>
       <c:overlay val="0"/>
       <c:spPr>
         <a:noFill/>
@@ -1345,7 +1351,7 @@
                   <c:v>1</c:v>
                 </c:pt>
                 <c:pt idx="2" formatCode="0.00%">
-                  <c:v>0.82140000000000002</c:v>
+                  <c:v>0.8571200000000001</c:v>
                 </c:pt>
                 <c:pt idx="3">
                   <c:v>1</c:v>
@@ -1377,11 +1383,11 @@
           <c:showBubbleSize val="0"/>
         </c:dLbls>
         <c:gapWidth val="100"/>
-        <c:axId val="220069872"/>
-        <c:axId val="220071048"/>
+        <c:axId val="305088512"/>
+        <c:axId val="305094000"/>
       </c:barChart>
       <c:catAx>
-        <c:axId val="220069872"/>
+        <c:axId val="305088512"/>
         <c:scaling>
           <c:orientation val="minMax"/>
         </c:scaling>
@@ -1398,7 +1404,7 @@
             </a:solidFill>
           </a:ln>
         </c:spPr>
-        <c:crossAx val="220071048"/>
+        <c:crossAx val="305094000"/>
         <c:crosses val="autoZero"/>
         <c:auto val="1"/>
         <c:lblAlgn val="ctr"/>
@@ -1406,7 +1412,7 @@
         <c:noMultiLvlLbl val="1"/>
       </c:catAx>
       <c:valAx>
-        <c:axId val="220071048"/>
+        <c:axId val="305094000"/>
         <c:scaling>
           <c:orientation val="minMax"/>
         </c:scaling>
@@ -1432,7 +1438,7 @@
             </a:solidFill>
           </a:ln>
         </c:spPr>
-        <c:crossAx val="220069872"/>
+        <c:crossAx val="305088512"/>
         <c:crosses val="autoZero"/>
         <c:crossBetween val="between"/>
       </c:valAx>
@@ -1447,6 +1453,7 @@
     </c:plotArea>
     <c:legend>
       <c:legendPos val="r"/>
+      <c:layout/>
       <c:overlay val="0"/>
       <c:spPr>
         <a:noFill/>
@@ -1593,11 +1600,11 @@
           <c:showBubbleSize val="0"/>
         </c:dLbls>
         <c:gapWidth val="100"/>
-        <c:axId val="220072616"/>
-        <c:axId val="220066736"/>
+        <c:axId val="306553552"/>
+        <c:axId val="306548064"/>
       </c:barChart>
       <c:catAx>
-        <c:axId val="220072616"/>
+        <c:axId val="306553552"/>
         <c:scaling>
           <c:orientation val="minMax"/>
         </c:scaling>
@@ -1614,7 +1621,7 @@
             </a:solidFill>
           </a:ln>
         </c:spPr>
-        <c:crossAx val="220066736"/>
+        <c:crossAx val="306548064"/>
         <c:crosses val="autoZero"/>
         <c:auto val="1"/>
         <c:lblAlgn val="ctr"/>
@@ -1622,7 +1629,7 @@
         <c:noMultiLvlLbl val="1"/>
       </c:catAx>
       <c:valAx>
-        <c:axId val="220066736"/>
+        <c:axId val="306548064"/>
         <c:scaling>
           <c:orientation val="minMax"/>
         </c:scaling>
@@ -1648,7 +1655,7 @@
             </a:solidFill>
           </a:ln>
         </c:spPr>
-        <c:crossAx val="220072616"/>
+        <c:crossAx val="306553552"/>
         <c:crosses val="autoZero"/>
         <c:crossBetween val="between"/>
       </c:valAx>
@@ -1663,6 +1670,7 @@
     </c:plotArea>
     <c:legend>
       <c:legendPos val="r"/>
+      <c:layout/>
       <c:overlay val="0"/>
       <c:spPr>
         <a:noFill/>
@@ -1818,7 +1826,7 @@
                   <c:v>275000.01</c:v>
                 </c:pt>
                 <c:pt idx="4">
-                  <c:v>0</c:v>
+                  <c:v>275000.01</c:v>
                 </c:pt>
                 <c:pt idx="5">
                   <c:v>0</c:v>
@@ -1958,6 +1966,9 @@
                 <c:pt idx="3">
                   <c:v>145519.6</c:v>
                 </c:pt>
+                <c:pt idx="4">
+                  <c:v>133306.70000000001</c:v>
+                </c:pt>
               </c:numCache>
             </c:numRef>
           </c:val>
@@ -1986,11 +1997,11 @@
         </c:dLbls>
         <c:gapWidth val="219"/>
         <c:overlap val="-27"/>
-        <c:axId val="220761440"/>
-        <c:axId val="220761048"/>
+        <c:axId val="213730128"/>
+        <c:axId val="213730912"/>
       </c:barChart>
       <c:catAx>
-        <c:axId val="220761440"/>
+        <c:axId val="213730128"/>
         <c:scaling>
           <c:orientation val="minMax"/>
         </c:scaling>
@@ -2008,7 +2019,7 @@
             <a:round/>
           </a:ln>
         </c:spPr>
-        <c:crossAx val="220761048"/>
+        <c:crossAx val="213730912"/>
         <c:crosses val="autoZero"/>
         <c:auto val="1"/>
         <c:lblAlgn val="ctr"/>
@@ -2016,7 +2027,7 @@
         <c:noMultiLvlLbl val="1"/>
       </c:catAx>
       <c:valAx>
-        <c:axId val="220761048"/>
+        <c:axId val="213730912"/>
         <c:scaling>
           <c:orientation val="minMax"/>
         </c:scaling>
@@ -2041,7 +2052,7 @@
             <a:noFill/>
           </a:ln>
         </c:spPr>
-        <c:crossAx val="220761440"/>
+        <c:crossAx val="213730128"/>
         <c:crosses val="autoZero"/>
         <c:crossBetween val="between"/>
       </c:valAx>
@@ -2054,6 +2065,7 @@
     </c:plotArea>
     <c:legend>
       <c:legendPos val="b"/>
+      <c:layout/>
       <c:overlay val="0"/>
       <c:spPr>
         <a:noFill/>
@@ -2085,10 +2097,17 @@
 
 <file path=ppt/charts/chart16.xml><?xml version="1.0" encoding="utf-8"?>
 <c:chartSpace xmlns:c="http://schemas.openxmlformats.org/drawingml/2006/chart" xmlns:a="http://schemas.openxmlformats.org/drawingml/2006/main" xmlns:r="http://schemas.openxmlformats.org/officeDocument/2006/relationships">
-  <c:date1904 val="1"/>
+  <c:date1904 val="0"/>
   <c:lang val="es-ES"/>
   <c:roundedCorners val="1"/>
-  <c:style val="2"/>
+  <mc:AlternateContent xmlns:mc="http://schemas.openxmlformats.org/markup-compatibility/2006">
+    <mc:Choice xmlns:c14="http://schemas.microsoft.com/office/drawing/2007/8/2/chart" Requires="c14">
+      <c14:style val="102"/>
+    </mc:Choice>
+    <mc:Fallback>
+      <c:style val="2"/>
+    </mc:Fallback>
+  </mc:AlternateContent>
   <c:chart>
     <c:autoTitleDeleted val="1"/>
     <c:plotArea>
@@ -2100,17 +2119,6 @@
         <c:ser>
           <c:idx val="0"/>
           <c:order val="0"/>
-          <c:tx>
-            <c:strRef>
-              <c:f>label 0</c:f>
-              <c:strCache>
-                <c:ptCount val="1"/>
-                <c:pt idx="0">
-                  <c:v>Columna D</c:v>
-                </c:pt>
-              </c:strCache>
-            </c:strRef>
-          </c:tx>
           <c:spPr>
             <a:solidFill>
               <a:srgbClr val="5B9BD5"/>
@@ -2144,7 +2152,7 @@
           </c:dLbls>
           <c:cat>
             <c:strRef>
-              <c:f>categories</c:f>
+              <c:f>'Indice de Satisfacción'!$C$5:$C$16</c:f>
               <c:strCache>
                 <c:ptCount val="12"/>
                 <c:pt idx="0">
@@ -2188,9 +2196,9 @@
           </c:cat>
           <c:val>
             <c:numRef>
-              <c:f>0</c:f>
+              <c:f>'Indice de Satisfacción'!$D$5:$D$16</c:f>
               <c:numCache>
-                <c:formatCode>General</c:formatCode>
+                <c:formatCode>0.00%</c:formatCode>
                 <c:ptCount val="12"/>
                 <c:pt idx="0">
                   <c:v>0.98799999999999999</c:v>
@@ -2198,8 +2206,14 @@
                 <c:pt idx="1">
                   <c:v>0.92569999999999997</c:v>
                 </c:pt>
-                <c:pt idx="2">
+                <c:pt idx="2" formatCode="0%">
                   <c:v>0.97</c:v>
+                </c:pt>
+                <c:pt idx="3" formatCode="0%">
+                  <c:v>0</c:v>
+                </c:pt>
+                <c:pt idx="4" formatCode="0%">
+                  <c:v>1</c:v>
                 </c:pt>
               </c:numCache>
             </c:numRef>
@@ -2229,11 +2243,11 @@
         </c:dLbls>
         <c:gapWidth val="219"/>
         <c:overlap val="-27"/>
-        <c:axId val="308011336"/>
-        <c:axId val="308011728"/>
+        <c:axId val="300534384"/>
+        <c:axId val="300534776"/>
       </c:barChart>
       <c:catAx>
-        <c:axId val="308011336"/>
+        <c:axId val="300534384"/>
         <c:scaling>
           <c:orientation val="minMax"/>
         </c:scaling>
@@ -2251,7 +2265,7 @@
             <a:round/>
           </a:ln>
         </c:spPr>
-        <c:crossAx val="308011728"/>
+        <c:crossAx val="300534776"/>
         <c:crosses val="autoZero"/>
         <c:auto val="1"/>
         <c:lblAlgn val="ctr"/>
@@ -2259,7 +2273,7 @@
         <c:noMultiLvlLbl val="1"/>
       </c:catAx>
       <c:valAx>
-        <c:axId val="308011728"/>
+        <c:axId val="300534776"/>
         <c:scaling>
           <c:orientation val="minMax"/>
           <c:max val="1"/>
@@ -2277,7 +2291,7 @@
             </a:ln>
           </c:spPr>
         </c:majorGridlines>
-        <c:numFmt formatCode="General" sourceLinked="1"/>
+        <c:numFmt formatCode="0.00%" sourceLinked="1"/>
         <c:majorTickMark val="none"/>
         <c:minorTickMark val="none"/>
         <c:tickLblPos val="nextTo"/>
@@ -2286,7 +2300,7 @@
             <a:noFill/>
           </a:ln>
         </c:spPr>
-        <c:crossAx val="308011336"/>
+        <c:crossAx val="300534384"/>
         <c:crosses val="autoZero"/>
         <c:crossBetween val="between"/>
       </c:valAx>
@@ -2312,6 +2326,9 @@
       <a:round/>
     </a:ln>
   </c:spPr>
+  <c:externalData r:id="rId1">
+    <c:autoUpdate val="0"/>
+  </c:externalData>
 </c:chartSpace>
 </file>
 
@@ -2391,10 +2408,10 @@
                 <c:formatCode>General</c:formatCode>
                 <c:ptCount val="2"/>
                 <c:pt idx="0">
-                  <c:v>12</c:v>
+                  <c:v>1</c:v>
                 </c:pt>
                 <c:pt idx="1">
-                  <c:v>13</c:v>
+                  <c:v>16</c:v>
                 </c:pt>
               </c:numCache>
             </c:numRef>
@@ -2424,11 +2441,11 @@
         </c:dLbls>
         <c:gapWidth val="219"/>
         <c:overlap val="-27"/>
-        <c:axId val="220757128"/>
-        <c:axId val="220763400"/>
+        <c:axId val="300546928"/>
+        <c:axId val="300547712"/>
       </c:barChart>
       <c:catAx>
-        <c:axId val="220757128"/>
+        <c:axId val="300546928"/>
         <c:scaling>
           <c:orientation val="minMax"/>
         </c:scaling>
@@ -2446,7 +2463,7 @@
             <a:round/>
           </a:ln>
         </c:spPr>
-        <c:crossAx val="220763400"/>
+        <c:crossAx val="300547712"/>
         <c:crosses val="autoZero"/>
         <c:auto val="1"/>
         <c:lblAlgn val="ctr"/>
@@ -2454,7 +2471,7 @@
         <c:noMultiLvlLbl val="1"/>
       </c:catAx>
       <c:valAx>
-        <c:axId val="220763400"/>
+        <c:axId val="300547712"/>
         <c:scaling>
           <c:orientation val="minMax"/>
         </c:scaling>
@@ -2479,7 +2496,7 @@
             <a:noFill/>
           </a:ln>
         </c:spPr>
-        <c:crossAx val="220757128"/>
+        <c:crossAx val="300546928"/>
         <c:crosses val="autoZero"/>
         <c:crossBetween val="between"/>
       </c:valAx>
@@ -2593,16 +2610,16 @@
                 <c:formatCode>0.00%</c:formatCode>
                 <c:ptCount val="4"/>
                 <c:pt idx="0">
-                  <c:v>0.42499999999999999</c:v>
+                  <c:v>0.53333333333333333</c:v>
                 </c:pt>
                 <c:pt idx="1">
                   <c:v>1</c:v>
                 </c:pt>
                 <c:pt idx="2">
-                  <c:v>0.66664999999999996</c:v>
+                  <c:v>0.77776666666666661</c:v>
                 </c:pt>
                 <c:pt idx="3">
-                  <c:v>0.72499999999999998</c:v>
+                  <c:v>0.56666666666666665</c:v>
                 </c:pt>
               </c:numCache>
             </c:numRef>
@@ -2631,11 +2648,11 @@
           <c:showBubbleSize val="0"/>
         </c:dLbls>
         <c:gapWidth val="100"/>
-        <c:axId val="220762224"/>
-        <c:axId val="220759872"/>
+        <c:axId val="353905448"/>
+        <c:axId val="353906624"/>
       </c:barChart>
       <c:catAx>
-        <c:axId val="220762224"/>
+        <c:axId val="353905448"/>
         <c:scaling>
           <c:orientation val="minMax"/>
         </c:scaling>
@@ -2652,7 +2669,7 @@
             </a:solidFill>
           </a:ln>
         </c:spPr>
-        <c:crossAx val="220759872"/>
+        <c:crossAx val="353906624"/>
         <c:crosses val="autoZero"/>
         <c:auto val="1"/>
         <c:lblAlgn val="ctr"/>
@@ -2660,7 +2677,7 @@
         <c:noMultiLvlLbl val="1"/>
       </c:catAx>
       <c:valAx>
-        <c:axId val="220759872"/>
+        <c:axId val="353906624"/>
         <c:scaling>
           <c:orientation val="minMax"/>
         </c:scaling>
@@ -2686,7 +2703,7 @@
             </a:solidFill>
           </a:ln>
         </c:spPr>
-        <c:crossAx val="220762224"/>
+        <c:crossAx val="353905448"/>
         <c:crosses val="autoZero"/>
         <c:crossBetween val="between"/>
       </c:valAx>
@@ -2701,6 +2718,7 @@
     </c:plotArea>
     <c:legend>
       <c:legendPos val="r"/>
+      <c:layout/>
       <c:overlay val="0"/>
       <c:spPr>
         <a:noFill/>
@@ -2896,11 +2914,11 @@
         </c:dLbls>
         <c:gapWidth val="219"/>
         <c:overlap val="-27"/>
-        <c:axId val="219578512"/>
-        <c:axId val="219150696"/>
+        <c:axId val="212620144"/>
+        <c:axId val="212623672"/>
       </c:barChart>
       <c:catAx>
-        <c:axId val="219578512"/>
+        <c:axId val="212620144"/>
         <c:scaling>
           <c:orientation val="minMax"/>
         </c:scaling>
@@ -2918,7 +2936,7 @@
             <a:round/>
           </a:ln>
         </c:spPr>
-        <c:crossAx val="219150696"/>
+        <c:crossAx val="212623672"/>
         <c:crosses val="autoZero"/>
         <c:auto val="1"/>
         <c:lblAlgn val="ctr"/>
@@ -2926,7 +2944,7 @@
         <c:noMultiLvlLbl val="1"/>
       </c:catAx>
       <c:valAx>
-        <c:axId val="219150696"/>
+        <c:axId val="212623672"/>
         <c:scaling>
           <c:orientation val="minMax"/>
         </c:scaling>
@@ -2951,7 +2969,7 @@
             <a:noFill/>
           </a:ln>
         </c:spPr>
-        <c:crossAx val="219578512"/>
+        <c:crossAx val="212620144"/>
         <c:crosses val="autoZero"/>
         <c:crossBetween val="between"/>
       </c:valAx>
@@ -3111,6 +3129,9 @@
                 <c:pt idx="3">
                   <c:v>80</c:v>
                 </c:pt>
+                <c:pt idx="4">
+                  <c:v>80</c:v>
+                </c:pt>
               </c:numCache>
             </c:numRef>
           </c:val>
@@ -3236,6 +3257,9 @@
                 <c:pt idx="3">
                   <c:v>43</c:v>
                 </c:pt>
+                <c:pt idx="4">
+                  <c:v>53</c:v>
+                </c:pt>
               </c:numCache>
             </c:numRef>
           </c:val>
@@ -3263,11 +3287,11 @@
           <c:showBubbleSize val="0"/>
         </c:dLbls>
         <c:gapWidth val="100"/>
-        <c:axId val="219148344"/>
-        <c:axId val="219152656"/>
+        <c:axId val="305087336"/>
+        <c:axId val="305090472"/>
       </c:barChart>
       <c:catAx>
-        <c:axId val="219148344"/>
+        <c:axId val="305087336"/>
         <c:scaling>
           <c:orientation val="minMax"/>
         </c:scaling>
@@ -3284,7 +3308,7 @@
             </a:solidFill>
           </a:ln>
         </c:spPr>
-        <c:crossAx val="219152656"/>
+        <c:crossAx val="305090472"/>
         <c:crosses val="autoZero"/>
         <c:auto val="1"/>
         <c:lblAlgn val="ctr"/>
@@ -3292,7 +3316,7 @@
         <c:noMultiLvlLbl val="1"/>
       </c:catAx>
       <c:valAx>
-        <c:axId val="219152656"/>
+        <c:axId val="305090472"/>
         <c:scaling>
           <c:orientation val="minMax"/>
         </c:scaling>
@@ -3318,7 +3342,7 @@
             </a:solidFill>
           </a:ln>
         </c:spPr>
-        <c:crossAx val="219148344"/>
+        <c:crossAx val="305087336"/>
         <c:crosses val="autoZero"/>
         <c:crossBetween val="between"/>
       </c:valAx>
@@ -3489,7 +3513,7 @@
                   <c:v>-0.46250000000000002</c:v>
                 </c:pt>
                 <c:pt idx="4">
-                  <c:v>0</c:v>
+                  <c:v>-0.33750000000000002</c:v>
                 </c:pt>
                 <c:pt idx="5">
                   <c:v>0</c:v>
@@ -3539,11 +3563,11 @@
           <c:showBubbleSize val="0"/>
         </c:dLbls>
         <c:gapWidth val="100"/>
-        <c:axId val="219153048"/>
-        <c:axId val="219148736"/>
+        <c:axId val="216050656"/>
+        <c:axId val="216057320"/>
       </c:barChart>
       <c:catAx>
-        <c:axId val="219153048"/>
+        <c:axId val="216050656"/>
         <c:scaling>
           <c:orientation val="minMax"/>
         </c:scaling>
@@ -3560,7 +3584,7 @@
             </a:solidFill>
           </a:ln>
         </c:spPr>
-        <c:crossAx val="219148736"/>
+        <c:crossAx val="216057320"/>
         <c:crosses val="autoZero"/>
         <c:auto val="1"/>
         <c:lblAlgn val="ctr"/>
@@ -3568,7 +3592,7 @@
         <c:noMultiLvlLbl val="1"/>
       </c:catAx>
       <c:valAx>
-        <c:axId val="219148736"/>
+        <c:axId val="216057320"/>
         <c:scaling>
           <c:orientation val="minMax"/>
         </c:scaling>
@@ -3594,7 +3618,7 @@
             </a:solidFill>
           </a:ln>
         </c:spPr>
-        <c:crossAx val="219153048"/>
+        <c:crossAx val="216050656"/>
         <c:crosses val="autoZero"/>
         <c:crossBetween val="between"/>
       </c:valAx>
@@ -3764,6 +3788,9 @@
                 <c:pt idx="3">
                   <c:v>126</c:v>
                 </c:pt>
+                <c:pt idx="4">
+                  <c:v>126</c:v>
+                </c:pt>
               </c:numCache>
             </c:numRef>
           </c:val>
@@ -3889,6 +3916,9 @@
                 <c:pt idx="3">
                   <c:v>121</c:v>
                 </c:pt>
+                <c:pt idx="4">
+                  <c:v>144</c:v>
+                </c:pt>
               </c:numCache>
             </c:numRef>
           </c:val>
@@ -3916,11 +3946,11 @@
           <c:showBubbleSize val="0"/>
         </c:dLbls>
         <c:gapWidth val="100"/>
-        <c:axId val="219151088"/>
-        <c:axId val="219146776"/>
+        <c:axId val="300543792"/>
+        <c:axId val="300544184"/>
       </c:barChart>
       <c:catAx>
-        <c:axId val="219151088"/>
+        <c:axId val="300543792"/>
         <c:scaling>
           <c:orientation val="minMax"/>
         </c:scaling>
@@ -3937,7 +3967,7 @@
             </a:solidFill>
           </a:ln>
         </c:spPr>
-        <c:crossAx val="219146776"/>
+        <c:crossAx val="300544184"/>
         <c:crosses val="autoZero"/>
         <c:auto val="1"/>
         <c:lblAlgn val="ctr"/>
@@ -3945,7 +3975,7 @@
         <c:noMultiLvlLbl val="1"/>
       </c:catAx>
       <c:valAx>
-        <c:axId val="219146776"/>
+        <c:axId val="300544184"/>
         <c:scaling>
           <c:orientation val="minMax"/>
         </c:scaling>
@@ -3971,7 +4001,7 @@
             </a:solidFill>
           </a:ln>
         </c:spPr>
-        <c:crossAx val="219151088"/>
+        <c:crossAx val="300543792"/>
         <c:crosses val="autoZero"/>
         <c:crossBetween val="between"/>
       </c:valAx>
@@ -4142,7 +4172,7 @@
                   <c:v>-3.9682539682539653E-2</c:v>
                 </c:pt>
                 <c:pt idx="4">
-                  <c:v>0</c:v>
+                  <c:v>0.14285714285714279</c:v>
                 </c:pt>
                 <c:pt idx="5">
                   <c:v>0</c:v>
@@ -4192,11 +4222,11 @@
           <c:showBubbleSize val="0"/>
         </c:dLbls>
         <c:gapWidth val="100"/>
-        <c:axId val="219149912"/>
-        <c:axId val="219153440"/>
+        <c:axId val="300535168"/>
+        <c:axId val="300541440"/>
       </c:barChart>
       <c:catAx>
-        <c:axId val="219149912"/>
+        <c:axId val="300535168"/>
         <c:scaling>
           <c:orientation val="minMax"/>
         </c:scaling>
@@ -4213,7 +4243,7 @@
             </a:solidFill>
           </a:ln>
         </c:spPr>
-        <c:crossAx val="219153440"/>
+        <c:crossAx val="300541440"/>
         <c:crosses val="autoZero"/>
         <c:auto val="1"/>
         <c:lblAlgn val="ctr"/>
@@ -4221,7 +4251,7 @@
         <c:noMultiLvlLbl val="1"/>
       </c:catAx>
       <c:valAx>
-        <c:axId val="219153440"/>
+        <c:axId val="300541440"/>
         <c:scaling>
           <c:orientation val="minMax"/>
         </c:scaling>
@@ -4247,7 +4277,7 @@
             </a:solidFill>
           </a:ln>
         </c:spPr>
-        <c:crossAx val="219149912"/>
+        <c:crossAx val="300535168"/>
         <c:crosses val="autoZero"/>
         <c:crossBetween val="between"/>
       </c:valAx>
@@ -4262,6 +4292,7 @@
     </c:plotArea>
     <c:legend>
       <c:legendPos val="r"/>
+      <c:layout/>
       <c:overlay val="0"/>
       <c:spPr>
         <a:noFill/>
@@ -4314,11 +4345,11 @@
           <c:order val="0"/>
           <c:tx>
             <c:strRef>
-              <c:f>Física!$E$4</c:f>
+              <c:f>Física!$D$6</c:f>
               <c:strCache>
                 <c:ptCount val="1"/>
                 <c:pt idx="0">
-                  <c:v>Física Organizacional</c:v>
+                  <c:v>Elementos de configuración física</c:v>
                 </c:pt>
               </c:strCache>
             </c:strRef>
@@ -4356,35 +4387,23 @@
           </c:dLbls>
           <c:cat>
             <c:strRef>
-              <c:f>Física!$E$6:$G$6</c:f>
+              <c:f>Física!$D$6</c:f>
               <c:strCache>
-                <c:ptCount val="3"/>
+                <c:ptCount val="1"/>
                 <c:pt idx="0">
-                  <c:v>Control de cambios organizacional</c:v>
-                </c:pt>
-                <c:pt idx="1">
-                  <c:v>Línea base</c:v>
-                </c:pt>
-                <c:pt idx="2">
-                  <c:v>Elementos de Configuración</c:v>
+                  <c:v>Elementos de configuración física</c:v>
                 </c:pt>
               </c:strCache>
             </c:strRef>
           </c:cat>
           <c:val>
             <c:numRef>
-              <c:f>Física!$E$19:$G$19</c:f>
+              <c:f>Física!$D$19</c:f>
               <c:numCache>
                 <c:formatCode>0.00%</c:formatCode>
-                <c:ptCount val="3"/>
+                <c:ptCount val="1"/>
                 <c:pt idx="0">
-                  <c:v>1</c:v>
-                </c:pt>
-                <c:pt idx="1">
-                  <c:v>1</c:v>
-                </c:pt>
-                <c:pt idx="2">
-                  <c:v>1</c:v>
+                  <c:v>0.7</c:v>
                 </c:pt>
               </c:numCache>
             </c:numRef>
@@ -4413,11 +4432,11 @@
           <c:showBubbleSize val="0"/>
         </c:dLbls>
         <c:gapWidth val="100"/>
-        <c:axId val="219146384"/>
-        <c:axId val="219145992"/>
+        <c:axId val="213989232"/>
+        <c:axId val="213989624"/>
       </c:barChart>
       <c:catAx>
-        <c:axId val="219146384"/>
+        <c:axId val="213989232"/>
         <c:scaling>
           <c:orientation val="minMax"/>
         </c:scaling>
@@ -4434,7 +4453,7 @@
             </a:solidFill>
           </a:ln>
         </c:spPr>
-        <c:crossAx val="219145992"/>
+        <c:crossAx val="213989624"/>
         <c:crosses val="autoZero"/>
         <c:auto val="1"/>
         <c:lblAlgn val="ctr"/>
@@ -4442,7 +4461,7 @@
         <c:noMultiLvlLbl val="1"/>
       </c:catAx>
       <c:valAx>
-        <c:axId val="219145992"/>
+        <c:axId val="213989624"/>
         <c:scaling>
           <c:orientation val="minMax"/>
         </c:scaling>
@@ -4468,7 +4487,7 @@
             </a:solidFill>
           </a:ln>
         </c:spPr>
-        <c:crossAx val="219146384"/>
+        <c:crossAx val="213989232"/>
         <c:crosses val="autoZero"/>
         <c:crossBetween val="between"/>
       </c:valAx>
@@ -4483,6 +4502,7 @@
     </c:plotArea>
     <c:legend>
       <c:legendPos val="r"/>
+      <c:layout/>
       <c:overlay val="0"/>
       <c:spPr>
         <a:noFill/>
@@ -4535,11 +4555,11 @@
           <c:order val="0"/>
           <c:tx>
             <c:strRef>
-              <c:f>Física!$D$6</c:f>
+              <c:f>Física!$E$4</c:f>
               <c:strCache>
                 <c:ptCount val="1"/>
                 <c:pt idx="0">
-                  <c:v>Elementos de configuración física</c:v>
+                  <c:v>Física Organizacional</c:v>
                 </c:pt>
               </c:strCache>
             </c:strRef>
@@ -4577,23 +4597,35 @@
           </c:dLbls>
           <c:cat>
             <c:strRef>
-              <c:f>Física!$D$6</c:f>
+              <c:f>Física!$E$6:$G$6</c:f>
               <c:strCache>
-                <c:ptCount val="1"/>
+                <c:ptCount val="3"/>
                 <c:pt idx="0">
-                  <c:v>Elementos de configuración física</c:v>
+                  <c:v>Control de cambios organizacional</c:v>
+                </c:pt>
+                <c:pt idx="1">
+                  <c:v>Línea base</c:v>
+                </c:pt>
+                <c:pt idx="2">
+                  <c:v>Elementos de Configuración</c:v>
                 </c:pt>
               </c:strCache>
             </c:strRef>
           </c:cat>
           <c:val>
             <c:numRef>
-              <c:f>Física!$D$19</c:f>
+              <c:f>Física!$E$19:$G$19</c:f>
               <c:numCache>
                 <c:formatCode>0.00%</c:formatCode>
-                <c:ptCount val="1"/>
+                <c:ptCount val="3"/>
                 <c:pt idx="0">
-                  <c:v>0.625</c:v>
+                  <c:v>1</c:v>
+                </c:pt>
+                <c:pt idx="1">
+                  <c:v>1</c:v>
+                </c:pt>
+                <c:pt idx="2">
+                  <c:v>1</c:v>
                 </c:pt>
               </c:numCache>
             </c:numRef>
@@ -4622,11 +4654,11 @@
           <c:showBubbleSize val="0"/>
         </c:dLbls>
         <c:gapWidth val="100"/>
-        <c:axId val="219151872"/>
-        <c:axId val="220071832"/>
+        <c:axId val="300540264"/>
+        <c:axId val="300541832"/>
       </c:barChart>
       <c:catAx>
-        <c:axId val="219151872"/>
+        <c:axId val="300540264"/>
         <c:scaling>
           <c:orientation val="minMax"/>
         </c:scaling>
@@ -4643,7 +4675,7 @@
             </a:solidFill>
           </a:ln>
         </c:spPr>
-        <c:crossAx val="220071832"/>
+        <c:crossAx val="300541832"/>
         <c:crosses val="autoZero"/>
         <c:auto val="1"/>
         <c:lblAlgn val="ctr"/>
@@ -4651,7 +4683,7 @@
         <c:noMultiLvlLbl val="1"/>
       </c:catAx>
       <c:valAx>
-        <c:axId val="220071832"/>
+        <c:axId val="300541832"/>
         <c:scaling>
           <c:orientation val="minMax"/>
         </c:scaling>
@@ -4677,7 +4709,7 @@
             </a:solidFill>
           </a:ln>
         </c:spPr>
-        <c:crossAx val="219151872"/>
+        <c:crossAx val="300540264"/>
         <c:crosses val="autoZero"/>
         <c:crossBetween val="between"/>
       </c:valAx>
@@ -4692,6 +4724,7 @@
     </c:plotArea>
     <c:legend>
       <c:legendPos val="r"/>
+      <c:layout/>
       <c:overlay val="0"/>
       <c:spPr>
         <a:noFill/>
@@ -4802,7 +4835,7 @@
                 <c:formatCode>0.00%</c:formatCode>
                 <c:ptCount val="1"/>
                 <c:pt idx="0">
-                  <c:v>0.91749999999999998</c:v>
+                  <c:v>0.93399999999999994</c:v>
                 </c:pt>
               </c:numCache>
             </c:numRef>
@@ -4831,11 +4864,11 @@
           <c:showBubbleSize val="0"/>
         </c:dLbls>
         <c:gapWidth val="100"/>
-        <c:axId val="220069088"/>
-        <c:axId val="220072224"/>
+        <c:axId val="212625240"/>
+        <c:axId val="212626024"/>
       </c:barChart>
       <c:catAx>
-        <c:axId val="220069088"/>
+        <c:axId val="212625240"/>
         <c:scaling>
           <c:orientation val="minMax"/>
         </c:scaling>
@@ -4852,7 +4885,7 @@
             </a:solidFill>
           </a:ln>
         </c:spPr>
-        <c:crossAx val="220072224"/>
+        <c:crossAx val="212626024"/>
         <c:crosses val="autoZero"/>
         <c:auto val="1"/>
         <c:lblAlgn val="ctr"/>
@@ -4860,7 +4893,7 @@
         <c:noMultiLvlLbl val="1"/>
       </c:catAx>
       <c:valAx>
-        <c:axId val="220072224"/>
+        <c:axId val="212626024"/>
         <c:scaling>
           <c:orientation val="minMax"/>
         </c:scaling>
@@ -4886,7 +4919,7 @@
             </a:solidFill>
           </a:ln>
         </c:spPr>
-        <c:crossAx val="220069088"/>
+        <c:crossAx val="212625240"/>
         <c:crosses val="autoZero"/>
         <c:crossBetween val="between"/>
       </c:valAx>
@@ -4901,6 +4934,7 @@
     </c:plotArea>
     <c:legend>
       <c:legendPos val="r"/>
+      <c:layout/>
       <c:overlay val="0"/>
       <c:spPr>
         <a:noFill/>
@@ -13984,7 +14018,7 @@
                 <a:latin typeface="Calibri"/>
                 <a:ea typeface="DejaVu Sans"/>
               </a:rPr>
-              <a:t>Mayo </a:t>
+              <a:t>Junio </a:t>
             </a:r>
             <a:r>
               <a:rPr lang="es-MX" sz="2600" strike="noStrike" dirty="0">
@@ -14022,7 +14056,7 @@
                 <a:latin typeface="Calibri"/>
                 <a:ea typeface="DejaVu Sans"/>
               </a:rPr>
-              <a:t>23/05/2016</a:t>
+              <a:t>06/06/2016</a:t>
             </a:r>
             <a:endParaRPr dirty="0"/>
           </a:p>
@@ -14283,21 +14317,21 @@
       </p:sp>
       <p:graphicFrame>
         <p:nvGraphicFramePr>
-          <p:cNvPr id="8" name="Gráfico 7"/>
+          <p:cNvPr id="7" name="Gráfico 6"/>
           <p:cNvGraphicFramePr>
             <a:graphicFrameLocks/>
           </p:cNvGraphicFramePr>
           <p:nvPr>
             <p:extLst>
               <p:ext uri="{D42A27DB-BD31-4B8C-83A1-F6EECF244321}">
-                <p14:modId xmlns:p14="http://schemas.microsoft.com/office/powerpoint/2010/main" val="1937820167"/>
+                <p14:modId xmlns:p14="http://schemas.microsoft.com/office/powerpoint/2010/main" val="998203045"/>
               </p:ext>
             </p:extLst>
           </p:nvPr>
         </p:nvGraphicFramePr>
         <p:xfrm>
-          <a:off x="240785" y="1124640"/>
-          <a:ext cx="4950240" cy="3577680"/>
+          <a:off x="457200" y="1209069"/>
+          <a:ext cx="4233020" cy="3238860"/>
         </p:xfrm>
         <a:graphic>
           <a:graphicData uri="http://schemas.openxmlformats.org/drawingml/2006/chart">
@@ -14307,21 +14341,21 @@
       </p:graphicFrame>
       <p:graphicFrame>
         <p:nvGraphicFramePr>
-          <p:cNvPr id="9" name="Gráfico 8"/>
+          <p:cNvPr id="10" name="Gráfico 9"/>
           <p:cNvGraphicFramePr>
             <a:graphicFrameLocks/>
           </p:cNvGraphicFramePr>
           <p:nvPr>
             <p:extLst>
               <p:ext uri="{D42A27DB-BD31-4B8C-83A1-F6EECF244321}">
-                <p14:modId xmlns:p14="http://schemas.microsoft.com/office/powerpoint/2010/main" val="1673563302"/>
+                <p14:modId xmlns:p14="http://schemas.microsoft.com/office/powerpoint/2010/main" val="3829887754"/>
               </p:ext>
             </p:extLst>
           </p:nvPr>
         </p:nvGraphicFramePr>
         <p:xfrm>
-          <a:off x="4445860" y="3619140"/>
-          <a:ext cx="4233020" cy="3238860"/>
+          <a:off x="3952975" y="3164798"/>
+          <a:ext cx="4950240" cy="3577680"/>
         </p:xfrm>
         <a:graphic>
           <a:graphicData uri="http://schemas.openxmlformats.org/drawingml/2006/chart">
@@ -14595,20 +14629,20 @@
       </p:sp>
       <p:graphicFrame>
         <p:nvGraphicFramePr>
-          <p:cNvPr id="7" name="Gráfico 6"/>
+          <p:cNvPr id="9" name="Gráfico 8"/>
           <p:cNvGraphicFramePr>
             <a:graphicFrameLocks/>
           </p:cNvGraphicFramePr>
           <p:nvPr>
             <p:extLst>
               <p:ext uri="{D42A27DB-BD31-4B8C-83A1-F6EECF244321}">
-                <p14:modId xmlns:p14="http://schemas.microsoft.com/office/powerpoint/2010/main" val="88485467"/>
+                <p14:modId xmlns:p14="http://schemas.microsoft.com/office/powerpoint/2010/main" val="1346851606"/>
               </p:ext>
             </p:extLst>
           </p:nvPr>
         </p:nvGraphicFramePr>
         <p:xfrm>
-          <a:off x="355851" y="1234772"/>
+          <a:off x="246669" y="1600200"/>
           <a:ext cx="4174195" cy="3269340"/>
         </p:xfrm>
         <a:graphic>
@@ -14619,20 +14653,20 @@
       </p:graphicFrame>
       <p:graphicFrame>
         <p:nvGraphicFramePr>
-          <p:cNvPr id="8" name="Gráfico 7"/>
+          <p:cNvPr id="10" name="Gráfico 9"/>
           <p:cNvGraphicFramePr>
             <a:graphicFrameLocks/>
           </p:cNvGraphicFramePr>
           <p:nvPr>
             <p:extLst>
               <p:ext uri="{D42A27DB-BD31-4B8C-83A1-F6EECF244321}">
-                <p14:modId xmlns:p14="http://schemas.microsoft.com/office/powerpoint/2010/main" val="1409090553"/>
+                <p14:modId xmlns:p14="http://schemas.microsoft.com/office/powerpoint/2010/main" val="3179048219"/>
               </p:ext>
             </p:extLst>
           </p:nvPr>
         </p:nvGraphicFramePr>
         <p:xfrm>
-          <a:off x="4608341" y="3219725"/>
+          <a:off x="4594693" y="3342555"/>
           <a:ext cx="4212715" cy="3284580"/>
         </p:xfrm>
         <a:graphic>
@@ -14899,20 +14933,20 @@
       </p:sp>
       <p:graphicFrame>
         <p:nvGraphicFramePr>
-          <p:cNvPr id="6" name="Gráfico 5"/>
+          <p:cNvPr id="8" name="Gráfico 7"/>
           <p:cNvGraphicFramePr>
             <a:graphicFrameLocks/>
           </p:cNvGraphicFramePr>
           <p:nvPr>
             <p:extLst>
               <p:ext uri="{D42A27DB-BD31-4B8C-83A1-F6EECF244321}">
-                <p14:modId xmlns:p14="http://schemas.microsoft.com/office/powerpoint/2010/main" val="2330332430"/>
+                <p14:modId xmlns:p14="http://schemas.microsoft.com/office/powerpoint/2010/main" val="2510390213"/>
               </p:ext>
             </p:extLst>
           </p:nvPr>
         </p:nvGraphicFramePr>
         <p:xfrm>
-          <a:off x="1266422" y="1600200"/>
+          <a:off x="1566672" y="1600200"/>
           <a:ext cx="4400220" cy="3239040"/>
         </p:xfrm>
         <a:graphic>
@@ -15098,20 +15132,20 @@
       </p:sp>
       <p:graphicFrame>
         <p:nvGraphicFramePr>
-          <p:cNvPr id="5" name="Gráfico 4"/>
+          <p:cNvPr id="6" name="Gráfico 5"/>
           <p:cNvGraphicFramePr>
             <a:graphicFrameLocks/>
           </p:cNvGraphicFramePr>
           <p:nvPr>
             <p:extLst>
               <p:ext uri="{D42A27DB-BD31-4B8C-83A1-F6EECF244321}">
-                <p14:modId xmlns:p14="http://schemas.microsoft.com/office/powerpoint/2010/main" val="3582586850"/>
+                <p14:modId xmlns:p14="http://schemas.microsoft.com/office/powerpoint/2010/main" val="859124720"/>
               </p:ext>
             </p:extLst>
           </p:nvPr>
         </p:nvGraphicFramePr>
         <p:xfrm>
-          <a:off x="909694" y="1740244"/>
+          <a:off x="664034" y="1849426"/>
           <a:ext cx="5468515" cy="4059900"/>
         </p:xfrm>
         <a:graphic>
@@ -15338,20 +15372,20 @@
       </p:sp>
       <p:graphicFrame>
         <p:nvGraphicFramePr>
-          <p:cNvPr id="6" name="Gráfico 5"/>
+          <p:cNvPr id="7" name="Gráfico 6"/>
           <p:cNvGraphicFramePr>
             <a:graphicFrameLocks/>
           </p:cNvGraphicFramePr>
           <p:nvPr>
             <p:extLst>
               <p:ext uri="{D42A27DB-BD31-4B8C-83A1-F6EECF244321}">
-                <p14:modId xmlns:p14="http://schemas.microsoft.com/office/powerpoint/2010/main" val="2033789944"/>
+                <p14:modId xmlns:p14="http://schemas.microsoft.com/office/powerpoint/2010/main" val="1512659741"/>
               </p:ext>
             </p:extLst>
           </p:nvPr>
         </p:nvGraphicFramePr>
         <p:xfrm>
-          <a:off x="1200098" y="1836925"/>
+          <a:off x="1104564" y="1864221"/>
           <a:ext cx="4450980" cy="3238740"/>
         </p:xfrm>
         <a:graphic>
@@ -15527,20 +15561,20 @@
       </p:sp>
       <p:graphicFrame>
         <p:nvGraphicFramePr>
-          <p:cNvPr id="5" name="Gráfico 4"/>
+          <p:cNvPr id="6" name="Gráfico 5"/>
           <p:cNvGraphicFramePr>
             <a:graphicFrameLocks/>
           </p:cNvGraphicFramePr>
           <p:nvPr>
             <p:extLst>
               <p:ext uri="{D42A27DB-BD31-4B8C-83A1-F6EECF244321}">
-                <p14:modId xmlns:p14="http://schemas.microsoft.com/office/powerpoint/2010/main" val="3245944104"/>
+                <p14:modId xmlns:p14="http://schemas.microsoft.com/office/powerpoint/2010/main" val="945592026"/>
               </p:ext>
             </p:extLst>
           </p:nvPr>
         </p:nvGraphicFramePr>
         <p:xfrm>
-          <a:off x="1614009" y="2014286"/>
+          <a:off x="1586713" y="2178059"/>
           <a:ext cx="4250955" cy="3238860"/>
         </p:xfrm>
         <a:graphic>
@@ -15721,7 +15755,7 @@
       </p:sp>
       <p:pic>
         <p:nvPicPr>
-          <p:cNvPr id="3" name="Imagen 2"/>
+          <p:cNvPr id="2" name="Imagen 1"/>
           <p:cNvPicPr>
             <a:picLocks noChangeAspect="1"/>
           </p:cNvPicPr>
@@ -15735,8 +15769,8 @@
         </p:blipFill>
         <p:spPr>
           <a:xfrm>
-            <a:off x="40944" y="1170720"/>
-            <a:ext cx="9039733" cy="1326820"/>
+            <a:off x="122832" y="1131055"/>
+            <a:ext cx="8935715" cy="1448372"/>
           </a:xfrm>
           <a:prstGeom prst="rect">
             <a:avLst/>
@@ -15745,7 +15779,7 @@
       </p:pic>
       <p:pic>
         <p:nvPicPr>
-          <p:cNvPr id="4" name="Imagen 3"/>
+          <p:cNvPr id="6" name="Imagen 5"/>
           <p:cNvPicPr>
             <a:picLocks noChangeAspect="1"/>
           </p:cNvPicPr>
@@ -15759,8 +15793,8 @@
         </p:blipFill>
         <p:spPr>
           <a:xfrm>
-            <a:off x="55403" y="2687979"/>
-            <a:ext cx="4196884" cy="1351757"/>
+            <a:off x="122831" y="2873897"/>
+            <a:ext cx="4135405" cy="1448006"/>
           </a:xfrm>
           <a:prstGeom prst="rect">
             <a:avLst/>
@@ -15769,7 +15803,7 @@
       </p:pic>
       <p:pic>
         <p:nvPicPr>
-          <p:cNvPr id="5" name="Imagen 4"/>
+          <p:cNvPr id="7" name="Imagen 6"/>
           <p:cNvPicPr>
             <a:picLocks noChangeAspect="1"/>
           </p:cNvPicPr>
@@ -15783,8 +15817,8 @@
         </p:blipFill>
         <p:spPr>
           <a:xfrm>
-            <a:off x="4733077" y="4307074"/>
-            <a:ext cx="3470963" cy="1381301"/>
+            <a:off x="4885374" y="4253222"/>
+            <a:ext cx="3287663" cy="1315065"/>
           </a:xfrm>
           <a:prstGeom prst="rect">
             <a:avLst/>
@@ -15954,7 +15988,37 @@
                 <a:latin typeface="Arial"/>
                 <a:ea typeface="DejaVu Sans"/>
               </a:rPr>
-              <a:t>Se nota un incremento en ventas </a:t>
+              <a:t>Se nota un </a:t>
+            </a:r>
+            <a:r>
+              <a:rPr lang="es-MX" dirty="0" smtClean="0">
+                <a:solidFill>
+                  <a:srgbClr val="000000"/>
+                </a:solidFill>
+                <a:latin typeface="Arial"/>
+                <a:ea typeface="DejaVu Sans"/>
+              </a:rPr>
+              <a:t>de</a:t>
+            </a:r>
+            <a:r>
+              <a:rPr lang="es-MX" strike="noStrike" dirty="0" smtClean="0">
+                <a:solidFill>
+                  <a:srgbClr val="000000"/>
+                </a:solidFill>
+                <a:latin typeface="Arial"/>
+                <a:ea typeface="DejaVu Sans"/>
+              </a:rPr>
+              <a:t>cremento </a:t>
+            </a:r>
+            <a:r>
+              <a:rPr lang="es-MX" strike="noStrike" dirty="0" smtClean="0">
+                <a:solidFill>
+                  <a:srgbClr val="000000"/>
+                </a:solidFill>
+                <a:latin typeface="Arial"/>
+                <a:ea typeface="DejaVu Sans"/>
+              </a:rPr>
+              <a:t>en ventas </a:t>
             </a:r>
             <a:r>
               <a:rPr lang="es-MX" dirty="0" smtClean="0">
@@ -16002,20 +16066,20 @@
       </p:sp>
       <p:graphicFrame>
         <p:nvGraphicFramePr>
-          <p:cNvPr id="5" name="Gráfico 4"/>
+          <p:cNvPr id="6" name="Gráfico 5"/>
           <p:cNvGraphicFramePr>
             <a:graphicFrameLocks/>
           </p:cNvGraphicFramePr>
           <p:nvPr>
             <p:extLst>
               <p:ext uri="{D42A27DB-BD31-4B8C-83A1-F6EECF244321}">
-                <p14:modId xmlns:p14="http://schemas.microsoft.com/office/powerpoint/2010/main" val="2850555238"/>
+                <p14:modId xmlns:p14="http://schemas.microsoft.com/office/powerpoint/2010/main" val="3652080644"/>
               </p:ext>
             </p:extLst>
           </p:nvPr>
         </p:nvGraphicFramePr>
         <p:xfrm>
-          <a:off x="1417151" y="1212589"/>
+          <a:off x="1395764" y="1363500"/>
           <a:ext cx="4590080" cy="2740500"/>
         </p:xfrm>
         <a:graphic>
@@ -16202,7 +16266,7 @@
                 <a:spcPct val="100000"/>
               </a:lnSpc>
             </a:pPr>
-            <a:endParaRPr/>
+            <a:endParaRPr dirty="0"/>
           </a:p>
           <a:p>
             <a:pPr>
@@ -16210,7 +16274,7 @@
                 <a:spcPct val="100000"/>
               </a:lnSpc>
             </a:pPr>
-            <a:endParaRPr/>
+            <a:endParaRPr dirty="0"/>
           </a:p>
           <a:p>
             <a:pPr>
@@ -16218,7 +16282,7 @@
                 <a:spcPct val="100000"/>
               </a:lnSpc>
             </a:pPr>
-            <a:endParaRPr/>
+            <a:endParaRPr dirty="0"/>
           </a:p>
           <a:p>
             <a:pPr>
@@ -16226,7 +16290,7 @@
                 <a:spcPct val="100000"/>
               </a:lnSpc>
             </a:pPr>
-            <a:endParaRPr/>
+            <a:endParaRPr dirty="0"/>
           </a:p>
           <a:p>
             <a:pPr>
@@ -16235,16 +16299,36 @@
               </a:lnSpc>
             </a:pPr>
             <a:r>
-              <a:rPr lang="es-MX" strike="noStrike">
+              <a:rPr lang="es-MX" strike="noStrike" dirty="0">
                 <a:solidFill>
                   <a:srgbClr val="000000"/>
                 </a:solidFill>
                 <a:latin typeface="Times New Roman"/>
                 <a:ea typeface="DejaVu Sans"/>
               </a:rPr>
-              <a:t>Análisis: Sin nada importante a destacar, el promedio general de las encuestas se encuentra sobre 96 pts</a:t>
+              <a:t>Análisis: Sin nada importante a destacar, el promedio general de las encuestas se encuentra sobre </a:t>
             </a:r>
-            <a:endParaRPr/>
+            <a:r>
+              <a:rPr lang="es-MX" strike="noStrike" dirty="0" smtClean="0">
+                <a:solidFill>
+                  <a:srgbClr val="000000"/>
+                </a:solidFill>
+                <a:latin typeface="Times New Roman"/>
+                <a:ea typeface="DejaVu Sans"/>
+              </a:rPr>
+              <a:t>97 </a:t>
+            </a:r>
+            <a:r>
+              <a:rPr lang="es-MX" strike="noStrike" dirty="0" err="1">
+                <a:solidFill>
+                  <a:srgbClr val="000000"/>
+                </a:solidFill>
+                <a:latin typeface="Times New Roman"/>
+                <a:ea typeface="DejaVu Sans"/>
+              </a:rPr>
+              <a:t>pts</a:t>
+            </a:r>
+            <a:endParaRPr dirty="0"/>
           </a:p>
         </p:txBody>
       </p:sp>
@@ -16284,7 +16368,7 @@
           <a:lstStyle/>
           <a:p>
             <a:r>
-              <a:rPr lang="es-MX" strike="noStrike">
+              <a:rPr lang="es-MX" strike="noStrike" dirty="0">
                 <a:solidFill>
                   <a:srgbClr val="000000"/>
                 </a:solidFill>
@@ -16293,26 +16377,10 @@
               </a:rPr>
               <a:t>Análisis basado en un muestreo de tickets mensual</a:t>
             </a:r>
-            <a:endParaRPr/>
-          </a:p>
-        </p:txBody>
-      </p:sp>
-      <p:graphicFrame>
-        <p:nvGraphicFramePr>
-          <p:cNvPr id="259" name="Gráfico 258"/>
-          <p:cNvGraphicFramePr/>
-          <p:nvPr/>
-        </p:nvGraphicFramePr>
-        <p:xfrm>
-          <a:off x="150840" y="1362240"/>
-          <a:ext cx="5463720" cy="2740320"/>
-        </p:xfrm>
-        <a:graphic>
-          <a:graphicData uri="http://schemas.openxmlformats.org/drawingml/2006/chart">
-            <c:chart xmlns:c="http://schemas.openxmlformats.org/drawingml/2006/chart" xmlns:r="http://schemas.openxmlformats.org/officeDocument/2006/relationships" r:id="rId2"/>
-          </a:graphicData>
-        </a:graphic>
-      </p:graphicFrame>
+            <a:endParaRPr dirty="0"/>
+          </a:p>
+        </p:txBody>
+      </p:sp>
       <p:sp>
         <p:nvSpPr>
           <p:cNvPr id="260" name="CustomShape 5"/>
@@ -16371,6 +16439,30 @@
           </a:p>
         </p:txBody>
       </p:sp>
+      <p:graphicFrame>
+        <p:nvGraphicFramePr>
+          <p:cNvPr id="8" name="Gráfico 7"/>
+          <p:cNvGraphicFramePr>
+            <a:graphicFrameLocks/>
+          </p:cNvGraphicFramePr>
+          <p:nvPr>
+            <p:extLst>
+              <p:ext uri="{D42A27DB-BD31-4B8C-83A1-F6EECF244321}">
+                <p14:modId xmlns:p14="http://schemas.microsoft.com/office/powerpoint/2010/main" val="2149711875"/>
+              </p:ext>
+            </p:extLst>
+          </p:nvPr>
+        </p:nvGraphicFramePr>
+        <p:xfrm>
+          <a:off x="872060" y="2083140"/>
+          <a:ext cx="4588440" cy="2740860"/>
+        </p:xfrm>
+        <a:graphic>
+          <a:graphicData uri="http://schemas.openxmlformats.org/drawingml/2006/chart">
+            <c:chart xmlns:c="http://schemas.openxmlformats.org/drawingml/2006/chart" xmlns:r="http://schemas.openxmlformats.org/officeDocument/2006/relationships" r:id="rId2"/>
+          </a:graphicData>
+        </a:graphic>
+      </p:graphicFrame>
     </p:spTree>
   </p:cSld>
   <p:clrMapOvr>
@@ -16713,14 +16805,14 @@
           <p:nvPr>
             <p:extLst>
               <p:ext uri="{D42A27DB-BD31-4B8C-83A1-F6EECF244321}">
-                <p14:modId xmlns:p14="http://schemas.microsoft.com/office/powerpoint/2010/main" val="2189937179"/>
+                <p14:modId xmlns:p14="http://schemas.microsoft.com/office/powerpoint/2010/main" val="3512181373"/>
               </p:ext>
             </p:extLst>
           </p:nvPr>
         </p:nvGraphicFramePr>
         <p:xfrm>
           <a:off x="1523880" y="1397160"/>
-          <a:ext cx="6095520" cy="2694000"/>
+          <a:ext cx="6095520" cy="3123840"/>
         </p:xfrm>
         <a:graphic>
           <a:graphicData uri="http://schemas.openxmlformats.org/drawingml/2006/table">
@@ -17115,6 +17207,62 @@
                   <a:tcPr/>
                 </a:tc>
               </a:tr>
+              <a:tr h="429840">
+                <a:tc>
+                  <a:txBody>
+                    <a:bodyPr/>
+                    <a:lstStyle/>
+                    <a:p>
+                      <a:r>
+                        <a:rPr lang="es-MX" sz="1400" dirty="0" smtClean="0">
+                          <a:latin typeface="+mn-lt"/>
+                        </a:rPr>
+                        <a:t>Venta Mensual Mayo</a:t>
+                      </a:r>
+                      <a:endParaRPr sz="1400" dirty="0">
+                        <a:latin typeface="+mn-lt"/>
+                      </a:endParaRPr>
+                    </a:p>
+                  </a:txBody>
+                  <a:tcPr/>
+                </a:tc>
+                <a:tc>
+                  <a:txBody>
+                    <a:bodyPr/>
+                    <a:lstStyle/>
+                    <a:p>
+                      <a:r>
+                        <a:rPr lang="es-MX" sz="1400" dirty="0" smtClean="0">
+                          <a:latin typeface="+mn-lt"/>
+                        </a:rPr>
+                        <a:t>03/06/2016</a:t>
+                      </a:r>
+                      <a:endParaRPr sz="1400" dirty="0">
+                        <a:latin typeface="+mn-lt"/>
+                      </a:endParaRPr>
+                    </a:p>
+                  </a:txBody>
+                  <a:tcPr/>
+                </a:tc>
+                <a:tc>
+                  <a:txBody>
+                    <a:bodyPr/>
+                    <a:lstStyle/>
+                    <a:p>
+                      <a:r>
+                        <a:rPr lang="es-MX" sz="1400" dirty="0" smtClean="0">
+                          <a:latin typeface="+mn-lt"/>
+                        </a:rPr>
+                        <a:t>06/06/2016</a:t>
+                      </a:r>
+                      <a:endParaRPr sz="1400" dirty="0">
+                        <a:latin typeface="+mn-lt"/>
+                      </a:endParaRPr>
+                    </a:p>
+                  </a:txBody>
+                  <a:tcPr/>
+                </a:tc>
+              </a:tr>
             </a:tbl>
           </a:graphicData>
         </a:graphic>
@@ -17313,7 +17461,17 @@
                 <a:latin typeface="Arial"/>
                 <a:ea typeface="DejaVu Sans"/>
               </a:rPr>
-              <a:t>productos vendidos en el mes de abril.</a:t>
+              <a:t>productos vendidos en el mes de </a:t>
+            </a:r>
+            <a:r>
+              <a:rPr lang="es-MX" sz="2200" strike="noStrike" dirty="0" smtClean="0">
+                <a:solidFill>
+                  <a:srgbClr val="000000"/>
+                </a:solidFill>
+                <a:latin typeface="Arial"/>
+                <a:ea typeface="DejaVu Sans"/>
+              </a:rPr>
+              <a:t>mayo.</a:t>
             </a:r>
             <a:endParaRPr dirty="0"/>
           </a:p>
@@ -17321,7 +17479,7 @@
       </p:sp>
       <p:pic>
         <p:nvPicPr>
-          <p:cNvPr id="2" name="Imagen 1"/>
+          <p:cNvPr id="3" name="Imagen 2"/>
           <p:cNvPicPr>
             <a:picLocks noChangeAspect="1"/>
           </p:cNvPicPr>
@@ -17335,8 +17493,8 @@
         </p:blipFill>
         <p:spPr>
           <a:xfrm>
-            <a:off x="2453440" y="1230709"/>
-            <a:ext cx="4235320" cy="3593291"/>
+            <a:off x="2104443" y="1416959"/>
+            <a:ext cx="5087927" cy="3521557"/>
           </a:xfrm>
           <a:prstGeom prst="rect">
             <a:avLst/>
@@ -17507,7 +17665,17 @@
                 <a:latin typeface="Arial"/>
                 <a:ea typeface="DejaVu Sans"/>
               </a:rPr>
-              <a:t>Menos de la mitad de las </a:t>
+              <a:t>Solo una de </a:t>
+            </a:r>
+            <a:r>
+              <a:rPr lang="es-MX" sz="2200" strike="noStrike" dirty="0" smtClean="0">
+                <a:solidFill>
+                  <a:srgbClr val="000000"/>
+                </a:solidFill>
+                <a:latin typeface="Arial"/>
+                <a:ea typeface="DejaVu Sans"/>
+              </a:rPr>
+              <a:t>las </a:t>
             </a:r>
             <a:r>
               <a:rPr lang="es-MX" sz="2200" strike="noStrike" dirty="0">
@@ -17517,7 +17685,37 @@
                 <a:latin typeface="Arial"/>
                 <a:ea typeface="DejaVu Sans"/>
               </a:rPr>
-              <a:t>actividades del mes no fueron realizadas en tiempo en su mayoría, </a:t>
+              <a:t>actividades del mes </a:t>
+            </a:r>
+            <a:r>
+              <a:rPr lang="es-MX" sz="2200" strike="noStrike" dirty="0" smtClean="0">
+                <a:solidFill>
+                  <a:srgbClr val="000000"/>
+                </a:solidFill>
+                <a:latin typeface="Arial"/>
+                <a:ea typeface="DejaVu Sans"/>
+              </a:rPr>
+              <a:t>fue realizada </a:t>
+            </a:r>
+            <a:r>
+              <a:rPr lang="es-MX" sz="2200" dirty="0" smtClean="0">
+                <a:solidFill>
+                  <a:srgbClr val="000000"/>
+                </a:solidFill>
+                <a:latin typeface="Arial"/>
+                <a:ea typeface="DejaVu Sans"/>
+              </a:rPr>
+              <a:t>a </a:t>
+            </a:r>
+            <a:r>
+              <a:rPr lang="es-MX" sz="2200" strike="noStrike" dirty="0" smtClean="0">
+                <a:solidFill>
+                  <a:srgbClr val="000000"/>
+                </a:solidFill>
+                <a:latin typeface="Arial"/>
+                <a:ea typeface="DejaVu Sans"/>
+              </a:rPr>
+              <a:t>tiempo, </a:t>
             </a:r>
             <a:r>
               <a:rPr lang="es-MX" sz="2200" strike="noStrike" dirty="0" smtClean="0">
@@ -17633,20 +17831,20 @@
       </p:sp>
       <p:graphicFrame>
         <p:nvGraphicFramePr>
-          <p:cNvPr id="6" name="Gráfico 5"/>
+          <p:cNvPr id="7" name="Gráfico 6"/>
           <p:cNvGraphicFramePr>
             <a:graphicFrameLocks/>
           </p:cNvGraphicFramePr>
           <p:nvPr>
             <p:extLst>
               <p:ext uri="{D42A27DB-BD31-4B8C-83A1-F6EECF244321}">
-                <p14:modId xmlns:p14="http://schemas.microsoft.com/office/powerpoint/2010/main" val="4100848327"/>
+                <p14:modId xmlns:p14="http://schemas.microsoft.com/office/powerpoint/2010/main" val="2947010970"/>
               </p:ext>
             </p:extLst>
           </p:nvPr>
         </p:nvGraphicFramePr>
         <p:xfrm>
-          <a:off x="2071707" y="1512000"/>
+          <a:off x="2198040" y="1512000"/>
           <a:ext cx="4673040" cy="2755560"/>
         </p:xfrm>
         <a:graphic>
@@ -17839,20 +18037,20 @@
       </p:sp>
       <p:graphicFrame>
         <p:nvGraphicFramePr>
-          <p:cNvPr id="5" name="Gráfico 4"/>
+          <p:cNvPr id="6" name="Gráfico 5"/>
           <p:cNvGraphicFramePr>
             <a:graphicFrameLocks/>
           </p:cNvGraphicFramePr>
           <p:nvPr>
             <p:extLst>
               <p:ext uri="{D42A27DB-BD31-4B8C-83A1-F6EECF244321}">
-                <p14:modId xmlns:p14="http://schemas.microsoft.com/office/powerpoint/2010/main" val="2245050057"/>
+                <p14:modId xmlns:p14="http://schemas.microsoft.com/office/powerpoint/2010/main" val="3343505160"/>
               </p:ext>
             </p:extLst>
           </p:nvPr>
         </p:nvGraphicFramePr>
         <p:xfrm>
-          <a:off x="1475792" y="1722165"/>
+          <a:off x="1325667" y="1572039"/>
           <a:ext cx="4336320" cy="3604740"/>
         </p:xfrm>
         <a:graphic>
@@ -17969,7 +18167,7 @@
       </p:sp>
       <p:pic>
         <p:nvPicPr>
-          <p:cNvPr id="2" name="Imagen 1"/>
+          <p:cNvPr id="4" name="Imagen 3"/>
           <p:cNvPicPr>
             <a:picLocks noChangeAspect="1"/>
           </p:cNvPicPr>
@@ -17983,8 +18181,8 @@
         </p:blipFill>
         <p:spPr>
           <a:xfrm>
-            <a:off x="952952" y="2186143"/>
-            <a:ext cx="7238095" cy="2485714"/>
+            <a:off x="721501" y="1576710"/>
+            <a:ext cx="7695238" cy="2885714"/>
           </a:xfrm>
           <a:prstGeom prst="rect">
             <a:avLst/>
@@ -19058,60 +19256,70 @@
                 <a:latin typeface="Times New Roman"/>
                 <a:ea typeface="DejaVu Sans"/>
               </a:rPr>
-              <a:t>El esfuerzo del área de ventas se encuentra arriba del 50 porciento lo cual representa un nivel bajo en ventas. Soporte esta casi por llegar a su meta.</a:t>
+              <a:t>El esfuerzo del área de ventas se encuentra arriba del 50 porciento lo cual representa un nivel bajo en ventas. Soporte </a:t>
+            </a:r>
+            <a:r>
+              <a:rPr lang="es-MX" strike="noStrike" dirty="0" smtClean="0">
+                <a:solidFill>
+                  <a:srgbClr val="000000"/>
+                </a:solidFill>
+                <a:latin typeface="Times New Roman"/>
+                <a:ea typeface="DejaVu Sans"/>
+              </a:rPr>
+              <a:t>esta por encima de lo planeado lo que indica una sobrecarga en el mes de mayo.</a:t>
             </a:r>
             <a:endParaRPr dirty="0"/>
           </a:p>
         </p:txBody>
       </p:sp>
+      <p:pic>
+        <p:nvPicPr>
+          <p:cNvPr id="4" name="Imagen 3"/>
+          <p:cNvPicPr>
+            <a:picLocks noChangeAspect="1"/>
+          </p:cNvPicPr>
+          <p:nvPr/>
+        </p:nvPicPr>
+        <p:blipFill>
+          <a:blip r:embed="rId2"/>
+          <a:stretch>
+            <a:fillRect/>
+          </a:stretch>
+        </p:blipFill>
+        <p:spPr>
+          <a:xfrm>
+            <a:off x="150216" y="1127152"/>
+            <a:ext cx="6859693" cy="1711581"/>
+          </a:xfrm>
+          <a:prstGeom prst="rect">
+            <a:avLst/>
+          </a:prstGeom>
+        </p:spPr>
+      </p:pic>
       <p:graphicFrame>
         <p:nvGraphicFramePr>
-          <p:cNvPr id="8" name="Gráfico 7"/>
+          <p:cNvPr id="9" name="Gráfico 8"/>
           <p:cNvGraphicFramePr>
             <a:graphicFrameLocks/>
           </p:cNvGraphicFramePr>
           <p:nvPr>
             <p:extLst>
               <p:ext uri="{D42A27DB-BD31-4B8C-83A1-F6EECF244321}">
-                <p14:modId xmlns:p14="http://schemas.microsoft.com/office/powerpoint/2010/main" val="2818048225"/>
+                <p14:modId xmlns:p14="http://schemas.microsoft.com/office/powerpoint/2010/main" val="2581884793"/>
               </p:ext>
             </p:extLst>
           </p:nvPr>
         </p:nvGraphicFramePr>
         <p:xfrm>
-          <a:off x="1192789" y="2963499"/>
+          <a:off x="993013" y="3029173"/>
           <a:ext cx="4319240" cy="3516840"/>
         </p:xfrm>
         <a:graphic>
           <a:graphicData uri="http://schemas.openxmlformats.org/drawingml/2006/chart">
-            <c:chart xmlns:c="http://schemas.openxmlformats.org/drawingml/2006/chart" xmlns:r="http://schemas.openxmlformats.org/officeDocument/2006/relationships" r:id="rId2"/>
+            <c:chart xmlns:c="http://schemas.openxmlformats.org/drawingml/2006/chart" xmlns:r="http://schemas.openxmlformats.org/officeDocument/2006/relationships" r:id="rId3"/>
           </a:graphicData>
         </a:graphic>
       </p:graphicFrame>
-      <p:pic>
-        <p:nvPicPr>
-          <p:cNvPr id="2" name="Imagen 1"/>
-          <p:cNvPicPr>
-            <a:picLocks noChangeAspect="1"/>
-          </p:cNvPicPr>
-          <p:nvPr/>
-        </p:nvPicPr>
-        <p:blipFill>
-          <a:blip r:embed="rId3"/>
-          <a:stretch>
-            <a:fillRect/>
-          </a:stretch>
-        </p:blipFill>
-        <p:spPr>
-          <a:xfrm>
-            <a:off x="1192789" y="1215816"/>
-            <a:ext cx="6832095" cy="1504924"/>
-          </a:xfrm>
-          <a:prstGeom prst="rect">
-            <a:avLst/>
-          </a:prstGeom>
-        </p:spPr>
-      </p:pic>
     </p:spTree>
   </p:cSld>
   <p:clrMapOvr>
@@ -19257,20 +19465,20 @@
       </p:sp>
       <p:graphicFrame>
         <p:nvGraphicFramePr>
-          <p:cNvPr id="5" name="Gráfico 4"/>
+          <p:cNvPr id="6" name="Gráfico 5"/>
           <p:cNvGraphicFramePr>
             <a:graphicFrameLocks/>
           </p:cNvGraphicFramePr>
           <p:nvPr>
             <p:extLst>
               <p:ext uri="{D42A27DB-BD31-4B8C-83A1-F6EECF244321}">
-                <p14:modId xmlns:p14="http://schemas.microsoft.com/office/powerpoint/2010/main" val="1549067197"/>
+                <p14:modId xmlns:p14="http://schemas.microsoft.com/office/powerpoint/2010/main" val="464803700"/>
               </p:ext>
             </p:extLst>
           </p:nvPr>
         </p:nvGraphicFramePr>
         <p:xfrm>
-          <a:off x="922794" y="1637494"/>
+          <a:off x="2410400" y="1664790"/>
           <a:ext cx="4323200" cy="3528420"/>
         </p:xfrm>
         <a:graphic>
@@ -19382,20 +19590,20 @@
       </p:sp>
       <p:graphicFrame>
         <p:nvGraphicFramePr>
-          <p:cNvPr id="4" name="Gráfico 3"/>
+          <p:cNvPr id="5" name="Gráfico 4"/>
           <p:cNvGraphicFramePr>
             <a:graphicFrameLocks/>
           </p:cNvGraphicFramePr>
           <p:nvPr>
             <p:extLst>
               <p:ext uri="{D42A27DB-BD31-4B8C-83A1-F6EECF244321}">
-                <p14:modId xmlns:p14="http://schemas.microsoft.com/office/powerpoint/2010/main" val="3667028822"/>
+                <p14:modId xmlns:p14="http://schemas.microsoft.com/office/powerpoint/2010/main" val="810989908"/>
               </p:ext>
             </p:extLst>
           </p:nvPr>
         </p:nvGraphicFramePr>
         <p:xfrm>
-          <a:off x="792000" y="1745056"/>
+          <a:off x="2450980" y="1663170"/>
           <a:ext cx="4242040" cy="3531660"/>
         </p:xfrm>
         <a:graphic>
@@ -19507,14 +19715,14 @@
       </p:sp>
       <p:graphicFrame>
         <p:nvGraphicFramePr>
-          <p:cNvPr id="4" name="Gráfico 3"/>
+          <p:cNvPr id="5" name="Gráfico 4"/>
           <p:cNvGraphicFramePr>
             <a:graphicFrameLocks/>
           </p:cNvGraphicFramePr>
           <p:nvPr>
             <p:extLst>
               <p:ext uri="{D42A27DB-BD31-4B8C-83A1-F6EECF244321}">
-                <p14:modId xmlns:p14="http://schemas.microsoft.com/office/powerpoint/2010/main" val="788416926"/>
+                <p14:modId xmlns:p14="http://schemas.microsoft.com/office/powerpoint/2010/main" val="2654136772"/>
               </p:ext>
             </p:extLst>
           </p:nvPr>

--- a/Proyectos/2016/Métricas y monitoreo/Reporte_monitoreo_2016.pptx
+++ b/Proyectos/2016/Métricas y monitoreo/Reporte_monitoreo_2016.pptx
@@ -267,7 +267,7 @@
                   <c:v>154239.88</c:v>
                 </c:pt>
                 <c:pt idx="4">
-                  <c:v>0</c:v>
+                  <c:v>154239.88</c:v>
                 </c:pt>
                 <c:pt idx="5">
                   <c:v>0</c:v>
@@ -416,7 +416,7 @@
                   <c:v>77603.08</c:v>
                 </c:pt>
                 <c:pt idx="4" formatCode="#,##0.00">
-                  <c:v>0</c:v>
+                  <c:v>82510.92</c:v>
                 </c:pt>
                 <c:pt idx="5" formatCode="#,##0.00">
                   <c:v>0</c:v>
@@ -467,11 +467,11 @@
         </c:dLbls>
         <c:gapWidth val="219"/>
         <c:overlap val="-27"/>
-        <c:axId val="181839272"/>
-        <c:axId val="181841232"/>
+        <c:axId val="318647112"/>
+        <c:axId val="318642800"/>
       </c:barChart>
       <c:catAx>
-        <c:axId val="181839272"/>
+        <c:axId val="318647112"/>
         <c:scaling>
           <c:orientation val="minMax"/>
         </c:scaling>
@@ -489,7 +489,7 @@
             <a:round/>
           </a:ln>
         </c:spPr>
-        <c:crossAx val="181841232"/>
+        <c:crossAx val="318642800"/>
         <c:crosses val="autoZero"/>
         <c:auto val="1"/>
         <c:lblAlgn val="ctr"/>
@@ -497,7 +497,7 @@
         <c:noMultiLvlLbl val="1"/>
       </c:catAx>
       <c:valAx>
-        <c:axId val="181841232"/>
+        <c:axId val="318642800"/>
         <c:scaling>
           <c:orientation val="minMax"/>
         </c:scaling>
@@ -522,7 +522,7 @@
             <a:noFill/>
           </a:ln>
         </c:spPr>
-        <c:crossAx val="181839272"/>
+        <c:crossAx val="318647112"/>
         <c:crosses val="autoZero"/>
         <c:crossBetween val="between"/>
       </c:valAx>
@@ -684,11 +684,11 @@
           <c:showBubbleSize val="0"/>
         </c:dLbls>
         <c:gapWidth val="100"/>
-        <c:axId val="306553160"/>
-        <c:axId val="306549632"/>
+        <c:axId val="247656840"/>
+        <c:axId val="247649392"/>
       </c:barChart>
       <c:catAx>
-        <c:axId val="306553160"/>
+        <c:axId val="247656840"/>
         <c:scaling>
           <c:orientation val="minMax"/>
         </c:scaling>
@@ -705,7 +705,7 @@
             </a:solidFill>
           </a:ln>
         </c:spPr>
-        <c:crossAx val="306549632"/>
+        <c:crossAx val="247649392"/>
         <c:crosses val="autoZero"/>
         <c:auto val="1"/>
         <c:lblAlgn val="ctr"/>
@@ -713,7 +713,7 @@
         <c:noMultiLvlLbl val="1"/>
       </c:catAx>
       <c:valAx>
-        <c:axId val="306549632"/>
+        <c:axId val="247649392"/>
         <c:scaling>
           <c:orientation val="minMax"/>
         </c:scaling>
@@ -739,7 +739,7 @@
             </a:solidFill>
           </a:ln>
         </c:spPr>
-        <c:crossAx val="306553160"/>
+        <c:crossAx val="247656840"/>
         <c:crosses val="autoZero"/>
         <c:crossBetween val="between"/>
       </c:valAx>
@@ -913,11 +913,11 @@
           <c:showBubbleSize val="0"/>
         </c:dLbls>
         <c:gapWidth val="100"/>
-        <c:axId val="212626808"/>
-        <c:axId val="212627200"/>
+        <c:axId val="247654880"/>
+        <c:axId val="247650176"/>
       </c:barChart>
       <c:catAx>
-        <c:axId val="212626808"/>
+        <c:axId val="247654880"/>
         <c:scaling>
           <c:orientation val="minMax"/>
         </c:scaling>
@@ -934,7 +934,7 @@
             </a:solidFill>
           </a:ln>
         </c:spPr>
-        <c:crossAx val="212627200"/>
+        <c:crossAx val="247650176"/>
         <c:crosses val="autoZero"/>
         <c:auto val="1"/>
         <c:lblAlgn val="ctr"/>
@@ -942,7 +942,7 @@
         <c:noMultiLvlLbl val="1"/>
       </c:catAx>
       <c:valAx>
-        <c:axId val="212627200"/>
+        <c:axId val="247650176"/>
         <c:scaling>
           <c:orientation val="minMax"/>
         </c:scaling>
@@ -968,7 +968,7 @@
             </a:solidFill>
           </a:ln>
         </c:spPr>
-        <c:crossAx val="212626808"/>
+        <c:crossAx val="247654880"/>
         <c:crosses val="autoZero"/>
         <c:crossBetween val="between"/>
       </c:valAx>
@@ -1155,11 +1155,11 @@
           <c:showBubbleSize val="0"/>
         </c:dLbls>
         <c:gapWidth val="100"/>
-        <c:axId val="300537128"/>
-        <c:axId val="300544576"/>
+        <c:axId val="247650960"/>
+        <c:axId val="247654096"/>
       </c:barChart>
       <c:catAx>
-        <c:axId val="300537128"/>
+        <c:axId val="247650960"/>
         <c:scaling>
           <c:orientation val="minMax"/>
         </c:scaling>
@@ -1176,7 +1176,7 @@
             </a:solidFill>
           </a:ln>
         </c:spPr>
-        <c:crossAx val="300544576"/>
+        <c:crossAx val="247654096"/>
         <c:crosses val="autoZero"/>
         <c:auto val="1"/>
         <c:lblAlgn val="ctr"/>
@@ -1184,7 +1184,7 @@
         <c:noMultiLvlLbl val="1"/>
       </c:catAx>
       <c:valAx>
-        <c:axId val="300544576"/>
+        <c:axId val="247654096"/>
         <c:scaling>
           <c:orientation val="minMax"/>
         </c:scaling>
@@ -1210,7 +1210,7 @@
             </a:solidFill>
           </a:ln>
         </c:spPr>
-        <c:crossAx val="300537128"/>
+        <c:crossAx val="247650960"/>
         <c:crosses val="autoZero"/>
         <c:crossBetween val="between"/>
       </c:valAx>
@@ -1383,11 +1383,11 @@
           <c:showBubbleSize val="0"/>
         </c:dLbls>
         <c:gapWidth val="100"/>
-        <c:axId val="305088512"/>
-        <c:axId val="305094000"/>
+        <c:axId val="247651352"/>
+        <c:axId val="247654488"/>
       </c:barChart>
       <c:catAx>
-        <c:axId val="305088512"/>
+        <c:axId val="247651352"/>
         <c:scaling>
           <c:orientation val="minMax"/>
         </c:scaling>
@@ -1404,7 +1404,7 @@
             </a:solidFill>
           </a:ln>
         </c:spPr>
-        <c:crossAx val="305094000"/>
+        <c:crossAx val="247654488"/>
         <c:crosses val="autoZero"/>
         <c:auto val="1"/>
         <c:lblAlgn val="ctr"/>
@@ -1412,7 +1412,7 @@
         <c:noMultiLvlLbl val="1"/>
       </c:catAx>
       <c:valAx>
-        <c:axId val="305094000"/>
+        <c:axId val="247654488"/>
         <c:scaling>
           <c:orientation val="minMax"/>
         </c:scaling>
@@ -1438,7 +1438,7 @@
             </a:solidFill>
           </a:ln>
         </c:spPr>
-        <c:crossAx val="305088512"/>
+        <c:crossAx val="247651352"/>
         <c:crosses val="autoZero"/>
         <c:crossBetween val="between"/>
       </c:valAx>
@@ -1600,11 +1600,11 @@
           <c:showBubbleSize val="0"/>
         </c:dLbls>
         <c:gapWidth val="100"/>
-        <c:axId val="306553552"/>
-        <c:axId val="306548064"/>
+        <c:axId val="247651744"/>
+        <c:axId val="247652528"/>
       </c:barChart>
       <c:catAx>
-        <c:axId val="306553552"/>
+        <c:axId val="247651744"/>
         <c:scaling>
           <c:orientation val="minMax"/>
         </c:scaling>
@@ -1621,7 +1621,7 @@
             </a:solidFill>
           </a:ln>
         </c:spPr>
-        <c:crossAx val="306548064"/>
+        <c:crossAx val="247652528"/>
         <c:crosses val="autoZero"/>
         <c:auto val="1"/>
         <c:lblAlgn val="ctr"/>
@@ -1629,7 +1629,7 @@
         <c:noMultiLvlLbl val="1"/>
       </c:catAx>
       <c:valAx>
-        <c:axId val="306548064"/>
+        <c:axId val="247652528"/>
         <c:scaling>
           <c:orientation val="minMax"/>
         </c:scaling>
@@ -1655,7 +1655,7 @@
             </a:solidFill>
           </a:ln>
         </c:spPr>
-        <c:crossAx val="306553552"/>
+        <c:crossAx val="247651744"/>
         <c:crosses val="autoZero"/>
         <c:crossBetween val="between"/>
       </c:valAx>
@@ -1997,11 +1997,11 @@
         </c:dLbls>
         <c:gapWidth val="219"/>
         <c:overlap val="-27"/>
-        <c:axId val="213730128"/>
-        <c:axId val="213730912"/>
+        <c:axId val="248061144"/>
+        <c:axId val="248060752"/>
       </c:barChart>
       <c:catAx>
-        <c:axId val="213730128"/>
+        <c:axId val="248061144"/>
         <c:scaling>
           <c:orientation val="minMax"/>
         </c:scaling>
@@ -2019,7 +2019,7 @@
             <a:round/>
           </a:ln>
         </c:spPr>
-        <c:crossAx val="213730912"/>
+        <c:crossAx val="248060752"/>
         <c:crosses val="autoZero"/>
         <c:auto val="1"/>
         <c:lblAlgn val="ctr"/>
@@ -2027,7 +2027,7 @@
         <c:noMultiLvlLbl val="1"/>
       </c:catAx>
       <c:valAx>
-        <c:axId val="213730912"/>
+        <c:axId val="248060752"/>
         <c:scaling>
           <c:orientation val="minMax"/>
         </c:scaling>
@@ -2052,7 +2052,7 @@
             <a:noFill/>
           </a:ln>
         </c:spPr>
-        <c:crossAx val="213730128"/>
+        <c:crossAx val="248061144"/>
         <c:crosses val="autoZero"/>
         <c:crossBetween val="between"/>
       </c:valAx>
@@ -2243,11 +2243,11 @@
         </c:dLbls>
         <c:gapWidth val="219"/>
         <c:overlap val="-27"/>
-        <c:axId val="300534384"/>
-        <c:axId val="300534776"/>
+        <c:axId val="248056048"/>
+        <c:axId val="248061928"/>
       </c:barChart>
       <c:catAx>
-        <c:axId val="300534384"/>
+        <c:axId val="248056048"/>
         <c:scaling>
           <c:orientation val="minMax"/>
         </c:scaling>
@@ -2265,7 +2265,7 @@
             <a:round/>
           </a:ln>
         </c:spPr>
-        <c:crossAx val="300534776"/>
+        <c:crossAx val="248061928"/>
         <c:crosses val="autoZero"/>
         <c:auto val="1"/>
         <c:lblAlgn val="ctr"/>
@@ -2273,7 +2273,7 @@
         <c:noMultiLvlLbl val="1"/>
       </c:catAx>
       <c:valAx>
-        <c:axId val="300534776"/>
+        <c:axId val="248061928"/>
         <c:scaling>
           <c:orientation val="minMax"/>
           <c:max val="1"/>
@@ -2300,7 +2300,7 @@
             <a:noFill/>
           </a:ln>
         </c:spPr>
-        <c:crossAx val="300534384"/>
+        <c:crossAx val="248056048"/>
         <c:crosses val="autoZero"/>
         <c:crossBetween val="between"/>
       </c:valAx>
@@ -2441,11 +2441,11 @@
         </c:dLbls>
         <c:gapWidth val="219"/>
         <c:overlap val="-27"/>
-        <c:axId val="300546928"/>
-        <c:axId val="300547712"/>
+        <c:axId val="248062320"/>
+        <c:axId val="248055264"/>
       </c:barChart>
       <c:catAx>
-        <c:axId val="300546928"/>
+        <c:axId val="248062320"/>
         <c:scaling>
           <c:orientation val="minMax"/>
         </c:scaling>
@@ -2463,7 +2463,7 @@
             <a:round/>
           </a:ln>
         </c:spPr>
-        <c:crossAx val="300547712"/>
+        <c:crossAx val="248055264"/>
         <c:crosses val="autoZero"/>
         <c:auto val="1"/>
         <c:lblAlgn val="ctr"/>
@@ -2471,7 +2471,7 @@
         <c:noMultiLvlLbl val="1"/>
       </c:catAx>
       <c:valAx>
-        <c:axId val="300547712"/>
+        <c:axId val="248055264"/>
         <c:scaling>
           <c:orientation val="minMax"/>
         </c:scaling>
@@ -2496,7 +2496,7 @@
             <a:noFill/>
           </a:ln>
         </c:spPr>
-        <c:crossAx val="300546928"/>
+        <c:crossAx val="248062320"/>
         <c:crosses val="autoZero"/>
         <c:crossBetween val="between"/>
       </c:valAx>
@@ -2648,11 +2648,11 @@
           <c:showBubbleSize val="0"/>
         </c:dLbls>
         <c:gapWidth val="100"/>
-        <c:axId val="353905448"/>
-        <c:axId val="353906624"/>
+        <c:axId val="248059968"/>
+        <c:axId val="248060360"/>
       </c:barChart>
       <c:catAx>
-        <c:axId val="353905448"/>
+        <c:axId val="248059968"/>
         <c:scaling>
           <c:orientation val="minMax"/>
         </c:scaling>
@@ -2669,7 +2669,7 @@
             </a:solidFill>
           </a:ln>
         </c:spPr>
-        <c:crossAx val="353906624"/>
+        <c:crossAx val="248060360"/>
         <c:crosses val="autoZero"/>
         <c:auto val="1"/>
         <c:lblAlgn val="ctr"/>
@@ -2677,7 +2677,7 @@
         <c:noMultiLvlLbl val="1"/>
       </c:catAx>
       <c:valAx>
-        <c:axId val="353906624"/>
+        <c:axId val="248060360"/>
         <c:scaling>
           <c:orientation val="minMax"/>
         </c:scaling>
@@ -2703,7 +2703,7 @@
             </a:solidFill>
           </a:ln>
         </c:spPr>
-        <c:crossAx val="353905448"/>
+        <c:crossAx val="248059968"/>
         <c:crosses val="autoZero"/>
         <c:crossBetween val="between"/>
       </c:valAx>
@@ -2718,7 +2718,6 @@
     </c:plotArea>
     <c:legend>
       <c:legendPos val="r"/>
-      <c:layout/>
       <c:overlay val="0"/>
       <c:spPr>
         <a:noFill/>
@@ -2863,7 +2862,7 @@
                   <c:v>-0.49686760648413364</c:v>
                 </c:pt>
                 <c:pt idx="4">
-                  <c:v>0</c:v>
+                  <c:v>-0.46504807965358896</c:v>
                 </c:pt>
                 <c:pt idx="5">
                   <c:v>0</c:v>
@@ -2914,11 +2913,11 @@
         </c:dLbls>
         <c:gapWidth val="219"/>
         <c:overlap val="-27"/>
-        <c:axId val="212620144"/>
-        <c:axId val="212623672"/>
+        <c:axId val="378246648"/>
+        <c:axId val="378248216"/>
       </c:barChart>
       <c:catAx>
-        <c:axId val="212620144"/>
+        <c:axId val="378246648"/>
         <c:scaling>
           <c:orientation val="minMax"/>
         </c:scaling>
@@ -2936,7 +2935,7 @@
             <a:round/>
           </a:ln>
         </c:spPr>
-        <c:crossAx val="212623672"/>
+        <c:crossAx val="378248216"/>
         <c:crosses val="autoZero"/>
         <c:auto val="1"/>
         <c:lblAlgn val="ctr"/>
@@ -2944,7 +2943,7 @@
         <c:noMultiLvlLbl val="1"/>
       </c:catAx>
       <c:valAx>
-        <c:axId val="212623672"/>
+        <c:axId val="378248216"/>
         <c:scaling>
           <c:orientation val="minMax"/>
         </c:scaling>
@@ -2969,7 +2968,7 @@
             <a:noFill/>
           </a:ln>
         </c:spPr>
-        <c:crossAx val="212620144"/>
+        <c:crossAx val="378246648"/>
         <c:crosses val="autoZero"/>
         <c:crossBetween val="between"/>
       </c:valAx>
@@ -3287,11 +3286,11 @@
           <c:showBubbleSize val="0"/>
         </c:dLbls>
         <c:gapWidth val="100"/>
-        <c:axId val="305087336"/>
-        <c:axId val="305090472"/>
+        <c:axId val="247282208"/>
+        <c:axId val="247284952"/>
       </c:barChart>
       <c:catAx>
-        <c:axId val="305087336"/>
+        <c:axId val="247282208"/>
         <c:scaling>
           <c:orientation val="minMax"/>
         </c:scaling>
@@ -3308,7 +3307,7 @@
             </a:solidFill>
           </a:ln>
         </c:spPr>
-        <c:crossAx val="305090472"/>
+        <c:crossAx val="247284952"/>
         <c:crosses val="autoZero"/>
         <c:auto val="1"/>
         <c:lblAlgn val="ctr"/>
@@ -3316,7 +3315,7 @@
         <c:noMultiLvlLbl val="1"/>
       </c:catAx>
       <c:valAx>
-        <c:axId val="305090472"/>
+        <c:axId val="247284952"/>
         <c:scaling>
           <c:orientation val="minMax"/>
         </c:scaling>
@@ -3342,7 +3341,7 @@
             </a:solidFill>
           </a:ln>
         </c:spPr>
-        <c:crossAx val="305087336"/>
+        <c:crossAx val="247282208"/>
         <c:crosses val="autoZero"/>
         <c:crossBetween val="between"/>
       </c:valAx>
@@ -3563,11 +3562,11 @@
           <c:showBubbleSize val="0"/>
         </c:dLbls>
         <c:gapWidth val="100"/>
-        <c:axId val="216050656"/>
-        <c:axId val="216057320"/>
+        <c:axId val="247283776"/>
+        <c:axId val="247285344"/>
       </c:barChart>
       <c:catAx>
-        <c:axId val="216050656"/>
+        <c:axId val="247283776"/>
         <c:scaling>
           <c:orientation val="minMax"/>
         </c:scaling>
@@ -3584,7 +3583,7 @@
             </a:solidFill>
           </a:ln>
         </c:spPr>
-        <c:crossAx val="216057320"/>
+        <c:crossAx val="247285344"/>
         <c:crosses val="autoZero"/>
         <c:auto val="1"/>
         <c:lblAlgn val="ctr"/>
@@ -3592,7 +3591,7 @@
         <c:noMultiLvlLbl val="1"/>
       </c:catAx>
       <c:valAx>
-        <c:axId val="216057320"/>
+        <c:axId val="247285344"/>
         <c:scaling>
           <c:orientation val="minMax"/>
         </c:scaling>
@@ -3618,7 +3617,7 @@
             </a:solidFill>
           </a:ln>
         </c:spPr>
-        <c:crossAx val="216050656"/>
+        <c:crossAx val="247283776"/>
         <c:crosses val="autoZero"/>
         <c:crossBetween val="between"/>
       </c:valAx>
@@ -3946,11 +3945,11 @@
           <c:showBubbleSize val="0"/>
         </c:dLbls>
         <c:gapWidth val="100"/>
-        <c:axId val="300543792"/>
-        <c:axId val="300544184"/>
+        <c:axId val="247286128"/>
+        <c:axId val="247281816"/>
       </c:barChart>
       <c:catAx>
-        <c:axId val="300543792"/>
+        <c:axId val="247286128"/>
         <c:scaling>
           <c:orientation val="minMax"/>
         </c:scaling>
@@ -3967,7 +3966,7 @@
             </a:solidFill>
           </a:ln>
         </c:spPr>
-        <c:crossAx val="300544184"/>
+        <c:crossAx val="247281816"/>
         <c:crosses val="autoZero"/>
         <c:auto val="1"/>
         <c:lblAlgn val="ctr"/>
@@ -3975,7 +3974,7 @@
         <c:noMultiLvlLbl val="1"/>
       </c:catAx>
       <c:valAx>
-        <c:axId val="300544184"/>
+        <c:axId val="247281816"/>
         <c:scaling>
           <c:orientation val="minMax"/>
         </c:scaling>
@@ -4001,7 +4000,7 @@
             </a:solidFill>
           </a:ln>
         </c:spPr>
-        <c:crossAx val="300543792"/>
+        <c:crossAx val="247286128"/>
         <c:crosses val="autoZero"/>
         <c:crossBetween val="between"/>
       </c:valAx>
@@ -4222,11 +4221,11 @@
           <c:showBubbleSize val="0"/>
         </c:dLbls>
         <c:gapWidth val="100"/>
-        <c:axId val="300535168"/>
-        <c:axId val="300541440"/>
+        <c:axId val="247286912"/>
+        <c:axId val="247288480"/>
       </c:barChart>
       <c:catAx>
-        <c:axId val="300535168"/>
+        <c:axId val="247286912"/>
         <c:scaling>
           <c:orientation val="minMax"/>
         </c:scaling>
@@ -4243,7 +4242,7 @@
             </a:solidFill>
           </a:ln>
         </c:spPr>
-        <c:crossAx val="300541440"/>
+        <c:crossAx val="247288480"/>
         <c:crosses val="autoZero"/>
         <c:auto val="1"/>
         <c:lblAlgn val="ctr"/>
@@ -4251,7 +4250,7 @@
         <c:noMultiLvlLbl val="1"/>
       </c:catAx>
       <c:valAx>
-        <c:axId val="300541440"/>
+        <c:axId val="247288480"/>
         <c:scaling>
           <c:orientation val="minMax"/>
         </c:scaling>
@@ -4277,7 +4276,7 @@
             </a:solidFill>
           </a:ln>
         </c:spPr>
-        <c:crossAx val="300535168"/>
+        <c:crossAx val="247286912"/>
         <c:crosses val="autoZero"/>
         <c:crossBetween val="between"/>
       </c:valAx>
@@ -4432,11 +4431,11 @@
           <c:showBubbleSize val="0"/>
         </c:dLbls>
         <c:gapWidth val="100"/>
-        <c:axId val="213989232"/>
-        <c:axId val="213989624"/>
+        <c:axId val="247288088"/>
+        <c:axId val="247287304"/>
       </c:barChart>
       <c:catAx>
-        <c:axId val="213989232"/>
+        <c:axId val="247288088"/>
         <c:scaling>
           <c:orientation val="minMax"/>
         </c:scaling>
@@ -4453,7 +4452,7 @@
             </a:solidFill>
           </a:ln>
         </c:spPr>
-        <c:crossAx val="213989624"/>
+        <c:crossAx val="247287304"/>
         <c:crosses val="autoZero"/>
         <c:auto val="1"/>
         <c:lblAlgn val="ctr"/>
@@ -4461,7 +4460,7 @@
         <c:noMultiLvlLbl val="1"/>
       </c:catAx>
       <c:valAx>
-        <c:axId val="213989624"/>
+        <c:axId val="247287304"/>
         <c:scaling>
           <c:orientation val="minMax"/>
         </c:scaling>
@@ -4487,7 +4486,7 @@
             </a:solidFill>
           </a:ln>
         </c:spPr>
-        <c:crossAx val="213989232"/>
+        <c:crossAx val="247288088"/>
         <c:crosses val="autoZero"/>
         <c:crossBetween val="between"/>
       </c:valAx>
@@ -4654,11 +4653,11 @@
           <c:showBubbleSize val="0"/>
         </c:dLbls>
         <c:gapWidth val="100"/>
-        <c:axId val="300540264"/>
-        <c:axId val="300541832"/>
+        <c:axId val="247287696"/>
+        <c:axId val="247656448"/>
       </c:barChart>
       <c:catAx>
-        <c:axId val="300540264"/>
+        <c:axId val="247287696"/>
         <c:scaling>
           <c:orientation val="minMax"/>
         </c:scaling>
@@ -4675,7 +4674,7 @@
             </a:solidFill>
           </a:ln>
         </c:spPr>
-        <c:crossAx val="300541832"/>
+        <c:crossAx val="247656448"/>
         <c:crosses val="autoZero"/>
         <c:auto val="1"/>
         <c:lblAlgn val="ctr"/>
@@ -4683,7 +4682,7 @@
         <c:noMultiLvlLbl val="1"/>
       </c:catAx>
       <c:valAx>
-        <c:axId val="300541832"/>
+        <c:axId val="247656448"/>
         <c:scaling>
           <c:orientation val="minMax"/>
         </c:scaling>
@@ -4709,7 +4708,7 @@
             </a:solidFill>
           </a:ln>
         </c:spPr>
-        <c:crossAx val="300540264"/>
+        <c:crossAx val="247287696"/>
         <c:crosses val="autoZero"/>
         <c:crossBetween val="between"/>
       </c:valAx>
@@ -4864,11 +4863,11 @@
           <c:showBubbleSize val="0"/>
         </c:dLbls>
         <c:gapWidth val="100"/>
-        <c:axId val="212625240"/>
-        <c:axId val="212626024"/>
+        <c:axId val="247655272"/>
+        <c:axId val="247653704"/>
       </c:barChart>
       <c:catAx>
-        <c:axId val="212625240"/>
+        <c:axId val="247655272"/>
         <c:scaling>
           <c:orientation val="minMax"/>
         </c:scaling>
@@ -4885,7 +4884,7 @@
             </a:solidFill>
           </a:ln>
         </c:spPr>
-        <c:crossAx val="212626024"/>
+        <c:crossAx val="247653704"/>
         <c:crosses val="autoZero"/>
         <c:auto val="1"/>
         <c:lblAlgn val="ctr"/>
@@ -4893,7 +4892,7 @@
         <c:noMultiLvlLbl val="1"/>
       </c:catAx>
       <c:valAx>
-        <c:axId val="212626024"/>
+        <c:axId val="247653704"/>
         <c:scaling>
           <c:orientation val="minMax"/>
         </c:scaling>
@@ -4919,7 +4918,7 @@
             </a:solidFill>
           </a:ln>
         </c:spPr>
-        <c:crossAx val="212625240"/>
+        <c:crossAx val="247655272"/>
         <c:crosses val="autoZero"/>
         <c:crossBetween val="between"/>
       </c:valAx>
@@ -15779,7 +15778,7 @@
       </p:pic>
       <p:pic>
         <p:nvPicPr>
-          <p:cNvPr id="6" name="Imagen 5"/>
+          <p:cNvPr id="7" name="Imagen 6"/>
           <p:cNvPicPr>
             <a:picLocks noChangeAspect="1"/>
           </p:cNvPicPr>
@@ -15793,8 +15792,8 @@
         </p:blipFill>
         <p:spPr>
           <a:xfrm>
-            <a:off x="122831" y="2873897"/>
-            <a:ext cx="4135405" cy="1448006"/>
+            <a:off x="4885374" y="4253222"/>
+            <a:ext cx="3287663" cy="1315065"/>
           </a:xfrm>
           <a:prstGeom prst="rect">
             <a:avLst/>
@@ -15803,7 +15802,7 @@
       </p:pic>
       <p:pic>
         <p:nvPicPr>
-          <p:cNvPr id="7" name="Imagen 6"/>
+          <p:cNvPr id="3" name="Imagen 2"/>
           <p:cNvPicPr>
             <a:picLocks noChangeAspect="1"/>
           </p:cNvPicPr>
@@ -15817,8 +15816,8 @@
         </p:blipFill>
         <p:spPr>
           <a:xfrm>
-            <a:off x="4885374" y="4253222"/>
-            <a:ext cx="3287663" cy="1315065"/>
+            <a:off x="122832" y="2864373"/>
+            <a:ext cx="4585646" cy="1637731"/>
           </a:xfrm>
           <a:prstGeom prst="rect">
             <a:avLst/>
@@ -16008,17 +16007,7 @@
                 <a:latin typeface="Arial"/>
                 <a:ea typeface="DejaVu Sans"/>
               </a:rPr>
-              <a:t>cremento </a:t>
-            </a:r>
-            <a:r>
-              <a:rPr lang="es-MX" strike="noStrike" dirty="0" smtClean="0">
-                <a:solidFill>
-                  <a:srgbClr val="000000"/>
-                </a:solidFill>
-                <a:latin typeface="Arial"/>
-                <a:ea typeface="DejaVu Sans"/>
-              </a:rPr>
-              <a:t>en ventas </a:t>
+              <a:t>cremento en ventas </a:t>
             </a:r>
             <a:r>
               <a:rPr lang="es-MX" dirty="0" smtClean="0">
@@ -17461,17 +17450,7 @@
                 <a:latin typeface="Arial"/>
                 <a:ea typeface="DejaVu Sans"/>
               </a:rPr>
-              <a:t>productos vendidos en el mes de </a:t>
-            </a:r>
-            <a:r>
-              <a:rPr lang="es-MX" sz="2200" strike="noStrike" dirty="0" smtClean="0">
-                <a:solidFill>
-                  <a:srgbClr val="000000"/>
-                </a:solidFill>
-                <a:latin typeface="Arial"/>
-                <a:ea typeface="DejaVu Sans"/>
-              </a:rPr>
-              <a:t>mayo.</a:t>
+              <a:t>productos vendidos en el mes de mayo.</a:t>
             </a:r>
             <a:endParaRPr dirty="0"/>
           </a:p>
@@ -17665,17 +17644,7 @@
                 <a:latin typeface="Arial"/>
                 <a:ea typeface="DejaVu Sans"/>
               </a:rPr>
-              <a:t>Solo una de </a:t>
-            </a:r>
-            <a:r>
-              <a:rPr lang="es-MX" sz="2200" strike="noStrike" dirty="0" smtClean="0">
-                <a:solidFill>
-                  <a:srgbClr val="000000"/>
-                </a:solidFill>
-                <a:latin typeface="Arial"/>
-                <a:ea typeface="DejaVu Sans"/>
-              </a:rPr>
-              <a:t>las </a:t>
+              <a:t>Solo una de las </a:t>
             </a:r>
             <a:r>
               <a:rPr lang="es-MX" sz="2200" strike="noStrike" dirty="0">
@@ -17715,17 +17684,7 @@
                 <a:latin typeface="Arial"/>
                 <a:ea typeface="DejaVu Sans"/>
               </a:rPr>
-              <a:t>tiempo, </a:t>
-            </a:r>
-            <a:r>
-              <a:rPr lang="es-MX" sz="2200" strike="noStrike" dirty="0" smtClean="0">
-                <a:solidFill>
-                  <a:srgbClr val="000000"/>
-                </a:solidFill>
-                <a:latin typeface="Arial"/>
-                <a:ea typeface="DejaVu Sans"/>
-              </a:rPr>
-              <a:t>se </a:t>
+              <a:t>tiempo, se </a:t>
             </a:r>
             <a:r>
               <a:rPr lang="es-MX" sz="2200" strike="noStrike" dirty="0">
@@ -18718,7 +18677,27 @@
                 <a:latin typeface="Times New Roman"/>
                 <a:ea typeface="DejaVu Sans"/>
               </a:rPr>
-              <a:t>Análisis: Los gastos planeados mensuales siguen por debajo de lo planeado por tercera vez consecutiva lo cual implica estabilidad en la empresa en cuanto a los gastos requeridos.</a:t>
+              <a:t>Análisis: Los gastos planeados mensuales siguen por debajo de lo planeado </a:t>
+            </a:r>
+            <a:r>
+              <a:rPr lang="es-MX" strike="noStrike" dirty="0" smtClean="0">
+                <a:solidFill>
+                  <a:srgbClr val="000000"/>
+                </a:solidFill>
+                <a:latin typeface="Times New Roman"/>
+                <a:ea typeface="DejaVu Sans"/>
+              </a:rPr>
+              <a:t>lo </a:t>
+            </a:r>
+            <a:r>
+              <a:rPr lang="es-MX" strike="noStrike" dirty="0">
+                <a:solidFill>
+                  <a:srgbClr val="000000"/>
+                </a:solidFill>
+                <a:latin typeface="Times New Roman"/>
+                <a:ea typeface="DejaVu Sans"/>
+              </a:rPr>
+              <a:t>cual implica estabilidad en la empresa en cuanto a los gastos requeridos.</a:t>
             </a:r>
             <a:endParaRPr dirty="0"/>
           </a:p>
@@ -18740,7 +18719,7 @@
         </p:nvSpPr>
         <p:spPr>
           <a:xfrm>
-            <a:off x="2016000" y="2360880"/>
+            <a:off x="1947761" y="2437102"/>
             <a:ext cx="2014560" cy="373680"/>
           </a:xfrm>
           <a:prstGeom prst="rect">
@@ -18777,7 +18756,7 @@
               </a:lnSpc>
             </a:pPr>
             <a:r>
-              <a:rPr lang="es-MX" strike="noStrike">
+              <a:rPr lang="es-MX" strike="noStrike" dirty="0">
                 <a:solidFill>
                   <a:srgbClr val="000000"/>
                 </a:solidFill>
@@ -18786,13 +18765,13 @@
               </a:rPr>
               <a:t>Gastos Mensuales</a:t>
             </a:r>
-            <a:endParaRPr/>
+            <a:endParaRPr dirty="0"/>
           </a:p>
         </p:txBody>
       </p:sp>
       <p:pic>
         <p:nvPicPr>
-          <p:cNvPr id="2" name="Imagen 1"/>
+          <p:cNvPr id="3" name="Imagen 2"/>
           <p:cNvPicPr>
             <a:picLocks noChangeAspect="1"/>
           </p:cNvPicPr>
@@ -18806,8 +18785,8 @@
         </p:blipFill>
         <p:spPr>
           <a:xfrm>
-            <a:off x="218366" y="1076390"/>
-            <a:ext cx="8678880" cy="1106230"/>
+            <a:off x="238834" y="1092974"/>
+            <a:ext cx="8338782" cy="1225724"/>
           </a:xfrm>
           <a:prstGeom prst="rect">
             <a:avLst/>
@@ -18816,20 +18795,20 @@
       </p:pic>
       <p:graphicFrame>
         <p:nvGraphicFramePr>
-          <p:cNvPr id="9" name="Gráfico 8"/>
+          <p:cNvPr id="10" name="Gráfico 9"/>
           <p:cNvGraphicFramePr>
             <a:graphicFrameLocks/>
           </p:cNvGraphicFramePr>
           <p:nvPr>
             <p:extLst>
               <p:ext uri="{D42A27DB-BD31-4B8C-83A1-F6EECF244321}">
-                <p14:modId xmlns:p14="http://schemas.microsoft.com/office/powerpoint/2010/main" val="2703338697"/>
+                <p14:modId xmlns:p14="http://schemas.microsoft.com/office/powerpoint/2010/main" val="1076322171"/>
               </p:ext>
             </p:extLst>
           </p:nvPr>
         </p:nvGraphicFramePr>
         <p:xfrm>
-          <a:off x="600890" y="2984330"/>
+          <a:off x="686365" y="3041553"/>
           <a:ext cx="4988470" cy="2924520"/>
         </p:xfrm>
         <a:graphic>
@@ -19014,20 +18993,20 @@
       </p:sp>
       <p:graphicFrame>
         <p:nvGraphicFramePr>
-          <p:cNvPr id="5" name="Gráfico 4"/>
+          <p:cNvPr id="7" name="Gráfico 6"/>
           <p:cNvGraphicFramePr>
             <a:graphicFrameLocks/>
           </p:cNvGraphicFramePr>
           <p:nvPr>
             <p:extLst>
               <p:ext uri="{D42A27DB-BD31-4B8C-83A1-F6EECF244321}">
-                <p14:modId xmlns:p14="http://schemas.microsoft.com/office/powerpoint/2010/main" val="2921918109"/>
+                <p14:modId xmlns:p14="http://schemas.microsoft.com/office/powerpoint/2010/main" val="518010983"/>
               </p:ext>
             </p:extLst>
           </p:nvPr>
         </p:nvGraphicFramePr>
         <p:xfrm>
-          <a:off x="1883697" y="2326769"/>
+          <a:off x="1845029" y="2438226"/>
           <a:ext cx="5403900" cy="3023325"/>
         </p:xfrm>
         <a:graphic>
@@ -19256,17 +19235,7 @@
                 <a:latin typeface="Times New Roman"/>
                 <a:ea typeface="DejaVu Sans"/>
               </a:rPr>
-              <a:t>El esfuerzo del área de ventas se encuentra arriba del 50 porciento lo cual representa un nivel bajo en ventas. Soporte </a:t>
-            </a:r>
-            <a:r>
-              <a:rPr lang="es-MX" strike="noStrike" dirty="0" smtClean="0">
-                <a:solidFill>
-                  <a:srgbClr val="000000"/>
-                </a:solidFill>
-                <a:latin typeface="Times New Roman"/>
-                <a:ea typeface="DejaVu Sans"/>
-              </a:rPr>
-              <a:t>esta por encima de lo planeado lo que indica una sobrecarga en el mes de mayo.</a:t>
+              <a:t>El esfuerzo del área de ventas se encuentra arriba del 50 porciento lo cual representa un nivel bajo en ventas. Soporte esta por encima de lo planeado lo que indica una sobrecarga en el mes de mayo.</a:t>
             </a:r>
             <a:endParaRPr dirty="0"/>
           </a:p>

--- a/Proyectos/2016/Métricas y monitoreo/Reporte_monitoreo_2016.pptx
+++ b/Proyectos/2016/Métricas y monitoreo/Reporte_monitoreo_2016.pptx
@@ -467,11 +467,11 @@
         </c:dLbls>
         <c:gapWidth val="219"/>
         <c:overlap val="-27"/>
-        <c:axId val="318647112"/>
-        <c:axId val="318642800"/>
+        <c:axId val="215910696"/>
+        <c:axId val="215912656"/>
       </c:barChart>
       <c:catAx>
-        <c:axId val="318647112"/>
+        <c:axId val="215910696"/>
         <c:scaling>
           <c:orientation val="minMax"/>
         </c:scaling>
@@ -489,7 +489,7 @@
             <a:round/>
           </a:ln>
         </c:spPr>
-        <c:crossAx val="318642800"/>
+        <c:crossAx val="215912656"/>
         <c:crosses val="autoZero"/>
         <c:auto val="1"/>
         <c:lblAlgn val="ctr"/>
@@ -497,7 +497,7 @@
         <c:noMultiLvlLbl val="1"/>
       </c:catAx>
       <c:valAx>
-        <c:axId val="318642800"/>
+        <c:axId val="215912656"/>
         <c:scaling>
           <c:orientation val="minMax"/>
         </c:scaling>
@@ -522,7 +522,7 @@
             <a:noFill/>
           </a:ln>
         </c:spPr>
-        <c:crossAx val="318647112"/>
+        <c:crossAx val="215910696"/>
         <c:crosses val="autoZero"/>
         <c:crossBetween val="between"/>
       </c:valAx>
@@ -684,11 +684,11 @@
           <c:showBubbleSize val="0"/>
         </c:dLbls>
         <c:gapWidth val="100"/>
-        <c:axId val="247656840"/>
-        <c:axId val="247649392"/>
+        <c:axId val="216238264"/>
+        <c:axId val="216236696"/>
       </c:barChart>
       <c:catAx>
-        <c:axId val="247656840"/>
+        <c:axId val="216238264"/>
         <c:scaling>
           <c:orientation val="minMax"/>
         </c:scaling>
@@ -705,7 +705,7 @@
             </a:solidFill>
           </a:ln>
         </c:spPr>
-        <c:crossAx val="247649392"/>
+        <c:crossAx val="216236696"/>
         <c:crosses val="autoZero"/>
         <c:auto val="1"/>
         <c:lblAlgn val="ctr"/>
@@ -713,7 +713,7 @@
         <c:noMultiLvlLbl val="1"/>
       </c:catAx>
       <c:valAx>
-        <c:axId val="247649392"/>
+        <c:axId val="216236696"/>
         <c:scaling>
           <c:orientation val="minMax"/>
         </c:scaling>
@@ -739,7 +739,7 @@
             </a:solidFill>
           </a:ln>
         </c:spPr>
-        <c:crossAx val="247656840"/>
+        <c:crossAx val="216238264"/>
         <c:crosses val="autoZero"/>
         <c:crossBetween val="between"/>
       </c:valAx>
@@ -913,11 +913,11 @@
           <c:showBubbleSize val="0"/>
         </c:dLbls>
         <c:gapWidth val="100"/>
-        <c:axId val="247654880"/>
-        <c:axId val="247650176"/>
+        <c:axId val="216242184"/>
+        <c:axId val="216237872"/>
       </c:barChart>
       <c:catAx>
-        <c:axId val="247654880"/>
+        <c:axId val="216242184"/>
         <c:scaling>
           <c:orientation val="minMax"/>
         </c:scaling>
@@ -934,7 +934,7 @@
             </a:solidFill>
           </a:ln>
         </c:spPr>
-        <c:crossAx val="247650176"/>
+        <c:crossAx val="216237872"/>
         <c:crosses val="autoZero"/>
         <c:auto val="1"/>
         <c:lblAlgn val="ctr"/>
@@ -942,7 +942,7 @@
         <c:noMultiLvlLbl val="1"/>
       </c:catAx>
       <c:valAx>
-        <c:axId val="247650176"/>
+        <c:axId val="216237872"/>
         <c:scaling>
           <c:orientation val="minMax"/>
         </c:scaling>
@@ -968,7 +968,7 @@
             </a:solidFill>
           </a:ln>
         </c:spPr>
-        <c:crossAx val="247654880"/>
+        <c:crossAx val="216242184"/>
         <c:crosses val="autoZero"/>
         <c:crossBetween val="between"/>
       </c:valAx>
@@ -1155,11 +1155,11 @@
           <c:showBubbleSize val="0"/>
         </c:dLbls>
         <c:gapWidth val="100"/>
-        <c:axId val="247650960"/>
-        <c:axId val="247654096"/>
+        <c:axId val="216236304"/>
+        <c:axId val="216237480"/>
       </c:barChart>
       <c:catAx>
-        <c:axId val="247650960"/>
+        <c:axId val="216236304"/>
         <c:scaling>
           <c:orientation val="minMax"/>
         </c:scaling>
@@ -1176,7 +1176,7 @@
             </a:solidFill>
           </a:ln>
         </c:spPr>
-        <c:crossAx val="247654096"/>
+        <c:crossAx val="216237480"/>
         <c:crosses val="autoZero"/>
         <c:auto val="1"/>
         <c:lblAlgn val="ctr"/>
@@ -1184,7 +1184,7 @@
         <c:noMultiLvlLbl val="1"/>
       </c:catAx>
       <c:valAx>
-        <c:axId val="247654096"/>
+        <c:axId val="216237480"/>
         <c:scaling>
           <c:orientation val="minMax"/>
         </c:scaling>
@@ -1210,7 +1210,7 @@
             </a:solidFill>
           </a:ln>
         </c:spPr>
-        <c:crossAx val="247650960"/>
+        <c:crossAx val="216236304"/>
         <c:crosses val="autoZero"/>
         <c:crossBetween val="between"/>
       </c:valAx>
@@ -1383,11 +1383,11 @@
           <c:showBubbleSize val="0"/>
         </c:dLbls>
         <c:gapWidth val="100"/>
-        <c:axId val="247651352"/>
-        <c:axId val="247654488"/>
+        <c:axId val="216239048"/>
+        <c:axId val="216238656"/>
       </c:barChart>
       <c:catAx>
-        <c:axId val="247651352"/>
+        <c:axId val="216239048"/>
         <c:scaling>
           <c:orientation val="minMax"/>
         </c:scaling>
@@ -1404,7 +1404,7 @@
             </a:solidFill>
           </a:ln>
         </c:spPr>
-        <c:crossAx val="247654488"/>
+        <c:crossAx val="216238656"/>
         <c:crosses val="autoZero"/>
         <c:auto val="1"/>
         <c:lblAlgn val="ctr"/>
@@ -1412,7 +1412,7 @@
         <c:noMultiLvlLbl val="1"/>
       </c:catAx>
       <c:valAx>
-        <c:axId val="247654488"/>
+        <c:axId val="216238656"/>
         <c:scaling>
           <c:orientation val="minMax"/>
         </c:scaling>
@@ -1438,7 +1438,7 @@
             </a:solidFill>
           </a:ln>
         </c:spPr>
-        <c:crossAx val="247651352"/>
+        <c:crossAx val="216239048"/>
         <c:crosses val="autoZero"/>
         <c:crossBetween val="between"/>
       </c:valAx>
@@ -1600,11 +1600,11 @@
           <c:showBubbleSize val="0"/>
         </c:dLbls>
         <c:gapWidth val="100"/>
-        <c:axId val="247651744"/>
-        <c:axId val="247652528"/>
+        <c:axId val="216239440"/>
+        <c:axId val="216240224"/>
       </c:barChart>
       <c:catAx>
-        <c:axId val="247651744"/>
+        <c:axId val="216239440"/>
         <c:scaling>
           <c:orientation val="minMax"/>
         </c:scaling>
@@ -1621,7 +1621,7 @@
             </a:solidFill>
           </a:ln>
         </c:spPr>
-        <c:crossAx val="247652528"/>
+        <c:crossAx val="216240224"/>
         <c:crosses val="autoZero"/>
         <c:auto val="1"/>
         <c:lblAlgn val="ctr"/>
@@ -1629,7 +1629,7 @@
         <c:noMultiLvlLbl val="1"/>
       </c:catAx>
       <c:valAx>
-        <c:axId val="247652528"/>
+        <c:axId val="216240224"/>
         <c:scaling>
           <c:orientation val="minMax"/>
         </c:scaling>
@@ -1655,7 +1655,7 @@
             </a:solidFill>
           </a:ln>
         </c:spPr>
-        <c:crossAx val="247651744"/>
+        <c:crossAx val="216239440"/>
         <c:crosses val="autoZero"/>
         <c:crossBetween val="between"/>
       </c:valAx>
@@ -1997,11 +1997,11 @@
         </c:dLbls>
         <c:gapWidth val="219"/>
         <c:overlap val="-27"/>
-        <c:axId val="248061144"/>
-        <c:axId val="248060752"/>
+        <c:axId val="216241400"/>
+        <c:axId val="217567320"/>
       </c:barChart>
       <c:catAx>
-        <c:axId val="248061144"/>
+        <c:axId val="216241400"/>
         <c:scaling>
           <c:orientation val="minMax"/>
         </c:scaling>
@@ -2019,7 +2019,7 @@
             <a:round/>
           </a:ln>
         </c:spPr>
-        <c:crossAx val="248060752"/>
+        <c:crossAx val="217567320"/>
         <c:crosses val="autoZero"/>
         <c:auto val="1"/>
         <c:lblAlgn val="ctr"/>
@@ -2027,7 +2027,7 @@
         <c:noMultiLvlLbl val="1"/>
       </c:catAx>
       <c:valAx>
-        <c:axId val="248060752"/>
+        <c:axId val="217567320"/>
         <c:scaling>
           <c:orientation val="minMax"/>
         </c:scaling>
@@ -2052,7 +2052,7 @@
             <a:noFill/>
           </a:ln>
         </c:spPr>
-        <c:crossAx val="248061144"/>
+        <c:crossAx val="216241400"/>
         <c:crosses val="autoZero"/>
         <c:crossBetween val="between"/>
       </c:valAx>
@@ -2243,11 +2243,11 @@
         </c:dLbls>
         <c:gapWidth val="219"/>
         <c:overlap val="-27"/>
-        <c:axId val="248056048"/>
-        <c:axId val="248061928"/>
+        <c:axId val="217562616"/>
+        <c:axId val="217565752"/>
       </c:barChart>
       <c:catAx>
-        <c:axId val="248056048"/>
+        <c:axId val="217562616"/>
         <c:scaling>
           <c:orientation val="minMax"/>
         </c:scaling>
@@ -2265,7 +2265,7 @@
             <a:round/>
           </a:ln>
         </c:spPr>
-        <c:crossAx val="248061928"/>
+        <c:crossAx val="217565752"/>
         <c:crosses val="autoZero"/>
         <c:auto val="1"/>
         <c:lblAlgn val="ctr"/>
@@ -2273,7 +2273,7 @@
         <c:noMultiLvlLbl val="1"/>
       </c:catAx>
       <c:valAx>
-        <c:axId val="248061928"/>
+        <c:axId val="217565752"/>
         <c:scaling>
           <c:orientation val="minMax"/>
           <c:max val="1"/>
@@ -2300,7 +2300,7 @@
             <a:noFill/>
           </a:ln>
         </c:spPr>
-        <c:crossAx val="248056048"/>
+        <c:crossAx val="217562616"/>
         <c:crosses val="autoZero"/>
         <c:crossBetween val="between"/>
       </c:valAx>
@@ -2441,11 +2441,11 @@
         </c:dLbls>
         <c:gapWidth val="219"/>
         <c:overlap val="-27"/>
-        <c:axId val="248062320"/>
-        <c:axId val="248055264"/>
+        <c:axId val="217567712"/>
+        <c:axId val="217563008"/>
       </c:barChart>
       <c:catAx>
-        <c:axId val="248062320"/>
+        <c:axId val="217567712"/>
         <c:scaling>
           <c:orientation val="minMax"/>
         </c:scaling>
@@ -2463,7 +2463,7 @@
             <a:round/>
           </a:ln>
         </c:spPr>
-        <c:crossAx val="248055264"/>
+        <c:crossAx val="217563008"/>
         <c:crosses val="autoZero"/>
         <c:auto val="1"/>
         <c:lblAlgn val="ctr"/>
@@ -2471,7 +2471,7 @@
         <c:noMultiLvlLbl val="1"/>
       </c:catAx>
       <c:valAx>
-        <c:axId val="248055264"/>
+        <c:axId val="217563008"/>
         <c:scaling>
           <c:orientation val="minMax"/>
         </c:scaling>
@@ -2496,7 +2496,7 @@
             <a:noFill/>
           </a:ln>
         </c:spPr>
-        <c:crossAx val="248062320"/>
+        <c:crossAx val="217567712"/>
         <c:crosses val="autoZero"/>
         <c:crossBetween val="between"/>
       </c:valAx>
@@ -2648,11 +2648,11 @@
           <c:showBubbleSize val="0"/>
         </c:dLbls>
         <c:gapWidth val="100"/>
-        <c:axId val="248059968"/>
-        <c:axId val="248060360"/>
+        <c:axId val="217566536"/>
+        <c:axId val="217568888"/>
       </c:barChart>
       <c:catAx>
-        <c:axId val="248059968"/>
+        <c:axId val="217566536"/>
         <c:scaling>
           <c:orientation val="minMax"/>
         </c:scaling>
@@ -2669,7 +2669,7 @@
             </a:solidFill>
           </a:ln>
         </c:spPr>
-        <c:crossAx val="248060360"/>
+        <c:crossAx val="217568888"/>
         <c:crosses val="autoZero"/>
         <c:auto val="1"/>
         <c:lblAlgn val="ctr"/>
@@ -2677,7 +2677,7 @@
         <c:noMultiLvlLbl val="1"/>
       </c:catAx>
       <c:valAx>
-        <c:axId val="248060360"/>
+        <c:axId val="217568888"/>
         <c:scaling>
           <c:orientation val="minMax"/>
         </c:scaling>
@@ -2703,7 +2703,7 @@
             </a:solidFill>
           </a:ln>
         </c:spPr>
-        <c:crossAx val="248059968"/>
+        <c:crossAx val="217566536"/>
         <c:crosses val="autoZero"/>
         <c:crossBetween val="between"/>
       </c:valAx>
@@ -2718,6 +2718,7 @@
     </c:plotArea>
     <c:legend>
       <c:legendPos val="r"/>
+      <c:layout/>
       <c:overlay val="0"/>
       <c:spPr>
         <a:noFill/>
@@ -2913,11 +2914,11 @@
         </c:dLbls>
         <c:gapWidth val="219"/>
         <c:overlap val="-27"/>
-        <c:axId val="378246648"/>
-        <c:axId val="378248216"/>
+        <c:axId val="216713288"/>
+        <c:axId val="216712112"/>
       </c:barChart>
       <c:catAx>
-        <c:axId val="378246648"/>
+        <c:axId val="216713288"/>
         <c:scaling>
           <c:orientation val="minMax"/>
         </c:scaling>
@@ -2935,7 +2936,7 @@
             <a:round/>
           </a:ln>
         </c:spPr>
-        <c:crossAx val="378248216"/>
+        <c:crossAx val="216712112"/>
         <c:crosses val="autoZero"/>
         <c:auto val="1"/>
         <c:lblAlgn val="ctr"/>
@@ -2943,7 +2944,7 @@
         <c:noMultiLvlLbl val="1"/>
       </c:catAx>
       <c:valAx>
-        <c:axId val="378248216"/>
+        <c:axId val="216712112"/>
         <c:scaling>
           <c:orientation val="minMax"/>
         </c:scaling>
@@ -2968,7 +2969,7 @@
             <a:noFill/>
           </a:ln>
         </c:spPr>
-        <c:crossAx val="378246648"/>
+        <c:crossAx val="216713288"/>
         <c:crosses val="autoZero"/>
         <c:crossBetween val="between"/>
       </c:valAx>
@@ -3286,11 +3287,11 @@
           <c:showBubbleSize val="0"/>
         </c:dLbls>
         <c:gapWidth val="100"/>
-        <c:axId val="247282208"/>
-        <c:axId val="247284952"/>
+        <c:axId val="216707800"/>
+        <c:axId val="216708976"/>
       </c:barChart>
       <c:catAx>
-        <c:axId val="247282208"/>
+        <c:axId val="216707800"/>
         <c:scaling>
           <c:orientation val="minMax"/>
         </c:scaling>
@@ -3307,7 +3308,7 @@
             </a:solidFill>
           </a:ln>
         </c:spPr>
-        <c:crossAx val="247284952"/>
+        <c:crossAx val="216708976"/>
         <c:crosses val="autoZero"/>
         <c:auto val="1"/>
         <c:lblAlgn val="ctr"/>
@@ -3315,7 +3316,7 @@
         <c:noMultiLvlLbl val="1"/>
       </c:catAx>
       <c:valAx>
-        <c:axId val="247284952"/>
+        <c:axId val="216708976"/>
         <c:scaling>
           <c:orientation val="minMax"/>
         </c:scaling>
@@ -3341,7 +3342,7 @@
             </a:solidFill>
           </a:ln>
         </c:spPr>
-        <c:crossAx val="247282208"/>
+        <c:crossAx val="216707800"/>
         <c:crosses val="autoZero"/>
         <c:crossBetween val="between"/>
       </c:valAx>
@@ -3562,11 +3563,11 @@
           <c:showBubbleSize val="0"/>
         </c:dLbls>
         <c:gapWidth val="100"/>
-        <c:axId val="247283776"/>
-        <c:axId val="247285344"/>
+        <c:axId val="216709368"/>
+        <c:axId val="216710152"/>
       </c:barChart>
       <c:catAx>
-        <c:axId val="247283776"/>
+        <c:axId val="216709368"/>
         <c:scaling>
           <c:orientation val="minMax"/>
         </c:scaling>
@@ -3583,7 +3584,7 @@
             </a:solidFill>
           </a:ln>
         </c:spPr>
-        <c:crossAx val="247285344"/>
+        <c:crossAx val="216710152"/>
         <c:crosses val="autoZero"/>
         <c:auto val="1"/>
         <c:lblAlgn val="ctr"/>
@@ -3591,7 +3592,7 @@
         <c:noMultiLvlLbl val="1"/>
       </c:catAx>
       <c:valAx>
-        <c:axId val="247285344"/>
+        <c:axId val="216710152"/>
         <c:scaling>
           <c:orientation val="minMax"/>
         </c:scaling>
@@ -3617,7 +3618,7 @@
             </a:solidFill>
           </a:ln>
         </c:spPr>
-        <c:crossAx val="247283776"/>
+        <c:crossAx val="216709368"/>
         <c:crosses val="autoZero"/>
         <c:crossBetween val="between"/>
       </c:valAx>
@@ -3945,11 +3946,11 @@
           <c:showBubbleSize val="0"/>
         </c:dLbls>
         <c:gapWidth val="100"/>
-        <c:axId val="247286128"/>
-        <c:axId val="247281816"/>
+        <c:axId val="216708584"/>
+        <c:axId val="216710936"/>
       </c:barChart>
       <c:catAx>
-        <c:axId val="247286128"/>
+        <c:axId val="216708584"/>
         <c:scaling>
           <c:orientation val="minMax"/>
         </c:scaling>
@@ -3966,7 +3967,7 @@
             </a:solidFill>
           </a:ln>
         </c:spPr>
-        <c:crossAx val="247281816"/>
+        <c:crossAx val="216710936"/>
         <c:crosses val="autoZero"/>
         <c:auto val="1"/>
         <c:lblAlgn val="ctr"/>
@@ -3974,7 +3975,7 @@
         <c:noMultiLvlLbl val="1"/>
       </c:catAx>
       <c:valAx>
-        <c:axId val="247281816"/>
+        <c:axId val="216710936"/>
         <c:scaling>
           <c:orientation val="minMax"/>
         </c:scaling>
@@ -4000,7 +4001,7 @@
             </a:solidFill>
           </a:ln>
         </c:spPr>
-        <c:crossAx val="247286128"/>
+        <c:crossAx val="216708584"/>
         <c:crosses val="autoZero"/>
         <c:crossBetween val="between"/>
       </c:valAx>
@@ -4221,11 +4222,11 @@
           <c:showBubbleSize val="0"/>
         </c:dLbls>
         <c:gapWidth val="100"/>
-        <c:axId val="247286912"/>
-        <c:axId val="247288480"/>
+        <c:axId val="216712504"/>
+        <c:axId val="216711720"/>
       </c:barChart>
       <c:catAx>
-        <c:axId val="247286912"/>
+        <c:axId val="216712504"/>
         <c:scaling>
           <c:orientation val="minMax"/>
         </c:scaling>
@@ -4242,7 +4243,7 @@
             </a:solidFill>
           </a:ln>
         </c:spPr>
-        <c:crossAx val="247288480"/>
+        <c:crossAx val="216711720"/>
         <c:crosses val="autoZero"/>
         <c:auto val="1"/>
         <c:lblAlgn val="ctr"/>
@@ -4250,7 +4251,7 @@
         <c:noMultiLvlLbl val="1"/>
       </c:catAx>
       <c:valAx>
-        <c:axId val="247288480"/>
+        <c:axId val="216711720"/>
         <c:scaling>
           <c:orientation val="minMax"/>
         </c:scaling>
@@ -4276,7 +4277,7 @@
             </a:solidFill>
           </a:ln>
         </c:spPr>
-        <c:crossAx val="247286912"/>
+        <c:crossAx val="216712504"/>
         <c:crosses val="autoZero"/>
         <c:crossBetween val="between"/>
       </c:valAx>
@@ -4431,11 +4432,11 @@
           <c:showBubbleSize val="0"/>
         </c:dLbls>
         <c:gapWidth val="100"/>
-        <c:axId val="247288088"/>
-        <c:axId val="247287304"/>
+        <c:axId val="216712896"/>
+        <c:axId val="216713680"/>
       </c:barChart>
       <c:catAx>
-        <c:axId val="247288088"/>
+        <c:axId val="216712896"/>
         <c:scaling>
           <c:orientation val="minMax"/>
         </c:scaling>
@@ -4452,7 +4453,7 @@
             </a:solidFill>
           </a:ln>
         </c:spPr>
-        <c:crossAx val="247287304"/>
+        <c:crossAx val="216713680"/>
         <c:crosses val="autoZero"/>
         <c:auto val="1"/>
         <c:lblAlgn val="ctr"/>
@@ -4460,7 +4461,7 @@
         <c:noMultiLvlLbl val="1"/>
       </c:catAx>
       <c:valAx>
-        <c:axId val="247287304"/>
+        <c:axId val="216713680"/>
         <c:scaling>
           <c:orientation val="minMax"/>
         </c:scaling>
@@ -4486,7 +4487,7 @@
             </a:solidFill>
           </a:ln>
         </c:spPr>
-        <c:crossAx val="247288088"/>
+        <c:crossAx val="216712896"/>
         <c:crosses val="autoZero"/>
         <c:crossBetween val="between"/>
       </c:valAx>
@@ -4653,11 +4654,11 @@
           <c:showBubbleSize val="0"/>
         </c:dLbls>
         <c:gapWidth val="100"/>
-        <c:axId val="247287696"/>
-        <c:axId val="247656448"/>
+        <c:axId val="216714464"/>
+        <c:axId val="216708192"/>
       </c:barChart>
       <c:catAx>
-        <c:axId val="247287696"/>
+        <c:axId val="216714464"/>
         <c:scaling>
           <c:orientation val="minMax"/>
         </c:scaling>
@@ -4674,7 +4675,7 @@
             </a:solidFill>
           </a:ln>
         </c:spPr>
-        <c:crossAx val="247656448"/>
+        <c:crossAx val="216708192"/>
         <c:crosses val="autoZero"/>
         <c:auto val="1"/>
         <c:lblAlgn val="ctr"/>
@@ -4682,7 +4683,7 @@
         <c:noMultiLvlLbl val="1"/>
       </c:catAx>
       <c:valAx>
-        <c:axId val="247656448"/>
+        <c:axId val="216708192"/>
         <c:scaling>
           <c:orientation val="minMax"/>
         </c:scaling>
@@ -4708,7 +4709,7 @@
             </a:solidFill>
           </a:ln>
         </c:spPr>
-        <c:crossAx val="247287696"/>
+        <c:crossAx val="216714464"/>
         <c:crosses val="autoZero"/>
         <c:crossBetween val="between"/>
       </c:valAx>
@@ -4863,11 +4864,11 @@
           <c:showBubbleSize val="0"/>
         </c:dLbls>
         <c:gapWidth val="100"/>
-        <c:axId val="247655272"/>
-        <c:axId val="247653704"/>
+        <c:axId val="216239832"/>
+        <c:axId val="216242968"/>
       </c:barChart>
       <c:catAx>
-        <c:axId val="247655272"/>
+        <c:axId val="216239832"/>
         <c:scaling>
           <c:orientation val="minMax"/>
         </c:scaling>
@@ -4884,7 +4885,7 @@
             </a:solidFill>
           </a:ln>
         </c:spPr>
-        <c:crossAx val="247653704"/>
+        <c:crossAx val="216242968"/>
         <c:crosses val="autoZero"/>
         <c:auto val="1"/>
         <c:lblAlgn val="ctr"/>
@@ -4892,7 +4893,7 @@
         <c:noMultiLvlLbl val="1"/>
       </c:catAx>
       <c:valAx>
-        <c:axId val="247653704"/>
+        <c:axId val="216242968"/>
         <c:scaling>
           <c:orientation val="minMax"/>
         </c:scaling>
@@ -4918,7 +4919,7 @@
             </a:solidFill>
           </a:ln>
         </c:spPr>
-        <c:crossAx val="247655272"/>
+        <c:crossAx val="216239832"/>
         <c:crosses val="autoZero"/>
         <c:crossBetween val="between"/>
       </c:valAx>
@@ -18140,7 +18141,7 @@
         </p:blipFill>
         <p:spPr>
           <a:xfrm>
-            <a:off x="721501" y="1576710"/>
+            <a:off x="694205" y="1563062"/>
             <a:ext cx="7695238" cy="2885714"/>
           </a:xfrm>
           <a:prstGeom prst="rect">

--- a/Proyectos/2016/Métricas y monitoreo/Reporte_monitoreo_2016.pptx
+++ b/Proyectos/2016/Métricas y monitoreo/Reporte_monitoreo_2016.pptx
@@ -172,7 +172,7 @@
             </a:pPr>
             <a:r>
               <a:rPr lang="es-MX"/>
-              <a:t>ENE-JUN, 16</a:t>
+              <a:t>ENE-JUL, 16</a:t>
             </a:r>
           </a:p>
         </c:rich>
@@ -301,7 +301,7 @@
                   <c:v>154239.88</c:v>
                 </c:pt>
                 <c:pt idx="6">
-                  <c:v>0</c:v>
+                  <c:v>154239.88</c:v>
                 </c:pt>
                 <c:pt idx="7">
                   <c:v>0</c:v>
@@ -450,7 +450,7 @@
                   <c:v>71878.259999999995</c:v>
                 </c:pt>
                 <c:pt idx="6" formatCode="#,##0.00">
-                  <c:v>0</c:v>
+                  <c:v>104383.91</c:v>
                 </c:pt>
                 <c:pt idx="7" formatCode="#,##0.00">
                   <c:v>0</c:v>
@@ -495,11 +495,11 @@
         </c:dLbls>
         <c:gapWidth val="219"/>
         <c:overlap val="-27"/>
-        <c:axId val="311934896"/>
-        <c:axId val="311935680"/>
+        <c:axId val="399432864"/>
+        <c:axId val="399434040"/>
       </c:barChart>
       <c:catAx>
-        <c:axId val="311934896"/>
+        <c:axId val="399432864"/>
         <c:scaling>
           <c:orientation val="minMax"/>
         </c:scaling>
@@ -517,7 +517,7 @@
             <a:round/>
           </a:ln>
         </c:spPr>
-        <c:crossAx val="311935680"/>
+        <c:crossAx val="399434040"/>
         <c:crosses val="autoZero"/>
         <c:auto val="1"/>
         <c:lblAlgn val="ctr"/>
@@ -525,7 +525,7 @@
         <c:noMultiLvlLbl val="1"/>
       </c:catAx>
       <c:valAx>
-        <c:axId val="311935680"/>
+        <c:axId val="399434040"/>
         <c:scaling>
           <c:orientation val="minMax"/>
         </c:scaling>
@@ -550,7 +550,7 @@
             <a:noFill/>
           </a:ln>
         </c:spPr>
-        <c:crossAx val="311934896"/>
+        <c:crossAx val="399432864"/>
         <c:crosses val="autoZero"/>
         <c:crossBetween val="between"/>
       </c:valAx>
@@ -650,11 +650,11 @@
           <c:order val="0"/>
           <c:tx>
             <c:strRef>
-              <c:f>Funcional!$C$10</c:f>
+              <c:f>Funcional!$C$11</c:f>
               <c:strCache>
                 <c:ptCount val="1"/>
                 <c:pt idx="0">
-                  <c:v>Junio</c:v>
+                  <c:v>Julio</c:v>
                 </c:pt>
               </c:strCache>
             </c:strRef>
@@ -688,11 +688,11 @@
           </c:cat>
           <c:val>
             <c:numRef>
-              <c:f>Funcional!$D$10:$F$10</c:f>
+              <c:f>Funcional!$D$11:$F$11</c:f>
               <c:numCache>
-                <c:formatCode>General</c:formatCode>
+                <c:formatCode>0%</c:formatCode>
                 <c:ptCount val="3"/>
-                <c:pt idx="0" formatCode="0%">
+                <c:pt idx="0">
                   <c:v>1</c:v>
                 </c:pt>
               </c:numCache>
@@ -709,11 +709,11 @@
         </c:dLbls>
         <c:gapWidth val="219"/>
         <c:overlap val="-27"/>
-        <c:axId val="254783624"/>
-        <c:axId val="254778528"/>
+        <c:axId val="399437176"/>
+        <c:axId val="399438744"/>
       </c:barChart>
       <c:catAx>
-        <c:axId val="254783624"/>
+        <c:axId val="399437176"/>
         <c:scaling>
           <c:orientation val="minMax"/>
         </c:scaling>
@@ -756,7 +756,7 @@
             <a:endParaRPr lang="es-MX"/>
           </a:p>
         </c:txPr>
-        <c:crossAx val="254778528"/>
+        <c:crossAx val="399438744"/>
         <c:crosses val="autoZero"/>
         <c:auto val="1"/>
         <c:lblAlgn val="ctr"/>
@@ -764,7 +764,7 @@
         <c:noMultiLvlLbl val="0"/>
       </c:catAx>
       <c:valAx>
-        <c:axId val="254778528"/>
+        <c:axId val="399438744"/>
         <c:scaling>
           <c:orientation val="minMax"/>
         </c:scaling>
@@ -815,14 +815,12 @@
             <a:endParaRPr lang="es-MX"/>
           </a:p>
         </c:txPr>
-        <c:crossAx val="254783624"/>
+        <c:crossAx val="399437176"/>
         <c:crosses val="autoZero"/>
         <c:crossBetween val="between"/>
       </c:valAx>
       <c:spPr>
-        <a:solidFill>
-          <a:schemeClr val="bg1"/>
-        </a:solidFill>
+        <a:noFill/>
         <a:ln>
           <a:noFill/>
         </a:ln>
@@ -942,7 +940,7 @@
                 <c:formatCode>0.00%</c:formatCode>
                 <c:ptCount val="1"/>
                 <c:pt idx="0">
-                  <c:v>0.94499999999999995</c:v>
+                  <c:v>0.95285714285714285</c:v>
                 </c:pt>
               </c:numCache>
             </c:numRef>
@@ -971,11 +969,11 @@
           <c:showBubbleSize val="0"/>
         </c:dLbls>
         <c:gapWidth val="100"/>
-        <c:axId val="254782056"/>
-        <c:axId val="254779312"/>
+        <c:axId val="399443056"/>
+        <c:axId val="399444232"/>
       </c:barChart>
       <c:catAx>
-        <c:axId val="254782056"/>
+        <c:axId val="399443056"/>
         <c:scaling>
           <c:orientation val="minMax"/>
         </c:scaling>
@@ -992,7 +990,7 @@
             </a:solidFill>
           </a:ln>
         </c:spPr>
-        <c:crossAx val="254779312"/>
+        <c:crossAx val="399444232"/>
         <c:crosses val="autoZero"/>
         <c:auto val="1"/>
         <c:lblAlgn val="ctr"/>
@@ -1000,7 +998,7 @@
         <c:noMultiLvlLbl val="1"/>
       </c:catAx>
       <c:valAx>
-        <c:axId val="254779312"/>
+        <c:axId val="399444232"/>
         <c:scaling>
           <c:orientation val="minMax"/>
         </c:scaling>
@@ -1026,7 +1024,7 @@
             </a:solidFill>
           </a:ln>
         </c:spPr>
-        <c:crossAx val="254782056"/>
+        <c:crossAx val="399443056"/>
         <c:crosses val="autoZero"/>
         <c:crossBetween val="between"/>
       </c:valAx>
@@ -1059,7 +1057,9 @@
       <a:srgbClr val="FFFFFF"/>
     </a:solidFill>
     <a:ln>
-      <a:noFill/>
+      <a:solidFill>
+        <a:schemeClr val="accent1"/>
+      </a:solidFill>
     </a:ln>
   </c:spPr>
   <c:externalData r:id="rId1">
@@ -1187,11 +1187,11 @@
           <c:showBubbleSize val="0"/>
         </c:dLbls>
         <c:gapWidth val="100"/>
-        <c:axId val="254779704"/>
-        <c:axId val="254780096"/>
+        <c:axId val="398957232"/>
+        <c:axId val="398959584"/>
       </c:barChart>
       <c:catAx>
-        <c:axId val="254779704"/>
+        <c:axId val="398957232"/>
         <c:scaling>
           <c:orientation val="minMax"/>
         </c:scaling>
@@ -1208,7 +1208,7 @@
             </a:solidFill>
           </a:ln>
         </c:spPr>
-        <c:crossAx val="254780096"/>
+        <c:crossAx val="398959584"/>
         <c:crosses val="autoZero"/>
         <c:auto val="1"/>
         <c:lblAlgn val="ctr"/>
@@ -1216,7 +1216,7 @@
         <c:noMultiLvlLbl val="1"/>
       </c:catAx>
       <c:valAx>
-        <c:axId val="254780096"/>
+        <c:axId val="398959584"/>
         <c:scaling>
           <c:orientation val="minMax"/>
         </c:scaling>
@@ -1242,7 +1242,7 @@
             </a:solidFill>
           </a:ln>
         </c:spPr>
-        <c:crossAx val="254779704"/>
+        <c:crossAx val="398957232"/>
         <c:crosses val="autoZero"/>
         <c:crossBetween val="between"/>
       </c:valAx>
@@ -1275,7 +1275,9 @@
       <a:srgbClr val="FFFFFF"/>
     </a:solidFill>
     <a:ln>
-      <a:noFill/>
+      <a:solidFill>
+        <a:schemeClr val="accent1"/>
+      </a:solidFill>
     </a:ln>
   </c:spPr>
   <c:externalData r:id="rId1">
@@ -1384,10 +1386,10 @@
                   <c:v>1</c:v>
                 </c:pt>
                 <c:pt idx="2">
-                  <c:v>0.83333333333333337</c:v>
+                  <c:v>0.8571428571428571</c:v>
                 </c:pt>
                 <c:pt idx="3">
-                  <c:v>0.96666666666666667</c:v>
+                  <c:v>0.97142857142857142</c:v>
                 </c:pt>
               </c:numCache>
             </c:numRef>
@@ -1416,11 +1418,11 @@
           <c:showBubbleSize val="0"/>
         </c:dLbls>
         <c:gapWidth val="100"/>
-        <c:axId val="254780880"/>
-        <c:axId val="254784800"/>
+        <c:axId val="399428944"/>
+        <c:axId val="399429336"/>
       </c:barChart>
       <c:catAx>
-        <c:axId val="254780880"/>
+        <c:axId val="399428944"/>
         <c:scaling>
           <c:orientation val="minMax"/>
         </c:scaling>
@@ -1437,7 +1439,7 @@
             </a:solidFill>
           </a:ln>
         </c:spPr>
-        <c:crossAx val="254784800"/>
+        <c:crossAx val="399429336"/>
         <c:crosses val="autoZero"/>
         <c:auto val="1"/>
         <c:lblAlgn val="ctr"/>
@@ -1445,7 +1447,7 @@
         <c:noMultiLvlLbl val="1"/>
       </c:catAx>
       <c:valAx>
-        <c:axId val="254784800"/>
+        <c:axId val="399429336"/>
         <c:scaling>
           <c:orientation val="minMax"/>
         </c:scaling>
@@ -1471,7 +1473,7 @@
             </a:solidFill>
           </a:ln>
         </c:spPr>
-        <c:crossAx val="254780880"/>
+        <c:crossAx val="399428944"/>
         <c:crosses val="autoZero"/>
         <c:crossBetween val="between"/>
       </c:valAx>
@@ -1570,11 +1572,11 @@
           <c:order val="0"/>
           <c:tx>
             <c:strRef>
-              <c:f>'Apego a Productos'!$C$10</c:f>
+              <c:f>'Apego a Productos'!$C$11</c:f>
               <c:strCache>
                 <c:ptCount val="1"/>
                 <c:pt idx="0">
-                  <c:v>Junio</c:v>
+                  <c:v>Julio</c:v>
                 </c:pt>
               </c:strCache>
             </c:strRef>
@@ -1612,7 +1614,7 @@
           </c:cat>
           <c:val>
             <c:numRef>
-              <c:f>'Apego a Productos'!$D$10:$G$10</c:f>
+              <c:f>'Apego a Productos'!$D$11:$G$11</c:f>
               <c:numCache>
                 <c:formatCode>0%</c:formatCode>
                 <c:ptCount val="4"/>
@@ -1642,11 +1644,11 @@
         </c:dLbls>
         <c:gapWidth val="219"/>
         <c:overlap val="-27"/>
-        <c:axId val="254781664"/>
-        <c:axId val="254782840"/>
+        <c:axId val="403179120"/>
+        <c:axId val="403179904"/>
       </c:barChart>
       <c:catAx>
-        <c:axId val="254781664"/>
+        <c:axId val="403179120"/>
         <c:scaling>
           <c:orientation val="minMax"/>
         </c:scaling>
@@ -1689,7 +1691,7 @@
             <a:endParaRPr lang="es-MX"/>
           </a:p>
         </c:txPr>
-        <c:crossAx val="254782840"/>
+        <c:crossAx val="403179904"/>
         <c:crosses val="autoZero"/>
         <c:auto val="1"/>
         <c:lblAlgn val="ctr"/>
@@ -1697,7 +1699,7 @@
         <c:noMultiLvlLbl val="0"/>
       </c:catAx>
       <c:valAx>
-        <c:axId val="254782840"/>
+        <c:axId val="403179904"/>
         <c:scaling>
           <c:orientation val="minMax"/>
         </c:scaling>
@@ -1748,7 +1750,7 @@
             <a:endParaRPr lang="es-MX"/>
           </a:p>
         </c:txPr>
-        <c:crossAx val="254781664"/>
+        <c:crossAx val="403179120"/>
         <c:crosses val="autoZero"/>
         <c:crossBetween val="between"/>
       </c:valAx>
@@ -1905,7 +1907,7 @@
                   <c:v>1</c:v>
                 </c:pt>
                 <c:pt idx="5">
-                  <c:v>0.9778</c:v>
+                  <c:v>0.98414285714285721</c:v>
                 </c:pt>
               </c:numCache>
             </c:numRef>
@@ -1934,11 +1936,11 @@
           <c:showBubbleSize val="0"/>
         </c:dLbls>
         <c:gapWidth val="100"/>
-        <c:axId val="254998976"/>
-        <c:axId val="255004856"/>
+        <c:axId val="346275896"/>
+        <c:axId val="346278248"/>
       </c:barChart>
       <c:catAx>
-        <c:axId val="254998976"/>
+        <c:axId val="346275896"/>
         <c:scaling>
           <c:orientation val="minMax"/>
         </c:scaling>
@@ -1955,7 +1957,7 @@
             </a:solidFill>
           </a:ln>
         </c:spPr>
-        <c:crossAx val="255004856"/>
+        <c:crossAx val="346278248"/>
         <c:crosses val="autoZero"/>
         <c:auto val="1"/>
         <c:lblAlgn val="ctr"/>
@@ -1963,7 +1965,7 @@
         <c:noMultiLvlLbl val="1"/>
       </c:catAx>
       <c:valAx>
-        <c:axId val="255004856"/>
+        <c:axId val="346278248"/>
         <c:scaling>
           <c:orientation val="minMax"/>
         </c:scaling>
@@ -1989,7 +1991,7 @@
             </a:solidFill>
           </a:ln>
         </c:spPr>
-        <c:crossAx val="254998976"/>
+        <c:crossAx val="346275896"/>
         <c:crosses val="autoZero"/>
         <c:crossBetween val="between"/>
       </c:valAx>
@@ -2046,33 +2048,14 @@
   </mc:AlternateContent>
   <c:chart>
     <c:title>
-      <c:tx>
-        <c:rich>
-          <a:bodyPr rot="0" spcFirstLastPara="1" vertOverflow="ellipsis" vert="horz" wrap="square" anchor="ctr" anchorCtr="1"/>
-          <a:lstStyle/>
-          <a:p>
-            <a:pPr>
-              <a:defRPr sz="1400" b="0" i="0" u="none" strike="noStrike" kern="1200" spc="0" baseline="0">
-                <a:solidFill>
-                  <a:schemeClr val="tx1">
-                    <a:lumMod val="65000"/>
-                    <a:lumOff val="35000"/>
-                  </a:schemeClr>
-                </a:solidFill>
-                <a:latin typeface="+mn-lt"/>
-                <a:ea typeface="+mn-ea"/>
-                <a:cs typeface="+mn-cs"/>
-              </a:defRPr>
-            </a:pPr>
-            <a:r>
-              <a:rPr lang="es-MX" dirty="0" smtClean="0"/>
-              <a:t>Junio</a:t>
-            </a:r>
-            <a:endParaRPr lang="es-MX" dirty="0"/>
-          </a:p>
-        </c:rich>
-      </c:tx>
-      <c:layout/>
+      <c:layout>
+        <c:manualLayout>
+          <c:xMode val="edge"/>
+          <c:yMode val="edge"/>
+          <c:x val="0.50168044619422569"/>
+          <c:y val="0"/>
+        </c:manualLayout>
+      </c:layout>
       <c:overlay val="0"/>
       <c:spPr>
         <a:noFill/>
@@ -2114,11 +2097,11 @@
           <c:order val="0"/>
           <c:tx>
             <c:strRef>
-              <c:f>'Apego a Productos'!$C$46</c:f>
+              <c:f>'Apego a Productos'!$C$48</c:f>
               <c:strCache>
                 <c:ptCount val="1"/>
                 <c:pt idx="0">
-                  <c:v>Mayo</c:v>
+                  <c:v>Julio</c:v>
                 </c:pt>
               </c:strCache>
             </c:strRef>
@@ -2163,11 +2146,11 @@
           </c:cat>
           <c:val>
             <c:numRef>
-              <c:f>'Apego a Productos'!$D$46:$I$46</c:f>
+              <c:f>'Apego a Productos'!$D$48:$I$48</c:f>
               <c:numCache>
-                <c:formatCode>General</c:formatCode>
+                <c:formatCode>0%</c:formatCode>
                 <c:ptCount val="6"/>
-                <c:pt idx="5" formatCode="0%">
+                <c:pt idx="5">
                   <c:v>1</c:v>
                 </c:pt>
               </c:numCache>
@@ -2184,11 +2167,11 @@
         </c:dLbls>
         <c:gapWidth val="219"/>
         <c:overlap val="-27"/>
-        <c:axId val="255004464"/>
-        <c:axId val="255000936"/>
+        <c:axId val="237630608"/>
+        <c:axId val="237634136"/>
       </c:barChart>
       <c:catAx>
-        <c:axId val="255004464"/>
+        <c:axId val="237630608"/>
         <c:scaling>
           <c:orientation val="minMax"/>
         </c:scaling>
@@ -2231,7 +2214,7 @@
             <a:endParaRPr lang="es-MX"/>
           </a:p>
         </c:txPr>
-        <c:crossAx val="255000936"/>
+        <c:crossAx val="237634136"/>
         <c:crosses val="autoZero"/>
         <c:auto val="1"/>
         <c:lblAlgn val="ctr"/>
@@ -2239,7 +2222,7 @@
         <c:noMultiLvlLbl val="0"/>
       </c:catAx>
       <c:valAx>
-        <c:axId val="255000936"/>
+        <c:axId val="237634136"/>
         <c:scaling>
           <c:orientation val="minMax"/>
         </c:scaling>
@@ -2290,7 +2273,7 @@
             <a:endParaRPr lang="es-MX"/>
           </a:p>
         </c:txPr>
-        <c:crossAx val="255004464"/>
+        <c:crossAx val="237630608"/>
         <c:crosses val="autoZero"/>
         <c:crossBetween val="between"/>
       </c:valAx>
@@ -2430,7 +2413,7 @@
                   <c:v>1</c:v>
                 </c:pt>
                 <c:pt idx="2" formatCode="0.00%">
-                  <c:v>0.88093333333333346</c:v>
+                  <c:v>0.89794285714285726</c:v>
                 </c:pt>
                 <c:pt idx="3">
                   <c:v>1</c:v>
@@ -2462,11 +2445,11 @@
           <c:showBubbleSize val="0"/>
         </c:dLbls>
         <c:gapWidth val="100"/>
-        <c:axId val="255004072"/>
-        <c:axId val="255001328"/>
+        <c:axId val="403169712"/>
+        <c:axId val="403170496"/>
       </c:barChart>
       <c:catAx>
-        <c:axId val="255004072"/>
+        <c:axId val="403169712"/>
         <c:scaling>
           <c:orientation val="minMax"/>
         </c:scaling>
@@ -2483,7 +2466,7 @@
             </a:solidFill>
           </a:ln>
         </c:spPr>
-        <c:crossAx val="255001328"/>
+        <c:crossAx val="403170496"/>
         <c:crosses val="autoZero"/>
         <c:auto val="1"/>
         <c:lblAlgn val="ctr"/>
@@ -2491,7 +2474,7 @@
         <c:noMultiLvlLbl val="1"/>
       </c:catAx>
       <c:valAx>
-        <c:axId val="255001328"/>
+        <c:axId val="403170496"/>
         <c:scaling>
           <c:orientation val="minMax"/>
         </c:scaling>
@@ -2517,7 +2500,7 @@
             </a:solidFill>
           </a:ln>
         </c:spPr>
-        <c:crossAx val="255004072"/>
+        <c:crossAx val="403169712"/>
         <c:crosses val="autoZero"/>
         <c:crossBetween val="between"/>
       </c:valAx>
@@ -2616,11 +2599,11 @@
           <c:order val="0"/>
           <c:tx>
             <c:strRef>
-              <c:f>'Apego a Procesos'!$C$10</c:f>
+              <c:f>'Apego a Procesos'!$C$11</c:f>
               <c:strCache>
                 <c:ptCount val="1"/>
                 <c:pt idx="0">
-                  <c:v>Junio</c:v>
+                  <c:v>Julio</c:v>
                 </c:pt>
               </c:strCache>
             </c:strRef>
@@ -2657,7 +2640,7 @@
           </c:cat>
           <c:val>
             <c:numRef>
-              <c:f>'Apego a Procesos'!$D$10:$G$10</c:f>
+              <c:f>'Apego a Procesos'!$D$11:$G$11</c:f>
               <c:numCache>
                 <c:formatCode>0.00%</c:formatCode>
                 <c:ptCount val="4"/>
@@ -2687,11 +2670,11 @@
         </c:dLbls>
         <c:gapWidth val="219"/>
         <c:overlap val="-27"/>
-        <c:axId val="255001720"/>
-        <c:axId val="254997800"/>
+        <c:axId val="237288376"/>
+        <c:axId val="237286808"/>
       </c:barChart>
       <c:catAx>
-        <c:axId val="255001720"/>
+        <c:axId val="237288376"/>
         <c:scaling>
           <c:orientation val="minMax"/>
         </c:scaling>
@@ -2734,7 +2717,7 @@
             <a:endParaRPr lang="es-MX"/>
           </a:p>
         </c:txPr>
-        <c:crossAx val="254997800"/>
+        <c:crossAx val="237286808"/>
         <c:crosses val="autoZero"/>
         <c:auto val="1"/>
         <c:lblAlgn val="ctr"/>
@@ -2742,7 +2725,7 @@
         <c:noMultiLvlLbl val="0"/>
       </c:catAx>
       <c:valAx>
-        <c:axId val="254997800"/>
+        <c:axId val="237286808"/>
         <c:scaling>
           <c:orientation val="minMax"/>
         </c:scaling>
@@ -2793,7 +2776,7 @@
             <a:endParaRPr lang="es-MX"/>
           </a:p>
         </c:txPr>
-        <c:crossAx val="255001720"/>
+        <c:crossAx val="237288376"/>
         <c:crosses val="autoZero"/>
         <c:crossBetween val="between"/>
       </c:valAx>
@@ -2954,11 +2937,11 @@
           <c:showBubbleSize val="0"/>
         </c:dLbls>
         <c:gapWidth val="100"/>
-        <c:axId val="254998192"/>
-        <c:axId val="254998584"/>
+        <c:axId val="238007016"/>
+        <c:axId val="238009368"/>
       </c:barChart>
       <c:catAx>
-        <c:axId val="254998192"/>
+        <c:axId val="238007016"/>
         <c:scaling>
           <c:orientation val="minMax"/>
         </c:scaling>
@@ -2975,7 +2958,7 @@
             </a:solidFill>
           </a:ln>
         </c:spPr>
-        <c:crossAx val="254998584"/>
+        <c:crossAx val="238009368"/>
         <c:crosses val="autoZero"/>
         <c:auto val="1"/>
         <c:lblAlgn val="ctr"/>
@@ -2983,7 +2966,7 @@
         <c:noMultiLvlLbl val="1"/>
       </c:catAx>
       <c:valAx>
-        <c:axId val="254998584"/>
+        <c:axId val="238009368"/>
         <c:scaling>
           <c:orientation val="minMax"/>
         </c:scaling>
@@ -3009,7 +2992,7 @@
             </a:solidFill>
           </a:ln>
         </c:spPr>
-        <c:crossAx val="254998192"/>
+        <c:crossAx val="238007016"/>
         <c:crosses val="autoZero"/>
         <c:crossBetween val="between"/>
       </c:valAx>
@@ -3089,7 +3072,7 @@
             </a:pPr>
             <a:r>
               <a:rPr lang="es-MX" baseline="0"/>
-              <a:t>ENE-JUN, 16</a:t>
+              <a:t>ENE-JUL, 16</a:t>
             </a:r>
           </a:p>
           <a:p>
@@ -3213,7 +3196,7 @@
                   <c:v>-0.53398394760161905</c:v>
                 </c:pt>
                 <c:pt idx="6">
-                  <c:v>0</c:v>
+                  <c:v>-0.323236571501482</c:v>
                 </c:pt>
                 <c:pt idx="7">
                   <c:v>0</c:v>
@@ -3258,11 +3241,11 @@
         </c:dLbls>
         <c:gapWidth val="219"/>
         <c:overlap val="-27"/>
-        <c:axId val="316272080"/>
-        <c:axId val="316275608"/>
+        <c:axId val="345427168"/>
+        <c:axId val="346588632"/>
       </c:barChart>
       <c:catAx>
-        <c:axId val="316272080"/>
+        <c:axId val="345427168"/>
         <c:scaling>
           <c:orientation val="minMax"/>
         </c:scaling>
@@ -3280,7 +3263,7 @@
             <a:round/>
           </a:ln>
         </c:spPr>
-        <c:crossAx val="316275608"/>
+        <c:crossAx val="346588632"/>
         <c:crosses val="autoZero"/>
         <c:auto val="1"/>
         <c:lblAlgn val="ctr"/>
@@ -3288,7 +3271,7 @@
         <c:noMultiLvlLbl val="1"/>
       </c:catAx>
       <c:valAx>
-        <c:axId val="316275608"/>
+        <c:axId val="346588632"/>
         <c:scaling>
           <c:orientation val="minMax"/>
         </c:scaling>
@@ -3313,7 +3296,7 @@
             <a:noFill/>
           </a:ln>
         </c:spPr>
-        <c:crossAx val="316272080"/>
+        <c:crossAx val="345427168"/>
         <c:crosses val="autoZero"/>
         <c:crossBetween val="between"/>
       </c:valAx>
@@ -3480,7 +3463,7 @@
                   <c:v>275000.01</c:v>
                 </c:pt>
                 <c:pt idx="6">
-                  <c:v>0</c:v>
+                  <c:v>275000.01</c:v>
                 </c:pt>
                 <c:pt idx="7">
                   <c:v>0</c:v>
@@ -3620,6 +3603,9 @@
                 <c:pt idx="5">
                   <c:v>134522</c:v>
                 </c:pt>
+                <c:pt idx="6">
+                  <c:v>282548.76</c:v>
+                </c:pt>
               </c:numCache>
             </c:numRef>
           </c:val>
@@ -3648,11 +3634,11 @@
         </c:dLbls>
         <c:gapWidth val="219"/>
         <c:overlap val="-27"/>
-        <c:axId val="254999760"/>
-        <c:axId val="255002504"/>
+        <c:axId val="403180296"/>
+        <c:axId val="403181080"/>
       </c:barChart>
       <c:catAx>
-        <c:axId val="254999760"/>
+        <c:axId val="403180296"/>
         <c:scaling>
           <c:orientation val="minMax"/>
         </c:scaling>
@@ -3670,7 +3656,7 @@
             <a:round/>
           </a:ln>
         </c:spPr>
-        <c:crossAx val="255002504"/>
+        <c:crossAx val="403181080"/>
         <c:crosses val="autoZero"/>
         <c:auto val="1"/>
         <c:lblAlgn val="ctr"/>
@@ -3678,7 +3664,7 @@
         <c:noMultiLvlLbl val="1"/>
       </c:catAx>
       <c:valAx>
-        <c:axId val="255002504"/>
+        <c:axId val="403181080"/>
         <c:scaling>
           <c:orientation val="minMax"/>
         </c:scaling>
@@ -3703,7 +3689,7 @@
             <a:noFill/>
           </a:ln>
         </c:spPr>
-        <c:crossAx val="254999760"/>
+        <c:crossAx val="403180296"/>
         <c:crosses val="autoZero"/>
         <c:crossBetween val="between"/>
       </c:valAx>
@@ -3869,6 +3855,9 @@
                 <c:pt idx="5" formatCode="0%">
                   <c:v>0.73329999999999995</c:v>
                 </c:pt>
+                <c:pt idx="6" formatCode="0%">
+                  <c:v>1</c:v>
+                </c:pt>
               </c:numCache>
             </c:numRef>
           </c:val>
@@ -3897,11 +3886,11 @@
         </c:dLbls>
         <c:gapWidth val="219"/>
         <c:overlap val="-27"/>
-        <c:axId val="255003680"/>
-        <c:axId val="255440320"/>
+        <c:axId val="340536440"/>
+        <c:axId val="340532912"/>
       </c:barChart>
       <c:catAx>
-        <c:axId val="255003680"/>
+        <c:axId val="340536440"/>
         <c:scaling>
           <c:orientation val="minMax"/>
         </c:scaling>
@@ -3919,7 +3908,7 @@
             <a:round/>
           </a:ln>
         </c:spPr>
-        <c:crossAx val="255440320"/>
+        <c:crossAx val="340532912"/>
         <c:crosses val="autoZero"/>
         <c:auto val="1"/>
         <c:lblAlgn val="ctr"/>
@@ -3927,7 +3916,7 @@
         <c:noMultiLvlLbl val="1"/>
       </c:catAx>
       <c:valAx>
-        <c:axId val="255440320"/>
+        <c:axId val="340532912"/>
         <c:scaling>
           <c:orientation val="minMax"/>
           <c:max val="1"/>
@@ -3954,7 +3943,7 @@
             <a:noFill/>
           </a:ln>
         </c:spPr>
-        <c:crossAx val="255003680"/>
+        <c:crossAx val="340536440"/>
         <c:crosses val="autoZero"/>
         <c:crossBetween val="between"/>
       </c:valAx>
@@ -3990,6 +3979,257 @@
 <c:chartSpace xmlns:c="http://schemas.openxmlformats.org/drawingml/2006/chart" xmlns:a="http://schemas.openxmlformats.org/drawingml/2006/main" xmlns:r="http://schemas.openxmlformats.org/officeDocument/2006/relationships">
   <c:date1904 val="0"/>
   <c:lang val="es-ES"/>
+  <c:roundedCorners val="1"/>
+  <mc:AlternateContent xmlns:mc="http://schemas.openxmlformats.org/markup-compatibility/2006">
+    <mc:Choice xmlns:c14="http://schemas.microsoft.com/office/drawing/2007/8/2/chart" Requires="c14">
+      <c14:style val="102"/>
+    </mc:Choice>
+    <mc:Fallback>
+      <c:style val="2"/>
+    </mc:Fallback>
+  </mc:AlternateContent>
+  <c:chart>
+    <c:title>
+      <c:tx>
+        <c:rich>
+          <a:bodyPr/>
+          <a:lstStyle/>
+          <a:p>
+            <a:pPr>
+              <a:defRPr/>
+            </a:pPr>
+            <a:r>
+              <a:rPr lang="es-MX"/>
+              <a:t>Julio</a:t>
+            </a:r>
+          </a:p>
+        </c:rich>
+      </c:tx>
+      <c:layout/>
+      <c:overlay val="0"/>
+    </c:title>
+    <c:autoTitleDeleted val="0"/>
+    <c:plotArea>
+      <c:layout/>
+      <c:barChart>
+        <c:barDir val="col"/>
+        <c:grouping val="clustered"/>
+        <c:varyColors val="1"/>
+        <c:ser>
+          <c:idx val="0"/>
+          <c:order val="0"/>
+          <c:spPr>
+            <a:solidFill>
+              <a:srgbClr val="5B9BD5"/>
+            </a:solidFill>
+            <a:ln>
+              <a:noFill/>
+            </a:ln>
+          </c:spPr>
+          <c:invertIfNegative val="1"/>
+          <c:dLbls>
+            <c:spPr>
+              <a:noFill/>
+              <a:ln>
+                <a:noFill/>
+              </a:ln>
+              <a:effectLst/>
+            </c:spPr>
+            <c:dLblPos val="ctr"/>
+            <c:showLegendKey val="0"/>
+            <c:showVal val="0"/>
+            <c:showCatName val="0"/>
+            <c:showSerName val="0"/>
+            <c:showPercent val="0"/>
+            <c:showBubbleSize val="1"/>
+            <c:showLeaderLines val="0"/>
+            <c:extLst>
+              <c:ext xmlns:c15="http://schemas.microsoft.com/office/drawing/2012/chart" uri="{CE6537A1-D6FC-4f65-9D91-7224C49458BB}">
+                <c15:showLeaderLines val="0"/>
+              </c:ext>
+            </c:extLst>
+          </c:dLbls>
+          <c:cat>
+            <c:strRef>
+              <c:f>Producto!$B$6:$B$60</c:f>
+              <c:strCache>
+                <c:ptCount val="7"/>
+                <c:pt idx="0">
+                  <c:v>Paquete de 2 horas de Asesoría y Soporte Técnico Contpaq i®, Servicio vía Remota (Incluye 2 horas gratis por ser cliente distinguido)</c:v>
+                </c:pt>
+                <c:pt idx="1">
+                  <c:v>Servicio de Asesoría y Soporte Técnico Vía Remota</c:v>
+                </c:pt>
+                <c:pt idx="2">
+                  <c:v>Contpaq i® Nominas U. Base Actualización Especial Tradicional</c:v>
+                </c:pt>
+                <c:pt idx="3">
+                  <c:v>Paquete de 5 horas de Asesoría y Soporte Técnico Contpaq i®, Servicio vía Remota</c:v>
+                </c:pt>
+                <c:pt idx="4">
+                  <c:v>Contpaq i® Nominas U. Adicional Producto Nuevo Renta</c:v>
+                </c:pt>
+                <c:pt idx="5">
+                  <c:v>Contpaq i® Comercial U. Adicional Actualización Especial Tradicional</c:v>
+                </c:pt>
+                <c:pt idx="6">
+                  <c:v>Contpaq i® Comercial U. Base Actualización Especial Tradicional</c:v>
+                </c:pt>
+              </c:strCache>
+            </c:strRef>
+          </c:cat>
+          <c:val>
+            <c:numRef>
+              <c:f>Producto!$J$6:$J$60</c:f>
+              <c:numCache>
+                <c:formatCode>General</c:formatCode>
+                <c:ptCount val="7"/>
+                <c:pt idx="0">
+                  <c:v>34</c:v>
+                </c:pt>
+                <c:pt idx="1">
+                  <c:v>24</c:v>
+                </c:pt>
+                <c:pt idx="2">
+                  <c:v>8</c:v>
+                </c:pt>
+                <c:pt idx="3">
+                  <c:v>5</c:v>
+                </c:pt>
+                <c:pt idx="4">
+                  <c:v>5</c:v>
+                </c:pt>
+                <c:pt idx="5">
+                  <c:v>12</c:v>
+                </c:pt>
+                <c:pt idx="6">
+                  <c:v>8</c:v>
+                </c:pt>
+              </c:numCache>
+            </c:numRef>
+          </c:val>
+          <c:extLst>
+            <c:ext xmlns:c14="http://schemas.microsoft.com/office/drawing/2007/8/2/chart" uri="{6F2FDCE9-48DA-4B69-8628-5D25D57E5C99}">
+              <c14:invertSolidFillFmt>
+                <c14:spPr xmlns:c14="http://schemas.microsoft.com/office/drawing/2007/8/2/chart">
+                  <a:solidFill>
+                    <a:srgbClr val="FFFFFF"/>
+                  </a:solidFill>
+                  <a:ln>
+                    <a:noFill/>
+                  </a:ln>
+                </c14:spPr>
+              </c14:invertSolidFillFmt>
+            </c:ext>
+          </c:extLst>
+        </c:ser>
+        <c:dLbls>
+          <c:showLegendKey val="0"/>
+          <c:showVal val="0"/>
+          <c:showCatName val="0"/>
+          <c:showSerName val="0"/>
+          <c:showPercent val="0"/>
+          <c:showBubbleSize val="0"/>
+        </c:dLbls>
+        <c:gapWidth val="219"/>
+        <c:overlap val="-27"/>
+        <c:axId val="340955760"/>
+        <c:axId val="340956152"/>
+      </c:barChart>
+      <c:catAx>
+        <c:axId val="340955760"/>
+        <c:scaling>
+          <c:orientation val="minMax"/>
+        </c:scaling>
+        <c:delete val="0"/>
+        <c:axPos val="b"/>
+        <c:numFmt formatCode="General" sourceLinked="0"/>
+        <c:majorTickMark val="none"/>
+        <c:minorTickMark val="none"/>
+        <c:tickLblPos val="nextTo"/>
+        <c:spPr>
+          <a:ln w="9360">
+            <a:solidFill>
+              <a:srgbClr val="D9D9D9"/>
+            </a:solidFill>
+            <a:round/>
+          </a:ln>
+        </c:spPr>
+        <c:crossAx val="340956152"/>
+        <c:crosses val="autoZero"/>
+        <c:auto val="1"/>
+        <c:lblAlgn val="ctr"/>
+        <c:lblOffset val="100"/>
+        <c:noMultiLvlLbl val="1"/>
+      </c:catAx>
+      <c:valAx>
+        <c:axId val="340956152"/>
+        <c:scaling>
+          <c:orientation val="minMax"/>
+        </c:scaling>
+        <c:delete val="0"/>
+        <c:axPos val="l"/>
+        <c:majorGridlines>
+          <c:spPr>
+            <a:ln w="9360">
+              <a:solidFill>
+                <a:srgbClr val="D9D9D9"/>
+              </a:solidFill>
+              <a:round/>
+            </a:ln>
+          </c:spPr>
+        </c:majorGridlines>
+        <c:numFmt formatCode="General" sourceLinked="1"/>
+        <c:majorTickMark val="none"/>
+        <c:minorTickMark val="none"/>
+        <c:tickLblPos val="nextTo"/>
+        <c:spPr>
+          <a:ln w="6480">
+            <a:noFill/>
+          </a:ln>
+        </c:spPr>
+        <c:crossAx val="340955760"/>
+        <c:crosses val="autoZero"/>
+        <c:crossBetween val="between"/>
+      </c:valAx>
+      <c:dTable>
+        <c:showHorzBorder val="1"/>
+        <c:showVertBorder val="1"/>
+        <c:showOutline val="1"/>
+        <c:showKeys val="1"/>
+      </c:dTable>
+      <c:spPr>
+        <a:noFill/>
+        <a:ln>
+          <a:noFill/>
+        </a:ln>
+      </c:spPr>
+    </c:plotArea>
+    <c:plotVisOnly val="1"/>
+    <c:dispBlanksAs val="zero"/>
+    <c:showDLblsOverMax val="1"/>
+  </c:chart>
+  <c:spPr>
+    <a:solidFill>
+      <a:srgbClr val="FFFFFF"/>
+    </a:solidFill>
+    <a:ln w="9360">
+      <a:solidFill>
+        <a:srgbClr val="D9D9D9"/>
+      </a:solidFill>
+      <a:round/>
+    </a:ln>
+  </c:spPr>
+  <c:externalData r:id="rId1">
+    <c:autoUpdate val="0"/>
+  </c:externalData>
+</c:chartSpace>
+</file>
+
+<file path=ppt/charts/chart23.xml><?xml version="1.0" encoding="utf-8"?>
+<c:chartSpace xmlns:c="http://schemas.openxmlformats.org/drawingml/2006/chart" xmlns:a="http://schemas.openxmlformats.org/drawingml/2006/main" xmlns:r="http://schemas.openxmlformats.org/officeDocument/2006/relationships">
+  <c:date1904 val="0"/>
+  <c:lang val="es-ES"/>
   <c:roundedCorners val="0"/>
   <mc:AlternateContent xmlns:mc="http://schemas.openxmlformats.org/markup-compatibility/2006">
     <mc:Choice xmlns:c14="http://schemas.microsoft.com/office/drawing/2007/8/2/chart" Requires="c14">
@@ -4020,14 +4260,9 @@
               </a:defRPr>
             </a:pPr>
             <a:r>
-              <a:rPr lang="es-MX" dirty="0" smtClean="0"/>
-              <a:t>Gráfica</a:t>
+              <a:rPr lang="es-MX"/>
+              <a:t>Compras</a:t>
             </a:r>
-            <a:r>
-              <a:rPr lang="es-MX" baseline="0" dirty="0" smtClean="0"/>
-              <a:t> mensual Compras</a:t>
-            </a:r>
-            <a:endParaRPr lang="es-MX" dirty="0"/>
           </a:p>
         </c:rich>
       </c:tx>
@@ -4145,6 +4380,9 @@
                 <c:pt idx="5">
                   <c:v>1</c:v>
                 </c:pt>
+                <c:pt idx="6">
+                  <c:v>6</c:v>
+                </c:pt>
               </c:numCache>
             </c:numRef>
           </c:val>
@@ -4227,6 +4465,9 @@
                 <c:pt idx="5">
                   <c:v>19</c:v>
                 </c:pt>
+                <c:pt idx="6">
+                  <c:v>12</c:v>
+                </c:pt>
               </c:numCache>
             </c:numRef>
           </c:val>
@@ -4241,11 +4482,11 @@
         </c:dLbls>
         <c:gapWidth val="219"/>
         <c:overlap val="-27"/>
-        <c:axId val="255439144"/>
-        <c:axId val="255446200"/>
+        <c:axId val="238010152"/>
+        <c:axId val="238006232"/>
       </c:barChart>
       <c:catAx>
-        <c:axId val="255439144"/>
+        <c:axId val="238010152"/>
         <c:scaling>
           <c:orientation val="minMax"/>
         </c:scaling>
@@ -4288,7 +4529,7 @@
             <a:endParaRPr lang="es-MX"/>
           </a:p>
         </c:txPr>
-        <c:crossAx val="255446200"/>
+        <c:crossAx val="238006232"/>
         <c:crosses val="autoZero"/>
         <c:auto val="1"/>
         <c:lblAlgn val="ctr"/>
@@ -4296,7 +4537,7 @@
         <c:noMultiLvlLbl val="0"/>
       </c:catAx>
       <c:valAx>
-        <c:axId val="255446200"/>
+        <c:axId val="238006232"/>
         <c:scaling>
           <c:orientation val="minMax"/>
         </c:scaling>
@@ -4347,437 +4588,7 @@
             <a:endParaRPr lang="es-MX"/>
           </a:p>
         </c:txPr>
-        <c:crossAx val="255439144"/>
-        <c:crosses val="autoZero"/>
-        <c:crossBetween val="between"/>
-      </c:valAx>
-      <c:spPr>
-        <a:noFill/>
-        <a:ln>
-          <a:noFill/>
-        </a:ln>
-        <a:effectLst/>
-      </c:spPr>
-    </c:plotArea>
-    <c:legend>
-      <c:legendPos val="r"/>
-      <c:layout/>
-      <c:overlay val="0"/>
-      <c:spPr>
-        <a:noFill/>
-        <a:ln>
-          <a:noFill/>
-        </a:ln>
-        <a:effectLst/>
-      </c:spPr>
-      <c:txPr>
-        <a:bodyPr rot="0" spcFirstLastPara="1" vertOverflow="ellipsis" vert="horz" wrap="square" anchor="ctr" anchorCtr="1"/>
-        <a:lstStyle/>
-        <a:p>
-          <a:pPr>
-            <a:defRPr sz="900" b="0" i="0" u="none" strike="noStrike" kern="1200" baseline="0">
-              <a:solidFill>
-                <a:schemeClr val="tx1">
-                  <a:lumMod val="65000"/>
-                  <a:lumOff val="35000"/>
-                </a:schemeClr>
-              </a:solidFill>
-              <a:latin typeface="+mn-lt"/>
-              <a:ea typeface="+mn-ea"/>
-              <a:cs typeface="+mn-cs"/>
-            </a:defRPr>
-          </a:pPr>
-          <a:endParaRPr lang="es-MX"/>
-        </a:p>
-      </c:txPr>
-    </c:legend>
-    <c:plotVisOnly val="1"/>
-    <c:dispBlanksAs val="gap"/>
-    <c:showDLblsOverMax val="0"/>
-  </c:chart>
-  <c:spPr>
-    <a:solidFill>
-      <a:schemeClr val="bg1"/>
-    </a:solidFill>
-    <a:ln>
-      <a:noFill/>
-    </a:ln>
-    <a:effectLst/>
-  </c:spPr>
-  <c:txPr>
-    <a:bodyPr/>
-    <a:lstStyle/>
-    <a:p>
-      <a:pPr>
-        <a:defRPr/>
-      </a:pPr>
-      <a:endParaRPr lang="es-MX"/>
-    </a:p>
-  </c:txPr>
-  <c:externalData r:id="rId3">
-    <c:autoUpdate val="0"/>
-  </c:externalData>
-</c:chartSpace>
-</file>
-
-<file path=ppt/charts/chart23.xml><?xml version="1.0" encoding="utf-8"?>
-<c:chartSpace xmlns:c="http://schemas.openxmlformats.org/drawingml/2006/chart" xmlns:a="http://schemas.openxmlformats.org/drawingml/2006/main" xmlns:r="http://schemas.openxmlformats.org/officeDocument/2006/relationships">
-  <c:date1904 val="0"/>
-  <c:lang val="es-ES"/>
-  <c:roundedCorners val="0"/>
-  <mc:AlternateContent xmlns:mc="http://schemas.openxmlformats.org/markup-compatibility/2006">
-    <mc:Choice xmlns:c14="http://schemas.microsoft.com/office/drawing/2007/8/2/chart" Requires="c14">
-      <c14:style val="102"/>
-    </mc:Choice>
-    <mc:Fallback>
-      <c:style val="2"/>
-    </mc:Fallback>
-  </mc:AlternateContent>
-  <c:chart>
-    <c:title>
-      <c:tx>
-        <c:rich>
-          <a:bodyPr rot="0" spcFirstLastPara="1" vertOverflow="ellipsis" vert="horz" wrap="square" anchor="ctr" anchorCtr="1"/>
-          <a:lstStyle/>
-          <a:p>
-            <a:pPr>
-              <a:defRPr sz="1400" b="0" i="0" u="none" strike="noStrike" kern="1200" spc="0" baseline="0">
-                <a:solidFill>
-                  <a:schemeClr val="tx1">
-                    <a:lumMod val="65000"/>
-                    <a:lumOff val="35000"/>
-                  </a:schemeClr>
-                </a:solidFill>
-                <a:latin typeface="+mn-lt"/>
-                <a:ea typeface="+mn-ea"/>
-                <a:cs typeface="+mn-cs"/>
-              </a:defRPr>
-            </a:pPr>
-            <a:r>
-              <a:rPr lang="es-MX" dirty="0" smtClean="0"/>
-              <a:t>Gráfica Mensual Otros</a:t>
-            </a:r>
-            <a:endParaRPr lang="es-MX" dirty="0"/>
-          </a:p>
-        </c:rich>
-      </c:tx>
-      <c:layout/>
-      <c:overlay val="0"/>
-      <c:spPr>
-        <a:noFill/>
-        <a:ln>
-          <a:noFill/>
-        </a:ln>
-        <a:effectLst/>
-      </c:spPr>
-      <c:txPr>
-        <a:bodyPr rot="0" spcFirstLastPara="1" vertOverflow="ellipsis" vert="horz" wrap="square" anchor="ctr" anchorCtr="1"/>
-        <a:lstStyle/>
-        <a:p>
-          <a:pPr>
-            <a:defRPr sz="1400" b="0" i="0" u="none" strike="noStrike" kern="1200" spc="0" baseline="0">
-              <a:solidFill>
-                <a:schemeClr val="tx1">
-                  <a:lumMod val="65000"/>
-                  <a:lumOff val="35000"/>
-                </a:schemeClr>
-              </a:solidFill>
-              <a:latin typeface="+mn-lt"/>
-              <a:ea typeface="+mn-ea"/>
-              <a:cs typeface="+mn-cs"/>
-            </a:defRPr>
-          </a:pPr>
-          <a:endParaRPr lang="es-MX"/>
-        </a:p>
-      </c:txPr>
-    </c:title>
-    <c:autoTitleDeleted val="0"/>
-    <c:plotArea>
-      <c:layout/>
-      <c:barChart>
-        <c:barDir val="col"/>
-        <c:grouping val="clustered"/>
-        <c:varyColors val="0"/>
-        <c:ser>
-          <c:idx val="0"/>
-          <c:order val="0"/>
-          <c:tx>
-            <c:strRef>
-              <c:f>Actividades!$F$4</c:f>
-              <c:strCache>
-                <c:ptCount val="1"/>
-                <c:pt idx="0">
-                  <c:v>En tiempo</c:v>
-                </c:pt>
-              </c:strCache>
-            </c:strRef>
-          </c:tx>
-          <c:spPr>
-            <a:solidFill>
-              <a:schemeClr val="accent1"/>
-            </a:solidFill>
-            <a:ln>
-              <a:noFill/>
-            </a:ln>
-            <a:effectLst/>
-          </c:spPr>
-          <c:invertIfNegative val="0"/>
-          <c:cat>
-            <c:strRef>
-              <c:f>Actividades!$B$5:$B$16</c:f>
-              <c:strCache>
-                <c:ptCount val="12"/>
-                <c:pt idx="0">
-                  <c:v>Enero</c:v>
-                </c:pt>
-                <c:pt idx="1">
-                  <c:v>Febrero</c:v>
-                </c:pt>
-                <c:pt idx="2">
-                  <c:v>Marzo</c:v>
-                </c:pt>
-                <c:pt idx="3">
-                  <c:v>Abril</c:v>
-                </c:pt>
-                <c:pt idx="4">
-                  <c:v>Mayo</c:v>
-                </c:pt>
-                <c:pt idx="5">
-                  <c:v>Junio</c:v>
-                </c:pt>
-                <c:pt idx="6">
-                  <c:v>Julio</c:v>
-                </c:pt>
-                <c:pt idx="7">
-                  <c:v>Agosto</c:v>
-                </c:pt>
-                <c:pt idx="8">
-                  <c:v>Septiembre</c:v>
-                </c:pt>
-                <c:pt idx="9">
-                  <c:v>Octubre</c:v>
-                </c:pt>
-                <c:pt idx="10">
-                  <c:v>Noviembre</c:v>
-                </c:pt>
-                <c:pt idx="11">
-                  <c:v>Diciembre</c:v>
-                </c:pt>
-              </c:strCache>
-            </c:strRef>
-          </c:cat>
-          <c:val>
-            <c:numRef>
-              <c:f>Actividades!$F$5:$F$16</c:f>
-              <c:numCache>
-                <c:formatCode>General</c:formatCode>
-                <c:ptCount val="12"/>
-                <c:pt idx="5">
-                  <c:v>0</c:v>
-                </c:pt>
-              </c:numCache>
-            </c:numRef>
-          </c:val>
-        </c:ser>
-        <c:ser>
-          <c:idx val="1"/>
-          <c:order val="1"/>
-          <c:tx>
-            <c:strRef>
-              <c:f>Actividades!$G$4</c:f>
-              <c:strCache>
-                <c:ptCount val="1"/>
-                <c:pt idx="0">
-                  <c:v>Fuera de
-tiempo</c:v>
-                </c:pt>
-              </c:strCache>
-            </c:strRef>
-          </c:tx>
-          <c:spPr>
-            <a:solidFill>
-              <a:schemeClr val="accent2"/>
-            </a:solidFill>
-            <a:ln>
-              <a:noFill/>
-            </a:ln>
-            <a:effectLst/>
-          </c:spPr>
-          <c:invertIfNegative val="0"/>
-          <c:cat>
-            <c:strRef>
-              <c:f>Actividades!$B$5:$B$16</c:f>
-              <c:strCache>
-                <c:ptCount val="12"/>
-                <c:pt idx="0">
-                  <c:v>Enero</c:v>
-                </c:pt>
-                <c:pt idx="1">
-                  <c:v>Febrero</c:v>
-                </c:pt>
-                <c:pt idx="2">
-                  <c:v>Marzo</c:v>
-                </c:pt>
-                <c:pt idx="3">
-                  <c:v>Abril</c:v>
-                </c:pt>
-                <c:pt idx="4">
-                  <c:v>Mayo</c:v>
-                </c:pt>
-                <c:pt idx="5">
-                  <c:v>Junio</c:v>
-                </c:pt>
-                <c:pt idx="6">
-                  <c:v>Julio</c:v>
-                </c:pt>
-                <c:pt idx="7">
-                  <c:v>Agosto</c:v>
-                </c:pt>
-                <c:pt idx="8">
-                  <c:v>Septiembre</c:v>
-                </c:pt>
-                <c:pt idx="9">
-                  <c:v>Octubre</c:v>
-                </c:pt>
-                <c:pt idx="10">
-                  <c:v>Noviembre</c:v>
-                </c:pt>
-                <c:pt idx="11">
-                  <c:v>Diciembre</c:v>
-                </c:pt>
-              </c:strCache>
-            </c:strRef>
-          </c:cat>
-          <c:val>
-            <c:numRef>
-              <c:f>Actividades!$G$5:$G$16</c:f>
-              <c:numCache>
-                <c:formatCode>General</c:formatCode>
-                <c:ptCount val="12"/>
-                <c:pt idx="5">
-                  <c:v>7</c:v>
-                </c:pt>
-              </c:numCache>
-            </c:numRef>
-          </c:val>
-        </c:ser>
-        <c:dLbls>
-          <c:showLegendKey val="0"/>
-          <c:showVal val="0"/>
-          <c:showCatName val="0"/>
-          <c:showSerName val="0"/>
-          <c:showPercent val="0"/>
-          <c:showBubbleSize val="0"/>
-        </c:dLbls>
-        <c:gapWidth val="219"/>
-        <c:overlap val="-27"/>
-        <c:axId val="255445024"/>
-        <c:axId val="255443456"/>
-      </c:barChart>
-      <c:catAx>
-        <c:axId val="255445024"/>
-        <c:scaling>
-          <c:orientation val="minMax"/>
-        </c:scaling>
-        <c:delete val="0"/>
-        <c:axPos val="b"/>
-        <c:numFmt formatCode="General" sourceLinked="1"/>
-        <c:majorTickMark val="none"/>
-        <c:minorTickMark val="none"/>
-        <c:tickLblPos val="nextTo"/>
-        <c:spPr>
-          <a:noFill/>
-          <a:ln w="9525" cap="flat" cmpd="sng" algn="ctr">
-            <a:solidFill>
-              <a:schemeClr val="tx1">
-                <a:lumMod val="15000"/>
-                <a:lumOff val="85000"/>
-              </a:schemeClr>
-            </a:solidFill>
-            <a:round/>
-          </a:ln>
-          <a:effectLst/>
-        </c:spPr>
-        <c:txPr>
-          <a:bodyPr rot="-60000000" spcFirstLastPara="1" vertOverflow="ellipsis" vert="horz" wrap="square" anchor="ctr" anchorCtr="1"/>
-          <a:lstStyle/>
-          <a:p>
-            <a:pPr>
-              <a:defRPr sz="900" b="0" i="0" u="none" strike="noStrike" kern="1200" baseline="0">
-                <a:solidFill>
-                  <a:schemeClr val="tx1">
-                    <a:lumMod val="65000"/>
-                    <a:lumOff val="35000"/>
-                  </a:schemeClr>
-                </a:solidFill>
-                <a:latin typeface="+mn-lt"/>
-                <a:ea typeface="+mn-ea"/>
-                <a:cs typeface="+mn-cs"/>
-              </a:defRPr>
-            </a:pPr>
-            <a:endParaRPr lang="es-MX"/>
-          </a:p>
-        </c:txPr>
-        <c:crossAx val="255443456"/>
-        <c:crosses val="autoZero"/>
-        <c:auto val="1"/>
-        <c:lblAlgn val="ctr"/>
-        <c:lblOffset val="100"/>
-        <c:noMultiLvlLbl val="0"/>
-      </c:catAx>
-      <c:valAx>
-        <c:axId val="255443456"/>
-        <c:scaling>
-          <c:orientation val="minMax"/>
-        </c:scaling>
-        <c:delete val="0"/>
-        <c:axPos val="l"/>
-        <c:majorGridlines>
-          <c:spPr>
-            <a:ln w="9525" cap="flat" cmpd="sng" algn="ctr">
-              <a:solidFill>
-                <a:schemeClr val="tx1">
-                  <a:lumMod val="15000"/>
-                  <a:lumOff val="85000"/>
-                </a:schemeClr>
-              </a:solidFill>
-              <a:round/>
-            </a:ln>
-            <a:effectLst/>
-          </c:spPr>
-        </c:majorGridlines>
-        <c:numFmt formatCode="General" sourceLinked="1"/>
-        <c:majorTickMark val="none"/>
-        <c:minorTickMark val="none"/>
-        <c:tickLblPos val="nextTo"/>
-        <c:spPr>
-          <a:noFill/>
-          <a:ln>
-            <a:noFill/>
-          </a:ln>
-          <a:effectLst/>
-        </c:spPr>
-        <c:txPr>
-          <a:bodyPr rot="-60000000" spcFirstLastPara="1" vertOverflow="ellipsis" vert="horz" wrap="square" anchor="ctr" anchorCtr="1"/>
-          <a:lstStyle/>
-          <a:p>
-            <a:pPr>
-              <a:defRPr sz="900" b="0" i="0" u="none" strike="noStrike" kern="1200" baseline="0">
-                <a:solidFill>
-                  <a:schemeClr val="tx1">
-                    <a:lumMod val="65000"/>
-                    <a:lumOff val="35000"/>
-                  </a:schemeClr>
-                </a:solidFill>
-                <a:latin typeface="+mn-lt"/>
-                <a:ea typeface="+mn-ea"/>
-                <a:cs typeface="+mn-cs"/>
-              </a:defRPr>
-            </a:pPr>
-            <a:endParaRPr lang="es-MX"/>
-          </a:p>
-        </c:txPr>
-        <c:crossAx val="255445024"/>
+        <c:crossAx val="238010152"/>
         <c:crosses val="autoZero"/>
         <c:crossBetween val="between"/>
       </c:valAx>
@@ -4854,7 +4665,7 @@
 <c:chartSpace xmlns:c="http://schemas.openxmlformats.org/drawingml/2006/chart" xmlns:a="http://schemas.openxmlformats.org/drawingml/2006/main" xmlns:r="http://schemas.openxmlformats.org/officeDocument/2006/relationships">
   <c:date1904 val="0"/>
   <c:lang val="es-ES"/>
-  <c:roundedCorners val="1"/>
+  <c:roundedCorners val="0"/>
   <mc:AlternateContent xmlns:mc="http://schemas.openxmlformats.org/markup-compatibility/2006">
     <mc:Choice xmlns:c14="http://schemas.microsoft.com/office/drawing/2007/8/2/chart" Requires="c14">
       <c14:style val="102"/>
@@ -4864,102 +4675,237 @@
     </mc:Fallback>
   </mc:AlternateContent>
   <c:chart>
-    <c:autoTitleDeleted val="1"/>
+    <c:title>
+      <c:tx>
+        <c:rich>
+          <a:bodyPr rot="0" spcFirstLastPara="1" vertOverflow="ellipsis" vert="horz" wrap="square" anchor="ctr" anchorCtr="1"/>
+          <a:lstStyle/>
+          <a:p>
+            <a:pPr>
+              <a:defRPr sz="1400" b="0" i="0" u="none" strike="noStrike" kern="1200" spc="0" baseline="0">
+                <a:solidFill>
+                  <a:schemeClr val="tx1">
+                    <a:lumMod val="65000"/>
+                    <a:lumOff val="35000"/>
+                  </a:schemeClr>
+                </a:solidFill>
+                <a:latin typeface="+mn-lt"/>
+                <a:ea typeface="+mn-ea"/>
+                <a:cs typeface="+mn-cs"/>
+              </a:defRPr>
+            </a:pPr>
+            <a:r>
+              <a:rPr lang="es-MX"/>
+              <a:t>Otros</a:t>
+            </a:r>
+          </a:p>
+        </c:rich>
+      </c:tx>
+      <c:layout/>
+      <c:overlay val="0"/>
+      <c:spPr>
+        <a:noFill/>
+        <a:ln>
+          <a:noFill/>
+        </a:ln>
+        <a:effectLst/>
+      </c:spPr>
+      <c:txPr>
+        <a:bodyPr rot="0" spcFirstLastPara="1" vertOverflow="ellipsis" vert="horz" wrap="square" anchor="ctr" anchorCtr="1"/>
+        <a:lstStyle/>
+        <a:p>
+          <a:pPr>
+            <a:defRPr sz="1400" b="0" i="0" u="none" strike="noStrike" kern="1200" spc="0" baseline="0">
+              <a:solidFill>
+                <a:schemeClr val="tx1">
+                  <a:lumMod val="65000"/>
+                  <a:lumOff val="35000"/>
+                </a:schemeClr>
+              </a:solidFill>
+              <a:latin typeface="+mn-lt"/>
+              <a:ea typeface="+mn-ea"/>
+              <a:cs typeface="+mn-cs"/>
+            </a:defRPr>
+          </a:pPr>
+          <a:endParaRPr lang="es-MX"/>
+        </a:p>
+      </c:txPr>
+    </c:title>
+    <c:autoTitleDeleted val="0"/>
     <c:plotArea>
       <c:layout/>
       <c:barChart>
         <c:barDir val="col"/>
         <c:grouping val="clustered"/>
-        <c:varyColors val="1"/>
+        <c:varyColors val="0"/>
         <c:ser>
           <c:idx val="0"/>
           <c:order val="0"/>
+          <c:tx>
+            <c:strRef>
+              <c:f>Actividades!$F$4</c:f>
+              <c:strCache>
+                <c:ptCount val="1"/>
+                <c:pt idx="0">
+                  <c:v>En tiempo</c:v>
+                </c:pt>
+              </c:strCache>
+            </c:strRef>
+          </c:tx>
           <c:spPr>
             <a:solidFill>
-              <a:srgbClr val="004586"/>
+              <a:schemeClr val="accent1"/>
             </a:solidFill>
             <a:ln>
               <a:noFill/>
             </a:ln>
+            <a:effectLst/>
           </c:spPr>
-          <c:invertIfNegative val="1"/>
-          <c:dLbls>
-            <c:spPr>
-              <a:noFill/>
-              <a:ln>
-                <a:noFill/>
-              </a:ln>
-              <a:effectLst/>
-            </c:spPr>
-            <c:dLblPos val="ctr"/>
-            <c:showLegendKey val="0"/>
-            <c:showVal val="0"/>
-            <c:showCatName val="0"/>
-            <c:showSerName val="0"/>
-            <c:showPercent val="0"/>
-            <c:showBubbleSize val="1"/>
-            <c:showLeaderLines val="0"/>
-            <c:extLst>
-              <c:ext xmlns:c15="http://schemas.microsoft.com/office/drawing/2012/chart" uri="{CE6537A1-D6FC-4f65-9D91-7224C49458BB}">
-                <c15:showLeaderLines val="0"/>
-              </c:ext>
-            </c:extLst>
-          </c:dLbls>
+          <c:invertIfNegative val="0"/>
           <c:cat>
             <c:strRef>
-              <c:f>'Monitoreo de Actividades'!$B$3:$E$3</c:f>
+              <c:f>Actividades!$B$5:$B$16</c:f>
               <c:strCache>
-                <c:ptCount val="4"/>
+                <c:ptCount val="12"/>
                 <c:pt idx="0">
-                  <c:v>Ventas</c:v>
+                  <c:v>Enero</c:v>
                 </c:pt>
                 <c:pt idx="1">
-                  <c:v>Planeación Anual</c:v>
+                  <c:v>Febrero</c:v>
                 </c:pt>
                 <c:pt idx="2">
-                  <c:v>Organizacionales</c:v>
+                  <c:v>Marzo</c:v>
                 </c:pt>
                 <c:pt idx="3">
-                  <c:v>Compras</c:v>
+                  <c:v>Abril</c:v>
+                </c:pt>
+                <c:pt idx="4">
+                  <c:v>Mayo</c:v>
+                </c:pt>
+                <c:pt idx="5">
+                  <c:v>Junio</c:v>
+                </c:pt>
+                <c:pt idx="6">
+                  <c:v>Julio</c:v>
+                </c:pt>
+                <c:pt idx="7">
+                  <c:v>Agosto</c:v>
+                </c:pt>
+                <c:pt idx="8">
+                  <c:v>Septiembre</c:v>
+                </c:pt>
+                <c:pt idx="9">
+                  <c:v>Octubre</c:v>
+                </c:pt>
+                <c:pt idx="10">
+                  <c:v>Noviembre</c:v>
+                </c:pt>
+                <c:pt idx="11">
+                  <c:v>Diciembre</c:v>
                 </c:pt>
               </c:strCache>
             </c:strRef>
           </c:cat>
           <c:val>
             <c:numRef>
-              <c:f>'Monitoreo de Actividades'!$B$16:$E$16</c:f>
+              <c:f>Actividades!$F$5:$F$16</c:f>
               <c:numCache>
-                <c:formatCode>0.00%</c:formatCode>
-                <c:ptCount val="4"/>
-                <c:pt idx="0">
-                  <c:v>0.53333333333333333</c:v>
-                </c:pt>
-                <c:pt idx="1">
-                  <c:v>1</c:v>
-                </c:pt>
-                <c:pt idx="2">
-                  <c:v>0.77776666666666661</c:v>
-                </c:pt>
-                <c:pt idx="3">
-                  <c:v>0.56666666666666665</c:v>
+                <c:formatCode>General</c:formatCode>
+                <c:ptCount val="12"/>
+                <c:pt idx="5">
+                  <c:v>0</c:v>
+                </c:pt>
+                <c:pt idx="6">
+                  <c:v>0</c:v>
                 </c:pt>
               </c:numCache>
             </c:numRef>
           </c:val>
-          <c:extLst>
-            <c:ext xmlns:c14="http://schemas.microsoft.com/office/drawing/2007/8/2/chart" uri="{6F2FDCE9-48DA-4B69-8628-5D25D57E5C99}">
-              <c14:invertSolidFillFmt>
-                <c14:spPr xmlns:c14="http://schemas.microsoft.com/office/drawing/2007/8/2/chart">
-                  <a:solidFill>
-                    <a:srgbClr val="FFFFFF"/>
-                  </a:solidFill>
-                  <a:ln>
-                    <a:noFill/>
-                  </a:ln>
-                </c14:spPr>
-              </c14:invertSolidFillFmt>
-            </c:ext>
-          </c:extLst>
+        </c:ser>
+        <c:ser>
+          <c:idx val="1"/>
+          <c:order val="1"/>
+          <c:tx>
+            <c:strRef>
+              <c:f>Actividades!$G$4</c:f>
+              <c:strCache>
+                <c:ptCount val="1"/>
+                <c:pt idx="0">
+                  <c:v>Fuera de
+tiempo</c:v>
+                </c:pt>
+              </c:strCache>
+            </c:strRef>
+          </c:tx>
+          <c:spPr>
+            <a:solidFill>
+              <a:schemeClr val="accent2"/>
+            </a:solidFill>
+            <a:ln>
+              <a:noFill/>
+            </a:ln>
+            <a:effectLst/>
+          </c:spPr>
+          <c:invertIfNegative val="0"/>
+          <c:cat>
+            <c:strRef>
+              <c:f>Actividades!$B$5:$B$16</c:f>
+              <c:strCache>
+                <c:ptCount val="12"/>
+                <c:pt idx="0">
+                  <c:v>Enero</c:v>
+                </c:pt>
+                <c:pt idx="1">
+                  <c:v>Febrero</c:v>
+                </c:pt>
+                <c:pt idx="2">
+                  <c:v>Marzo</c:v>
+                </c:pt>
+                <c:pt idx="3">
+                  <c:v>Abril</c:v>
+                </c:pt>
+                <c:pt idx="4">
+                  <c:v>Mayo</c:v>
+                </c:pt>
+                <c:pt idx="5">
+                  <c:v>Junio</c:v>
+                </c:pt>
+                <c:pt idx="6">
+                  <c:v>Julio</c:v>
+                </c:pt>
+                <c:pt idx="7">
+                  <c:v>Agosto</c:v>
+                </c:pt>
+                <c:pt idx="8">
+                  <c:v>Septiembre</c:v>
+                </c:pt>
+                <c:pt idx="9">
+                  <c:v>Octubre</c:v>
+                </c:pt>
+                <c:pt idx="10">
+                  <c:v>Noviembre</c:v>
+                </c:pt>
+                <c:pt idx="11">
+                  <c:v>Diciembre</c:v>
+                </c:pt>
+              </c:strCache>
+            </c:strRef>
+          </c:cat>
+          <c:val>
+            <c:numRef>
+              <c:f>Actividades!$G$5:$G$16</c:f>
+              <c:numCache>
+                <c:formatCode>General</c:formatCode>
+                <c:ptCount val="12"/>
+                <c:pt idx="5">
+                  <c:v>7</c:v>
+                </c:pt>
+                <c:pt idx="6">
+                  <c:v>3</c:v>
+                </c:pt>
+              </c:numCache>
+            </c:numRef>
+          </c:val>
         </c:ser>
         <c:dLbls>
           <c:showLegendKey val="0"/>
@@ -4969,37 +4915,64 @@
           <c:showPercent val="0"/>
           <c:showBubbleSize val="0"/>
         </c:dLbls>
-        <c:gapWidth val="100"/>
-        <c:axId val="255441888"/>
-        <c:axId val="255441104"/>
+        <c:gapWidth val="219"/>
+        <c:overlap val="-27"/>
+        <c:axId val="346587848"/>
+        <c:axId val="346583144"/>
       </c:barChart>
       <c:catAx>
-        <c:axId val="255441888"/>
+        <c:axId val="346587848"/>
         <c:scaling>
           <c:orientation val="minMax"/>
         </c:scaling>
         <c:delete val="0"/>
         <c:axPos val="b"/>
-        <c:numFmt formatCode="General" sourceLinked="0"/>
-        <c:majorTickMark val="out"/>
+        <c:numFmt formatCode="General" sourceLinked="1"/>
+        <c:majorTickMark val="none"/>
         <c:minorTickMark val="none"/>
         <c:tickLblPos val="nextTo"/>
         <c:spPr>
-          <a:ln>
+          <a:noFill/>
+          <a:ln w="9525" cap="flat" cmpd="sng" algn="ctr">
             <a:solidFill>
-              <a:srgbClr val="B3B3B3"/>
+              <a:schemeClr val="tx1">
+                <a:lumMod val="15000"/>
+                <a:lumOff val="85000"/>
+              </a:schemeClr>
             </a:solidFill>
+            <a:round/>
           </a:ln>
+          <a:effectLst/>
         </c:spPr>
-        <c:crossAx val="255441104"/>
+        <c:txPr>
+          <a:bodyPr rot="-60000000" spcFirstLastPara="1" vertOverflow="ellipsis" vert="horz" wrap="square" anchor="ctr" anchorCtr="1"/>
+          <a:lstStyle/>
+          <a:p>
+            <a:pPr>
+              <a:defRPr sz="900" b="0" i="0" u="none" strike="noStrike" kern="1200" baseline="0">
+                <a:solidFill>
+                  <a:schemeClr val="tx1">
+                    <a:lumMod val="65000"/>
+                    <a:lumOff val="35000"/>
+                  </a:schemeClr>
+                </a:solidFill>
+                <a:latin typeface="+mn-lt"/>
+                <a:ea typeface="+mn-ea"/>
+                <a:cs typeface="+mn-cs"/>
+              </a:defRPr>
+            </a:pPr>
+            <a:endParaRPr lang="es-MX"/>
+          </a:p>
+        </c:txPr>
+        <c:crossAx val="346583144"/>
         <c:crosses val="autoZero"/>
         <c:auto val="1"/>
         <c:lblAlgn val="ctr"/>
         <c:lblOffset val="100"/>
-        <c:noMultiLvlLbl val="1"/>
+        <c:noMultiLvlLbl val="0"/>
       </c:catAx>
       <c:valAx>
-        <c:axId val="255441104"/>
+        <c:axId val="346583144"/>
         <c:scaling>
           <c:orientation val="minMax"/>
         </c:scaling>
@@ -5007,35 +4980,59 @@
         <c:axPos val="l"/>
         <c:majorGridlines>
           <c:spPr>
-            <a:ln>
+            <a:ln w="9525" cap="flat" cmpd="sng" algn="ctr">
               <a:solidFill>
-                <a:srgbClr val="B3B3B3"/>
+                <a:schemeClr val="tx1">
+                  <a:lumMod val="15000"/>
+                  <a:lumOff val="85000"/>
+                </a:schemeClr>
               </a:solidFill>
+              <a:round/>
             </a:ln>
+            <a:effectLst/>
           </c:spPr>
         </c:majorGridlines>
-        <c:numFmt formatCode="0.00%" sourceLinked="1"/>
-        <c:majorTickMark val="out"/>
+        <c:numFmt formatCode="General" sourceLinked="1"/>
+        <c:majorTickMark val="none"/>
         <c:minorTickMark val="none"/>
         <c:tickLblPos val="nextTo"/>
         <c:spPr>
+          <a:noFill/>
           <a:ln>
-            <a:solidFill>
-              <a:srgbClr val="B3B3B3"/>
-            </a:solidFill>
+            <a:noFill/>
           </a:ln>
+          <a:effectLst/>
         </c:spPr>
-        <c:crossAx val="255441888"/>
+        <c:txPr>
+          <a:bodyPr rot="-60000000" spcFirstLastPara="1" vertOverflow="ellipsis" vert="horz" wrap="square" anchor="ctr" anchorCtr="1"/>
+          <a:lstStyle/>
+          <a:p>
+            <a:pPr>
+              <a:defRPr sz="900" b="0" i="0" u="none" strike="noStrike" kern="1200" baseline="0">
+                <a:solidFill>
+                  <a:schemeClr val="tx1">
+                    <a:lumMod val="65000"/>
+                    <a:lumOff val="35000"/>
+                  </a:schemeClr>
+                </a:solidFill>
+                <a:latin typeface="+mn-lt"/>
+                <a:ea typeface="+mn-ea"/>
+                <a:cs typeface="+mn-cs"/>
+              </a:defRPr>
+            </a:pPr>
+            <a:endParaRPr lang="es-MX"/>
+          </a:p>
+        </c:txPr>
+        <c:crossAx val="346587848"/>
         <c:crosses val="autoZero"/>
         <c:crossBetween val="between"/>
       </c:valAx>
       <c:spPr>
         <a:noFill/>
         <a:ln>
-          <a:solidFill>
-            <a:srgbClr val="B3B3B3"/>
-          </a:solidFill>
+          <a:noFill/>
         </a:ln>
+        <a:effectLst/>
       </c:spPr>
     </c:plotArea>
     <c:legend>
@@ -5047,7 +5044,1088 @@
         <a:ln>
           <a:noFill/>
         </a:ln>
+        <a:effectLst/>
       </c:spPr>
+      <c:txPr>
+        <a:bodyPr rot="0" spcFirstLastPara="1" vertOverflow="ellipsis" vert="horz" wrap="square" anchor="ctr" anchorCtr="1"/>
+        <a:lstStyle/>
+        <a:p>
+          <a:pPr>
+            <a:defRPr sz="900" b="0" i="0" u="none" strike="noStrike" kern="1200" baseline="0">
+              <a:solidFill>
+                <a:schemeClr val="tx1">
+                  <a:lumMod val="65000"/>
+                  <a:lumOff val="35000"/>
+                </a:schemeClr>
+              </a:solidFill>
+              <a:latin typeface="+mn-lt"/>
+              <a:ea typeface="+mn-ea"/>
+              <a:cs typeface="+mn-cs"/>
+            </a:defRPr>
+          </a:pPr>
+          <a:endParaRPr lang="es-MX"/>
+        </a:p>
+      </c:txPr>
+    </c:legend>
+    <c:plotVisOnly val="1"/>
+    <c:dispBlanksAs val="gap"/>
+    <c:showDLblsOverMax val="0"/>
+  </c:chart>
+  <c:spPr>
+    <a:solidFill>
+      <a:schemeClr val="bg1"/>
+    </a:solidFill>
+    <a:ln>
+      <a:noFill/>
+    </a:ln>
+    <a:effectLst/>
+  </c:spPr>
+  <c:txPr>
+    <a:bodyPr/>
+    <a:lstStyle/>
+    <a:p>
+      <a:pPr>
+        <a:defRPr/>
+      </a:pPr>
+      <a:endParaRPr lang="es-MX"/>
+    </a:p>
+  </c:txPr>
+  <c:externalData r:id="rId3">
+    <c:autoUpdate val="0"/>
+  </c:externalData>
+</c:chartSpace>
+</file>
+
+<file path=ppt/charts/chart25.xml><?xml version="1.0" encoding="utf-8"?>
+<c:chartSpace xmlns:c="http://schemas.openxmlformats.org/drawingml/2006/chart" xmlns:a="http://schemas.openxmlformats.org/drawingml/2006/main" xmlns:r="http://schemas.openxmlformats.org/officeDocument/2006/relationships">
+  <c:date1904 val="0"/>
+  <c:lang val="es-ES"/>
+  <c:roundedCorners val="0"/>
+  <mc:AlternateContent xmlns:mc="http://schemas.openxmlformats.org/markup-compatibility/2006">
+    <mc:Choice xmlns:c14="http://schemas.microsoft.com/office/drawing/2007/8/2/chart" Requires="c14">
+      <c14:style val="102"/>
+    </mc:Choice>
+    <mc:Fallback>
+      <c:style val="2"/>
+    </mc:Fallback>
+  </mc:AlternateContent>
+  <c:chart>
+    <c:title>
+      <c:tx>
+        <c:rich>
+          <a:bodyPr rot="0" spcFirstLastPara="1" vertOverflow="ellipsis" vert="horz" wrap="square" anchor="ctr" anchorCtr="1"/>
+          <a:lstStyle/>
+          <a:p>
+            <a:pPr>
+              <a:defRPr sz="1400" b="0" i="0" u="none" strike="noStrike" kern="1200" spc="0" baseline="0">
+                <a:solidFill>
+                  <a:schemeClr val="tx1">
+                    <a:lumMod val="65000"/>
+                    <a:lumOff val="35000"/>
+                  </a:schemeClr>
+                </a:solidFill>
+                <a:latin typeface="+mn-lt"/>
+                <a:ea typeface="+mn-ea"/>
+                <a:cs typeface="+mn-cs"/>
+              </a:defRPr>
+            </a:pPr>
+            <a:r>
+              <a:rPr lang="es-MX"/>
+              <a:t>Julio</a:t>
+            </a:r>
+          </a:p>
+        </c:rich>
+      </c:tx>
+      <c:layout/>
+      <c:overlay val="0"/>
+      <c:spPr>
+        <a:noFill/>
+        <a:ln>
+          <a:noFill/>
+        </a:ln>
+        <a:effectLst/>
+      </c:spPr>
+      <c:txPr>
+        <a:bodyPr rot="0" spcFirstLastPara="1" vertOverflow="ellipsis" vert="horz" wrap="square" anchor="ctr" anchorCtr="1"/>
+        <a:lstStyle/>
+        <a:p>
+          <a:pPr>
+            <a:defRPr sz="1400" b="0" i="0" u="none" strike="noStrike" kern="1200" spc="0" baseline="0">
+              <a:solidFill>
+                <a:schemeClr val="tx1">
+                  <a:lumMod val="65000"/>
+                  <a:lumOff val="35000"/>
+                </a:schemeClr>
+              </a:solidFill>
+              <a:latin typeface="+mn-lt"/>
+              <a:ea typeface="+mn-ea"/>
+              <a:cs typeface="+mn-cs"/>
+            </a:defRPr>
+          </a:pPr>
+          <a:endParaRPr lang="es-MX"/>
+        </a:p>
+      </c:txPr>
+    </c:title>
+    <c:autoTitleDeleted val="0"/>
+    <c:plotArea>
+      <c:layout/>
+      <c:barChart>
+        <c:barDir val="col"/>
+        <c:grouping val="clustered"/>
+        <c:varyColors val="0"/>
+        <c:ser>
+          <c:idx val="0"/>
+          <c:order val="0"/>
+          <c:tx>
+            <c:strRef>
+              <c:f>'Monitoreo de Actividades'!$B$3</c:f>
+              <c:strCache>
+                <c:ptCount val="1"/>
+              </c:strCache>
+            </c:strRef>
+          </c:tx>
+          <c:spPr>
+            <a:solidFill>
+              <a:schemeClr val="accent1"/>
+            </a:solidFill>
+            <a:ln>
+              <a:noFill/>
+            </a:ln>
+            <a:effectLst/>
+          </c:spPr>
+          <c:invertIfNegative val="0"/>
+          <c:dLbls>
+            <c:spPr>
+              <a:noFill/>
+              <a:ln>
+                <a:noFill/>
+              </a:ln>
+              <a:effectLst/>
+            </c:spPr>
+            <c:txPr>
+              <a:bodyPr rot="0" spcFirstLastPara="1" vertOverflow="ellipsis" vert="horz" wrap="square" lIns="38100" tIns="19050" rIns="38100" bIns="19050" anchor="ctr" anchorCtr="1">
+                <a:spAutoFit/>
+              </a:bodyPr>
+              <a:lstStyle/>
+              <a:p>
+                <a:pPr>
+                  <a:defRPr sz="900" b="0" i="0" u="none" strike="noStrike" kern="1200" baseline="0">
+                    <a:solidFill>
+                      <a:schemeClr val="tx1">
+                        <a:lumMod val="75000"/>
+                        <a:lumOff val="25000"/>
+                      </a:schemeClr>
+                    </a:solidFill>
+                    <a:latin typeface="+mn-lt"/>
+                    <a:ea typeface="+mn-ea"/>
+                    <a:cs typeface="+mn-cs"/>
+                  </a:defRPr>
+                </a:pPr>
+                <a:endParaRPr lang="es-MX"/>
+              </a:p>
+            </c:txPr>
+            <c:dLblPos val="outEnd"/>
+            <c:showLegendKey val="0"/>
+            <c:showVal val="1"/>
+            <c:showCatName val="0"/>
+            <c:showSerName val="0"/>
+            <c:showPercent val="0"/>
+            <c:showBubbleSize val="0"/>
+            <c:showLeaderLines val="0"/>
+            <c:extLst>
+              <c:ext xmlns:c15="http://schemas.microsoft.com/office/drawing/2012/chart" uri="{CE6537A1-D6FC-4f65-9D91-7224C49458BB}">
+                <c15:showLeaderLines val="1"/>
+                <c15:leaderLines>
+                  <c:spPr>
+                    <a:ln w="9525" cap="flat" cmpd="sng" algn="ctr">
+                      <a:solidFill>
+                        <a:schemeClr val="tx1">
+                          <a:lumMod val="35000"/>
+                          <a:lumOff val="65000"/>
+                        </a:schemeClr>
+                      </a:solidFill>
+                      <a:round/>
+                    </a:ln>
+                    <a:effectLst/>
+                  </c:spPr>
+                </c15:leaderLines>
+              </c:ext>
+            </c:extLst>
+          </c:dLbls>
+          <c:cat>
+            <c:strRef>
+              <c:f>'Monitoreo de Actividades'!$C$4:$G$4</c:f>
+              <c:strCache>
+                <c:ptCount val="5"/>
+                <c:pt idx="0">
+                  <c:v>Ventas</c:v>
+                </c:pt>
+                <c:pt idx="1">
+                  <c:v>Soporte</c:v>
+                </c:pt>
+                <c:pt idx="2">
+                  <c:v>Planeación Anual</c:v>
+                </c:pt>
+                <c:pt idx="3">
+                  <c:v>Organizacionales</c:v>
+                </c:pt>
+                <c:pt idx="4">
+                  <c:v>Compras</c:v>
+                </c:pt>
+              </c:strCache>
+            </c:strRef>
+          </c:cat>
+          <c:val>
+            <c:numRef>
+              <c:f>'Monitoreo de Actividades'!$C$3:$G$3</c:f>
+              <c:numCache>
+                <c:formatCode>General</c:formatCode>
+                <c:ptCount val="5"/>
+              </c:numCache>
+            </c:numRef>
+          </c:val>
+        </c:ser>
+        <c:ser>
+          <c:idx val="1"/>
+          <c:order val="1"/>
+          <c:tx>
+            <c:strRef>
+              <c:f>'Monitoreo de Actividades'!$B$4</c:f>
+              <c:strCache>
+                <c:ptCount val="1"/>
+              </c:strCache>
+            </c:strRef>
+          </c:tx>
+          <c:spPr>
+            <a:solidFill>
+              <a:schemeClr val="accent3"/>
+            </a:solidFill>
+            <a:ln>
+              <a:noFill/>
+            </a:ln>
+            <a:effectLst/>
+          </c:spPr>
+          <c:invertIfNegative val="0"/>
+          <c:dLbls>
+            <c:spPr>
+              <a:noFill/>
+              <a:ln>
+                <a:noFill/>
+              </a:ln>
+              <a:effectLst/>
+            </c:spPr>
+            <c:txPr>
+              <a:bodyPr rot="0" spcFirstLastPara="1" vertOverflow="ellipsis" vert="horz" wrap="square" lIns="38100" tIns="19050" rIns="38100" bIns="19050" anchor="ctr" anchorCtr="1">
+                <a:spAutoFit/>
+              </a:bodyPr>
+              <a:lstStyle/>
+              <a:p>
+                <a:pPr>
+                  <a:defRPr sz="900" b="0" i="0" u="none" strike="noStrike" kern="1200" baseline="0">
+                    <a:solidFill>
+                      <a:schemeClr val="tx1">
+                        <a:lumMod val="75000"/>
+                        <a:lumOff val="25000"/>
+                      </a:schemeClr>
+                    </a:solidFill>
+                    <a:latin typeface="+mn-lt"/>
+                    <a:ea typeface="+mn-ea"/>
+                    <a:cs typeface="+mn-cs"/>
+                  </a:defRPr>
+                </a:pPr>
+                <a:endParaRPr lang="es-MX"/>
+              </a:p>
+            </c:txPr>
+            <c:dLblPos val="outEnd"/>
+            <c:showLegendKey val="0"/>
+            <c:showVal val="1"/>
+            <c:showCatName val="0"/>
+            <c:showSerName val="0"/>
+            <c:showPercent val="0"/>
+            <c:showBubbleSize val="0"/>
+            <c:showLeaderLines val="0"/>
+            <c:extLst>
+              <c:ext xmlns:c15="http://schemas.microsoft.com/office/drawing/2012/chart" uri="{CE6537A1-D6FC-4f65-9D91-7224C49458BB}">
+                <c15:layout/>
+                <c15:showLeaderLines val="1"/>
+                <c15:leaderLines>
+                  <c:spPr>
+                    <a:ln w="9525" cap="flat" cmpd="sng" algn="ctr">
+                      <a:solidFill>
+                        <a:schemeClr val="tx1">
+                          <a:lumMod val="35000"/>
+                          <a:lumOff val="65000"/>
+                        </a:schemeClr>
+                      </a:solidFill>
+                      <a:round/>
+                    </a:ln>
+                    <a:effectLst/>
+                  </c:spPr>
+                </c15:leaderLines>
+              </c:ext>
+            </c:extLst>
+          </c:dLbls>
+          <c:cat>
+            <c:strRef>
+              <c:f>'Monitoreo de Actividades'!$C$4:$G$4</c:f>
+              <c:strCache>
+                <c:ptCount val="5"/>
+                <c:pt idx="0">
+                  <c:v>Ventas</c:v>
+                </c:pt>
+                <c:pt idx="1">
+                  <c:v>Soporte</c:v>
+                </c:pt>
+                <c:pt idx="2">
+                  <c:v>Planeación Anual</c:v>
+                </c:pt>
+                <c:pt idx="3">
+                  <c:v>Organizacionales</c:v>
+                </c:pt>
+                <c:pt idx="4">
+                  <c:v>Compras</c:v>
+                </c:pt>
+              </c:strCache>
+            </c:strRef>
+          </c:cat>
+          <c:val>
+            <c:numRef>
+              <c:f>'Monitoreo de Actividades'!$C$4:$G$4</c:f>
+              <c:numCache>
+                <c:formatCode>General</c:formatCode>
+                <c:ptCount val="5"/>
+                <c:pt idx="0">
+                  <c:v>0</c:v>
+                </c:pt>
+                <c:pt idx="1">
+                  <c:v>0</c:v>
+                </c:pt>
+                <c:pt idx="2">
+                  <c:v>0</c:v>
+                </c:pt>
+                <c:pt idx="3">
+                  <c:v>0</c:v>
+                </c:pt>
+                <c:pt idx="4">
+                  <c:v>0</c:v>
+                </c:pt>
+              </c:numCache>
+            </c:numRef>
+          </c:val>
+        </c:ser>
+        <c:ser>
+          <c:idx val="2"/>
+          <c:order val="2"/>
+          <c:tx>
+            <c:strRef>
+              <c:f>'Monitoreo de Actividades'!$B$11</c:f>
+              <c:strCache>
+                <c:ptCount val="1"/>
+                <c:pt idx="0">
+                  <c:v>Julio</c:v>
+                </c:pt>
+              </c:strCache>
+            </c:strRef>
+          </c:tx>
+          <c:spPr>
+            <a:solidFill>
+              <a:schemeClr val="accent5"/>
+            </a:solidFill>
+            <a:ln>
+              <a:noFill/>
+            </a:ln>
+            <a:effectLst/>
+          </c:spPr>
+          <c:invertIfNegative val="0"/>
+          <c:dLbls>
+            <c:spPr>
+              <a:noFill/>
+              <a:ln>
+                <a:noFill/>
+              </a:ln>
+              <a:effectLst/>
+            </c:spPr>
+            <c:txPr>
+              <a:bodyPr rot="0" spcFirstLastPara="1" vertOverflow="ellipsis" vert="horz" wrap="square" lIns="38100" tIns="19050" rIns="38100" bIns="19050" anchor="ctr" anchorCtr="1">
+                <a:spAutoFit/>
+              </a:bodyPr>
+              <a:lstStyle/>
+              <a:p>
+                <a:pPr>
+                  <a:defRPr sz="900" b="0" i="0" u="none" strike="noStrike" kern="1200" baseline="0">
+                    <a:solidFill>
+                      <a:schemeClr val="tx1">
+                        <a:lumMod val="75000"/>
+                        <a:lumOff val="25000"/>
+                      </a:schemeClr>
+                    </a:solidFill>
+                    <a:latin typeface="+mn-lt"/>
+                    <a:ea typeface="+mn-ea"/>
+                    <a:cs typeface="+mn-cs"/>
+                  </a:defRPr>
+                </a:pPr>
+                <a:endParaRPr lang="es-MX"/>
+              </a:p>
+            </c:txPr>
+            <c:dLblPos val="outEnd"/>
+            <c:showLegendKey val="0"/>
+            <c:showVal val="1"/>
+            <c:showCatName val="0"/>
+            <c:showSerName val="0"/>
+            <c:showPercent val="0"/>
+            <c:showBubbleSize val="0"/>
+            <c:showLeaderLines val="0"/>
+            <c:extLst>
+              <c:ext xmlns:c15="http://schemas.microsoft.com/office/drawing/2012/chart" uri="{CE6537A1-D6FC-4f65-9D91-7224C49458BB}">
+                <c15:layout/>
+                <c15:showLeaderLines val="1"/>
+                <c15:leaderLines>
+                  <c:spPr>
+                    <a:ln w="9525" cap="flat" cmpd="sng" algn="ctr">
+                      <a:solidFill>
+                        <a:schemeClr val="tx1">
+                          <a:lumMod val="35000"/>
+                          <a:lumOff val="65000"/>
+                        </a:schemeClr>
+                      </a:solidFill>
+                      <a:round/>
+                    </a:ln>
+                    <a:effectLst/>
+                  </c:spPr>
+                </c15:leaderLines>
+              </c:ext>
+            </c:extLst>
+          </c:dLbls>
+          <c:cat>
+            <c:strRef>
+              <c:f>'Monitoreo de Actividades'!$C$4:$G$4</c:f>
+              <c:strCache>
+                <c:ptCount val="5"/>
+                <c:pt idx="0">
+                  <c:v>Ventas</c:v>
+                </c:pt>
+                <c:pt idx="1">
+                  <c:v>Soporte</c:v>
+                </c:pt>
+                <c:pt idx="2">
+                  <c:v>Planeación Anual</c:v>
+                </c:pt>
+                <c:pt idx="3">
+                  <c:v>Organizacionales</c:v>
+                </c:pt>
+                <c:pt idx="4">
+                  <c:v>Compras</c:v>
+                </c:pt>
+              </c:strCache>
+            </c:strRef>
+          </c:cat>
+          <c:val>
+            <c:numRef>
+              <c:f>'Monitoreo de Actividades'!$C$11:$G$11</c:f>
+              <c:numCache>
+                <c:formatCode>0.00%</c:formatCode>
+                <c:ptCount val="5"/>
+                <c:pt idx="0">
+                  <c:v>0.5</c:v>
+                </c:pt>
+                <c:pt idx="1">
+                  <c:v>1</c:v>
+                </c:pt>
+                <c:pt idx="2">
+                  <c:v>0</c:v>
+                </c:pt>
+                <c:pt idx="3">
+                  <c:v>1</c:v>
+                </c:pt>
+                <c:pt idx="4">
+                  <c:v>1</c:v>
+                </c:pt>
+              </c:numCache>
+            </c:numRef>
+          </c:val>
+        </c:ser>
+        <c:dLbls>
+          <c:dLblPos val="outEnd"/>
+          <c:showLegendKey val="0"/>
+          <c:showVal val="1"/>
+          <c:showCatName val="0"/>
+          <c:showSerName val="0"/>
+          <c:showPercent val="0"/>
+          <c:showBubbleSize val="0"/>
+        </c:dLbls>
+        <c:gapWidth val="219"/>
+        <c:overlap val="-27"/>
+        <c:axId val="341324936"/>
+        <c:axId val="341329640"/>
+      </c:barChart>
+      <c:catAx>
+        <c:axId val="341324936"/>
+        <c:scaling>
+          <c:orientation val="minMax"/>
+        </c:scaling>
+        <c:delete val="0"/>
+        <c:axPos val="b"/>
+        <c:numFmt formatCode="General" sourceLinked="1"/>
+        <c:majorTickMark val="none"/>
+        <c:minorTickMark val="none"/>
+        <c:tickLblPos val="nextTo"/>
+        <c:spPr>
+          <a:noFill/>
+          <a:ln w="9525" cap="flat" cmpd="sng" algn="ctr">
+            <a:solidFill>
+              <a:schemeClr val="tx1">
+                <a:lumMod val="15000"/>
+                <a:lumOff val="85000"/>
+              </a:schemeClr>
+            </a:solidFill>
+            <a:round/>
+          </a:ln>
+          <a:effectLst/>
+        </c:spPr>
+        <c:txPr>
+          <a:bodyPr rot="-60000000" spcFirstLastPara="1" vertOverflow="ellipsis" vert="horz" wrap="square" anchor="ctr" anchorCtr="1"/>
+          <a:lstStyle/>
+          <a:p>
+            <a:pPr>
+              <a:defRPr sz="900" b="0" i="0" u="none" strike="noStrike" kern="1200" baseline="0">
+                <a:solidFill>
+                  <a:schemeClr val="tx1">
+                    <a:lumMod val="65000"/>
+                    <a:lumOff val="35000"/>
+                  </a:schemeClr>
+                </a:solidFill>
+                <a:latin typeface="+mn-lt"/>
+                <a:ea typeface="+mn-ea"/>
+                <a:cs typeface="+mn-cs"/>
+              </a:defRPr>
+            </a:pPr>
+            <a:endParaRPr lang="es-MX"/>
+          </a:p>
+        </c:txPr>
+        <c:crossAx val="341329640"/>
+        <c:crosses val="autoZero"/>
+        <c:auto val="1"/>
+        <c:lblAlgn val="ctr"/>
+        <c:lblOffset val="100"/>
+        <c:noMultiLvlLbl val="0"/>
+      </c:catAx>
+      <c:valAx>
+        <c:axId val="341329640"/>
+        <c:scaling>
+          <c:orientation val="minMax"/>
+        </c:scaling>
+        <c:delete val="0"/>
+        <c:axPos val="l"/>
+        <c:majorGridlines>
+          <c:spPr>
+            <a:ln w="9525" cap="flat" cmpd="sng" algn="ctr">
+              <a:solidFill>
+                <a:schemeClr val="tx1">
+                  <a:lumMod val="15000"/>
+                  <a:lumOff val="85000"/>
+                </a:schemeClr>
+              </a:solidFill>
+              <a:round/>
+            </a:ln>
+            <a:effectLst/>
+          </c:spPr>
+        </c:majorGridlines>
+        <c:numFmt formatCode="General" sourceLinked="1"/>
+        <c:majorTickMark val="none"/>
+        <c:minorTickMark val="none"/>
+        <c:tickLblPos val="nextTo"/>
+        <c:spPr>
+          <a:noFill/>
+          <a:ln>
+            <a:noFill/>
+          </a:ln>
+          <a:effectLst/>
+        </c:spPr>
+        <c:txPr>
+          <a:bodyPr rot="-60000000" spcFirstLastPara="1" vertOverflow="ellipsis" vert="horz" wrap="square" anchor="ctr" anchorCtr="1"/>
+          <a:lstStyle/>
+          <a:p>
+            <a:pPr>
+              <a:defRPr sz="900" b="0" i="0" u="none" strike="noStrike" kern="1200" baseline="0">
+                <a:solidFill>
+                  <a:schemeClr val="tx1">
+                    <a:lumMod val="65000"/>
+                    <a:lumOff val="35000"/>
+                  </a:schemeClr>
+                </a:solidFill>
+                <a:latin typeface="+mn-lt"/>
+                <a:ea typeface="+mn-ea"/>
+                <a:cs typeface="+mn-cs"/>
+              </a:defRPr>
+            </a:pPr>
+            <a:endParaRPr lang="es-MX"/>
+          </a:p>
+        </c:txPr>
+        <c:crossAx val="341324936"/>
+        <c:crosses val="autoZero"/>
+        <c:crossBetween val="between"/>
+      </c:valAx>
+      <c:spPr>
+        <a:noFill/>
+        <a:ln>
+          <a:noFill/>
+        </a:ln>
+        <a:effectLst/>
+      </c:spPr>
+    </c:plotArea>
+    <c:plotVisOnly val="1"/>
+    <c:dispBlanksAs val="gap"/>
+    <c:showDLblsOverMax val="0"/>
+  </c:chart>
+  <c:spPr>
+    <a:solidFill>
+      <a:schemeClr val="bg1"/>
+    </a:solidFill>
+    <a:ln>
+      <a:noFill/>
+    </a:ln>
+    <a:effectLst/>
+  </c:spPr>
+  <c:txPr>
+    <a:bodyPr/>
+    <a:lstStyle/>
+    <a:p>
+      <a:pPr>
+        <a:defRPr/>
+      </a:pPr>
+      <a:endParaRPr lang="es-MX"/>
+    </a:p>
+  </c:txPr>
+  <c:externalData r:id="rId3">
+    <c:autoUpdate val="0"/>
+  </c:externalData>
+</c:chartSpace>
+</file>
+
+<file path=ppt/charts/chart26.xml><?xml version="1.0" encoding="utf-8"?>
+<c:chartSpace xmlns:c="http://schemas.openxmlformats.org/drawingml/2006/chart" xmlns:a="http://schemas.openxmlformats.org/drawingml/2006/main" xmlns:r="http://schemas.openxmlformats.org/officeDocument/2006/relationships">
+  <c:date1904 val="0"/>
+  <c:lang val="es-ES"/>
+  <c:roundedCorners val="1"/>
+  <mc:AlternateContent xmlns:mc="http://schemas.openxmlformats.org/markup-compatibility/2006">
+    <mc:Choice xmlns:c14="http://schemas.microsoft.com/office/drawing/2007/8/2/chart" Requires="c14">
+      <c14:style val="102"/>
+    </mc:Choice>
+    <mc:Fallback>
+      <c:style val="2"/>
+    </mc:Fallback>
+  </mc:AlternateContent>
+  <c:chart>
+    <c:title>
+      <c:tx>
+        <c:rich>
+          <a:bodyPr rot="0" spcFirstLastPara="1" vertOverflow="ellipsis" vert="horz" wrap="square" anchor="ctr" anchorCtr="1"/>
+          <a:lstStyle/>
+          <a:p>
+            <a:pPr>
+              <a:defRPr sz="1400" b="0" i="0" u="none" strike="noStrike" kern="1200" spc="0" baseline="0">
+                <a:solidFill>
+                  <a:schemeClr val="tx1">
+                    <a:lumMod val="65000"/>
+                    <a:lumOff val="35000"/>
+                  </a:schemeClr>
+                </a:solidFill>
+                <a:latin typeface="+mn-lt"/>
+                <a:ea typeface="+mn-ea"/>
+                <a:cs typeface="+mn-cs"/>
+              </a:defRPr>
+            </a:pPr>
+            <a:r>
+              <a:rPr lang="es-MX"/>
+              <a:t>Nivel de apego del</a:t>
+            </a:r>
+            <a:r>
+              <a:rPr lang="es-MX" baseline="0"/>
+              <a:t> monitoreo de actividades</a:t>
+            </a:r>
+            <a:endParaRPr lang="es-MX"/>
+          </a:p>
+        </c:rich>
+      </c:tx>
+      <c:layout/>
+      <c:overlay val="0"/>
+      <c:spPr>
+        <a:noFill/>
+        <a:ln>
+          <a:noFill/>
+        </a:ln>
+        <a:effectLst/>
+      </c:spPr>
+      <c:txPr>
+        <a:bodyPr rot="0" spcFirstLastPara="1" vertOverflow="ellipsis" vert="horz" wrap="square" anchor="ctr" anchorCtr="1"/>
+        <a:lstStyle/>
+        <a:p>
+          <a:pPr>
+            <a:defRPr sz="1400" b="0" i="0" u="none" strike="noStrike" kern="1200" spc="0" baseline="0">
+              <a:solidFill>
+                <a:schemeClr val="tx1">
+                  <a:lumMod val="65000"/>
+                  <a:lumOff val="35000"/>
+                </a:schemeClr>
+              </a:solidFill>
+              <a:latin typeface="+mn-lt"/>
+              <a:ea typeface="+mn-ea"/>
+              <a:cs typeface="+mn-cs"/>
+            </a:defRPr>
+          </a:pPr>
+          <a:endParaRPr lang="es-MX"/>
+        </a:p>
+      </c:txPr>
+    </c:title>
+    <c:autoTitleDeleted val="0"/>
+    <c:plotArea>
+      <c:layout/>
+      <c:barChart>
+        <c:barDir val="col"/>
+        <c:grouping val="clustered"/>
+        <c:varyColors val="1"/>
+        <c:ser>
+          <c:idx val="0"/>
+          <c:order val="0"/>
+          <c:invertIfNegative val="1"/>
+          <c:dPt>
+            <c:idx val="0"/>
+            <c:invertIfNegative val="1"/>
+            <c:bubble3D val="0"/>
+            <c:spPr>
+              <a:solidFill>
+                <a:schemeClr val="accent1"/>
+              </a:solidFill>
+              <a:ln>
+                <a:noFill/>
+              </a:ln>
+              <a:effectLst/>
+            </c:spPr>
+          </c:dPt>
+          <c:dPt>
+            <c:idx val="1"/>
+            <c:invertIfNegative val="1"/>
+            <c:bubble3D val="0"/>
+            <c:spPr>
+              <a:solidFill>
+                <a:schemeClr val="accent2"/>
+              </a:solidFill>
+              <a:ln>
+                <a:noFill/>
+              </a:ln>
+              <a:effectLst/>
+            </c:spPr>
+          </c:dPt>
+          <c:dPt>
+            <c:idx val="2"/>
+            <c:invertIfNegative val="1"/>
+            <c:bubble3D val="0"/>
+            <c:spPr>
+              <a:solidFill>
+                <a:schemeClr val="accent3"/>
+              </a:solidFill>
+              <a:ln>
+                <a:noFill/>
+              </a:ln>
+              <a:effectLst/>
+            </c:spPr>
+          </c:dPt>
+          <c:dPt>
+            <c:idx val="3"/>
+            <c:invertIfNegative val="1"/>
+            <c:bubble3D val="0"/>
+            <c:spPr>
+              <a:solidFill>
+                <a:schemeClr val="accent4"/>
+              </a:solidFill>
+              <a:ln>
+                <a:noFill/>
+              </a:ln>
+              <a:effectLst/>
+            </c:spPr>
+          </c:dPt>
+          <c:dPt>
+            <c:idx val="4"/>
+            <c:invertIfNegative val="1"/>
+            <c:bubble3D val="0"/>
+            <c:spPr>
+              <a:solidFill>
+                <a:schemeClr val="accent5"/>
+              </a:solidFill>
+              <a:ln>
+                <a:noFill/>
+              </a:ln>
+              <a:effectLst/>
+            </c:spPr>
+          </c:dPt>
+          <c:dLbls>
+            <c:spPr>
+              <a:noFill/>
+              <a:ln>
+                <a:noFill/>
+              </a:ln>
+              <a:effectLst/>
+            </c:spPr>
+            <c:txPr>
+              <a:bodyPr rot="0" spcFirstLastPara="1" vertOverflow="ellipsis" vert="horz" wrap="square" lIns="38100" tIns="19050" rIns="38100" bIns="19050" anchor="ctr" anchorCtr="1">
+                <a:spAutoFit/>
+              </a:bodyPr>
+              <a:lstStyle/>
+              <a:p>
+                <a:pPr>
+                  <a:defRPr sz="900" b="0" i="0" u="none" strike="noStrike" kern="1200" baseline="0">
+                    <a:solidFill>
+                      <a:schemeClr val="tx1">
+                        <a:lumMod val="75000"/>
+                        <a:lumOff val="25000"/>
+                      </a:schemeClr>
+                    </a:solidFill>
+                    <a:latin typeface="+mn-lt"/>
+                    <a:ea typeface="+mn-ea"/>
+                    <a:cs typeface="+mn-cs"/>
+                  </a:defRPr>
+                </a:pPr>
+                <a:endParaRPr lang="es-MX"/>
+              </a:p>
+            </c:txPr>
+            <c:dLblPos val="outEnd"/>
+            <c:showLegendKey val="0"/>
+            <c:showVal val="1"/>
+            <c:showCatName val="0"/>
+            <c:showSerName val="0"/>
+            <c:showPercent val="0"/>
+            <c:showBubbleSize val="0"/>
+            <c:showLeaderLines val="0"/>
+            <c:extLst>
+              <c:ext xmlns:c15="http://schemas.microsoft.com/office/drawing/2012/chart" uri="{CE6537A1-D6FC-4f65-9D91-7224C49458BB}">
+                <c15:layout/>
+                <c15:showLeaderLines val="1"/>
+                <c15:leaderLines>
+                  <c:spPr>
+                    <a:ln w="9525" cap="flat" cmpd="sng" algn="ctr">
+                      <a:solidFill>
+                        <a:schemeClr val="tx1">
+                          <a:lumMod val="35000"/>
+                          <a:lumOff val="65000"/>
+                        </a:schemeClr>
+                      </a:solidFill>
+                      <a:round/>
+                    </a:ln>
+                    <a:effectLst/>
+                  </c:spPr>
+                </c15:leaderLines>
+              </c:ext>
+            </c:extLst>
+          </c:dLbls>
+          <c:cat>
+            <c:strRef>
+              <c:f>'Monitoreo de Actividades'!$C$4:$G$4</c:f>
+              <c:strCache>
+                <c:ptCount val="5"/>
+                <c:pt idx="0">
+                  <c:v>Ventas</c:v>
+                </c:pt>
+                <c:pt idx="1">
+                  <c:v>Soporte</c:v>
+                </c:pt>
+                <c:pt idx="2">
+                  <c:v>Planeación Anual</c:v>
+                </c:pt>
+                <c:pt idx="3">
+                  <c:v>Organizacionales</c:v>
+                </c:pt>
+                <c:pt idx="4">
+                  <c:v>Compras</c:v>
+                </c:pt>
+              </c:strCache>
+            </c:strRef>
+          </c:cat>
+          <c:val>
+            <c:numRef>
+              <c:f>'Monitoreo de Actividades'!$C$17:$G$17</c:f>
+              <c:numCache>
+                <c:formatCode>0.00%</c:formatCode>
+                <c:ptCount val="5"/>
+                <c:pt idx="0">
+                  <c:v>0.52500000000000002</c:v>
+                </c:pt>
+                <c:pt idx="1">
+                  <c:v>1</c:v>
+                </c:pt>
+                <c:pt idx="2">
+                  <c:v>1</c:v>
+                </c:pt>
+                <c:pt idx="3">
+                  <c:v>0.83332499999999998</c:v>
+                </c:pt>
+                <c:pt idx="4">
+                  <c:v>0.67500000000000004</c:v>
+                </c:pt>
+              </c:numCache>
+            </c:numRef>
+          </c:val>
+          <c:extLst/>
+        </c:ser>
+        <c:dLbls>
+          <c:dLblPos val="outEnd"/>
+          <c:showLegendKey val="0"/>
+          <c:showVal val="1"/>
+          <c:showCatName val="0"/>
+          <c:showSerName val="0"/>
+          <c:showPercent val="0"/>
+          <c:showBubbleSize val="0"/>
+        </c:dLbls>
+        <c:gapWidth val="219"/>
+        <c:overlap val="-27"/>
+        <c:axId val="341321408"/>
+        <c:axId val="341322192"/>
+      </c:barChart>
+      <c:catAx>
+        <c:axId val="341321408"/>
+        <c:scaling>
+          <c:orientation val="minMax"/>
+        </c:scaling>
+        <c:delete val="0"/>
+        <c:axPos val="b"/>
+        <c:numFmt formatCode="General" sourceLinked="0"/>
+        <c:majorTickMark val="none"/>
+        <c:minorTickMark val="none"/>
+        <c:tickLblPos val="nextTo"/>
+        <c:spPr>
+          <a:noFill/>
+          <a:ln w="9525" cap="flat" cmpd="sng" algn="ctr">
+            <a:solidFill>
+              <a:schemeClr val="tx1">
+                <a:lumMod val="15000"/>
+                <a:lumOff val="85000"/>
+              </a:schemeClr>
+            </a:solidFill>
+            <a:round/>
+          </a:ln>
+          <a:effectLst/>
+        </c:spPr>
+        <c:txPr>
+          <a:bodyPr rot="-60000000" spcFirstLastPara="1" vertOverflow="ellipsis" vert="horz" wrap="square" anchor="ctr" anchorCtr="1"/>
+          <a:lstStyle/>
+          <a:p>
+            <a:pPr>
+              <a:defRPr sz="900" b="0" i="0" u="none" strike="noStrike" kern="1200" baseline="0">
+                <a:solidFill>
+                  <a:schemeClr val="tx1">
+                    <a:lumMod val="65000"/>
+                    <a:lumOff val="35000"/>
+                  </a:schemeClr>
+                </a:solidFill>
+                <a:latin typeface="+mn-lt"/>
+                <a:ea typeface="+mn-ea"/>
+                <a:cs typeface="+mn-cs"/>
+              </a:defRPr>
+            </a:pPr>
+            <a:endParaRPr lang="es-MX"/>
+          </a:p>
+        </c:txPr>
+        <c:crossAx val="341322192"/>
+        <c:crosses val="autoZero"/>
+        <c:auto val="1"/>
+        <c:lblAlgn val="ctr"/>
+        <c:lblOffset val="100"/>
+        <c:noMultiLvlLbl val="1"/>
+      </c:catAx>
+      <c:valAx>
+        <c:axId val="341322192"/>
+        <c:scaling>
+          <c:orientation val="minMax"/>
+        </c:scaling>
+        <c:delete val="0"/>
+        <c:axPos val="l"/>
+        <c:majorGridlines>
+          <c:spPr>
+            <a:ln w="9525" cap="flat" cmpd="sng" algn="ctr">
+              <a:solidFill>
+                <a:schemeClr val="tx1">
+                  <a:lumMod val="15000"/>
+                  <a:lumOff val="85000"/>
+                </a:schemeClr>
+              </a:solidFill>
+              <a:round/>
+            </a:ln>
+            <a:effectLst/>
+          </c:spPr>
+        </c:majorGridlines>
+        <c:numFmt formatCode="0.00%" sourceLinked="1"/>
+        <c:majorTickMark val="none"/>
+        <c:minorTickMark val="none"/>
+        <c:tickLblPos val="nextTo"/>
+        <c:spPr>
+          <a:noFill/>
+          <a:ln>
+            <a:noFill/>
+          </a:ln>
+          <a:effectLst/>
+        </c:spPr>
+        <c:txPr>
+          <a:bodyPr rot="-60000000" spcFirstLastPara="1" vertOverflow="ellipsis" vert="horz" wrap="square" anchor="ctr" anchorCtr="1"/>
+          <a:lstStyle/>
+          <a:p>
+            <a:pPr>
+              <a:defRPr sz="900" b="0" i="0" u="none" strike="noStrike" kern="1200" baseline="0">
+                <a:solidFill>
+                  <a:schemeClr val="tx1">
+                    <a:lumMod val="65000"/>
+                    <a:lumOff val="35000"/>
+                  </a:schemeClr>
+                </a:solidFill>
+                <a:latin typeface="+mn-lt"/>
+                <a:ea typeface="+mn-ea"/>
+                <a:cs typeface="+mn-cs"/>
+              </a:defRPr>
+            </a:pPr>
+            <a:endParaRPr lang="es-MX"/>
+          </a:p>
+        </c:txPr>
+        <c:crossAx val="341321408"/>
+        <c:crosses val="autoZero"/>
+        <c:crossBetween val="between"/>
+      </c:valAx>
+      <c:spPr>
+        <a:noFill/>
+        <a:ln>
+          <a:noFill/>
+        </a:ln>
+        <a:effectLst/>
+      </c:spPr>
+    </c:plotArea>
+    <c:legend>
+      <c:legendPos val="r"/>
+      <c:layout/>
+      <c:overlay val="0"/>
+      <c:spPr>
+        <a:noFill/>
+        <a:ln>
+          <a:noFill/>
+        </a:ln>
+        <a:effectLst/>
+      </c:spPr>
+      <c:txPr>
+        <a:bodyPr rot="0" spcFirstLastPara="1" vertOverflow="ellipsis" vert="horz" wrap="square" anchor="ctr" anchorCtr="1"/>
+        <a:lstStyle/>
+        <a:p>
+          <a:pPr>
+            <a:defRPr sz="900" b="0" i="0" u="none" strike="noStrike" kern="1200" baseline="0">
+              <a:solidFill>
+                <a:schemeClr val="tx1">
+                  <a:lumMod val="65000"/>
+                  <a:lumOff val="35000"/>
+                </a:schemeClr>
+              </a:solidFill>
+              <a:latin typeface="+mn-lt"/>
+              <a:ea typeface="+mn-ea"/>
+              <a:cs typeface="+mn-cs"/>
+            </a:defRPr>
+          </a:pPr>
+          <a:endParaRPr lang="es-MX"/>
+        </a:p>
+      </c:txPr>
     </c:legend>
     <c:plotVisOnly val="1"/>
     <c:dispBlanksAs val="zero"/>
@@ -5055,13 +6133,24 @@
   </c:chart>
   <c:spPr>
     <a:solidFill>
-      <a:srgbClr val="FFFFFF"/>
+      <a:schemeClr val="bg1"/>
     </a:solidFill>
     <a:ln>
       <a:noFill/>
     </a:ln>
+    <a:effectLst/>
   </c:spPr>
-  <c:externalData r:id="rId1">
+  <c:txPr>
+    <a:bodyPr/>
+    <a:lstStyle/>
+    <a:p>
+      <a:pPr>
+        <a:defRPr/>
+      </a:pPr>
+      <a:endParaRPr lang="es-MX"/>
+    </a:p>
+  </c:txPr>
+  <c:externalData r:id="rId3">
     <c:autoUpdate val="0"/>
   </c:externalData>
 </c:chartSpace>
@@ -5225,6 +6314,9 @@
                 <c:pt idx="5">
                   <c:v>80</c:v>
                 </c:pt>
+                <c:pt idx="6">
+                  <c:v>80</c:v>
+                </c:pt>
               </c:numCache>
             </c:numRef>
           </c:val>
@@ -5356,6 +6448,9 @@
                 <c:pt idx="5">
                   <c:v>54</c:v>
                 </c:pt>
+                <c:pt idx="6">
+                  <c:v>81</c:v>
+                </c:pt>
               </c:numCache>
             </c:numRef>
           </c:val>
@@ -5383,11 +6478,11 @@
           <c:showBubbleSize val="0"/>
         </c:dLbls>
         <c:gapWidth val="100"/>
-        <c:axId val="254234224"/>
-        <c:axId val="254238536"/>
+        <c:axId val="341752240"/>
+        <c:axId val="341753808"/>
       </c:barChart>
       <c:catAx>
-        <c:axId val="254234224"/>
+        <c:axId val="341752240"/>
         <c:scaling>
           <c:orientation val="minMax"/>
         </c:scaling>
@@ -5404,7 +6499,7 @@
             </a:solidFill>
           </a:ln>
         </c:spPr>
-        <c:crossAx val="254238536"/>
+        <c:crossAx val="341753808"/>
         <c:crosses val="autoZero"/>
         <c:auto val="1"/>
         <c:lblAlgn val="ctr"/>
@@ -5412,7 +6507,7 @@
         <c:noMultiLvlLbl val="1"/>
       </c:catAx>
       <c:valAx>
-        <c:axId val="254238536"/>
+        <c:axId val="341753808"/>
         <c:scaling>
           <c:orientation val="minMax"/>
         </c:scaling>
@@ -5438,7 +6533,7 @@
             </a:solidFill>
           </a:ln>
         </c:spPr>
-        <c:crossAx val="254234224"/>
+        <c:crossAx val="341752240"/>
         <c:crosses val="autoZero"/>
         <c:crossBetween val="between"/>
       </c:valAx>
@@ -5639,7 +6734,7 @@
                   <c:v>-0.32499999999999996</c:v>
                 </c:pt>
                 <c:pt idx="6">
-                  <c:v>0</c:v>
+                  <c:v>1.2499999999999956E-2</c:v>
                 </c:pt>
                 <c:pt idx="7">
                   <c:v>0</c:v>
@@ -5683,11 +6778,11 @@
           <c:showBubbleSize val="0"/>
         </c:dLbls>
         <c:gapWidth val="100"/>
-        <c:axId val="254235008"/>
-        <c:axId val="254236576"/>
+        <c:axId val="403166968"/>
+        <c:axId val="403173240"/>
       </c:barChart>
       <c:catAx>
-        <c:axId val="254235008"/>
+        <c:axId val="403166968"/>
         <c:scaling>
           <c:orientation val="minMax"/>
         </c:scaling>
@@ -5704,7 +6799,7 @@
             </a:solidFill>
           </a:ln>
         </c:spPr>
-        <c:crossAx val="254236576"/>
+        <c:crossAx val="403173240"/>
         <c:crosses val="autoZero"/>
         <c:auto val="1"/>
         <c:lblAlgn val="ctr"/>
@@ -5712,7 +6807,7 @@
         <c:noMultiLvlLbl val="1"/>
       </c:catAx>
       <c:valAx>
-        <c:axId val="254236576"/>
+        <c:axId val="403173240"/>
         <c:scaling>
           <c:orientation val="minMax"/>
         </c:scaling>
@@ -5738,7 +6833,7 @@
             </a:solidFill>
           </a:ln>
         </c:spPr>
-        <c:crossAx val="254235008"/>
+        <c:crossAx val="403166968"/>
         <c:crosses val="autoZero"/>
         <c:crossBetween val="between"/>
       </c:valAx>
@@ -5933,6 +7028,9 @@
                 <c:pt idx="5">
                   <c:v>126</c:v>
                 </c:pt>
+                <c:pt idx="6">
+                  <c:v>126</c:v>
+                </c:pt>
               </c:numCache>
             </c:numRef>
           </c:val>
@@ -6064,6 +7162,9 @@
                 <c:pt idx="5">
                   <c:v>143</c:v>
                 </c:pt>
+                <c:pt idx="6">
+                  <c:v>186</c:v>
+                </c:pt>
               </c:numCache>
             </c:numRef>
           </c:val>
@@ -6091,11 +7192,11 @@
           <c:showBubbleSize val="0"/>
         </c:dLbls>
         <c:gapWidth val="100"/>
-        <c:axId val="254235792"/>
-        <c:axId val="254238928"/>
+        <c:axId val="403176376"/>
+        <c:axId val="403172456"/>
       </c:barChart>
       <c:catAx>
-        <c:axId val="254235792"/>
+        <c:axId val="403176376"/>
         <c:scaling>
           <c:orientation val="minMax"/>
         </c:scaling>
@@ -6112,7 +7213,7 @@
             </a:solidFill>
           </a:ln>
         </c:spPr>
-        <c:crossAx val="254238928"/>
+        <c:crossAx val="403172456"/>
         <c:crosses val="autoZero"/>
         <c:auto val="1"/>
         <c:lblAlgn val="ctr"/>
@@ -6120,7 +7221,7 @@
         <c:noMultiLvlLbl val="1"/>
       </c:catAx>
       <c:valAx>
-        <c:axId val="254238928"/>
+        <c:axId val="403172456"/>
         <c:scaling>
           <c:orientation val="minMax"/>
         </c:scaling>
@@ -6146,7 +7247,7 @@
             </a:solidFill>
           </a:ln>
         </c:spPr>
-        <c:crossAx val="254235792"/>
+        <c:crossAx val="403176376"/>
         <c:crosses val="autoZero"/>
         <c:crossBetween val="between"/>
       </c:valAx>
@@ -6342,7 +7443,7 @@
                   <c:v>0.13492063492063489</c:v>
                 </c:pt>
                 <c:pt idx="6">
-                  <c:v>0</c:v>
+                  <c:v>0.47619047619047628</c:v>
                 </c:pt>
                 <c:pt idx="7">
                   <c:v>0</c:v>
@@ -6386,11 +7487,11 @@
           <c:showBubbleSize val="0"/>
         </c:dLbls>
         <c:gapWidth val="100"/>
-        <c:axId val="254236184"/>
-        <c:axId val="254236968"/>
+        <c:axId val="398953312"/>
+        <c:axId val="398953704"/>
       </c:barChart>
       <c:catAx>
-        <c:axId val="254236184"/>
+        <c:axId val="398953312"/>
         <c:scaling>
           <c:orientation val="minMax"/>
         </c:scaling>
@@ -6407,7 +7508,7 @@
             </a:solidFill>
           </a:ln>
         </c:spPr>
-        <c:crossAx val="254236968"/>
+        <c:crossAx val="398953704"/>
         <c:crosses val="autoZero"/>
         <c:auto val="1"/>
         <c:lblAlgn val="ctr"/>
@@ -6415,7 +7516,7 @@
         <c:noMultiLvlLbl val="1"/>
       </c:catAx>
       <c:valAx>
-        <c:axId val="254236968"/>
+        <c:axId val="398953704"/>
         <c:scaling>
           <c:orientation val="minMax"/>
         </c:scaling>
@@ -6441,7 +7542,7 @@
             </a:solidFill>
           </a:ln>
         </c:spPr>
-        <c:crossAx val="254236184"/>
+        <c:crossAx val="398953312"/>
         <c:crosses val="autoZero"/>
         <c:crossBetween val="between"/>
       </c:valAx>
@@ -6540,11 +7641,11 @@
           <c:order val="0"/>
           <c:tx>
             <c:strRef>
-              <c:f>Física!$C$12</c:f>
+              <c:f>Física!$C$13</c:f>
               <c:strCache>
                 <c:ptCount val="1"/>
                 <c:pt idx="0">
-                  <c:v>Junio</c:v>
+                  <c:v>Julio</c:v>
                 </c:pt>
               </c:strCache>
             </c:strRef>
@@ -6609,11 +7710,11 @@
           </c:cat>
           <c:val>
             <c:numRef>
-              <c:f>Física!$D$12:$G$12</c:f>
+              <c:f>Física!$D$13:$G$13</c:f>
               <c:numCache>
-                <c:formatCode>General</c:formatCode>
+                <c:formatCode>0.00%</c:formatCode>
                 <c:ptCount val="4"/>
-                <c:pt idx="0" formatCode="0.00%">
+                <c:pt idx="0">
                   <c:v>1</c:v>
                 </c:pt>
               </c:numCache>
@@ -6630,11 +7731,11 @@
         </c:dLbls>
         <c:gapWidth val="100"/>
         <c:overlap val="-24"/>
-        <c:axId val="254240104"/>
-        <c:axId val="254237360"/>
+        <c:axId val="237287984"/>
+        <c:axId val="237288768"/>
       </c:barChart>
       <c:catAx>
-        <c:axId val="254240104"/>
+        <c:axId val="237287984"/>
         <c:scaling>
           <c:orientation val="minMax"/>
         </c:scaling>
@@ -6677,7 +7778,7 @@
             <a:endParaRPr lang="es-MX"/>
           </a:p>
         </c:txPr>
-        <c:crossAx val="254237360"/>
+        <c:crossAx val="237288768"/>
         <c:crosses val="autoZero"/>
         <c:auto val="1"/>
         <c:lblAlgn val="ctr"/>
@@ -6685,7 +7786,7 @@
         <c:noMultiLvlLbl val="0"/>
       </c:catAx>
       <c:valAx>
-        <c:axId val="254237360"/>
+        <c:axId val="237288768"/>
         <c:scaling>
           <c:orientation val="minMax"/>
         </c:scaling>
@@ -6736,7 +7837,7 @@
             <a:endParaRPr lang="es-MX"/>
           </a:p>
         </c:txPr>
-        <c:crossAx val="254240104"/>
+        <c:crossAx val="237287984"/>
         <c:crosses val="autoZero"/>
         <c:crossBetween val="between"/>
       </c:valAx>
@@ -6861,7 +7962,7 @@
                 <c:formatCode>0.00%</c:formatCode>
                 <c:ptCount val="1"/>
                 <c:pt idx="0">
-                  <c:v>0.75</c:v>
+                  <c:v>0.7857142857142857</c:v>
                 </c:pt>
               </c:numCache>
             </c:numRef>
@@ -6890,11 +7991,11 @@
           <c:showBubbleSize val="0"/>
         </c:dLbls>
         <c:gapWidth val="100"/>
-        <c:axId val="254785192"/>
-        <c:axId val="254778136"/>
+        <c:axId val="403170104"/>
+        <c:axId val="403166576"/>
       </c:barChart>
       <c:catAx>
-        <c:axId val="254785192"/>
+        <c:axId val="403170104"/>
         <c:scaling>
           <c:orientation val="minMax"/>
         </c:scaling>
@@ -6911,7 +8012,7 @@
             </a:solidFill>
           </a:ln>
         </c:spPr>
-        <c:crossAx val="254778136"/>
+        <c:crossAx val="403166576"/>
         <c:crosses val="autoZero"/>
         <c:auto val="1"/>
         <c:lblAlgn val="ctr"/>
@@ -6919,7 +8020,7 @@
         <c:noMultiLvlLbl val="1"/>
       </c:catAx>
       <c:valAx>
-        <c:axId val="254778136"/>
+        <c:axId val="403166576"/>
         <c:scaling>
           <c:orientation val="minMax"/>
         </c:scaling>
@@ -6945,7 +8046,7 @@
             </a:solidFill>
           </a:ln>
         </c:spPr>
-        <c:crossAx val="254785192"/>
+        <c:crossAx val="403170104"/>
         <c:crosses val="autoZero"/>
         <c:crossBetween val="between"/>
       </c:valAx>
@@ -7112,11 +8213,11 @@
           <c:showBubbleSize val="0"/>
         </c:dLbls>
         <c:gapWidth val="100"/>
-        <c:axId val="254783232"/>
-        <c:axId val="254780488"/>
+        <c:axId val="237631000"/>
+        <c:axId val="237634920"/>
       </c:barChart>
       <c:catAx>
-        <c:axId val="254783232"/>
+        <c:axId val="237631000"/>
         <c:scaling>
           <c:orientation val="minMax"/>
         </c:scaling>
@@ -7133,7 +8234,7 @@
             </a:solidFill>
           </a:ln>
         </c:spPr>
-        <c:crossAx val="254780488"/>
+        <c:crossAx val="237634920"/>
         <c:crosses val="autoZero"/>
         <c:auto val="1"/>
         <c:lblAlgn val="ctr"/>
@@ -7141,7 +8242,7 @@
         <c:noMultiLvlLbl val="1"/>
       </c:catAx>
       <c:valAx>
-        <c:axId val="254780488"/>
+        <c:axId val="237634920"/>
         <c:scaling>
           <c:orientation val="minMax"/>
         </c:scaling>
@@ -7167,7 +8268,7 @@
             </a:solidFill>
           </a:ln>
         </c:spPr>
-        <c:crossAx val="254783232"/>
+        <c:crossAx val="237631000"/>
         <c:crosses val="autoZero"/>
         <c:crossBetween val="between"/>
       </c:valAx>
@@ -7450,6 +8551,83 @@
 </file>
 
 <file path=ppt/charts/colors7.xml><?xml version="1.0" encoding="utf-8"?>
+<cs:colorStyle xmlns:cs="http://schemas.microsoft.com/office/drawing/2012/chartStyle" xmlns:a="http://schemas.openxmlformats.org/drawingml/2006/main" meth="cycle" id="10">
+  <a:schemeClr val="accent1"/>
+  <a:schemeClr val="accent2"/>
+  <a:schemeClr val="accent3"/>
+  <a:schemeClr val="accent4"/>
+  <a:schemeClr val="accent5"/>
+  <a:schemeClr val="accent6"/>
+  <cs:variation/>
+  <cs:variation>
+    <a:lumMod val="60000"/>
+  </cs:variation>
+  <cs:variation>
+    <a:lumMod val="80000"/>
+    <a:lumOff val="20000"/>
+  </cs:variation>
+  <cs:variation>
+    <a:lumMod val="80000"/>
+  </cs:variation>
+  <cs:variation>
+    <a:lumMod val="60000"/>
+    <a:lumOff val="40000"/>
+  </cs:variation>
+  <cs:variation>
+    <a:lumMod val="50000"/>
+  </cs:variation>
+  <cs:variation>
+    <a:lumMod val="70000"/>
+    <a:lumOff val="30000"/>
+  </cs:variation>
+  <cs:variation>
+    <a:lumMod val="70000"/>
+  </cs:variation>
+  <cs:variation>
+    <a:lumMod val="50000"/>
+    <a:lumOff val="50000"/>
+  </cs:variation>
+</cs:colorStyle>
+</file>
+
+<file path=ppt/charts/colors8.xml><?xml version="1.0" encoding="utf-8"?>
+<cs:colorStyle xmlns:cs="http://schemas.microsoft.com/office/drawing/2012/chartStyle" xmlns:a="http://schemas.openxmlformats.org/drawingml/2006/main" meth="cycle" id="11">
+  <a:schemeClr val="accent1"/>
+  <a:schemeClr val="accent3"/>
+  <a:schemeClr val="accent5"/>
+  <cs:variation/>
+  <cs:variation>
+    <a:lumMod val="60000"/>
+  </cs:variation>
+  <cs:variation>
+    <a:lumMod val="80000"/>
+    <a:lumOff val="20000"/>
+  </cs:variation>
+  <cs:variation>
+    <a:lumMod val="80000"/>
+  </cs:variation>
+  <cs:variation>
+    <a:lumMod val="60000"/>
+    <a:lumOff val="40000"/>
+  </cs:variation>
+  <cs:variation>
+    <a:lumMod val="50000"/>
+  </cs:variation>
+  <cs:variation>
+    <a:lumMod val="70000"/>
+    <a:lumOff val="30000"/>
+  </cs:variation>
+  <cs:variation>
+    <a:lumMod val="70000"/>
+  </cs:variation>
+  <cs:variation>
+    <a:lumMod val="50000"/>
+    <a:lumOff val="50000"/>
+  </cs:variation>
+</cs:colorStyle>
+</file>
+
+<file path=ppt/charts/colors9.xml><?xml version="1.0" encoding="utf-8"?>
 <cs:colorStyle xmlns:cs="http://schemas.microsoft.com/office/drawing/2012/chartStyle" xmlns:a="http://schemas.openxmlformats.org/drawingml/2006/main" meth="cycle" id="10">
   <a:schemeClr val="accent1"/>
   <a:schemeClr val="accent2"/>
@@ -11032,6 +12210,1012 @@
 </cs:chartStyle>
 </file>
 
+<file path=ppt/charts/style8.xml><?xml version="1.0" encoding="utf-8"?>
+<cs:chartStyle xmlns:cs="http://schemas.microsoft.com/office/drawing/2012/chartStyle" xmlns:a="http://schemas.openxmlformats.org/drawingml/2006/main" id="201">
+  <cs:axisTitle>
+    <cs:lnRef idx="0"/>
+    <cs:fillRef idx="0"/>
+    <cs:effectRef idx="0"/>
+    <cs:fontRef idx="minor">
+      <a:schemeClr val="tx1">
+        <a:lumMod val="65000"/>
+        <a:lumOff val="35000"/>
+      </a:schemeClr>
+    </cs:fontRef>
+    <cs:defRPr sz="1000" kern="1200"/>
+  </cs:axisTitle>
+  <cs:categoryAxis>
+    <cs:lnRef idx="0"/>
+    <cs:fillRef idx="0"/>
+    <cs:effectRef idx="0"/>
+    <cs:fontRef idx="minor">
+      <a:schemeClr val="tx1">
+        <a:lumMod val="65000"/>
+        <a:lumOff val="35000"/>
+      </a:schemeClr>
+    </cs:fontRef>
+    <cs:spPr>
+      <a:ln w="9525" cap="flat" cmpd="sng" algn="ctr">
+        <a:solidFill>
+          <a:schemeClr val="tx1">
+            <a:lumMod val="15000"/>
+            <a:lumOff val="85000"/>
+          </a:schemeClr>
+        </a:solidFill>
+        <a:round/>
+      </a:ln>
+    </cs:spPr>
+    <cs:defRPr sz="900" kern="1200"/>
+  </cs:categoryAxis>
+  <cs:chartArea mods="allowNoFillOverride allowNoLineOverride">
+    <cs:lnRef idx="0"/>
+    <cs:fillRef idx="0"/>
+    <cs:effectRef idx="0"/>
+    <cs:fontRef idx="minor">
+      <a:schemeClr val="tx1"/>
+    </cs:fontRef>
+    <cs:spPr>
+      <a:solidFill>
+        <a:schemeClr val="bg1"/>
+      </a:solidFill>
+      <a:ln w="9525" cap="flat" cmpd="sng" algn="ctr">
+        <a:solidFill>
+          <a:schemeClr val="tx1">
+            <a:lumMod val="15000"/>
+            <a:lumOff val="85000"/>
+          </a:schemeClr>
+        </a:solidFill>
+        <a:round/>
+      </a:ln>
+    </cs:spPr>
+    <cs:defRPr sz="1000" kern="1200"/>
+  </cs:chartArea>
+  <cs:dataLabel>
+    <cs:lnRef idx="0"/>
+    <cs:fillRef idx="0"/>
+    <cs:effectRef idx="0"/>
+    <cs:fontRef idx="minor">
+      <a:schemeClr val="tx1">
+        <a:lumMod val="75000"/>
+        <a:lumOff val="25000"/>
+      </a:schemeClr>
+    </cs:fontRef>
+    <cs:defRPr sz="900" kern="1200"/>
+  </cs:dataLabel>
+  <cs:dataLabelCallout>
+    <cs:lnRef idx="0"/>
+    <cs:fillRef idx="0"/>
+    <cs:effectRef idx="0"/>
+    <cs:fontRef idx="minor">
+      <a:schemeClr val="dk1">
+        <a:lumMod val="65000"/>
+        <a:lumOff val="35000"/>
+      </a:schemeClr>
+    </cs:fontRef>
+    <cs:spPr>
+      <a:solidFill>
+        <a:schemeClr val="lt1"/>
+      </a:solidFill>
+      <a:ln>
+        <a:solidFill>
+          <a:schemeClr val="dk1">
+            <a:lumMod val="25000"/>
+            <a:lumOff val="75000"/>
+          </a:schemeClr>
+        </a:solidFill>
+      </a:ln>
+    </cs:spPr>
+    <cs:defRPr sz="900" kern="1200"/>
+    <cs:bodyPr rot="0" spcFirstLastPara="1" vertOverflow="clip" horzOverflow="clip" vert="horz" wrap="square" lIns="36576" tIns="18288" rIns="36576" bIns="18288" anchor="ctr" anchorCtr="1">
+      <a:spAutoFit/>
+    </cs:bodyPr>
+  </cs:dataLabelCallout>
+  <cs:dataPoint>
+    <cs:lnRef idx="0"/>
+    <cs:fillRef idx="1">
+      <cs:styleClr val="auto"/>
+    </cs:fillRef>
+    <cs:effectRef idx="0"/>
+    <cs:fontRef idx="minor">
+      <a:schemeClr val="tx1"/>
+    </cs:fontRef>
+  </cs:dataPoint>
+  <cs:dataPoint3D>
+    <cs:lnRef idx="0"/>
+    <cs:fillRef idx="1">
+      <cs:styleClr val="auto"/>
+    </cs:fillRef>
+    <cs:effectRef idx="0"/>
+    <cs:fontRef idx="minor">
+      <a:schemeClr val="tx1"/>
+    </cs:fontRef>
+  </cs:dataPoint3D>
+  <cs:dataPointLine>
+    <cs:lnRef idx="0">
+      <cs:styleClr val="auto"/>
+    </cs:lnRef>
+    <cs:fillRef idx="1"/>
+    <cs:effectRef idx="0"/>
+    <cs:fontRef idx="minor">
+      <a:schemeClr val="tx1"/>
+    </cs:fontRef>
+    <cs:spPr>
+      <a:ln w="28575" cap="rnd">
+        <a:solidFill>
+          <a:schemeClr val="phClr"/>
+        </a:solidFill>
+        <a:round/>
+      </a:ln>
+    </cs:spPr>
+  </cs:dataPointLine>
+  <cs:dataPointMarker>
+    <cs:lnRef idx="0">
+      <cs:styleClr val="auto"/>
+    </cs:lnRef>
+    <cs:fillRef idx="1">
+      <cs:styleClr val="auto"/>
+    </cs:fillRef>
+    <cs:effectRef idx="0"/>
+    <cs:fontRef idx="minor">
+      <a:schemeClr val="tx1"/>
+    </cs:fontRef>
+    <cs:spPr>
+      <a:ln w="9525">
+        <a:solidFill>
+          <a:schemeClr val="phClr"/>
+        </a:solidFill>
+      </a:ln>
+    </cs:spPr>
+  </cs:dataPointMarker>
+  <cs:dataPointMarkerLayout symbol="circle" size="5"/>
+  <cs:dataPointWireframe>
+    <cs:lnRef idx="0">
+      <cs:styleClr val="auto"/>
+    </cs:lnRef>
+    <cs:fillRef idx="1"/>
+    <cs:effectRef idx="0"/>
+    <cs:fontRef idx="minor">
+      <a:schemeClr val="tx1"/>
+    </cs:fontRef>
+    <cs:spPr>
+      <a:ln w="9525" cap="rnd">
+        <a:solidFill>
+          <a:schemeClr val="phClr"/>
+        </a:solidFill>
+        <a:round/>
+      </a:ln>
+    </cs:spPr>
+  </cs:dataPointWireframe>
+  <cs:dataTable>
+    <cs:lnRef idx="0"/>
+    <cs:fillRef idx="0"/>
+    <cs:effectRef idx="0"/>
+    <cs:fontRef idx="minor">
+      <a:schemeClr val="tx1">
+        <a:lumMod val="65000"/>
+        <a:lumOff val="35000"/>
+      </a:schemeClr>
+    </cs:fontRef>
+    <cs:spPr>
+      <a:noFill/>
+      <a:ln w="9525" cap="flat" cmpd="sng" algn="ctr">
+        <a:solidFill>
+          <a:schemeClr val="tx1">
+            <a:lumMod val="15000"/>
+            <a:lumOff val="85000"/>
+          </a:schemeClr>
+        </a:solidFill>
+        <a:round/>
+      </a:ln>
+    </cs:spPr>
+    <cs:defRPr sz="900" kern="1200"/>
+  </cs:dataTable>
+  <cs:downBar>
+    <cs:lnRef idx="0"/>
+    <cs:fillRef idx="0"/>
+    <cs:effectRef idx="0"/>
+    <cs:fontRef idx="minor">
+      <a:schemeClr val="dk1"/>
+    </cs:fontRef>
+    <cs:spPr>
+      <a:solidFill>
+        <a:schemeClr val="dk1">
+          <a:lumMod val="65000"/>
+          <a:lumOff val="35000"/>
+        </a:schemeClr>
+      </a:solidFill>
+      <a:ln w="9525">
+        <a:solidFill>
+          <a:schemeClr val="tx1">
+            <a:lumMod val="65000"/>
+            <a:lumOff val="35000"/>
+          </a:schemeClr>
+        </a:solidFill>
+      </a:ln>
+    </cs:spPr>
+  </cs:downBar>
+  <cs:dropLine>
+    <cs:lnRef idx="0"/>
+    <cs:fillRef idx="0"/>
+    <cs:effectRef idx="0"/>
+    <cs:fontRef idx="minor">
+      <a:schemeClr val="tx1"/>
+    </cs:fontRef>
+    <cs:spPr>
+      <a:ln w="9525" cap="flat" cmpd="sng" algn="ctr">
+        <a:solidFill>
+          <a:schemeClr val="tx1">
+            <a:lumMod val="35000"/>
+            <a:lumOff val="65000"/>
+          </a:schemeClr>
+        </a:solidFill>
+        <a:round/>
+      </a:ln>
+    </cs:spPr>
+  </cs:dropLine>
+  <cs:errorBar>
+    <cs:lnRef idx="0"/>
+    <cs:fillRef idx="0"/>
+    <cs:effectRef idx="0"/>
+    <cs:fontRef idx="minor">
+      <a:schemeClr val="tx1"/>
+    </cs:fontRef>
+    <cs:spPr>
+      <a:ln w="9525" cap="flat" cmpd="sng" algn="ctr">
+        <a:solidFill>
+          <a:schemeClr val="tx1">
+            <a:lumMod val="65000"/>
+            <a:lumOff val="35000"/>
+          </a:schemeClr>
+        </a:solidFill>
+        <a:round/>
+      </a:ln>
+    </cs:spPr>
+  </cs:errorBar>
+  <cs:floor>
+    <cs:lnRef idx="0"/>
+    <cs:fillRef idx="0"/>
+    <cs:effectRef idx="0"/>
+    <cs:fontRef idx="minor">
+      <a:schemeClr val="tx1"/>
+    </cs:fontRef>
+    <cs:spPr>
+      <a:noFill/>
+      <a:ln>
+        <a:noFill/>
+      </a:ln>
+    </cs:spPr>
+  </cs:floor>
+  <cs:gridlineMajor>
+    <cs:lnRef idx="0"/>
+    <cs:fillRef idx="0"/>
+    <cs:effectRef idx="0"/>
+    <cs:fontRef idx="minor">
+      <a:schemeClr val="tx1"/>
+    </cs:fontRef>
+    <cs:spPr>
+      <a:ln w="9525" cap="flat" cmpd="sng" algn="ctr">
+        <a:solidFill>
+          <a:schemeClr val="tx1">
+            <a:lumMod val="15000"/>
+            <a:lumOff val="85000"/>
+          </a:schemeClr>
+        </a:solidFill>
+        <a:round/>
+      </a:ln>
+    </cs:spPr>
+  </cs:gridlineMajor>
+  <cs:gridlineMinor>
+    <cs:lnRef idx="0"/>
+    <cs:fillRef idx="0"/>
+    <cs:effectRef idx="0"/>
+    <cs:fontRef idx="minor">
+      <a:schemeClr val="tx1"/>
+    </cs:fontRef>
+    <cs:spPr>
+      <a:ln w="9525" cap="flat" cmpd="sng" algn="ctr">
+        <a:solidFill>
+          <a:schemeClr val="tx1">
+            <a:lumMod val="5000"/>
+            <a:lumOff val="95000"/>
+          </a:schemeClr>
+        </a:solidFill>
+        <a:round/>
+      </a:ln>
+    </cs:spPr>
+  </cs:gridlineMinor>
+  <cs:hiLoLine>
+    <cs:lnRef idx="0"/>
+    <cs:fillRef idx="0"/>
+    <cs:effectRef idx="0"/>
+    <cs:fontRef idx="minor">
+      <a:schemeClr val="tx1"/>
+    </cs:fontRef>
+    <cs:spPr>
+      <a:ln w="9525" cap="flat" cmpd="sng" algn="ctr">
+        <a:solidFill>
+          <a:schemeClr val="tx1">
+            <a:lumMod val="75000"/>
+            <a:lumOff val="25000"/>
+          </a:schemeClr>
+        </a:solidFill>
+        <a:round/>
+      </a:ln>
+    </cs:spPr>
+  </cs:hiLoLine>
+  <cs:leaderLine>
+    <cs:lnRef idx="0"/>
+    <cs:fillRef idx="0"/>
+    <cs:effectRef idx="0"/>
+    <cs:fontRef idx="minor">
+      <a:schemeClr val="tx1"/>
+    </cs:fontRef>
+    <cs:spPr>
+      <a:ln w="9525" cap="flat" cmpd="sng" algn="ctr">
+        <a:solidFill>
+          <a:schemeClr val="tx1">
+            <a:lumMod val="35000"/>
+            <a:lumOff val="65000"/>
+          </a:schemeClr>
+        </a:solidFill>
+        <a:round/>
+      </a:ln>
+    </cs:spPr>
+  </cs:leaderLine>
+  <cs:legend>
+    <cs:lnRef idx="0"/>
+    <cs:fillRef idx="0"/>
+    <cs:effectRef idx="0"/>
+    <cs:fontRef idx="minor">
+      <a:schemeClr val="tx1">
+        <a:lumMod val="65000"/>
+        <a:lumOff val="35000"/>
+      </a:schemeClr>
+    </cs:fontRef>
+    <cs:defRPr sz="900" kern="1200"/>
+  </cs:legend>
+  <cs:plotArea mods="allowNoFillOverride allowNoLineOverride">
+    <cs:lnRef idx="0"/>
+    <cs:fillRef idx="0"/>
+    <cs:effectRef idx="0"/>
+    <cs:fontRef idx="minor">
+      <a:schemeClr val="tx1"/>
+    </cs:fontRef>
+  </cs:plotArea>
+  <cs:plotArea3D mods="allowNoFillOverride allowNoLineOverride">
+    <cs:lnRef idx="0"/>
+    <cs:fillRef idx="0"/>
+    <cs:effectRef idx="0"/>
+    <cs:fontRef idx="minor">
+      <a:schemeClr val="tx1"/>
+    </cs:fontRef>
+  </cs:plotArea3D>
+  <cs:seriesAxis>
+    <cs:lnRef idx="0"/>
+    <cs:fillRef idx="0"/>
+    <cs:effectRef idx="0"/>
+    <cs:fontRef idx="minor">
+      <a:schemeClr val="tx1">
+        <a:lumMod val="65000"/>
+        <a:lumOff val="35000"/>
+      </a:schemeClr>
+    </cs:fontRef>
+    <cs:defRPr sz="900" kern="1200"/>
+  </cs:seriesAxis>
+  <cs:seriesLine>
+    <cs:lnRef idx="0"/>
+    <cs:fillRef idx="0"/>
+    <cs:effectRef idx="0"/>
+    <cs:fontRef idx="minor">
+      <a:schemeClr val="tx1"/>
+    </cs:fontRef>
+    <cs:spPr>
+      <a:ln w="9525" cap="flat" cmpd="sng" algn="ctr">
+        <a:solidFill>
+          <a:schemeClr val="tx1">
+            <a:lumMod val="35000"/>
+            <a:lumOff val="65000"/>
+          </a:schemeClr>
+        </a:solidFill>
+        <a:round/>
+      </a:ln>
+    </cs:spPr>
+  </cs:seriesLine>
+  <cs:title>
+    <cs:lnRef idx="0"/>
+    <cs:fillRef idx="0"/>
+    <cs:effectRef idx="0"/>
+    <cs:fontRef idx="minor">
+      <a:schemeClr val="tx1">
+        <a:lumMod val="65000"/>
+        <a:lumOff val="35000"/>
+      </a:schemeClr>
+    </cs:fontRef>
+    <cs:defRPr sz="1400" b="0" kern="1200" spc="0" baseline="0"/>
+  </cs:title>
+  <cs:trendline>
+    <cs:lnRef idx="0">
+      <cs:styleClr val="auto"/>
+    </cs:lnRef>
+    <cs:fillRef idx="0"/>
+    <cs:effectRef idx="0"/>
+    <cs:fontRef idx="minor">
+      <a:schemeClr val="tx1"/>
+    </cs:fontRef>
+    <cs:spPr>
+      <a:ln w="19050" cap="rnd">
+        <a:solidFill>
+          <a:schemeClr val="phClr"/>
+        </a:solidFill>
+        <a:prstDash val="sysDot"/>
+      </a:ln>
+    </cs:spPr>
+  </cs:trendline>
+  <cs:trendlineLabel>
+    <cs:lnRef idx="0"/>
+    <cs:fillRef idx="0"/>
+    <cs:effectRef idx="0"/>
+    <cs:fontRef idx="minor">
+      <a:schemeClr val="tx1">
+        <a:lumMod val="65000"/>
+        <a:lumOff val="35000"/>
+      </a:schemeClr>
+    </cs:fontRef>
+    <cs:defRPr sz="900" kern="1200"/>
+  </cs:trendlineLabel>
+  <cs:upBar>
+    <cs:lnRef idx="0"/>
+    <cs:fillRef idx="0"/>
+    <cs:effectRef idx="0"/>
+    <cs:fontRef idx="minor">
+      <a:schemeClr val="dk1"/>
+    </cs:fontRef>
+    <cs:spPr>
+      <a:solidFill>
+        <a:schemeClr val="lt1"/>
+      </a:solidFill>
+      <a:ln w="9525">
+        <a:solidFill>
+          <a:schemeClr val="tx1">
+            <a:lumMod val="15000"/>
+            <a:lumOff val="85000"/>
+          </a:schemeClr>
+        </a:solidFill>
+      </a:ln>
+    </cs:spPr>
+  </cs:upBar>
+  <cs:valueAxis>
+    <cs:lnRef idx="0"/>
+    <cs:fillRef idx="0"/>
+    <cs:effectRef idx="0"/>
+    <cs:fontRef idx="minor">
+      <a:schemeClr val="tx1">
+        <a:lumMod val="65000"/>
+        <a:lumOff val="35000"/>
+      </a:schemeClr>
+    </cs:fontRef>
+    <cs:defRPr sz="900" kern="1200"/>
+  </cs:valueAxis>
+  <cs:wall>
+    <cs:lnRef idx="0"/>
+    <cs:fillRef idx="0"/>
+    <cs:effectRef idx="0"/>
+    <cs:fontRef idx="minor">
+      <a:schemeClr val="tx1"/>
+    </cs:fontRef>
+    <cs:spPr>
+      <a:noFill/>
+      <a:ln>
+        <a:noFill/>
+      </a:ln>
+    </cs:spPr>
+  </cs:wall>
+</cs:chartStyle>
+</file>
+
+<file path=ppt/charts/style9.xml><?xml version="1.0" encoding="utf-8"?>
+<cs:chartStyle xmlns:cs="http://schemas.microsoft.com/office/drawing/2012/chartStyle" xmlns:a="http://schemas.openxmlformats.org/drawingml/2006/main" id="201">
+  <cs:axisTitle>
+    <cs:lnRef idx="0"/>
+    <cs:fillRef idx="0"/>
+    <cs:effectRef idx="0"/>
+    <cs:fontRef idx="minor">
+      <a:schemeClr val="tx1">
+        <a:lumMod val="65000"/>
+        <a:lumOff val="35000"/>
+      </a:schemeClr>
+    </cs:fontRef>
+    <cs:defRPr sz="1000" kern="1200"/>
+  </cs:axisTitle>
+  <cs:categoryAxis>
+    <cs:lnRef idx="0"/>
+    <cs:fillRef idx="0"/>
+    <cs:effectRef idx="0"/>
+    <cs:fontRef idx="minor">
+      <a:schemeClr val="tx1">
+        <a:lumMod val="65000"/>
+        <a:lumOff val="35000"/>
+      </a:schemeClr>
+    </cs:fontRef>
+    <cs:spPr>
+      <a:ln w="9525" cap="flat" cmpd="sng" algn="ctr">
+        <a:solidFill>
+          <a:schemeClr val="tx1">
+            <a:lumMod val="15000"/>
+            <a:lumOff val="85000"/>
+          </a:schemeClr>
+        </a:solidFill>
+        <a:round/>
+      </a:ln>
+    </cs:spPr>
+    <cs:defRPr sz="900" kern="1200"/>
+  </cs:categoryAxis>
+  <cs:chartArea mods="allowNoFillOverride allowNoLineOverride">
+    <cs:lnRef idx="0"/>
+    <cs:fillRef idx="0"/>
+    <cs:effectRef idx="0"/>
+    <cs:fontRef idx="minor">
+      <a:schemeClr val="tx1"/>
+    </cs:fontRef>
+    <cs:spPr>
+      <a:solidFill>
+        <a:schemeClr val="bg1"/>
+      </a:solidFill>
+      <a:ln w="9525" cap="flat" cmpd="sng" algn="ctr">
+        <a:solidFill>
+          <a:schemeClr val="tx1">
+            <a:lumMod val="15000"/>
+            <a:lumOff val="85000"/>
+          </a:schemeClr>
+        </a:solidFill>
+        <a:round/>
+      </a:ln>
+    </cs:spPr>
+    <cs:defRPr sz="1000" kern="1200"/>
+  </cs:chartArea>
+  <cs:dataLabel>
+    <cs:lnRef idx="0"/>
+    <cs:fillRef idx="0"/>
+    <cs:effectRef idx="0"/>
+    <cs:fontRef idx="minor">
+      <a:schemeClr val="tx1">
+        <a:lumMod val="75000"/>
+        <a:lumOff val="25000"/>
+      </a:schemeClr>
+    </cs:fontRef>
+    <cs:defRPr sz="900" kern="1200"/>
+  </cs:dataLabel>
+  <cs:dataLabelCallout>
+    <cs:lnRef idx="0"/>
+    <cs:fillRef idx="0"/>
+    <cs:effectRef idx="0"/>
+    <cs:fontRef idx="minor">
+      <a:schemeClr val="dk1">
+        <a:lumMod val="65000"/>
+        <a:lumOff val="35000"/>
+      </a:schemeClr>
+    </cs:fontRef>
+    <cs:spPr>
+      <a:solidFill>
+        <a:schemeClr val="lt1"/>
+      </a:solidFill>
+      <a:ln>
+        <a:solidFill>
+          <a:schemeClr val="dk1">
+            <a:lumMod val="25000"/>
+            <a:lumOff val="75000"/>
+          </a:schemeClr>
+        </a:solidFill>
+      </a:ln>
+    </cs:spPr>
+    <cs:defRPr sz="900" kern="1200"/>
+    <cs:bodyPr rot="0" spcFirstLastPara="1" vertOverflow="clip" horzOverflow="clip" vert="horz" wrap="square" lIns="36576" tIns="18288" rIns="36576" bIns="18288" anchor="ctr" anchorCtr="1">
+      <a:spAutoFit/>
+    </cs:bodyPr>
+  </cs:dataLabelCallout>
+  <cs:dataPoint>
+    <cs:lnRef idx="0"/>
+    <cs:fillRef idx="1">
+      <cs:styleClr val="auto"/>
+    </cs:fillRef>
+    <cs:effectRef idx="0"/>
+    <cs:fontRef idx="minor">
+      <a:schemeClr val="tx1"/>
+    </cs:fontRef>
+  </cs:dataPoint>
+  <cs:dataPoint3D>
+    <cs:lnRef idx="0"/>
+    <cs:fillRef idx="1">
+      <cs:styleClr val="auto"/>
+    </cs:fillRef>
+    <cs:effectRef idx="0"/>
+    <cs:fontRef idx="minor">
+      <a:schemeClr val="tx1"/>
+    </cs:fontRef>
+  </cs:dataPoint3D>
+  <cs:dataPointLine>
+    <cs:lnRef idx="0">
+      <cs:styleClr val="auto"/>
+    </cs:lnRef>
+    <cs:fillRef idx="1"/>
+    <cs:effectRef idx="0"/>
+    <cs:fontRef idx="minor">
+      <a:schemeClr val="tx1"/>
+    </cs:fontRef>
+    <cs:spPr>
+      <a:ln w="28575" cap="rnd">
+        <a:solidFill>
+          <a:schemeClr val="phClr"/>
+        </a:solidFill>
+        <a:round/>
+      </a:ln>
+    </cs:spPr>
+  </cs:dataPointLine>
+  <cs:dataPointMarker>
+    <cs:lnRef idx="0">
+      <cs:styleClr val="auto"/>
+    </cs:lnRef>
+    <cs:fillRef idx="1">
+      <cs:styleClr val="auto"/>
+    </cs:fillRef>
+    <cs:effectRef idx="0"/>
+    <cs:fontRef idx="minor">
+      <a:schemeClr val="tx1"/>
+    </cs:fontRef>
+    <cs:spPr>
+      <a:ln w="9525">
+        <a:solidFill>
+          <a:schemeClr val="phClr"/>
+        </a:solidFill>
+      </a:ln>
+    </cs:spPr>
+  </cs:dataPointMarker>
+  <cs:dataPointMarkerLayout symbol="circle" size="5"/>
+  <cs:dataPointWireframe>
+    <cs:lnRef idx="0">
+      <cs:styleClr val="auto"/>
+    </cs:lnRef>
+    <cs:fillRef idx="1"/>
+    <cs:effectRef idx="0"/>
+    <cs:fontRef idx="minor">
+      <a:schemeClr val="tx1"/>
+    </cs:fontRef>
+    <cs:spPr>
+      <a:ln w="9525" cap="rnd">
+        <a:solidFill>
+          <a:schemeClr val="phClr"/>
+        </a:solidFill>
+        <a:round/>
+      </a:ln>
+    </cs:spPr>
+  </cs:dataPointWireframe>
+  <cs:dataTable>
+    <cs:lnRef idx="0"/>
+    <cs:fillRef idx="0"/>
+    <cs:effectRef idx="0"/>
+    <cs:fontRef idx="minor">
+      <a:schemeClr val="tx1">
+        <a:lumMod val="65000"/>
+        <a:lumOff val="35000"/>
+      </a:schemeClr>
+    </cs:fontRef>
+    <cs:spPr>
+      <a:noFill/>
+      <a:ln w="9525" cap="flat" cmpd="sng" algn="ctr">
+        <a:solidFill>
+          <a:schemeClr val="tx1">
+            <a:lumMod val="15000"/>
+            <a:lumOff val="85000"/>
+          </a:schemeClr>
+        </a:solidFill>
+        <a:round/>
+      </a:ln>
+    </cs:spPr>
+    <cs:defRPr sz="900" kern="1200"/>
+  </cs:dataTable>
+  <cs:downBar>
+    <cs:lnRef idx="0"/>
+    <cs:fillRef idx="0"/>
+    <cs:effectRef idx="0"/>
+    <cs:fontRef idx="minor">
+      <a:schemeClr val="dk1"/>
+    </cs:fontRef>
+    <cs:spPr>
+      <a:solidFill>
+        <a:schemeClr val="dk1">
+          <a:lumMod val="65000"/>
+          <a:lumOff val="35000"/>
+        </a:schemeClr>
+      </a:solidFill>
+      <a:ln w="9525">
+        <a:solidFill>
+          <a:schemeClr val="tx1">
+            <a:lumMod val="65000"/>
+            <a:lumOff val="35000"/>
+          </a:schemeClr>
+        </a:solidFill>
+      </a:ln>
+    </cs:spPr>
+  </cs:downBar>
+  <cs:dropLine>
+    <cs:lnRef idx="0"/>
+    <cs:fillRef idx="0"/>
+    <cs:effectRef idx="0"/>
+    <cs:fontRef idx="minor">
+      <a:schemeClr val="tx1"/>
+    </cs:fontRef>
+    <cs:spPr>
+      <a:ln w="9525" cap="flat" cmpd="sng" algn="ctr">
+        <a:solidFill>
+          <a:schemeClr val="tx1">
+            <a:lumMod val="35000"/>
+            <a:lumOff val="65000"/>
+          </a:schemeClr>
+        </a:solidFill>
+        <a:round/>
+      </a:ln>
+    </cs:spPr>
+  </cs:dropLine>
+  <cs:errorBar>
+    <cs:lnRef idx="0"/>
+    <cs:fillRef idx="0"/>
+    <cs:effectRef idx="0"/>
+    <cs:fontRef idx="minor">
+      <a:schemeClr val="tx1"/>
+    </cs:fontRef>
+    <cs:spPr>
+      <a:ln w="9525" cap="flat" cmpd="sng" algn="ctr">
+        <a:solidFill>
+          <a:schemeClr val="tx1">
+            <a:lumMod val="65000"/>
+            <a:lumOff val="35000"/>
+          </a:schemeClr>
+        </a:solidFill>
+        <a:round/>
+      </a:ln>
+    </cs:spPr>
+  </cs:errorBar>
+  <cs:floor>
+    <cs:lnRef idx="0"/>
+    <cs:fillRef idx="0"/>
+    <cs:effectRef idx="0"/>
+    <cs:fontRef idx="minor">
+      <a:schemeClr val="tx1"/>
+    </cs:fontRef>
+    <cs:spPr>
+      <a:noFill/>
+      <a:ln>
+        <a:noFill/>
+      </a:ln>
+    </cs:spPr>
+  </cs:floor>
+  <cs:gridlineMajor>
+    <cs:lnRef idx="0"/>
+    <cs:fillRef idx="0"/>
+    <cs:effectRef idx="0"/>
+    <cs:fontRef idx="minor">
+      <a:schemeClr val="tx1"/>
+    </cs:fontRef>
+    <cs:spPr>
+      <a:ln w="9525" cap="flat" cmpd="sng" algn="ctr">
+        <a:solidFill>
+          <a:schemeClr val="tx1">
+            <a:lumMod val="15000"/>
+            <a:lumOff val="85000"/>
+          </a:schemeClr>
+        </a:solidFill>
+        <a:round/>
+      </a:ln>
+    </cs:spPr>
+  </cs:gridlineMajor>
+  <cs:gridlineMinor>
+    <cs:lnRef idx="0"/>
+    <cs:fillRef idx="0"/>
+    <cs:effectRef idx="0"/>
+    <cs:fontRef idx="minor">
+      <a:schemeClr val="tx1"/>
+    </cs:fontRef>
+    <cs:spPr>
+      <a:ln w="9525" cap="flat" cmpd="sng" algn="ctr">
+        <a:solidFill>
+          <a:schemeClr val="tx1">
+            <a:lumMod val="5000"/>
+            <a:lumOff val="95000"/>
+          </a:schemeClr>
+        </a:solidFill>
+        <a:round/>
+      </a:ln>
+    </cs:spPr>
+  </cs:gridlineMinor>
+  <cs:hiLoLine>
+    <cs:lnRef idx="0"/>
+    <cs:fillRef idx="0"/>
+    <cs:effectRef idx="0"/>
+    <cs:fontRef idx="minor">
+      <a:schemeClr val="tx1"/>
+    </cs:fontRef>
+    <cs:spPr>
+      <a:ln w="9525" cap="flat" cmpd="sng" algn="ctr">
+        <a:solidFill>
+          <a:schemeClr val="tx1">
+            <a:lumMod val="75000"/>
+            <a:lumOff val="25000"/>
+          </a:schemeClr>
+        </a:solidFill>
+        <a:round/>
+      </a:ln>
+    </cs:spPr>
+  </cs:hiLoLine>
+  <cs:leaderLine>
+    <cs:lnRef idx="0"/>
+    <cs:fillRef idx="0"/>
+    <cs:effectRef idx="0"/>
+    <cs:fontRef idx="minor">
+      <a:schemeClr val="tx1"/>
+    </cs:fontRef>
+    <cs:spPr>
+      <a:ln w="9525" cap="flat" cmpd="sng" algn="ctr">
+        <a:solidFill>
+          <a:schemeClr val="tx1">
+            <a:lumMod val="35000"/>
+            <a:lumOff val="65000"/>
+          </a:schemeClr>
+        </a:solidFill>
+        <a:round/>
+      </a:ln>
+    </cs:spPr>
+  </cs:leaderLine>
+  <cs:legend>
+    <cs:lnRef idx="0"/>
+    <cs:fillRef idx="0"/>
+    <cs:effectRef idx="0"/>
+    <cs:fontRef idx="minor">
+      <a:schemeClr val="tx1">
+        <a:lumMod val="65000"/>
+        <a:lumOff val="35000"/>
+      </a:schemeClr>
+    </cs:fontRef>
+    <cs:defRPr sz="900" kern="1200"/>
+  </cs:legend>
+  <cs:plotArea mods="allowNoFillOverride allowNoLineOverride">
+    <cs:lnRef idx="0"/>
+    <cs:fillRef idx="0"/>
+    <cs:effectRef idx="0"/>
+    <cs:fontRef idx="minor">
+      <a:schemeClr val="tx1"/>
+    </cs:fontRef>
+  </cs:plotArea>
+  <cs:plotArea3D mods="allowNoFillOverride allowNoLineOverride">
+    <cs:lnRef idx="0"/>
+    <cs:fillRef idx="0"/>
+    <cs:effectRef idx="0"/>
+    <cs:fontRef idx="minor">
+      <a:schemeClr val="tx1"/>
+    </cs:fontRef>
+  </cs:plotArea3D>
+  <cs:seriesAxis>
+    <cs:lnRef idx="0"/>
+    <cs:fillRef idx="0"/>
+    <cs:effectRef idx="0"/>
+    <cs:fontRef idx="minor">
+      <a:schemeClr val="tx1">
+        <a:lumMod val="65000"/>
+        <a:lumOff val="35000"/>
+      </a:schemeClr>
+    </cs:fontRef>
+    <cs:defRPr sz="900" kern="1200"/>
+  </cs:seriesAxis>
+  <cs:seriesLine>
+    <cs:lnRef idx="0"/>
+    <cs:fillRef idx="0"/>
+    <cs:effectRef idx="0"/>
+    <cs:fontRef idx="minor">
+      <a:schemeClr val="tx1"/>
+    </cs:fontRef>
+    <cs:spPr>
+      <a:ln w="9525" cap="flat" cmpd="sng" algn="ctr">
+        <a:solidFill>
+          <a:schemeClr val="tx1">
+            <a:lumMod val="35000"/>
+            <a:lumOff val="65000"/>
+          </a:schemeClr>
+        </a:solidFill>
+        <a:round/>
+      </a:ln>
+    </cs:spPr>
+  </cs:seriesLine>
+  <cs:title>
+    <cs:lnRef idx="0"/>
+    <cs:fillRef idx="0"/>
+    <cs:effectRef idx="0"/>
+    <cs:fontRef idx="minor">
+      <a:schemeClr val="tx1">
+        <a:lumMod val="65000"/>
+        <a:lumOff val="35000"/>
+      </a:schemeClr>
+    </cs:fontRef>
+    <cs:defRPr sz="1400" b="0" kern="1200" spc="0" baseline="0"/>
+  </cs:title>
+  <cs:trendline>
+    <cs:lnRef idx="0">
+      <cs:styleClr val="auto"/>
+    </cs:lnRef>
+    <cs:fillRef idx="0"/>
+    <cs:effectRef idx="0"/>
+    <cs:fontRef idx="minor">
+      <a:schemeClr val="tx1"/>
+    </cs:fontRef>
+    <cs:spPr>
+      <a:ln w="19050" cap="rnd">
+        <a:solidFill>
+          <a:schemeClr val="phClr"/>
+        </a:solidFill>
+        <a:prstDash val="sysDot"/>
+      </a:ln>
+    </cs:spPr>
+  </cs:trendline>
+  <cs:trendlineLabel>
+    <cs:lnRef idx="0"/>
+    <cs:fillRef idx="0"/>
+    <cs:effectRef idx="0"/>
+    <cs:fontRef idx="minor">
+      <a:schemeClr val="tx1">
+        <a:lumMod val="65000"/>
+        <a:lumOff val="35000"/>
+      </a:schemeClr>
+    </cs:fontRef>
+    <cs:defRPr sz="900" kern="1200"/>
+  </cs:trendlineLabel>
+  <cs:upBar>
+    <cs:lnRef idx="0"/>
+    <cs:fillRef idx="0"/>
+    <cs:effectRef idx="0"/>
+    <cs:fontRef idx="minor">
+      <a:schemeClr val="dk1"/>
+    </cs:fontRef>
+    <cs:spPr>
+      <a:solidFill>
+        <a:schemeClr val="lt1"/>
+      </a:solidFill>
+      <a:ln w="9525">
+        <a:solidFill>
+          <a:schemeClr val="tx1">
+            <a:lumMod val="15000"/>
+            <a:lumOff val="85000"/>
+          </a:schemeClr>
+        </a:solidFill>
+      </a:ln>
+    </cs:spPr>
+  </cs:upBar>
+  <cs:valueAxis>
+    <cs:lnRef idx="0"/>
+    <cs:fillRef idx="0"/>
+    <cs:effectRef idx="0"/>
+    <cs:fontRef idx="minor">
+      <a:schemeClr val="tx1">
+        <a:lumMod val="65000"/>
+        <a:lumOff val="35000"/>
+      </a:schemeClr>
+    </cs:fontRef>
+    <cs:defRPr sz="900" kern="1200"/>
+  </cs:valueAxis>
+  <cs:wall>
+    <cs:lnRef idx="0"/>
+    <cs:fillRef idx="0"/>
+    <cs:effectRef idx="0"/>
+    <cs:fontRef idx="minor">
+      <a:schemeClr val="tx1"/>
+    </cs:fontRef>
+    <cs:spPr>
+      <a:noFill/>
+      <a:ln>
+        <a:noFill/>
+      </a:ln>
+    </cs:spPr>
+  </cs:wall>
+</cs:chartStyle>
+</file>
+
 <file path=ppt/slideLayouts/slideLayout1.xml><?xml version="1.0" encoding="utf-8"?>
 <p:sldLayout xmlns:a="http://schemas.openxmlformats.org/drawingml/2006/main" xmlns:r="http://schemas.openxmlformats.org/officeDocument/2006/relationships" xmlns:p="http://schemas.openxmlformats.org/presentationml/2006/main" type="blank" preserve="1">
   <p:cSld name="Blank Slide">
@@ -20089,17 +22273,7 @@
                 <a:latin typeface="Calibri"/>
                 <a:ea typeface="DejaVu Sans"/>
               </a:rPr>
-              <a:t>Julio </a:t>
-            </a:r>
-            <a:r>
-              <a:rPr lang="es-MX" sz="2600" strike="noStrike" dirty="0">
-                <a:solidFill>
-                  <a:srgbClr val="8B8B8B"/>
-                </a:solidFill>
-                <a:latin typeface="Calibri"/>
-                <a:ea typeface="DejaVu Sans"/>
-              </a:rPr>
-              <a:t>2016</a:t>
+              <a:t>Agosto 2016</a:t>
             </a:r>
             <a:endParaRPr dirty="0"/>
           </a:p>
@@ -20127,7 +22301,7 @@
                 <a:latin typeface="Calibri"/>
                 <a:ea typeface="DejaVu Sans"/>
               </a:rPr>
-              <a:t>06/07/2016</a:t>
+              <a:t>11/08/2016</a:t>
             </a:r>
             <a:endParaRPr dirty="0"/>
           </a:p>
@@ -20413,7 +22587,27 @@
                 <a:latin typeface="Times New Roman"/>
                 <a:ea typeface="DejaVu Sans"/>
               </a:rPr>
-              <a:t>en el mes de junio fueron de 100 porciento.</a:t>
+              <a:t>en el mes de </a:t>
+            </a:r>
+            <a:r>
+              <a:rPr lang="es-MX" strike="noStrike" dirty="0" smtClean="0">
+                <a:solidFill>
+                  <a:srgbClr val="000000"/>
+                </a:solidFill>
+                <a:latin typeface="Times New Roman"/>
+                <a:ea typeface="DejaVu Sans"/>
+              </a:rPr>
+              <a:t>julio </a:t>
+            </a:r>
+            <a:r>
+              <a:rPr lang="es-MX" strike="noStrike" dirty="0" smtClean="0">
+                <a:solidFill>
+                  <a:srgbClr val="000000"/>
+                </a:solidFill>
+                <a:latin typeface="Times New Roman"/>
+                <a:ea typeface="DejaVu Sans"/>
+              </a:rPr>
+              <a:t>fueron de 100 porciento.</a:t>
             </a:r>
             <a:endParaRPr dirty="0"/>
           </a:p>
@@ -20445,20 +22639,20 @@
       </p:sp>
       <p:graphicFrame>
         <p:nvGraphicFramePr>
-          <p:cNvPr id="7" name="Gráfico 6"/>
+          <p:cNvPr id="6" name="Gráfico 5"/>
           <p:cNvGraphicFramePr>
             <a:graphicFrameLocks/>
           </p:cNvGraphicFramePr>
           <p:nvPr>
             <p:extLst>
               <p:ext uri="{D42A27DB-BD31-4B8C-83A1-F6EECF244321}">
-                <p14:modId xmlns:p14="http://schemas.microsoft.com/office/powerpoint/2010/main" val="2419604018"/>
+                <p14:modId xmlns:p14="http://schemas.microsoft.com/office/powerpoint/2010/main" val="2626725953"/>
               </p:ext>
             </p:extLst>
           </p:nvPr>
         </p:nvGraphicFramePr>
         <p:xfrm>
-          <a:off x="457200" y="2043752"/>
+          <a:off x="457200" y="1879979"/>
           <a:ext cx="4572000" cy="2743200"/>
         </p:xfrm>
         <a:graphic>
@@ -20612,7 +22806,7 @@
                 </a:solidFill>
                 <a:latin typeface="+mj-lt"/>
               </a:rPr>
-              <a:t>Jun/16</a:t>
+              <a:t>Jul/16</a:t>
             </a:r>
             <a:endParaRPr lang="es-MX" dirty="0">
               <a:solidFill>
@@ -20655,54 +22849,6 @@
           <a:fontRef idx="minor"/>
         </p:style>
       </p:sp>
-      <p:graphicFrame>
-        <p:nvGraphicFramePr>
-          <p:cNvPr id="7" name="Gráfico 6"/>
-          <p:cNvGraphicFramePr>
-            <a:graphicFrameLocks/>
-          </p:cNvGraphicFramePr>
-          <p:nvPr>
-            <p:extLst>
-              <p:ext uri="{D42A27DB-BD31-4B8C-83A1-F6EECF244321}">
-                <p14:modId xmlns:p14="http://schemas.microsoft.com/office/powerpoint/2010/main" val="11396841"/>
-              </p:ext>
-            </p:extLst>
-          </p:nvPr>
-        </p:nvGraphicFramePr>
-        <p:xfrm>
-          <a:off x="457200" y="1409760"/>
-          <a:ext cx="4174195" cy="3269340"/>
-        </p:xfrm>
-        <a:graphic>
-          <a:graphicData uri="http://schemas.openxmlformats.org/drawingml/2006/chart">
-            <c:chart xmlns:c="http://schemas.openxmlformats.org/drawingml/2006/chart" xmlns:r="http://schemas.openxmlformats.org/officeDocument/2006/relationships" r:id="rId2"/>
-          </a:graphicData>
-        </a:graphic>
-      </p:graphicFrame>
-      <p:graphicFrame>
-        <p:nvGraphicFramePr>
-          <p:cNvPr id="8" name="Gráfico 7"/>
-          <p:cNvGraphicFramePr>
-            <a:graphicFrameLocks/>
-          </p:cNvGraphicFramePr>
-          <p:nvPr>
-            <p:extLst>
-              <p:ext uri="{D42A27DB-BD31-4B8C-83A1-F6EECF244321}">
-                <p14:modId xmlns:p14="http://schemas.microsoft.com/office/powerpoint/2010/main" val="1122002787"/>
-              </p:ext>
-            </p:extLst>
-          </p:nvPr>
-        </p:nvGraphicFramePr>
-        <p:xfrm>
-          <a:off x="4466165" y="3219725"/>
-          <a:ext cx="4212715" cy="3284580"/>
-        </p:xfrm>
-        <a:graphic>
-          <a:graphicData uri="http://schemas.openxmlformats.org/drawingml/2006/chart">
-            <c:chart xmlns:c="http://schemas.openxmlformats.org/drawingml/2006/chart" xmlns:r="http://schemas.openxmlformats.org/officeDocument/2006/relationships" r:id="rId3"/>
-          </a:graphicData>
-        </a:graphic>
-      </p:graphicFrame>
       <p:sp>
         <p:nvSpPr>
           <p:cNvPr id="2" name="Rectángulo 1"/>
@@ -20740,12 +22886,69 @@
                 </a:solidFill>
                 <a:latin typeface="Times New Roman"/>
               </a:rPr>
-              <a:t>puntaje promedio superior a los 94 pts. </a:t>
+              <a:t>puntaje promedio superior </a:t>
+            </a:r>
+            <a:r>
+              <a:rPr lang="es-MX" dirty="0" smtClean="0">
+                <a:solidFill>
+                  <a:srgbClr val="000000"/>
+                </a:solidFill>
+                <a:latin typeface="Times New Roman"/>
+              </a:rPr>
+              <a:t>al 95 porciento. </a:t>
             </a:r>
             <a:endParaRPr lang="es-MX" dirty="0"/>
           </a:p>
         </p:txBody>
       </p:sp>
+      <p:graphicFrame>
+        <p:nvGraphicFramePr>
+          <p:cNvPr id="9" name="Gráfico 8"/>
+          <p:cNvGraphicFramePr>
+            <a:graphicFrameLocks/>
+          </p:cNvGraphicFramePr>
+          <p:nvPr>
+            <p:extLst>
+              <p:ext uri="{D42A27DB-BD31-4B8C-83A1-F6EECF244321}">
+                <p14:modId xmlns:p14="http://schemas.microsoft.com/office/powerpoint/2010/main" val="3833544933"/>
+              </p:ext>
+            </p:extLst>
+          </p:nvPr>
+        </p:nvGraphicFramePr>
+        <p:xfrm>
+          <a:off x="457200" y="1600200"/>
+          <a:ext cx="4174195" cy="3269340"/>
+        </p:xfrm>
+        <a:graphic>
+          <a:graphicData uri="http://schemas.openxmlformats.org/drawingml/2006/chart">
+            <c:chart xmlns:c="http://schemas.openxmlformats.org/drawingml/2006/chart" xmlns:r="http://schemas.openxmlformats.org/officeDocument/2006/relationships" r:id="rId2"/>
+          </a:graphicData>
+        </a:graphic>
+      </p:graphicFrame>
+      <p:graphicFrame>
+        <p:nvGraphicFramePr>
+          <p:cNvPr id="10" name="Gráfico 9"/>
+          <p:cNvGraphicFramePr>
+            <a:graphicFrameLocks/>
+          </p:cNvGraphicFramePr>
+          <p:nvPr>
+            <p:extLst>
+              <p:ext uri="{D42A27DB-BD31-4B8C-83A1-F6EECF244321}">
+                <p14:modId xmlns:p14="http://schemas.microsoft.com/office/powerpoint/2010/main" val="4076642712"/>
+              </p:ext>
+            </p:extLst>
+          </p:nvPr>
+        </p:nvGraphicFramePr>
+        <p:xfrm>
+          <a:off x="4694830" y="3328907"/>
+          <a:ext cx="4212715" cy="3284580"/>
+        </p:xfrm>
+        <a:graphic>
+          <a:graphicData uri="http://schemas.openxmlformats.org/drawingml/2006/chart">
+            <c:chart xmlns:c="http://schemas.openxmlformats.org/drawingml/2006/chart" xmlns:r="http://schemas.openxmlformats.org/officeDocument/2006/relationships" r:id="rId3"/>
+          </a:graphicData>
+        </a:graphic>
+      </p:graphicFrame>
     </p:spTree>
     <p:extLst>
       <p:ext uri="{BB962C8B-B14F-4D97-AF65-F5344CB8AC3E}">
@@ -20890,7 +23093,7 @@
                   <a:srgbClr val="000000"/>
                 </a:solidFill>
               </a:rPr>
-              <a:t>Jun/16</a:t>
+              <a:t>Jul/16</a:t>
             </a:r>
             <a:endParaRPr lang="es-MX" dirty="0"/>
           </a:p>
@@ -20936,8 +23139,8 @@
         </p:nvSpPr>
         <p:spPr>
           <a:xfrm>
-            <a:off x="5295331" y="1416240"/>
-            <a:ext cx="3360869" cy="3101760"/>
+            <a:off x="5117911" y="1416240"/>
+            <a:ext cx="3848668" cy="3101760"/>
           </a:xfrm>
           <a:prstGeom prst="rect">
             <a:avLst/>
@@ -20992,17 +23195,7 @@
                 <a:latin typeface="Times New Roman"/>
                 <a:ea typeface="DejaVu Sans"/>
               </a:rPr>
-              <a:t>Análisis: Existe </a:t>
-            </a:r>
-            <a:r>
-              <a:rPr lang="es-MX" strike="noStrike" dirty="0">
-                <a:solidFill>
-                  <a:srgbClr val="000000"/>
-                </a:solidFill>
-                <a:latin typeface="Times New Roman"/>
-                <a:ea typeface="DejaVu Sans"/>
-              </a:rPr>
-              <a:t>mejora en el producto de carta de aceptación lo cual mejora la calificación global por </a:t>
+              <a:t>Análisis: </a:t>
             </a:r>
             <a:r>
               <a:rPr lang="es-MX" strike="noStrike" dirty="0" smtClean="0">
@@ -21012,17 +23205,7 @@
                 <a:latin typeface="Times New Roman"/>
                 <a:ea typeface="DejaVu Sans"/>
               </a:rPr>
-              <a:t>95 </a:t>
-            </a:r>
-            <a:r>
-              <a:rPr lang="es-MX" strike="noStrike" dirty="0">
-                <a:solidFill>
-                  <a:srgbClr val="000000"/>
-                </a:solidFill>
-                <a:latin typeface="Times New Roman"/>
-                <a:ea typeface="DejaVu Sans"/>
-              </a:rPr>
-              <a:t>pts.</a:t>
+              <a:t>Hay una resultado al 100 porciento en el mes de julio lo que aporta al aumento en la calificación global. Arriba del 85 porciento en Carta de Agradecimiento, y 97 porciento en Tickets de servicio.</a:t>
             </a:r>
             <a:endParaRPr dirty="0"/>
           </a:p>
@@ -21038,20 +23221,20 @@
       </p:sp>
       <p:graphicFrame>
         <p:nvGraphicFramePr>
-          <p:cNvPr id="7" name="Gráfico 6"/>
+          <p:cNvPr id="9" name="Gráfico 8"/>
           <p:cNvGraphicFramePr>
             <a:graphicFrameLocks/>
           </p:cNvGraphicFramePr>
           <p:nvPr>
             <p:extLst>
               <p:ext uri="{D42A27DB-BD31-4B8C-83A1-F6EECF244321}">
-                <p14:modId xmlns:p14="http://schemas.microsoft.com/office/powerpoint/2010/main" val="393830630"/>
+                <p14:modId xmlns:p14="http://schemas.microsoft.com/office/powerpoint/2010/main" val="2195242459"/>
               </p:ext>
             </p:extLst>
           </p:nvPr>
         </p:nvGraphicFramePr>
         <p:xfrm>
-          <a:off x="324725" y="1379300"/>
+          <a:off x="584033" y="1409760"/>
           <a:ext cx="4400220" cy="3239040"/>
         </p:xfrm>
         <a:graphic>
@@ -21062,20 +23245,20 @@
       </p:graphicFrame>
       <p:graphicFrame>
         <p:nvGraphicFramePr>
-          <p:cNvPr id="6" name="Gráfico 5"/>
+          <p:cNvPr id="8" name="Gráfico 7"/>
           <p:cNvGraphicFramePr>
             <a:graphicFrameLocks/>
           </p:cNvGraphicFramePr>
           <p:nvPr>
             <p:extLst>
               <p:ext uri="{D42A27DB-BD31-4B8C-83A1-F6EECF244321}">
-                <p14:modId xmlns:p14="http://schemas.microsoft.com/office/powerpoint/2010/main" val="678694530"/>
+                <p14:modId xmlns:p14="http://schemas.microsoft.com/office/powerpoint/2010/main" val="526374974"/>
               </p:ext>
             </p:extLst>
           </p:nvPr>
         </p:nvGraphicFramePr>
         <p:xfrm>
-          <a:off x="4223982" y="3831894"/>
+          <a:off x="4572000" y="3749722"/>
           <a:ext cx="4572000" cy="2743200"/>
         </p:xfrm>
         <a:graphic>
@@ -21223,7 +23406,7 @@
                   <a:srgbClr val="000000"/>
                 </a:solidFill>
               </a:rPr>
-              <a:t>Jun/16</a:t>
+              <a:t>Jul/16</a:t>
             </a:r>
             <a:endParaRPr lang="es-MX" dirty="0"/>
           </a:p>
@@ -21237,7 +23420,7 @@
         </p:nvSpPr>
         <p:spPr>
           <a:xfrm>
-            <a:off x="5595582" y="2150429"/>
+            <a:off x="5773003" y="2150429"/>
             <a:ext cx="3086898" cy="1343397"/>
           </a:xfrm>
           <a:prstGeom prst="rect">
@@ -21282,7 +23465,17 @@
                 <a:latin typeface="Arial"/>
                 <a:ea typeface="DejaVu Sans"/>
               </a:rPr>
-              <a:t>No hay nada a destacar, salvo el aumento de puntaje en el producto reporte de monitoreo.</a:t>
+              <a:t>No hay nada a destacar, salvo el aumento de puntaje en el producto reporte de </a:t>
+            </a:r>
+            <a:r>
+              <a:rPr lang="es-MX" sz="1400" strike="noStrike" dirty="0" smtClean="0">
+                <a:solidFill>
+                  <a:srgbClr val="000000"/>
+                </a:solidFill>
+                <a:latin typeface="Arial"/>
+                <a:ea typeface="DejaVu Sans"/>
+              </a:rPr>
+              <a:t>monitoreo arriba del 98 porciento.</a:t>
             </a:r>
             <a:endParaRPr dirty="0"/>
           </a:p>
@@ -21290,21 +23483,21 @@
       </p:sp>
       <p:graphicFrame>
         <p:nvGraphicFramePr>
-          <p:cNvPr id="5" name="Gráfico 4"/>
+          <p:cNvPr id="8" name="Gráfico 7"/>
           <p:cNvGraphicFramePr>
             <a:graphicFrameLocks/>
           </p:cNvGraphicFramePr>
           <p:nvPr>
             <p:extLst>
               <p:ext uri="{D42A27DB-BD31-4B8C-83A1-F6EECF244321}">
-                <p14:modId xmlns:p14="http://schemas.microsoft.com/office/powerpoint/2010/main" val="2741236984"/>
+                <p14:modId xmlns:p14="http://schemas.microsoft.com/office/powerpoint/2010/main" val="1281636364"/>
               </p:ext>
             </p:extLst>
           </p:nvPr>
         </p:nvGraphicFramePr>
         <p:xfrm>
-          <a:off x="309194" y="1958608"/>
-          <a:ext cx="4740478" cy="3241189"/>
+          <a:off x="0" y="1954202"/>
+          <a:ext cx="4813423" cy="3354777"/>
         </p:xfrm>
         <a:graphic>
           <a:graphicData uri="http://schemas.openxmlformats.org/drawingml/2006/chart">
@@ -21314,20 +23507,20 @@
       </p:graphicFrame>
       <p:graphicFrame>
         <p:nvGraphicFramePr>
-          <p:cNvPr id="7" name="Gráfico 6"/>
+          <p:cNvPr id="6" name="Gráfico 5"/>
           <p:cNvGraphicFramePr>
             <a:graphicFrameLocks/>
           </p:cNvGraphicFramePr>
           <p:nvPr>
             <p:extLst>
               <p:ext uri="{D42A27DB-BD31-4B8C-83A1-F6EECF244321}">
-                <p14:modId xmlns:p14="http://schemas.microsoft.com/office/powerpoint/2010/main" val="1144343728"/>
+                <p14:modId xmlns:p14="http://schemas.microsoft.com/office/powerpoint/2010/main" val="1945739136"/>
               </p:ext>
             </p:extLst>
           </p:nvPr>
         </p:nvGraphicFramePr>
         <p:xfrm>
-          <a:off x="4572000" y="4114800"/>
+          <a:off x="4572000" y="4009030"/>
           <a:ext cx="4572000" cy="2743200"/>
         </p:xfrm>
         <a:graphic>
@@ -21465,7 +23658,7 @@
                   <a:srgbClr val="000000"/>
                 </a:solidFill>
               </a:rPr>
-              <a:t>Jun/16</a:t>
+              <a:t>Jul/16</a:t>
             </a:r>
             <a:endParaRPr lang="es-MX" dirty="0"/>
           </a:p>
@@ -21567,7 +23760,17 @@
                 <a:latin typeface="Times New Roman"/>
                 <a:ea typeface="DejaVu Sans"/>
               </a:rPr>
-              <a:t>Análisis: Existe mejora en el proceso de implementación lo cual aumenta la calificación general del proceso.</a:t>
+              <a:t>Análisis: Existe mejora en el proceso de implementación lo cual aumenta la calificación general del </a:t>
+            </a:r>
+            <a:r>
+              <a:rPr lang="es-MX" strike="noStrike" dirty="0" smtClean="0">
+                <a:solidFill>
+                  <a:srgbClr val="000000"/>
+                </a:solidFill>
+                <a:latin typeface="Times New Roman"/>
+                <a:ea typeface="DejaVu Sans"/>
+              </a:rPr>
+              <a:t>proceso arriba del 98 porciento.</a:t>
             </a:r>
             <a:endParaRPr dirty="0"/>
           </a:p>
@@ -21583,20 +23786,20 @@
       </p:sp>
       <p:graphicFrame>
         <p:nvGraphicFramePr>
-          <p:cNvPr id="6" name="Gráfico 5"/>
+          <p:cNvPr id="7" name="Gráfico 6"/>
           <p:cNvGraphicFramePr>
             <a:graphicFrameLocks/>
           </p:cNvGraphicFramePr>
           <p:nvPr>
             <p:extLst>
               <p:ext uri="{D42A27DB-BD31-4B8C-83A1-F6EECF244321}">
-                <p14:modId xmlns:p14="http://schemas.microsoft.com/office/powerpoint/2010/main" val="4284882718"/>
+                <p14:modId xmlns:p14="http://schemas.microsoft.com/office/powerpoint/2010/main" val="3051977898"/>
               </p:ext>
             </p:extLst>
           </p:nvPr>
         </p:nvGraphicFramePr>
         <p:xfrm>
-          <a:off x="457200" y="1416240"/>
+          <a:off x="457200" y="1600200"/>
           <a:ext cx="4450980" cy="3238740"/>
         </p:xfrm>
         <a:graphic>
@@ -21607,20 +23810,20 @@
       </p:graphicFrame>
       <p:graphicFrame>
         <p:nvGraphicFramePr>
-          <p:cNvPr id="9" name="Gráfico 8"/>
+          <p:cNvPr id="8" name="Gráfico 7"/>
           <p:cNvGraphicFramePr>
             <a:graphicFrameLocks/>
           </p:cNvGraphicFramePr>
           <p:nvPr>
             <p:extLst>
               <p:ext uri="{D42A27DB-BD31-4B8C-83A1-F6EECF244321}">
-                <p14:modId xmlns:p14="http://schemas.microsoft.com/office/powerpoint/2010/main" val="3338609346"/>
+                <p14:modId xmlns:p14="http://schemas.microsoft.com/office/powerpoint/2010/main" val="4162565387"/>
               </p:ext>
             </p:extLst>
           </p:nvPr>
         </p:nvGraphicFramePr>
         <p:xfrm>
-          <a:off x="4106880" y="3777018"/>
+          <a:off x="4264925" y="3817961"/>
           <a:ext cx="4572000" cy="2743200"/>
         </p:xfrm>
         <a:graphic>
@@ -22019,7 +24222,7 @@
       </p:sp>
       <p:pic>
         <p:nvPicPr>
-          <p:cNvPr id="5" name="Imagen 4"/>
+          <p:cNvPr id="2" name="Imagen 1"/>
           <p:cNvPicPr>
             <a:picLocks noChangeAspect="1"/>
           </p:cNvPicPr>
@@ -22033,8 +24236,8 @@
         </p:blipFill>
         <p:spPr>
           <a:xfrm>
-            <a:off x="27296" y="1212341"/>
-            <a:ext cx="9096185" cy="1694632"/>
+            <a:off x="0" y="1189320"/>
+            <a:ext cx="9095647" cy="1881428"/>
           </a:xfrm>
           <a:prstGeom prst="rect">
             <a:avLst/>
@@ -22043,7 +24246,7 @@
       </p:pic>
       <p:pic>
         <p:nvPicPr>
-          <p:cNvPr id="6" name="Imagen 5"/>
+          <p:cNvPr id="3" name="Imagen 2"/>
           <p:cNvPicPr>
             <a:picLocks noChangeAspect="1"/>
           </p:cNvPicPr>
@@ -22057,8 +24260,8 @@
         </p:blipFill>
         <p:spPr>
           <a:xfrm>
-            <a:off x="5029195" y="3414960"/>
-            <a:ext cx="4026046" cy="1940760"/>
+            <a:off x="300148" y="3414960"/>
+            <a:ext cx="4331366" cy="1940760"/>
           </a:xfrm>
           <a:prstGeom prst="rect">
             <a:avLst/>
@@ -22067,7 +24270,7 @@
       </p:pic>
       <p:pic>
         <p:nvPicPr>
-          <p:cNvPr id="4" name="Imagen 3"/>
+          <p:cNvPr id="7" name="Imagen 6"/>
           <p:cNvPicPr>
             <a:picLocks noChangeAspect="1"/>
           </p:cNvPicPr>
@@ -22081,8 +24284,8 @@
         </p:blipFill>
         <p:spPr>
           <a:xfrm>
-            <a:off x="48176" y="3412018"/>
-            <a:ext cx="4783132" cy="1956087"/>
+            <a:off x="4860114" y="3414960"/>
+            <a:ext cx="4090206" cy="1940760"/>
           </a:xfrm>
           <a:prstGeom prst="rect">
             <a:avLst/>
@@ -22227,20 +24430,12 @@
               <a:t>Ene/16 – </a:t>
             </a:r>
             <a:r>
-              <a:rPr lang="es-MX" dirty="0" err="1" smtClean="0">
-                <a:solidFill>
-                  <a:srgbClr val="000000"/>
-                </a:solidFill>
-              </a:rPr>
-              <a:t>May</a:t>
-            </a:r>
-            <a:r>
               <a:rPr lang="es-MX" dirty="0" smtClean="0">
                 <a:solidFill>
                   <a:srgbClr val="000000"/>
                 </a:solidFill>
               </a:rPr>
-              <a:t>/16</a:t>
+              <a:t>Jul/16</a:t>
             </a:r>
             <a:endParaRPr lang="es-MX" dirty="0"/>
           </a:p>
@@ -22289,7 +24484,7 @@
                 <a:latin typeface="Arial"/>
                 <a:ea typeface="DejaVu Sans"/>
               </a:rPr>
-              <a:t>Se mantienen las ventas </a:t>
+              <a:t>Se </a:t>
             </a:r>
             <a:r>
               <a:rPr lang="es-MX" dirty="0" smtClean="0">
@@ -22299,7 +24494,7 @@
                 <a:latin typeface="Arial"/>
                 <a:ea typeface="DejaVu Sans"/>
               </a:rPr>
-              <a:t>con respecto al mes anterior, pero n</a:t>
+              <a:t>logra un incremento superior a lo esperado para el mes de julio en ventas</a:t>
             </a:r>
             <a:r>
               <a:rPr lang="es-MX" strike="noStrike" dirty="0" smtClean="0">
@@ -22309,27 +24504,7 @@
                 <a:latin typeface="Arial"/>
                 <a:ea typeface="DejaVu Sans"/>
               </a:rPr>
-              <a:t>uevamente </a:t>
-            </a:r>
-            <a:r>
-              <a:rPr lang="es-MX" strike="noStrike" dirty="0">
-                <a:solidFill>
-                  <a:srgbClr val="000000"/>
-                </a:solidFill>
-                <a:latin typeface="Arial"/>
-                <a:ea typeface="DejaVu Sans"/>
-              </a:rPr>
-              <a:t>se presenta la desviación al no conseguir el objetivo especificado, se recomienda cambiar la meta establecida o bien negociar términos para motivar a vendedores y alcanzar la </a:t>
-            </a:r>
-            <a:r>
-              <a:rPr lang="es-MX" strike="noStrike" dirty="0" smtClean="0">
-                <a:solidFill>
-                  <a:srgbClr val="000000"/>
-                </a:solidFill>
-                <a:latin typeface="Arial"/>
-                <a:ea typeface="DejaVu Sans"/>
-              </a:rPr>
-              <a:t>meta.</a:t>
+              <a:t>.</a:t>
             </a:r>
             <a:endParaRPr dirty="0"/>
           </a:p>
@@ -22337,20 +24512,20 @@
       </p:sp>
       <p:graphicFrame>
         <p:nvGraphicFramePr>
-          <p:cNvPr id="5" name="Gráfico 4"/>
+          <p:cNvPr id="6" name="Gráfico 5"/>
           <p:cNvGraphicFramePr>
             <a:graphicFrameLocks/>
           </p:cNvGraphicFramePr>
           <p:nvPr>
             <p:extLst>
               <p:ext uri="{D42A27DB-BD31-4B8C-83A1-F6EECF244321}">
-                <p14:modId xmlns:p14="http://schemas.microsoft.com/office/powerpoint/2010/main" val="2480057700"/>
+                <p14:modId xmlns:p14="http://schemas.microsoft.com/office/powerpoint/2010/main" val="3639607920"/>
               </p:ext>
             </p:extLst>
           </p:nvPr>
         </p:nvGraphicFramePr>
         <p:xfrm>
-          <a:off x="1485390" y="1363500"/>
+          <a:off x="2113187" y="1363500"/>
           <a:ext cx="4590080" cy="2740500"/>
         </p:xfrm>
         <a:graphic>
@@ -22565,27 +24740,7 @@
                 <a:latin typeface="Times New Roman"/>
                 <a:ea typeface="DejaVu Sans"/>
               </a:rPr>
-              <a:t>Se presenta un descenso con respecto al mes anterior ya que se obtuvo la calificación mínima en una de las encuestas, el </a:t>
-            </a:r>
-            <a:r>
-              <a:rPr lang="es-MX" strike="noStrike" dirty="0">
-                <a:solidFill>
-                  <a:srgbClr val="000000"/>
-                </a:solidFill>
-                <a:latin typeface="Times New Roman"/>
-                <a:ea typeface="DejaVu Sans"/>
-              </a:rPr>
-              <a:t>promedio general de las encuestas se encuentra sobre </a:t>
-            </a:r>
-            <a:r>
-              <a:rPr lang="es-MX" strike="noStrike" dirty="0" smtClean="0">
-                <a:solidFill>
-                  <a:srgbClr val="000000"/>
-                </a:solidFill>
-                <a:latin typeface="Times New Roman"/>
-                <a:ea typeface="DejaVu Sans"/>
-              </a:rPr>
-              <a:t>92 pts.</a:t>
+              <a:t>Se recupera el nivel de satisfacción al 100 porciento en el mes de julio.</a:t>
             </a:r>
             <a:endParaRPr dirty="0"/>
           </a:p>
@@ -22731,7 +24886,7 @@
                   <a:srgbClr val="000000"/>
                 </a:solidFill>
               </a:rPr>
-              <a:t>Jun/16</a:t>
+              <a:t>Jul/16</a:t>
             </a:r>
             <a:endParaRPr lang="es-MX" dirty="0"/>
           </a:p>
@@ -22739,14 +24894,14 @@
       </p:sp>
       <p:graphicFrame>
         <p:nvGraphicFramePr>
-          <p:cNvPr id="10" name="Gráfico 9"/>
+          <p:cNvPr id="8" name="Gráfico 7"/>
           <p:cNvGraphicFramePr>
             <a:graphicFrameLocks/>
           </p:cNvGraphicFramePr>
           <p:nvPr>
             <p:extLst>
               <p:ext uri="{D42A27DB-BD31-4B8C-83A1-F6EECF244321}">
-                <p14:modId xmlns:p14="http://schemas.microsoft.com/office/powerpoint/2010/main" val="2798870675"/>
+                <p14:modId xmlns:p14="http://schemas.microsoft.com/office/powerpoint/2010/main" val="964558861"/>
               </p:ext>
             </p:extLst>
           </p:nvPr>
@@ -23103,14 +25258,14 @@
           <p:nvPr>
             <p:extLst>
               <p:ext uri="{D42A27DB-BD31-4B8C-83A1-F6EECF244321}">
-                <p14:modId xmlns:p14="http://schemas.microsoft.com/office/powerpoint/2010/main" val="381601231"/>
+                <p14:modId xmlns:p14="http://schemas.microsoft.com/office/powerpoint/2010/main" val="654246476"/>
               </p:ext>
             </p:extLst>
           </p:nvPr>
         </p:nvGraphicFramePr>
         <p:xfrm>
           <a:off x="1523880" y="1397160"/>
-          <a:ext cx="6095520" cy="3553680"/>
+          <a:ext cx="6095520" cy="3983520"/>
         </p:xfrm>
         <a:graphic>
           <a:graphicData uri="http://schemas.openxmlformats.org/drawingml/2006/table">
@@ -23623,6 +25778,68 @@
                   <a:tcPr/>
                 </a:tc>
               </a:tr>
+              <a:tr h="429840">
+                <a:tc>
+                  <a:txBody>
+                    <a:bodyPr/>
+                    <a:lstStyle/>
+                    <a:p>
+                      <a:r>
+                        <a:rPr lang="es-MX" sz="1400" dirty="0" smtClean="0">
+                          <a:latin typeface="+mn-lt"/>
+                        </a:rPr>
+                        <a:t>Venta</a:t>
+                      </a:r>
+                      <a:r>
+                        <a:rPr lang="es-MX" sz="1400" baseline="0" dirty="0" smtClean="0">
+                          <a:latin typeface="+mn-lt"/>
+                        </a:rPr>
+                        <a:t> Mensual Julio</a:t>
+                      </a:r>
+                      <a:endParaRPr sz="1400" dirty="0">
+                        <a:latin typeface="+mn-lt"/>
+                      </a:endParaRPr>
+                    </a:p>
+                  </a:txBody>
+                  <a:tcPr/>
+                </a:tc>
+                <a:tc>
+                  <a:txBody>
+                    <a:bodyPr/>
+                    <a:lstStyle/>
+                    <a:p>
+                      <a:r>
+                        <a:rPr lang="es-MX" sz="1400" dirty="0" smtClean="0">
+                          <a:latin typeface="+mn-lt"/>
+                        </a:rPr>
+                        <a:t>01/08/2016</a:t>
+                      </a:r>
+                      <a:endParaRPr sz="1400" dirty="0">
+                        <a:latin typeface="+mn-lt"/>
+                      </a:endParaRPr>
+                    </a:p>
+                  </a:txBody>
+                  <a:tcPr/>
+                </a:tc>
+                <a:tc>
+                  <a:txBody>
+                    <a:bodyPr/>
+                    <a:lstStyle/>
+                    <a:p>
+                      <a:r>
+                        <a:rPr lang="es-MX" sz="1400" dirty="0" smtClean="0">
+                          <a:latin typeface="+mn-lt"/>
+                        </a:rPr>
+                        <a:t>11/08/2016</a:t>
+                      </a:r>
+                      <a:endParaRPr sz="1400" dirty="0">
+                        <a:latin typeface="+mn-lt"/>
+                      </a:endParaRPr>
+                    </a:p>
+                  </a:txBody>
+                  <a:tcPr/>
+                </a:tc>
+              </a:tr>
             </a:tbl>
           </a:graphicData>
         </a:graphic>
@@ -23751,7 +25968,7 @@
         </p:nvSpPr>
         <p:spPr>
           <a:xfrm>
-            <a:off x="457200" y="5433471"/>
+            <a:off x="457200" y="5542655"/>
             <a:ext cx="8227800" cy="756360"/>
           </a:xfrm>
           <a:prstGeom prst="rect">
@@ -23831,7 +26048,7 @@
                 <a:latin typeface="Arial"/>
                 <a:ea typeface="DejaVu Sans"/>
               </a:rPr>
-              <a:t>junio</a:t>
+              <a:t>julio</a:t>
             </a:r>
             <a:r>
               <a:rPr lang="es-MX" sz="2200" strike="noStrike" dirty="0" smtClean="0">
@@ -23847,30 +26064,30 @@
           </a:p>
         </p:txBody>
       </p:sp>
-      <p:pic>
-        <p:nvPicPr>
-          <p:cNvPr id="2" name="Imagen 1"/>
-          <p:cNvPicPr>
-            <a:picLocks noChangeAspect="1"/>
-          </p:cNvPicPr>
-          <p:nvPr/>
-        </p:nvPicPr>
-        <p:blipFill>
-          <a:blip r:embed="rId2"/>
-          <a:stretch>
-            <a:fillRect/>
-          </a:stretch>
-        </p:blipFill>
-        <p:spPr>
-          <a:xfrm>
-            <a:off x="1624084" y="1229669"/>
-            <a:ext cx="5366963" cy="4004093"/>
-          </a:xfrm>
-          <a:prstGeom prst="rect">
-            <a:avLst/>
-          </a:prstGeom>
-        </p:spPr>
-      </p:pic>
+      <p:graphicFrame>
+        <p:nvGraphicFramePr>
+          <p:cNvPr id="6" name="Gráfico 5"/>
+          <p:cNvGraphicFramePr>
+            <a:graphicFrameLocks/>
+          </p:cNvGraphicFramePr>
+          <p:nvPr>
+            <p:extLst>
+              <p:ext uri="{D42A27DB-BD31-4B8C-83A1-F6EECF244321}">
+                <p14:modId xmlns:p14="http://schemas.microsoft.com/office/powerpoint/2010/main" val="3835358004"/>
+              </p:ext>
+            </p:extLst>
+          </p:nvPr>
+        </p:nvGraphicFramePr>
+        <p:xfrm>
+          <a:off x="457200" y="1132765"/>
+          <a:ext cx="8461612" cy="4580788"/>
+        </p:xfrm>
+        <a:graphic>
+          <a:graphicData uri="http://schemas.openxmlformats.org/drawingml/2006/chart">
+            <c:chart xmlns:c="http://schemas.openxmlformats.org/drawingml/2006/chart" xmlns:r="http://schemas.openxmlformats.org/officeDocument/2006/relationships" r:id="rId2"/>
+          </a:graphicData>
+        </a:graphic>
+      </p:graphicFrame>
     </p:spTree>
   </p:cSld>
   <p:clrMapOvr>
@@ -23992,7 +26209,15 @@
                   <a:srgbClr val="000000"/>
                 </a:solidFill>
               </a:rPr>
-              <a:t>Jun, 16</a:t>
+              <a:t>Jul, </a:t>
+            </a:r>
+            <a:r>
+              <a:rPr lang="es-MX" dirty="0" smtClean="0">
+                <a:solidFill>
+                  <a:srgbClr val="000000"/>
+                </a:solidFill>
+              </a:rPr>
+              <a:t>16</a:t>
             </a:r>
           </a:p>
         </p:txBody>
@@ -24005,7 +26230,7 @@
         </p:nvSpPr>
         <p:spPr>
           <a:xfrm>
-            <a:off x="720000" y="5249445"/>
+            <a:off x="720000" y="5522405"/>
             <a:ext cx="7965000" cy="972360"/>
           </a:xfrm>
           <a:prstGeom prst="rect">
@@ -24055,87 +26280,7 @@
                 <a:latin typeface="Arial"/>
                 <a:ea typeface="DejaVu Sans"/>
               </a:rPr>
-              <a:t>Solo una de las </a:t>
-            </a:r>
-            <a:r>
-              <a:rPr lang="es-MX" sz="2200" strike="noStrike" dirty="0">
-                <a:solidFill>
-                  <a:srgbClr val="000000"/>
-                </a:solidFill>
-                <a:latin typeface="Arial"/>
-                <a:ea typeface="DejaVu Sans"/>
-              </a:rPr>
-              <a:t>actividades del mes </a:t>
-            </a:r>
-            <a:r>
-              <a:rPr lang="es-MX" sz="2200" strike="noStrike" dirty="0" smtClean="0">
-                <a:solidFill>
-                  <a:srgbClr val="000000"/>
-                </a:solidFill>
-                <a:latin typeface="Arial"/>
-                <a:ea typeface="DejaVu Sans"/>
-              </a:rPr>
-              <a:t>fue realizada </a:t>
-            </a:r>
-            <a:r>
-              <a:rPr lang="es-MX" sz="2200" dirty="0" smtClean="0">
-                <a:solidFill>
-                  <a:srgbClr val="000000"/>
-                </a:solidFill>
-                <a:latin typeface="Arial"/>
-                <a:ea typeface="DejaVu Sans"/>
-              </a:rPr>
-              <a:t>a </a:t>
-            </a:r>
-            <a:r>
-              <a:rPr lang="es-MX" sz="2200" strike="noStrike" dirty="0" smtClean="0">
-                <a:solidFill>
-                  <a:srgbClr val="000000"/>
-                </a:solidFill>
-                <a:latin typeface="Arial"/>
-                <a:ea typeface="DejaVu Sans"/>
-              </a:rPr>
-              <a:t>tiempo, se </a:t>
-            </a:r>
-            <a:r>
-              <a:rPr lang="es-MX" sz="2200" strike="noStrike" dirty="0">
-                <a:solidFill>
-                  <a:srgbClr val="000000"/>
-                </a:solidFill>
-                <a:latin typeface="Arial"/>
-                <a:ea typeface="DejaVu Sans"/>
-              </a:rPr>
-              <a:t>espera </a:t>
-            </a:r>
-            <a:r>
-              <a:rPr lang="es-MX" sz="2200" strike="noStrike" dirty="0" smtClean="0">
-                <a:solidFill>
-                  <a:srgbClr val="000000"/>
-                </a:solidFill>
-                <a:latin typeface="Arial"/>
-                <a:ea typeface="DejaVu Sans"/>
-              </a:rPr>
-              <a:t>una mejora </a:t>
-            </a:r>
-            <a:r>
-              <a:rPr lang="es-MX" sz="2200" strike="noStrike" dirty="0">
-                <a:solidFill>
-                  <a:srgbClr val="000000"/>
-                </a:solidFill>
-                <a:latin typeface="Arial"/>
-                <a:ea typeface="DejaVu Sans"/>
-              </a:rPr>
-              <a:t>en esta área en futuros </a:t>
-            </a:r>
-            <a:r>
-              <a:rPr lang="es-MX" sz="2200" strike="noStrike" dirty="0" smtClean="0">
-                <a:solidFill>
-                  <a:srgbClr val="000000"/>
-                </a:solidFill>
-                <a:latin typeface="Arial"/>
-                <a:ea typeface="DejaVu Sans"/>
-              </a:rPr>
-              <a:t>análisis.</a:t>
+              <a:t>Se nota un aumento en el cumplimiento en el área de compras pero bajo. En otras se mantiene el mismo incumplimiento.</a:t>
             </a:r>
             <a:endParaRPr dirty="0"/>
           </a:p>
@@ -24143,20 +26288,20 @@
       </p:sp>
       <p:graphicFrame>
         <p:nvGraphicFramePr>
-          <p:cNvPr id="8" name="Gráfico 7"/>
+          <p:cNvPr id="7" name="Gráfico 6"/>
           <p:cNvGraphicFramePr>
             <a:graphicFrameLocks/>
           </p:cNvGraphicFramePr>
           <p:nvPr>
             <p:extLst>
               <p:ext uri="{D42A27DB-BD31-4B8C-83A1-F6EECF244321}">
-                <p14:modId xmlns:p14="http://schemas.microsoft.com/office/powerpoint/2010/main" val="1497868881"/>
+                <p14:modId xmlns:p14="http://schemas.microsoft.com/office/powerpoint/2010/main" val="4064970400"/>
               </p:ext>
             </p:extLst>
           </p:nvPr>
         </p:nvGraphicFramePr>
         <p:xfrm>
-          <a:off x="127095" y="2630607"/>
+          <a:off x="109182" y="2634018"/>
           <a:ext cx="4686300" cy="2743200"/>
         </p:xfrm>
         <a:graphic>
@@ -24167,20 +26312,20 @@
       </p:graphicFrame>
       <p:graphicFrame>
         <p:nvGraphicFramePr>
-          <p:cNvPr id="9" name="Gráfico 8"/>
+          <p:cNvPr id="10" name="Gráfico 9"/>
           <p:cNvGraphicFramePr>
             <a:graphicFrameLocks/>
           </p:cNvGraphicFramePr>
           <p:nvPr>
             <p:extLst>
               <p:ext uri="{D42A27DB-BD31-4B8C-83A1-F6EECF244321}">
-                <p14:modId xmlns:p14="http://schemas.microsoft.com/office/powerpoint/2010/main" val="3603868770"/>
+                <p14:modId xmlns:p14="http://schemas.microsoft.com/office/powerpoint/2010/main" val="686345676"/>
               </p:ext>
             </p:extLst>
           </p:nvPr>
         </p:nvGraphicFramePr>
         <p:xfrm>
-          <a:off x="4883150" y="2616958"/>
+          <a:off x="4787615" y="2644254"/>
           <a:ext cx="4260850" cy="2743200"/>
         </p:xfrm>
         <a:graphic>
@@ -24191,7 +26336,7 @@
       </p:graphicFrame>
       <p:pic>
         <p:nvPicPr>
-          <p:cNvPr id="2" name="Imagen 1"/>
+          <p:cNvPr id="3" name="Imagen 2"/>
           <p:cNvPicPr>
             <a:picLocks noChangeAspect="1"/>
           </p:cNvPicPr>
@@ -24205,8 +26350,8 @@
         </p:blipFill>
         <p:spPr>
           <a:xfrm>
-            <a:off x="1174443" y="1329067"/>
-            <a:ext cx="7050381" cy="1195769"/>
+            <a:off x="1184321" y="1416960"/>
+            <a:ext cx="6773558" cy="1148819"/>
           </a:xfrm>
           <a:prstGeom prst="rect">
             <a:avLst/>
@@ -24336,7 +26481,7 @@
                   <a:srgbClr val="000000"/>
                 </a:solidFill>
               </a:rPr>
-              <a:t>Jun/16</a:t>
+              <a:t>Jul/16</a:t>
             </a:r>
             <a:endParaRPr lang="es-MX" dirty="0"/>
           </a:p>
@@ -24353,8 +26498,8 @@
         </p:nvSpPr>
         <p:spPr>
           <a:xfrm>
-            <a:off x="6114197" y="2160000"/>
-            <a:ext cx="2452363" cy="2648520"/>
+            <a:off x="5022377" y="1668681"/>
+            <a:ext cx="2848148" cy="2648520"/>
           </a:xfrm>
           <a:prstGeom prst="rect">
             <a:avLst/>
@@ -24388,7 +26533,7 @@
                 <a:latin typeface="Arial"/>
                 <a:ea typeface="DejaVu Sans"/>
               </a:rPr>
-              <a:t>Análisis: se recomienda poner atención en las áreas de ventas y </a:t>
+              <a:t>Análisis</a:t>
             </a:r>
             <a:r>
               <a:rPr lang="es-MX" strike="noStrike" dirty="0" smtClean="0">
@@ -24398,55 +26543,57 @@
                 <a:latin typeface="Arial"/>
                 <a:ea typeface="DejaVu Sans"/>
               </a:rPr>
-              <a:t>compras ya que son actividades mensuales, las </a:t>
+              <a:t>: Se obtiene un 100 porciento en las áreas excluyendo compras que logro un 50 porciento.</a:t>
             </a:r>
-            <a:r>
-              <a:rPr lang="es-MX" strike="noStrike" dirty="0">
-                <a:solidFill>
-                  <a:srgbClr val="000000"/>
-                </a:solidFill>
-                <a:latin typeface="Arial"/>
-                <a:ea typeface="DejaVu Sans"/>
-              </a:rPr>
-              <a:t>cuales tienen un apego </a:t>
-            </a:r>
-            <a:r>
-              <a:rPr lang="es-MX" strike="noStrike" dirty="0" smtClean="0">
-                <a:solidFill>
-                  <a:srgbClr val="000000"/>
-                </a:solidFill>
-                <a:latin typeface="Arial"/>
-                <a:ea typeface="DejaVu Sans"/>
-              </a:rPr>
-              <a:t>bajo.</a:t>
-            </a:r>
-          </a:p>
-          <a:p>
             <a:endParaRPr dirty="0"/>
           </a:p>
         </p:txBody>
       </p:sp>
       <p:graphicFrame>
         <p:nvGraphicFramePr>
-          <p:cNvPr id="6" name="Gráfico 5"/>
+          <p:cNvPr id="8" name="Gráfico 7"/>
           <p:cNvGraphicFramePr>
             <a:graphicFrameLocks/>
           </p:cNvGraphicFramePr>
           <p:nvPr>
             <p:extLst>
               <p:ext uri="{D42A27DB-BD31-4B8C-83A1-F6EECF244321}">
-                <p14:modId xmlns:p14="http://schemas.microsoft.com/office/powerpoint/2010/main" val="3343505160"/>
+                <p14:modId xmlns:p14="http://schemas.microsoft.com/office/powerpoint/2010/main" val="3207184153"/>
               </p:ext>
             </p:extLst>
           </p:nvPr>
         </p:nvGraphicFramePr>
         <p:xfrm>
-          <a:off x="1325667" y="1572039"/>
+          <a:off x="4572000" y="3814097"/>
+          <a:ext cx="4572000" cy="2743200"/>
+        </p:xfrm>
+        <a:graphic>
+          <a:graphicData uri="http://schemas.openxmlformats.org/drawingml/2006/chart">
+            <c:chart xmlns:c="http://schemas.openxmlformats.org/drawingml/2006/chart" xmlns:r="http://schemas.openxmlformats.org/officeDocument/2006/relationships" r:id="rId2"/>
+          </a:graphicData>
+        </a:graphic>
+      </p:graphicFrame>
+      <p:graphicFrame>
+        <p:nvGraphicFramePr>
+          <p:cNvPr id="9" name="Gráfico 8"/>
+          <p:cNvGraphicFramePr>
+            <a:graphicFrameLocks/>
+          </p:cNvGraphicFramePr>
+          <p:nvPr>
+            <p:extLst>
+              <p:ext uri="{D42A27DB-BD31-4B8C-83A1-F6EECF244321}">
+                <p14:modId xmlns:p14="http://schemas.microsoft.com/office/powerpoint/2010/main" val="1117142150"/>
+              </p:ext>
+            </p:extLst>
+          </p:nvPr>
+        </p:nvGraphicFramePr>
+        <p:xfrm>
+          <a:off x="274789" y="1668681"/>
           <a:ext cx="4336320" cy="3604740"/>
         </p:xfrm>
         <a:graphic>
           <a:graphicData uri="http://schemas.openxmlformats.org/drawingml/2006/chart">
-            <c:chart xmlns:c="http://schemas.openxmlformats.org/drawingml/2006/chart" xmlns:r="http://schemas.openxmlformats.org/officeDocument/2006/relationships" r:id="rId2"/>
+            <c:chart xmlns:c="http://schemas.openxmlformats.org/drawingml/2006/chart" xmlns:r="http://schemas.openxmlformats.org/officeDocument/2006/relationships" r:id="rId3"/>
           </a:graphicData>
         </a:graphic>
       </p:graphicFrame>
@@ -24558,7 +26705,7 @@
       </p:sp>
       <p:pic>
         <p:nvPicPr>
-          <p:cNvPr id="2" name="Imagen 1"/>
+          <p:cNvPr id="3" name="Imagen 2"/>
           <p:cNvPicPr>
             <a:picLocks noChangeAspect="1"/>
           </p:cNvPicPr>
@@ -24572,8 +26719,8 @@
         </p:blipFill>
         <p:spPr>
           <a:xfrm>
-            <a:off x="457199" y="1311615"/>
-            <a:ext cx="8304401" cy="3833591"/>
+            <a:off x="726263" y="1776710"/>
+            <a:ext cx="7685714" cy="2485714"/>
           </a:xfrm>
           <a:prstGeom prst="rect">
             <a:avLst/>
@@ -25145,7 +27292,7 @@
       </p:sp>
       <p:pic>
         <p:nvPicPr>
-          <p:cNvPr id="2" name="Imagen 1"/>
+          <p:cNvPr id="3" name="Imagen 2"/>
           <p:cNvPicPr>
             <a:picLocks noChangeAspect="1"/>
           </p:cNvPicPr>
@@ -25159,8 +27306,8 @@
         </p:blipFill>
         <p:spPr>
           <a:xfrm>
-            <a:off x="238834" y="1236870"/>
-            <a:ext cx="8228571" cy="1342857"/>
+            <a:off x="107634" y="1094013"/>
+            <a:ext cx="8367626" cy="1512572"/>
           </a:xfrm>
           <a:prstGeom prst="rect">
             <a:avLst/>
@@ -25169,20 +27316,20 @@
       </p:pic>
       <p:graphicFrame>
         <p:nvGraphicFramePr>
-          <p:cNvPr id="9" name="Gráfico 8"/>
+          <p:cNvPr id="10" name="Gráfico 9"/>
           <p:cNvGraphicFramePr>
             <a:graphicFrameLocks/>
           </p:cNvGraphicFramePr>
           <p:nvPr>
             <p:extLst>
               <p:ext uri="{D42A27DB-BD31-4B8C-83A1-F6EECF244321}">
-                <p14:modId xmlns:p14="http://schemas.microsoft.com/office/powerpoint/2010/main" val="3003673085"/>
+                <p14:modId xmlns:p14="http://schemas.microsoft.com/office/powerpoint/2010/main" val="2530611702"/>
               </p:ext>
             </p:extLst>
           </p:nvPr>
         </p:nvGraphicFramePr>
         <p:xfrm>
-          <a:off x="685694" y="2889426"/>
+          <a:off x="617455" y="2934877"/>
           <a:ext cx="4988470" cy="2924520"/>
         </p:xfrm>
         <a:graphic>
@@ -25309,14 +27456,14 @@
       </p:sp>
       <p:graphicFrame>
         <p:nvGraphicFramePr>
-          <p:cNvPr id="5" name="Gráfico 4"/>
+          <p:cNvPr id="4" name="Gráfico 3"/>
           <p:cNvGraphicFramePr>
             <a:graphicFrameLocks/>
           </p:cNvGraphicFramePr>
           <p:nvPr>
             <p:extLst>
               <p:ext uri="{D42A27DB-BD31-4B8C-83A1-F6EECF244321}">
-                <p14:modId xmlns:p14="http://schemas.microsoft.com/office/powerpoint/2010/main" val="2887787273"/>
+                <p14:modId xmlns:p14="http://schemas.microsoft.com/office/powerpoint/2010/main" val="3436012329"/>
               </p:ext>
             </p:extLst>
           </p:nvPr>
@@ -25477,8 +27624,8 @@
         </p:nvSpPr>
         <p:spPr>
           <a:xfrm>
-            <a:off x="6646460" y="1192202"/>
-            <a:ext cx="2312107" cy="1902931"/>
+            <a:off x="6387152" y="1192202"/>
+            <a:ext cx="2571415" cy="1902931"/>
           </a:xfrm>
           <a:prstGeom prst="rect">
             <a:avLst/>
@@ -25537,7 +27684,17 @@
                 <a:latin typeface="Times New Roman"/>
                 <a:ea typeface="DejaVu Sans"/>
               </a:rPr>
-              <a:t>El esfuerzo del área de ventas se encuentra arriba del 50 porciento lo cual representa un nivel bajo en ventas. </a:t>
+              <a:t>El esfuerzo del área de ventas </a:t>
+            </a:r>
+            <a:r>
+              <a:rPr lang="es-MX" strike="noStrike" dirty="0" smtClean="0">
+                <a:solidFill>
+                  <a:srgbClr val="000000"/>
+                </a:solidFill>
+                <a:latin typeface="Times New Roman"/>
+                <a:ea typeface="DejaVu Sans"/>
+              </a:rPr>
+              <a:t>supero en 1 lo planeado lo que representa un aumento con respecto a meses anteriores.</a:t>
             </a:r>
             <a:endParaRPr dirty="0"/>
           </a:p>
@@ -25545,7 +27702,7 @@
       </p:sp>
       <p:pic>
         <p:nvPicPr>
-          <p:cNvPr id="2" name="Imagen 1"/>
+          <p:cNvPr id="3" name="Imagen 2"/>
           <p:cNvPicPr>
             <a:picLocks noChangeAspect="1"/>
           </p:cNvPicPr>
@@ -25559,8 +27716,8 @@
         </p:blipFill>
         <p:spPr>
           <a:xfrm>
-            <a:off x="177513" y="1192202"/>
-            <a:ext cx="6298469" cy="1755714"/>
+            <a:off x="177512" y="1192202"/>
+            <a:ext cx="5814657" cy="1783010"/>
           </a:xfrm>
           <a:prstGeom prst="rect">
             <a:avLst/>
@@ -25569,20 +27726,20 @@
       </p:pic>
       <p:graphicFrame>
         <p:nvGraphicFramePr>
-          <p:cNvPr id="10" name="Gráfico 9"/>
+          <p:cNvPr id="9" name="Gráfico 8"/>
           <p:cNvGraphicFramePr>
             <a:graphicFrameLocks/>
           </p:cNvGraphicFramePr>
           <p:nvPr>
             <p:extLst>
               <p:ext uri="{D42A27DB-BD31-4B8C-83A1-F6EECF244321}">
-                <p14:modId xmlns:p14="http://schemas.microsoft.com/office/powerpoint/2010/main" val="2094921277"/>
+                <p14:modId xmlns:p14="http://schemas.microsoft.com/office/powerpoint/2010/main" val="3955762338"/>
               </p:ext>
             </p:extLst>
           </p:nvPr>
         </p:nvGraphicFramePr>
         <p:xfrm>
-          <a:off x="177513" y="3095133"/>
+          <a:off x="177512" y="3095133"/>
           <a:ext cx="4319240" cy="3516840"/>
         </p:xfrm>
         <a:graphic>
@@ -25593,14 +27750,14 @@
       </p:graphicFrame>
       <p:graphicFrame>
         <p:nvGraphicFramePr>
-          <p:cNvPr id="11" name="Gráfico 10"/>
+          <p:cNvPr id="12" name="Gráfico 11"/>
           <p:cNvGraphicFramePr>
             <a:graphicFrameLocks/>
           </p:cNvGraphicFramePr>
           <p:nvPr>
             <p:extLst>
               <p:ext uri="{D42A27DB-BD31-4B8C-83A1-F6EECF244321}">
-                <p14:modId xmlns:p14="http://schemas.microsoft.com/office/powerpoint/2010/main" val="1991821772"/>
+                <p14:modId xmlns:p14="http://schemas.microsoft.com/office/powerpoint/2010/main" val="2132397627"/>
               </p:ext>
             </p:extLst>
           </p:nvPr>
@@ -25726,54 +27883,6 @@
           </a:p>
         </p:txBody>
       </p:sp>
-      <p:graphicFrame>
-        <p:nvGraphicFramePr>
-          <p:cNvPr id="4" name="Gráfico 3"/>
-          <p:cNvGraphicFramePr>
-            <a:graphicFrameLocks/>
-          </p:cNvGraphicFramePr>
-          <p:nvPr>
-            <p:extLst>
-              <p:ext uri="{D42A27DB-BD31-4B8C-83A1-F6EECF244321}">
-                <p14:modId xmlns:p14="http://schemas.microsoft.com/office/powerpoint/2010/main" val="2777644932"/>
-              </p:ext>
-            </p:extLst>
-          </p:nvPr>
-        </p:nvGraphicFramePr>
-        <p:xfrm>
-          <a:off x="246090" y="2304615"/>
-          <a:ext cx="4242040" cy="3531660"/>
-        </p:xfrm>
-        <a:graphic>
-          <a:graphicData uri="http://schemas.openxmlformats.org/drawingml/2006/chart">
-            <c:chart xmlns:c="http://schemas.openxmlformats.org/drawingml/2006/chart" xmlns:r="http://schemas.openxmlformats.org/officeDocument/2006/relationships" r:id="rId2"/>
-          </a:graphicData>
-        </a:graphic>
-      </p:graphicFrame>
-      <p:graphicFrame>
-        <p:nvGraphicFramePr>
-          <p:cNvPr id="7" name="Gráfico 6"/>
-          <p:cNvGraphicFramePr>
-            <a:graphicFrameLocks/>
-          </p:cNvGraphicFramePr>
-          <p:nvPr>
-            <p:extLst>
-              <p:ext uri="{D42A27DB-BD31-4B8C-83A1-F6EECF244321}">
-                <p14:modId xmlns:p14="http://schemas.microsoft.com/office/powerpoint/2010/main" val="2029729197"/>
-              </p:ext>
-            </p:extLst>
-          </p:nvPr>
-        </p:nvGraphicFramePr>
-        <p:xfrm>
-          <a:off x="4650482" y="2320775"/>
-          <a:ext cx="4308085" cy="3499340"/>
-        </p:xfrm>
-        <a:graphic>
-          <a:graphicData uri="http://schemas.openxmlformats.org/drawingml/2006/chart">
-            <c:chart xmlns:c="http://schemas.openxmlformats.org/drawingml/2006/chart" xmlns:r="http://schemas.openxmlformats.org/officeDocument/2006/relationships" r:id="rId3"/>
-          </a:graphicData>
-        </a:graphic>
-      </p:graphicFrame>
       <p:sp>
         <p:nvSpPr>
           <p:cNvPr id="8" name="CustomShape 3"/>
@@ -25845,14 +27954,14 @@
               <a:t>El esfuerzo del área de soporte se encuentra </a:t>
             </a:r>
             <a:r>
-              <a:rPr lang="es-MX" dirty="0" smtClean="0">
+              <a:rPr lang="es-MX" strike="noStrike" dirty="0" smtClean="0">
                 <a:solidFill>
                   <a:srgbClr val="000000"/>
                 </a:solidFill>
                 <a:latin typeface="Times New Roman"/>
                 <a:ea typeface="DejaVu Sans"/>
               </a:rPr>
-              <a:t>en el </a:t>
+              <a:t>por encima del 47 </a:t>
             </a:r>
             <a:r>
               <a:rPr lang="es-MX" strike="noStrike" dirty="0" smtClean="0">
@@ -25862,12 +27971,70 @@
                 <a:latin typeface="Times New Roman"/>
                 <a:ea typeface="DejaVu Sans"/>
               </a:rPr>
-              <a:t>13 porciento lo cual representa un nivel alto, aun cuando se nota un ligereo descenso con respecto al mes de mayo.</a:t>
+              <a:t>porciento lo cual representa un nivel </a:t>
+            </a:r>
+            <a:r>
+              <a:rPr lang="es-MX" strike="noStrike" dirty="0" smtClean="0">
+                <a:solidFill>
+                  <a:srgbClr val="000000"/>
+                </a:solidFill>
+                <a:latin typeface="Times New Roman"/>
+                <a:ea typeface="DejaVu Sans"/>
+              </a:rPr>
+              <a:t>alto.</a:t>
             </a:r>
             <a:endParaRPr dirty="0"/>
           </a:p>
         </p:txBody>
       </p:sp>
+      <p:graphicFrame>
+        <p:nvGraphicFramePr>
+          <p:cNvPr id="6" name="Gráfico 5"/>
+          <p:cNvGraphicFramePr>
+            <a:graphicFrameLocks/>
+          </p:cNvGraphicFramePr>
+          <p:nvPr>
+            <p:extLst>
+              <p:ext uri="{D42A27DB-BD31-4B8C-83A1-F6EECF244321}">
+                <p14:modId xmlns:p14="http://schemas.microsoft.com/office/powerpoint/2010/main" val="2340539679"/>
+              </p:ext>
+            </p:extLst>
+          </p:nvPr>
+        </p:nvGraphicFramePr>
+        <p:xfrm>
+          <a:off x="246090" y="2400149"/>
+          <a:ext cx="4242040" cy="3531660"/>
+        </p:xfrm>
+        <a:graphic>
+          <a:graphicData uri="http://schemas.openxmlformats.org/drawingml/2006/chart">
+            <c:chart xmlns:c="http://schemas.openxmlformats.org/drawingml/2006/chart" xmlns:r="http://schemas.openxmlformats.org/officeDocument/2006/relationships" r:id="rId2"/>
+          </a:graphicData>
+        </a:graphic>
+      </p:graphicFrame>
+      <p:graphicFrame>
+        <p:nvGraphicFramePr>
+          <p:cNvPr id="9" name="Gráfico 8"/>
+          <p:cNvGraphicFramePr>
+            <a:graphicFrameLocks/>
+          </p:cNvGraphicFramePr>
+          <p:nvPr>
+            <p:extLst>
+              <p:ext uri="{D42A27DB-BD31-4B8C-83A1-F6EECF244321}">
+                <p14:modId xmlns:p14="http://schemas.microsoft.com/office/powerpoint/2010/main" val="418003848"/>
+              </p:ext>
+            </p:extLst>
+          </p:nvPr>
+        </p:nvGraphicFramePr>
+        <p:xfrm>
+          <a:off x="4650482" y="2389014"/>
+          <a:ext cx="4308085" cy="3499340"/>
+        </p:xfrm>
+        <a:graphic>
+          <a:graphicData uri="http://schemas.openxmlformats.org/drawingml/2006/chart">
+            <c:chart xmlns:c="http://schemas.openxmlformats.org/drawingml/2006/chart" xmlns:r="http://schemas.openxmlformats.org/officeDocument/2006/relationships" r:id="rId3"/>
+          </a:graphicData>
+        </a:graphic>
+      </p:graphicFrame>
     </p:spTree>
   </p:cSld>
   <p:clrMapOvr>
@@ -25964,17 +28131,7 @@
                 <a:latin typeface="Calibri"/>
                 <a:ea typeface="DejaVu Sans"/>
               </a:rPr>
-              <a:t>Auditorías </a:t>
-            </a:r>
-            <a:r>
-              <a:rPr lang="es-MX" sz="4400" strike="noStrike" dirty="0" smtClean="0">
-                <a:solidFill>
-                  <a:srgbClr val="000000"/>
-                </a:solidFill>
-                <a:latin typeface="Calibri"/>
-                <a:ea typeface="DejaVu Sans"/>
-              </a:rPr>
-              <a:t>físicas</a:t>
+              <a:t>Auditorías físicas</a:t>
             </a:r>
           </a:p>
           <a:p>
@@ -26097,7 +28254,37 @@
                 <a:latin typeface="Times New Roman"/>
                 <a:ea typeface="DejaVu Sans"/>
               </a:rPr>
-              <a:t>del mes de junio muestran resultados positivos.</a:t>
+              <a:t>del mes de </a:t>
+            </a:r>
+            <a:r>
+              <a:rPr lang="es-MX" strike="noStrike" dirty="0" smtClean="0">
+                <a:solidFill>
+                  <a:srgbClr val="000000"/>
+                </a:solidFill>
+                <a:latin typeface="Times New Roman"/>
+                <a:ea typeface="DejaVu Sans"/>
+              </a:rPr>
+              <a:t>julio </a:t>
+            </a:r>
+            <a:r>
+              <a:rPr lang="es-MX" strike="noStrike" dirty="0" smtClean="0">
+                <a:solidFill>
+                  <a:srgbClr val="000000"/>
+                </a:solidFill>
+                <a:latin typeface="Times New Roman"/>
+                <a:ea typeface="DejaVu Sans"/>
+              </a:rPr>
+              <a:t>muestran resultados </a:t>
+            </a:r>
+            <a:r>
+              <a:rPr lang="es-MX" dirty="0" smtClean="0">
+                <a:solidFill>
+                  <a:srgbClr val="000000"/>
+                </a:solidFill>
+                <a:latin typeface="Times New Roman"/>
+                <a:ea typeface="DejaVu Sans"/>
+              </a:rPr>
+              <a:t>del 100 porciento.</a:t>
             </a:r>
             <a:endParaRPr dirty="0"/>
           </a:p>
@@ -26113,20 +28300,20 @@
       </p:sp>
       <p:graphicFrame>
         <p:nvGraphicFramePr>
-          <p:cNvPr id="13" name="Gráfico 12"/>
+          <p:cNvPr id="6" name="Gráfico 5"/>
           <p:cNvGraphicFramePr>
             <a:graphicFrameLocks/>
           </p:cNvGraphicFramePr>
           <p:nvPr>
             <p:extLst>
               <p:ext uri="{D42A27DB-BD31-4B8C-83A1-F6EECF244321}">
-                <p14:modId xmlns:p14="http://schemas.microsoft.com/office/powerpoint/2010/main" val="3483648824"/>
+                <p14:modId xmlns:p14="http://schemas.microsoft.com/office/powerpoint/2010/main" val="226701100"/>
               </p:ext>
             </p:extLst>
           </p:nvPr>
         </p:nvGraphicFramePr>
         <p:xfrm>
-          <a:off x="702860" y="2166581"/>
+          <a:off x="777923" y="2098343"/>
           <a:ext cx="4572000" cy="2743200"/>
         </p:xfrm>
         <a:graphic>
@@ -26274,8 +28461,13 @@
                   <a:srgbClr val="000000"/>
                 </a:solidFill>
               </a:rPr>
-              <a:t>Jun/16</a:t>
+              <a:t>Jul/16</a:t>
             </a:r>
+            <a:endParaRPr lang="es-MX" dirty="0" smtClean="0">
+              <a:solidFill>
+                <a:srgbClr val="000000"/>
+              </a:solidFill>
+            </a:endParaRPr>
           </a:p>
           <a:p>
             <a:pPr algn="ctr">
@@ -26289,20 +28481,20 @@
       </p:sp>
       <p:graphicFrame>
         <p:nvGraphicFramePr>
-          <p:cNvPr id="7" name="Gráfico 6"/>
+          <p:cNvPr id="6" name="Gráfico 5"/>
           <p:cNvGraphicFramePr>
             <a:graphicFrameLocks/>
           </p:cNvGraphicFramePr>
           <p:nvPr>
             <p:extLst>
               <p:ext uri="{D42A27DB-BD31-4B8C-83A1-F6EECF244321}">
-                <p14:modId xmlns:p14="http://schemas.microsoft.com/office/powerpoint/2010/main" val="2464960650"/>
+                <p14:modId xmlns:p14="http://schemas.microsoft.com/office/powerpoint/2010/main" val="354955238"/>
               </p:ext>
             </p:extLst>
           </p:nvPr>
         </p:nvGraphicFramePr>
         <p:xfrm>
-          <a:off x="285496" y="1409760"/>
+          <a:off x="457200" y="1331898"/>
           <a:ext cx="4233020" cy="3238860"/>
         </p:xfrm>
         <a:graphic>

--- a/Proyectos/2016/Métricas y monitoreo/Reporte_monitoreo_2016.pptx
+++ b/Proyectos/2016/Métricas y monitoreo/Reporte_monitoreo_2016.pptx
@@ -172,7 +172,7 @@
             </a:pPr>
             <a:r>
               <a:rPr lang="es-MX"/>
-              <a:t>ENE-JUL, 16</a:t>
+              <a:t>ENE-AGO, 16</a:t>
             </a:r>
           </a:p>
         </c:rich>
@@ -210,28 +210,6 @@
             </a:ln>
           </c:spPr>
           <c:invertIfNegative val="1"/>
-          <c:dLbls>
-            <c:spPr>
-              <a:noFill/>
-              <a:ln>
-                <a:noFill/>
-              </a:ln>
-              <a:effectLst/>
-            </c:spPr>
-            <c:dLblPos val="ctr"/>
-            <c:showLegendKey val="0"/>
-            <c:showVal val="0"/>
-            <c:showCatName val="0"/>
-            <c:showSerName val="0"/>
-            <c:showPercent val="0"/>
-            <c:showBubbleSize val="1"/>
-            <c:showLeaderLines val="0"/>
-            <c:extLst>
-              <c:ext xmlns:c15="http://schemas.microsoft.com/office/drawing/2012/chart" uri="{CE6537A1-D6FC-4f65-9D91-7224C49458BB}">
-                <c15:showLeaderLines val="0"/>
-              </c:ext>
-            </c:extLst>
-          </c:dLbls>
           <c:cat>
             <c:strRef>
               <c:f>'Desviacion de costos'!$B$7:$B$18</c:f>
@@ -304,7 +282,7 @@
                   <c:v>154239.88</c:v>
                 </c:pt>
                 <c:pt idx="7">
-                  <c:v>0</c:v>
+                  <c:v>154239.88</c:v>
                 </c:pt>
                 <c:pt idx="8">
                   <c:v>0</c:v>
@@ -359,28 +337,6 @@
             </a:ln>
           </c:spPr>
           <c:invertIfNegative val="1"/>
-          <c:dLbls>
-            <c:spPr>
-              <a:noFill/>
-              <a:ln>
-                <a:noFill/>
-              </a:ln>
-              <a:effectLst/>
-            </c:spPr>
-            <c:dLblPos val="ctr"/>
-            <c:showLegendKey val="0"/>
-            <c:showVal val="0"/>
-            <c:showCatName val="0"/>
-            <c:showSerName val="0"/>
-            <c:showPercent val="0"/>
-            <c:showBubbleSize val="1"/>
-            <c:showLeaderLines val="0"/>
-            <c:extLst>
-              <c:ext xmlns:c15="http://schemas.microsoft.com/office/drawing/2012/chart" uri="{CE6537A1-D6FC-4f65-9D91-7224C49458BB}">
-                <c15:showLeaderLines val="0"/>
-              </c:ext>
-            </c:extLst>
-          </c:dLbls>
           <c:cat>
             <c:strRef>
               <c:f>'Desviacion de costos'!$B$7:$B$18</c:f>
@@ -453,7 +409,7 @@
                   <c:v>104383.91</c:v>
                 </c:pt>
                 <c:pt idx="7" formatCode="#,##0.00">
-                  <c:v>0</c:v>
+                  <c:v>102436.16</c:v>
                 </c:pt>
                 <c:pt idx="8" formatCode="#,##0.00">
                   <c:v>0</c:v>
@@ -495,11 +451,11 @@
         </c:dLbls>
         <c:gapWidth val="219"/>
         <c:overlap val="-27"/>
-        <c:axId val="399432864"/>
-        <c:axId val="399434040"/>
+        <c:axId val="364171368"/>
+        <c:axId val="364175680"/>
       </c:barChart>
       <c:catAx>
-        <c:axId val="399432864"/>
+        <c:axId val="364171368"/>
         <c:scaling>
           <c:orientation val="minMax"/>
         </c:scaling>
@@ -517,7 +473,7 @@
             <a:round/>
           </a:ln>
         </c:spPr>
-        <c:crossAx val="399434040"/>
+        <c:crossAx val="364175680"/>
         <c:crosses val="autoZero"/>
         <c:auto val="1"/>
         <c:lblAlgn val="ctr"/>
@@ -525,7 +481,7 @@
         <c:noMultiLvlLbl val="1"/>
       </c:catAx>
       <c:valAx>
-        <c:axId val="399434040"/>
+        <c:axId val="364175680"/>
         <c:scaling>
           <c:orientation val="minMax"/>
         </c:scaling>
@@ -550,7 +506,7 @@
             <a:noFill/>
           </a:ln>
         </c:spPr>
-        <c:crossAx val="399432864"/>
+        <c:crossAx val="364171368"/>
         <c:crosses val="autoZero"/>
         <c:crossBetween val="between"/>
       </c:valAx>
@@ -650,11 +606,11 @@
           <c:order val="0"/>
           <c:tx>
             <c:strRef>
-              <c:f>Funcional!$C$11</c:f>
+              <c:f>Funcional!$C$12</c:f>
               <c:strCache>
                 <c:ptCount val="1"/>
                 <c:pt idx="0">
-                  <c:v>Julio</c:v>
+                  <c:v>Agosto</c:v>
                 </c:pt>
               </c:strCache>
             </c:strRef>
@@ -669,6 +625,65 @@
             <a:effectLst/>
           </c:spPr>
           <c:invertIfNegative val="0"/>
+          <c:dLbls>
+            <c:spPr>
+              <a:noFill/>
+              <a:ln>
+                <a:noFill/>
+              </a:ln>
+              <a:effectLst/>
+            </c:spPr>
+            <c:txPr>
+              <a:bodyPr rot="0" spcFirstLastPara="1" vertOverflow="ellipsis" vert="horz" wrap="square" lIns="38100" tIns="19050" rIns="38100" bIns="19050" anchor="ctr" anchorCtr="1">
+                <a:spAutoFit/>
+              </a:bodyPr>
+              <a:lstStyle/>
+              <a:p>
+                <a:pPr>
+                  <a:defRPr sz="900" b="0" i="0" u="none" strike="noStrike" kern="1200" baseline="0">
+                    <a:solidFill>
+                      <a:schemeClr val="tx1">
+                        <a:lumMod val="75000"/>
+                        <a:lumOff val="25000"/>
+                      </a:schemeClr>
+                    </a:solidFill>
+                    <a:latin typeface="+mn-lt"/>
+                    <a:ea typeface="+mn-ea"/>
+                    <a:cs typeface="+mn-cs"/>
+                  </a:defRPr>
+                </a:pPr>
+                <a:endParaRPr lang="es-MX"/>
+              </a:p>
+            </c:txPr>
+            <c:dLblPos val="outEnd"/>
+            <c:showLegendKey val="0"/>
+            <c:showVal val="1"/>
+            <c:showCatName val="0"/>
+            <c:showSerName val="0"/>
+            <c:showPercent val="0"/>
+            <c:showBubbleSize val="0"/>
+            <c:showLeaderLines val="0"/>
+            <c:extLst>
+              <c:ext xmlns:c15="http://schemas.microsoft.com/office/drawing/2012/chart" uri="{CE6537A1-D6FC-4f65-9D91-7224C49458BB}">
+                <c15:layout/>
+                <c15:showLeaderLines val="1"/>
+                <c15:leaderLines>
+                  <c:spPr>
+                    <a:ln w="9525" cap="flat" cmpd="sng" algn="ctr">
+                      <a:solidFill>
+                        <a:schemeClr val="tx1">
+                          <a:lumMod val="35000"/>
+                          <a:lumOff val="65000"/>
+                        </a:schemeClr>
+                      </a:solidFill>
+                      <a:round/>
+                    </a:ln>
+                    <a:effectLst/>
+                  </c:spPr>
+                </c15:leaderLines>
+              </c:ext>
+            </c:extLst>
+          </c:dLbls>
           <c:cat>
             <c:strRef>
               <c:f>Funcional!$D$4:$F$4</c:f>
@@ -688,7 +703,7 @@
           </c:cat>
           <c:val>
             <c:numRef>
-              <c:f>Funcional!$D$11:$F$11</c:f>
+              <c:f>Funcional!$D$12:$F$12</c:f>
               <c:numCache>
                 <c:formatCode>0%</c:formatCode>
                 <c:ptCount val="3"/>
@@ -700,8 +715,9 @@
           </c:val>
         </c:ser>
         <c:dLbls>
+          <c:dLblPos val="outEnd"/>
           <c:showLegendKey val="0"/>
-          <c:showVal val="0"/>
+          <c:showVal val="1"/>
           <c:showCatName val="0"/>
           <c:showSerName val="0"/>
           <c:showPercent val="0"/>
@@ -709,11 +725,11 @@
         </c:dLbls>
         <c:gapWidth val="219"/>
         <c:overlap val="-27"/>
-        <c:axId val="399437176"/>
-        <c:axId val="399438744"/>
+        <c:axId val="366831544"/>
+        <c:axId val="366826840"/>
       </c:barChart>
       <c:catAx>
-        <c:axId val="399437176"/>
+        <c:axId val="366831544"/>
         <c:scaling>
           <c:orientation val="minMax"/>
         </c:scaling>
@@ -756,7 +772,7 @@
             <a:endParaRPr lang="es-MX"/>
           </a:p>
         </c:txPr>
-        <c:crossAx val="399438744"/>
+        <c:crossAx val="366826840"/>
         <c:crosses val="autoZero"/>
         <c:auto val="1"/>
         <c:lblAlgn val="ctr"/>
@@ -764,7 +780,7 @@
         <c:noMultiLvlLbl val="0"/>
       </c:catAx>
       <c:valAx>
-        <c:axId val="399438744"/>
+        <c:axId val="366826840"/>
         <c:scaling>
           <c:orientation val="minMax"/>
         </c:scaling>
@@ -815,12 +831,14 @@
             <a:endParaRPr lang="es-MX"/>
           </a:p>
         </c:txPr>
-        <c:crossAx val="399437176"/>
+        <c:crossAx val="366831544"/>
         <c:crosses val="autoZero"/>
         <c:crossBetween val="between"/>
       </c:valAx>
       <c:spPr>
-        <a:noFill/>
+        <a:solidFill>
+          <a:schemeClr val="bg1"/>
+        </a:solidFill>
         <a:ln>
           <a:noFill/>
         </a:ln>
@@ -908,17 +926,18 @@
               </a:ln>
               <a:effectLst/>
             </c:spPr>
-            <c:dLblPos val="ctr"/>
+            <c:dLblPos val="outEnd"/>
             <c:showLegendKey val="0"/>
-            <c:showVal val="0"/>
+            <c:showVal val="1"/>
             <c:showCatName val="0"/>
             <c:showSerName val="0"/>
             <c:showPercent val="0"/>
-            <c:showBubbleSize val="1"/>
+            <c:showBubbleSize val="0"/>
             <c:showLeaderLines val="0"/>
             <c:extLst>
               <c:ext xmlns:c15="http://schemas.microsoft.com/office/drawing/2012/chart" uri="{CE6537A1-D6FC-4f65-9D91-7224C49458BB}">
-                <c15:showLeaderLines val="0"/>
+                <c15:layout/>
+                <c15:showLeaderLines val="1"/>
               </c:ext>
             </c:extLst>
           </c:dLbls>
@@ -940,7 +959,7 @@
                 <c:formatCode>0.00%</c:formatCode>
                 <c:ptCount val="1"/>
                 <c:pt idx="0">
-                  <c:v>0.95285714285714285</c:v>
+                  <c:v>0.95874999999999999</c:v>
                 </c:pt>
               </c:numCache>
             </c:numRef>
@@ -961,19 +980,20 @@
           </c:extLst>
         </c:ser>
         <c:dLbls>
+          <c:dLblPos val="outEnd"/>
           <c:showLegendKey val="0"/>
-          <c:showVal val="0"/>
+          <c:showVal val="1"/>
           <c:showCatName val="0"/>
           <c:showSerName val="0"/>
           <c:showPercent val="0"/>
           <c:showBubbleSize val="0"/>
         </c:dLbls>
         <c:gapWidth val="100"/>
-        <c:axId val="399443056"/>
-        <c:axId val="399444232"/>
+        <c:axId val="374101488"/>
+        <c:axId val="374095216"/>
       </c:barChart>
       <c:catAx>
-        <c:axId val="399443056"/>
+        <c:axId val="374101488"/>
         <c:scaling>
           <c:orientation val="minMax"/>
         </c:scaling>
@@ -990,7 +1010,7 @@
             </a:solidFill>
           </a:ln>
         </c:spPr>
-        <c:crossAx val="399444232"/>
+        <c:crossAx val="374095216"/>
         <c:crosses val="autoZero"/>
         <c:auto val="1"/>
         <c:lblAlgn val="ctr"/>
@@ -998,7 +1018,7 @@
         <c:noMultiLvlLbl val="1"/>
       </c:catAx>
       <c:valAx>
-        <c:axId val="399444232"/>
+        <c:axId val="374095216"/>
         <c:scaling>
           <c:orientation val="minMax"/>
         </c:scaling>
@@ -1024,7 +1044,7 @@
             </a:solidFill>
           </a:ln>
         </c:spPr>
-        <c:crossAx val="399443056"/>
+        <c:crossAx val="374101488"/>
         <c:crosses val="autoZero"/>
         <c:crossBetween val="between"/>
       </c:valAx>
@@ -1120,17 +1140,18 @@
               </a:ln>
               <a:effectLst/>
             </c:spPr>
-            <c:dLblPos val="ctr"/>
+            <c:dLblPos val="outEnd"/>
             <c:showLegendKey val="0"/>
-            <c:showVal val="0"/>
+            <c:showVal val="1"/>
             <c:showCatName val="0"/>
             <c:showSerName val="0"/>
             <c:showPercent val="0"/>
-            <c:showBubbleSize val="1"/>
+            <c:showBubbleSize val="0"/>
             <c:showLeaderLines val="0"/>
             <c:extLst>
               <c:ext xmlns:c15="http://schemas.microsoft.com/office/drawing/2012/chart" uri="{CE6537A1-D6FC-4f65-9D91-7224C49458BB}">
-                <c15:showLeaderLines val="0"/>
+                <c15:layout/>
+                <c15:showLeaderLines val="1"/>
               </c:ext>
             </c:extLst>
           </c:dLbls>
@@ -1179,19 +1200,20 @@
           </c:extLst>
         </c:ser>
         <c:dLbls>
+          <c:dLblPos val="outEnd"/>
           <c:showLegendKey val="0"/>
-          <c:showVal val="0"/>
+          <c:showVal val="1"/>
           <c:showCatName val="0"/>
           <c:showSerName val="0"/>
           <c:showPercent val="0"/>
           <c:showBubbleSize val="0"/>
         </c:dLbls>
         <c:gapWidth val="100"/>
-        <c:axId val="398957232"/>
-        <c:axId val="398959584"/>
+        <c:axId val="374100704"/>
+        <c:axId val="374102272"/>
       </c:barChart>
       <c:catAx>
-        <c:axId val="398957232"/>
+        <c:axId val="374100704"/>
         <c:scaling>
           <c:orientation val="minMax"/>
         </c:scaling>
@@ -1208,7 +1230,7 @@
             </a:solidFill>
           </a:ln>
         </c:spPr>
-        <c:crossAx val="398959584"/>
+        <c:crossAx val="374102272"/>
         <c:crosses val="autoZero"/>
         <c:auto val="1"/>
         <c:lblAlgn val="ctr"/>
@@ -1216,7 +1238,7 @@
         <c:noMultiLvlLbl val="1"/>
       </c:catAx>
       <c:valAx>
-        <c:axId val="398959584"/>
+        <c:axId val="374102272"/>
         <c:scaling>
           <c:orientation val="minMax"/>
         </c:scaling>
@@ -1242,7 +1264,7 @@
             </a:solidFill>
           </a:ln>
         </c:spPr>
-        <c:crossAx val="398957232"/>
+        <c:crossAx val="374100704"/>
         <c:crosses val="autoZero"/>
         <c:crossBetween val="between"/>
       </c:valAx>
@@ -1338,17 +1360,18 @@
               </a:ln>
               <a:effectLst/>
             </c:spPr>
-            <c:dLblPos val="ctr"/>
+            <c:dLblPos val="outEnd"/>
             <c:showLegendKey val="0"/>
-            <c:showVal val="0"/>
+            <c:showVal val="1"/>
             <c:showCatName val="0"/>
             <c:showSerName val="0"/>
             <c:showPercent val="0"/>
-            <c:showBubbleSize val="1"/>
+            <c:showBubbleSize val="0"/>
             <c:showLeaderLines val="0"/>
             <c:extLst>
               <c:ext xmlns:c15="http://schemas.microsoft.com/office/drawing/2012/chart" uri="{CE6537A1-D6FC-4f65-9D91-7224C49458BB}">
-                <c15:showLeaderLines val="0"/>
+                <c15:layout/>
+                <c15:showLeaderLines val="1"/>
               </c:ext>
             </c:extLst>
           </c:dLbls>
@@ -1386,10 +1409,10 @@
                   <c:v>1</c:v>
                 </c:pt>
                 <c:pt idx="2">
-                  <c:v>0.8571428571428571</c:v>
+                  <c:v>0.875</c:v>
                 </c:pt>
                 <c:pt idx="3">
-                  <c:v>0.97142857142857142</c:v>
+                  <c:v>0.97499999999999998</c:v>
                 </c:pt>
               </c:numCache>
             </c:numRef>
@@ -1418,11 +1441,11 @@
           <c:showBubbleSize val="0"/>
         </c:dLbls>
         <c:gapWidth val="100"/>
-        <c:axId val="399428944"/>
-        <c:axId val="399429336"/>
+        <c:axId val="373398976"/>
+        <c:axId val="373399368"/>
       </c:barChart>
       <c:catAx>
-        <c:axId val="399428944"/>
+        <c:axId val="373398976"/>
         <c:scaling>
           <c:orientation val="minMax"/>
         </c:scaling>
@@ -1439,7 +1462,7 @@
             </a:solidFill>
           </a:ln>
         </c:spPr>
-        <c:crossAx val="399429336"/>
+        <c:crossAx val="373399368"/>
         <c:crosses val="autoZero"/>
         <c:auto val="1"/>
         <c:lblAlgn val="ctr"/>
@@ -1447,9 +1470,10 @@
         <c:noMultiLvlLbl val="1"/>
       </c:catAx>
       <c:valAx>
-        <c:axId val="399429336"/>
+        <c:axId val="373399368"/>
         <c:scaling>
           <c:orientation val="minMax"/>
+          <c:min val="0"/>
         </c:scaling>
         <c:delete val="0"/>
         <c:axPos val="l"/>
@@ -1473,7 +1497,7 @@
             </a:solidFill>
           </a:ln>
         </c:spPr>
-        <c:crossAx val="399428944"/>
+        <c:crossAx val="373398976"/>
         <c:crosses val="autoZero"/>
         <c:crossBetween val="between"/>
       </c:valAx>
@@ -1572,11 +1596,11 @@
           <c:order val="0"/>
           <c:tx>
             <c:strRef>
-              <c:f>'Apego a Productos'!$C$11</c:f>
+              <c:f>'Apego a Productos'!$C$12</c:f>
               <c:strCache>
                 <c:ptCount val="1"/>
                 <c:pt idx="0">
-                  <c:v>Julio</c:v>
+                  <c:v>Agosto</c:v>
                 </c:pt>
               </c:strCache>
             </c:strRef>
@@ -1591,6 +1615,65 @@
             <a:effectLst/>
           </c:spPr>
           <c:invertIfNegative val="0"/>
+          <c:dLbls>
+            <c:spPr>
+              <a:noFill/>
+              <a:ln>
+                <a:noFill/>
+              </a:ln>
+              <a:effectLst/>
+            </c:spPr>
+            <c:txPr>
+              <a:bodyPr rot="0" spcFirstLastPara="1" vertOverflow="ellipsis" vert="horz" wrap="square" lIns="38100" tIns="19050" rIns="38100" bIns="19050" anchor="ctr" anchorCtr="1">
+                <a:spAutoFit/>
+              </a:bodyPr>
+              <a:lstStyle/>
+              <a:p>
+                <a:pPr>
+                  <a:defRPr sz="900" b="0" i="0" u="none" strike="noStrike" kern="1200" baseline="0">
+                    <a:solidFill>
+                      <a:schemeClr val="tx1">
+                        <a:lumMod val="75000"/>
+                        <a:lumOff val="25000"/>
+                      </a:schemeClr>
+                    </a:solidFill>
+                    <a:latin typeface="+mn-lt"/>
+                    <a:ea typeface="+mn-ea"/>
+                    <a:cs typeface="+mn-cs"/>
+                  </a:defRPr>
+                </a:pPr>
+                <a:endParaRPr lang="es-MX"/>
+              </a:p>
+            </c:txPr>
+            <c:dLblPos val="outEnd"/>
+            <c:showLegendKey val="0"/>
+            <c:showVal val="1"/>
+            <c:showCatName val="0"/>
+            <c:showSerName val="0"/>
+            <c:showPercent val="0"/>
+            <c:showBubbleSize val="0"/>
+            <c:showLeaderLines val="0"/>
+            <c:extLst>
+              <c:ext xmlns:c15="http://schemas.microsoft.com/office/drawing/2012/chart" uri="{CE6537A1-D6FC-4f65-9D91-7224C49458BB}">
+                <c15:layout/>
+                <c15:showLeaderLines val="1"/>
+                <c15:leaderLines>
+                  <c:spPr>
+                    <a:ln w="9525" cap="flat" cmpd="sng" algn="ctr">
+                      <a:solidFill>
+                        <a:schemeClr val="tx1">
+                          <a:lumMod val="35000"/>
+                          <a:lumOff val="65000"/>
+                        </a:schemeClr>
+                      </a:solidFill>
+                      <a:round/>
+                    </a:ln>
+                    <a:effectLst/>
+                  </c:spPr>
+                </c15:leaderLines>
+              </c:ext>
+            </c:extLst>
+          </c:dLbls>
           <c:cat>
             <c:strRef>
               <c:f>'Apego a Productos'!$D$4:$G$4</c:f>
@@ -1614,7 +1697,7 @@
           </c:cat>
           <c:val>
             <c:numRef>
-              <c:f>'Apego a Productos'!$D$11:$G$11</c:f>
+              <c:f>'Apego a Productos'!$D$12:$G$12</c:f>
               <c:numCache>
                 <c:formatCode>0%</c:formatCode>
                 <c:ptCount val="4"/>
@@ -1644,11 +1727,11 @@
         </c:dLbls>
         <c:gapWidth val="219"/>
         <c:overlap val="-27"/>
-        <c:axId val="403179120"/>
-        <c:axId val="403179904"/>
+        <c:axId val="374085416"/>
+        <c:axId val="374091688"/>
       </c:barChart>
       <c:catAx>
-        <c:axId val="403179120"/>
+        <c:axId val="374085416"/>
         <c:scaling>
           <c:orientation val="minMax"/>
         </c:scaling>
@@ -1691,7 +1774,7 @@
             <a:endParaRPr lang="es-MX"/>
           </a:p>
         </c:txPr>
-        <c:crossAx val="403179904"/>
+        <c:crossAx val="374091688"/>
         <c:crosses val="autoZero"/>
         <c:auto val="1"/>
         <c:lblAlgn val="ctr"/>
@@ -1699,7 +1782,7 @@
         <c:noMultiLvlLbl val="0"/>
       </c:catAx>
       <c:valAx>
-        <c:axId val="403179904"/>
+        <c:axId val="374091688"/>
         <c:scaling>
           <c:orientation val="minMax"/>
         </c:scaling>
@@ -1750,7 +1833,7 @@
             <a:endParaRPr lang="es-MX"/>
           </a:p>
         </c:txPr>
-        <c:crossAx val="403179120"/>
+        <c:crossAx val="374085416"/>
         <c:crosses val="autoZero"/>
         <c:crossBetween val="between"/>
       </c:valAx>
@@ -1843,17 +1926,18 @@
               </a:ln>
               <a:effectLst/>
             </c:spPr>
-            <c:dLblPos val="ctr"/>
+            <c:dLblPos val="outEnd"/>
             <c:showLegendKey val="0"/>
-            <c:showVal val="0"/>
+            <c:showVal val="1"/>
             <c:showCatName val="0"/>
             <c:showSerName val="0"/>
             <c:showPercent val="0"/>
-            <c:showBubbleSize val="1"/>
+            <c:showBubbleSize val="0"/>
             <c:showLeaderLines val="0"/>
             <c:extLst>
               <c:ext xmlns:c15="http://schemas.microsoft.com/office/drawing/2012/chart" uri="{CE6537A1-D6FC-4f65-9D91-7224C49458BB}">
-                <c15:showLeaderLines val="0"/>
+                <c15:layout/>
+                <c15:showLeaderLines val="1"/>
               </c:ext>
             </c:extLst>
           </c:dLbls>
@@ -1907,7 +1991,7 @@
                   <c:v>1</c:v>
                 </c:pt>
                 <c:pt idx="5">
-                  <c:v>0.98414285714285721</c:v>
+                  <c:v>0.98612500000000003</c:v>
                 </c:pt>
               </c:numCache>
             </c:numRef>
@@ -1928,19 +2012,20 @@
           </c:extLst>
         </c:ser>
         <c:dLbls>
+          <c:dLblPos val="outEnd"/>
           <c:showLegendKey val="0"/>
-          <c:showVal val="0"/>
+          <c:showVal val="1"/>
           <c:showCatName val="0"/>
           <c:showSerName val="0"/>
           <c:showPercent val="0"/>
           <c:showBubbleSize val="0"/>
         </c:dLbls>
         <c:gapWidth val="100"/>
-        <c:axId val="346275896"/>
-        <c:axId val="346278248"/>
+        <c:axId val="374089728"/>
+        <c:axId val="374082672"/>
       </c:barChart>
       <c:catAx>
-        <c:axId val="346275896"/>
+        <c:axId val="374089728"/>
         <c:scaling>
           <c:orientation val="minMax"/>
         </c:scaling>
@@ -1957,7 +2042,7 @@
             </a:solidFill>
           </a:ln>
         </c:spPr>
-        <c:crossAx val="346278248"/>
+        <c:crossAx val="374082672"/>
         <c:crosses val="autoZero"/>
         <c:auto val="1"/>
         <c:lblAlgn val="ctr"/>
@@ -1965,9 +2050,10 @@
         <c:noMultiLvlLbl val="1"/>
       </c:catAx>
       <c:valAx>
-        <c:axId val="346278248"/>
+        <c:axId val="374082672"/>
         <c:scaling>
           <c:orientation val="minMax"/>
+          <c:min val="0"/>
         </c:scaling>
         <c:delete val="0"/>
         <c:axPos val="l"/>
@@ -1991,7 +2077,7 @@
             </a:solidFill>
           </a:ln>
         </c:spPr>
-        <c:crossAx val="346275896"/>
+        <c:crossAx val="374089728"/>
         <c:crosses val="autoZero"/>
         <c:crossBetween val="between"/>
       </c:valAx>
@@ -2048,14 +2134,7 @@
   </mc:AlternateContent>
   <c:chart>
     <c:title>
-      <c:layout>
-        <c:manualLayout>
-          <c:xMode val="edge"/>
-          <c:yMode val="edge"/>
-          <c:x val="0.50168044619422569"/>
-          <c:y val="0"/>
-        </c:manualLayout>
-      </c:layout>
+      <c:layout/>
       <c:overlay val="0"/>
       <c:spPr>
         <a:noFill/>
@@ -2097,11 +2176,11 @@
           <c:order val="0"/>
           <c:tx>
             <c:strRef>
-              <c:f>'Apego a Productos'!$C$48</c:f>
+              <c:f>'Apego a Productos'!$C$49</c:f>
               <c:strCache>
                 <c:ptCount val="1"/>
                 <c:pt idx="0">
-                  <c:v>Julio</c:v>
+                  <c:v>Agosto</c:v>
                 </c:pt>
               </c:strCache>
             </c:strRef>
@@ -2146,7 +2225,7 @@
           </c:cat>
           <c:val>
             <c:numRef>
-              <c:f>'Apego a Productos'!$D$48:$I$48</c:f>
+              <c:f>'Apego a Productos'!$D$49:$I$49</c:f>
               <c:numCache>
                 <c:formatCode>0%</c:formatCode>
                 <c:ptCount val="6"/>
@@ -2167,11 +2246,11 @@
         </c:dLbls>
         <c:gapWidth val="219"/>
         <c:overlap val="-27"/>
-        <c:axId val="237630608"/>
-        <c:axId val="237634136"/>
+        <c:axId val="302759720"/>
+        <c:axId val="302762856"/>
       </c:barChart>
       <c:catAx>
-        <c:axId val="237630608"/>
+        <c:axId val="302759720"/>
         <c:scaling>
           <c:orientation val="minMax"/>
         </c:scaling>
@@ -2214,7 +2293,7 @@
             <a:endParaRPr lang="es-MX"/>
           </a:p>
         </c:txPr>
-        <c:crossAx val="237634136"/>
+        <c:crossAx val="302762856"/>
         <c:crosses val="autoZero"/>
         <c:auto val="1"/>
         <c:lblAlgn val="ctr"/>
@@ -2222,7 +2301,7 @@
         <c:noMultiLvlLbl val="0"/>
       </c:catAx>
       <c:valAx>
-        <c:axId val="237634136"/>
+        <c:axId val="302762856"/>
         <c:scaling>
           <c:orientation val="minMax"/>
         </c:scaling>
@@ -2273,7 +2352,7 @@
             <a:endParaRPr lang="es-MX"/>
           </a:p>
         </c:txPr>
-        <c:crossAx val="237630608"/>
+        <c:crossAx val="302759720"/>
         <c:crosses val="autoZero"/>
         <c:crossBetween val="between"/>
       </c:valAx>
@@ -2366,17 +2445,18 @@
               </a:ln>
               <a:effectLst/>
             </c:spPr>
-            <c:dLblPos val="ctr"/>
+            <c:dLblPos val="outEnd"/>
             <c:showLegendKey val="0"/>
-            <c:showVal val="0"/>
+            <c:showVal val="1"/>
             <c:showCatName val="0"/>
             <c:showSerName val="0"/>
             <c:showPercent val="0"/>
-            <c:showBubbleSize val="1"/>
+            <c:showBubbleSize val="0"/>
             <c:showLeaderLines val="0"/>
             <c:extLst>
               <c:ext xmlns:c15="http://schemas.microsoft.com/office/drawing/2012/chart" uri="{CE6537A1-D6FC-4f65-9D91-7224C49458BB}">
-                <c15:showLeaderLines val="0"/>
+                <c15:layout/>
+                <c15:showLeaderLines val="1"/>
               </c:ext>
             </c:extLst>
           </c:dLbls>
@@ -2413,7 +2493,7 @@
                   <c:v>1</c:v>
                 </c:pt>
                 <c:pt idx="2" formatCode="0.00%">
-                  <c:v>0.89794285714285726</c:v>
+                  <c:v>0.91070000000000007</c:v>
                 </c:pt>
                 <c:pt idx="3">
                   <c:v>1</c:v>
@@ -2437,19 +2517,20 @@
           </c:extLst>
         </c:ser>
         <c:dLbls>
+          <c:dLblPos val="outEnd"/>
           <c:showLegendKey val="0"/>
-          <c:showVal val="0"/>
+          <c:showVal val="1"/>
           <c:showCatName val="0"/>
           <c:showSerName val="0"/>
           <c:showPercent val="0"/>
           <c:showBubbleSize val="0"/>
         </c:dLbls>
         <c:gapWidth val="100"/>
-        <c:axId val="403169712"/>
-        <c:axId val="403170496"/>
+        <c:axId val="366833504"/>
+        <c:axId val="366824880"/>
       </c:barChart>
       <c:catAx>
-        <c:axId val="403169712"/>
+        <c:axId val="366833504"/>
         <c:scaling>
           <c:orientation val="minMax"/>
         </c:scaling>
@@ -2466,7 +2547,7 @@
             </a:solidFill>
           </a:ln>
         </c:spPr>
-        <c:crossAx val="403170496"/>
+        <c:crossAx val="366824880"/>
         <c:crosses val="autoZero"/>
         <c:auto val="1"/>
         <c:lblAlgn val="ctr"/>
@@ -2474,9 +2555,10 @@
         <c:noMultiLvlLbl val="1"/>
       </c:catAx>
       <c:valAx>
-        <c:axId val="403170496"/>
+        <c:axId val="366824880"/>
         <c:scaling>
           <c:orientation val="minMax"/>
+          <c:min val="0"/>
         </c:scaling>
         <c:delete val="0"/>
         <c:axPos val="l"/>
@@ -2500,7 +2582,7 @@
             </a:solidFill>
           </a:ln>
         </c:spPr>
-        <c:crossAx val="403169712"/>
+        <c:crossAx val="366833504"/>
         <c:crosses val="autoZero"/>
         <c:crossBetween val="between"/>
       </c:valAx>
@@ -2599,11 +2681,11 @@
           <c:order val="0"/>
           <c:tx>
             <c:strRef>
-              <c:f>'Apego a Procesos'!$C$11</c:f>
+              <c:f>'Apego a Procesos'!$C$12</c:f>
               <c:strCache>
                 <c:ptCount val="1"/>
                 <c:pt idx="0">
-                  <c:v>Julio</c:v>
+                  <c:v>Agosto</c:v>
                 </c:pt>
               </c:strCache>
             </c:strRef>
@@ -2618,6 +2700,65 @@
             <a:effectLst/>
           </c:spPr>
           <c:invertIfNegative val="0"/>
+          <c:dLbls>
+            <c:spPr>
+              <a:noFill/>
+              <a:ln>
+                <a:noFill/>
+              </a:ln>
+              <a:effectLst/>
+            </c:spPr>
+            <c:txPr>
+              <a:bodyPr rot="0" spcFirstLastPara="1" vertOverflow="ellipsis" vert="horz" wrap="square" lIns="38100" tIns="19050" rIns="38100" bIns="19050" anchor="ctr" anchorCtr="1">
+                <a:spAutoFit/>
+              </a:bodyPr>
+              <a:lstStyle/>
+              <a:p>
+                <a:pPr>
+                  <a:defRPr sz="900" b="0" i="0" u="none" strike="noStrike" kern="1200" baseline="0">
+                    <a:solidFill>
+                      <a:schemeClr val="tx1">
+                        <a:lumMod val="75000"/>
+                        <a:lumOff val="25000"/>
+                      </a:schemeClr>
+                    </a:solidFill>
+                    <a:latin typeface="+mn-lt"/>
+                    <a:ea typeface="+mn-ea"/>
+                    <a:cs typeface="+mn-cs"/>
+                  </a:defRPr>
+                </a:pPr>
+                <a:endParaRPr lang="es-MX"/>
+              </a:p>
+            </c:txPr>
+            <c:dLblPos val="outEnd"/>
+            <c:showLegendKey val="0"/>
+            <c:showVal val="1"/>
+            <c:showCatName val="0"/>
+            <c:showSerName val="0"/>
+            <c:showPercent val="0"/>
+            <c:showBubbleSize val="0"/>
+            <c:showLeaderLines val="0"/>
+            <c:extLst>
+              <c:ext xmlns:c15="http://schemas.microsoft.com/office/drawing/2012/chart" uri="{CE6537A1-D6FC-4f65-9D91-7224C49458BB}">
+                <c15:layout/>
+                <c15:showLeaderLines val="1"/>
+                <c15:leaderLines>
+                  <c:spPr>
+                    <a:ln w="9525" cap="flat" cmpd="sng" algn="ctr">
+                      <a:solidFill>
+                        <a:schemeClr val="tx1">
+                          <a:lumMod val="35000"/>
+                          <a:lumOff val="65000"/>
+                        </a:schemeClr>
+                      </a:solidFill>
+                      <a:round/>
+                    </a:ln>
+                    <a:effectLst/>
+                  </c:spPr>
+                </c15:leaderLines>
+              </c:ext>
+            </c:extLst>
+          </c:dLbls>
           <c:cat>
             <c:strRef>
               <c:f>'Apego a Procesos'!$D$4:$G$4</c:f>
@@ -2640,7 +2781,7 @@
           </c:cat>
           <c:val>
             <c:numRef>
-              <c:f>'Apego a Procesos'!$D$11:$G$11</c:f>
+              <c:f>'Apego a Procesos'!$D$12:$G$12</c:f>
               <c:numCache>
                 <c:formatCode>0.00%</c:formatCode>
                 <c:ptCount val="4"/>
@@ -2661,8 +2802,9 @@
           </c:val>
         </c:ser>
         <c:dLbls>
+          <c:dLblPos val="outEnd"/>
           <c:showLegendKey val="0"/>
-          <c:showVal val="0"/>
+          <c:showVal val="1"/>
           <c:showCatName val="0"/>
           <c:showSerName val="0"/>
           <c:showPercent val="0"/>
@@ -2670,11 +2812,11 @@
         </c:dLbls>
         <c:gapWidth val="219"/>
         <c:overlap val="-27"/>
-        <c:axId val="237288376"/>
-        <c:axId val="237286808"/>
+        <c:axId val="373406424"/>
+        <c:axId val="373402896"/>
       </c:barChart>
       <c:catAx>
-        <c:axId val="237288376"/>
+        <c:axId val="373406424"/>
         <c:scaling>
           <c:orientation val="minMax"/>
         </c:scaling>
@@ -2717,7 +2859,7 @@
             <a:endParaRPr lang="es-MX"/>
           </a:p>
         </c:txPr>
-        <c:crossAx val="237286808"/>
+        <c:crossAx val="373402896"/>
         <c:crosses val="autoZero"/>
         <c:auto val="1"/>
         <c:lblAlgn val="ctr"/>
@@ -2725,7 +2867,7 @@
         <c:noMultiLvlLbl val="0"/>
       </c:catAx>
       <c:valAx>
-        <c:axId val="237286808"/>
+        <c:axId val="373402896"/>
         <c:scaling>
           <c:orientation val="minMax"/>
         </c:scaling>
@@ -2776,7 +2918,7 @@
             <a:endParaRPr lang="es-MX"/>
           </a:p>
         </c:txPr>
-        <c:crossAx val="237288376"/>
+        <c:crossAx val="373406424"/>
         <c:crosses val="autoZero"/>
         <c:crossBetween val="between"/>
       </c:valAx>
@@ -2858,23 +3000,24 @@
               </a:ln>
               <a:effectLst/>
             </c:spPr>
-            <c:dLblPos val="ctr"/>
+            <c:dLblPos val="outEnd"/>
             <c:showLegendKey val="0"/>
-            <c:showVal val="0"/>
+            <c:showVal val="1"/>
             <c:showCatName val="0"/>
             <c:showSerName val="0"/>
             <c:showPercent val="0"/>
-            <c:showBubbleSize val="1"/>
+            <c:showBubbleSize val="0"/>
             <c:showLeaderLines val="0"/>
             <c:extLst>
               <c:ext xmlns:c15="http://schemas.microsoft.com/office/drawing/2012/chart" uri="{CE6537A1-D6FC-4f65-9D91-7224C49458BB}">
-                <c15:showLeaderLines val="0"/>
+                <c15:layout/>
+                <c15:showLeaderLines val="1"/>
               </c:ext>
             </c:extLst>
           </c:dLbls>
           <c:cat>
             <c:strRef>
-              <c:f>'Apego a Procesos'!$D$25:$G$25</c:f>
+              <c:f>'Apego a Procesos'!$D$41:$G$41</c:f>
               <c:strCache>
                 <c:ptCount val="4"/>
                 <c:pt idx="0">
@@ -2894,7 +3037,7 @@
           </c:cat>
           <c:val>
             <c:numRef>
-              <c:f>'Apego a Procesos'!$D$38:$G$38</c:f>
+              <c:f>'Apego a Procesos'!$D$54:$G$54</c:f>
               <c:numCache>
                 <c:formatCode>0%</c:formatCode>
                 <c:ptCount val="4"/>
@@ -2929,19 +3072,20 @@
           </c:extLst>
         </c:ser>
         <c:dLbls>
+          <c:dLblPos val="outEnd"/>
           <c:showLegendKey val="0"/>
-          <c:showVal val="0"/>
+          <c:showVal val="1"/>
           <c:showCatName val="0"/>
           <c:showSerName val="0"/>
           <c:showPercent val="0"/>
           <c:showBubbleSize val="0"/>
         </c:dLbls>
         <c:gapWidth val="100"/>
-        <c:axId val="238007016"/>
-        <c:axId val="238009368"/>
+        <c:axId val="364171760"/>
+        <c:axId val="364172544"/>
       </c:barChart>
       <c:catAx>
-        <c:axId val="238007016"/>
+        <c:axId val="364171760"/>
         <c:scaling>
           <c:orientation val="minMax"/>
         </c:scaling>
@@ -2958,7 +3102,7 @@
             </a:solidFill>
           </a:ln>
         </c:spPr>
-        <c:crossAx val="238009368"/>
+        <c:crossAx val="364172544"/>
         <c:crosses val="autoZero"/>
         <c:auto val="1"/>
         <c:lblAlgn val="ctr"/>
@@ -2966,7 +3110,7 @@
         <c:noMultiLvlLbl val="1"/>
       </c:catAx>
       <c:valAx>
-        <c:axId val="238009368"/>
+        <c:axId val="364172544"/>
         <c:scaling>
           <c:orientation val="minMax"/>
         </c:scaling>
@@ -2992,7 +3136,7 @@
             </a:solidFill>
           </a:ln>
         </c:spPr>
-        <c:crossAx val="238007016"/>
+        <c:crossAx val="364171760"/>
         <c:crosses val="autoZero"/>
         <c:crossBetween val="between"/>
       </c:valAx>
@@ -3072,7 +3216,7 @@
             </a:pPr>
             <a:r>
               <a:rPr lang="es-MX" baseline="0"/>
-              <a:t>ENE-JUL, 16</a:t>
+              <a:t>ENE-AGO, 16</a:t>
             </a:r>
           </a:p>
           <a:p>
@@ -3113,17 +3257,18 @@
               </a:ln>
               <a:effectLst/>
             </c:spPr>
-            <c:dLblPos val="ctr"/>
+            <c:dLblPos val="outEnd"/>
             <c:showLegendKey val="0"/>
-            <c:showVal val="0"/>
+            <c:showVal val="1"/>
             <c:showCatName val="0"/>
             <c:showSerName val="0"/>
             <c:showPercent val="0"/>
-            <c:showBubbleSize val="1"/>
+            <c:showBubbleSize val="0"/>
             <c:showLeaderLines val="0"/>
             <c:extLst>
               <c:ext xmlns:c15="http://schemas.microsoft.com/office/drawing/2012/chart" uri="{CE6537A1-D6FC-4f65-9D91-7224C49458BB}">
-                <c15:showLeaderLines val="0"/>
+                <c15:layout/>
+                <c15:showLeaderLines val="1"/>
               </c:ext>
             </c:extLst>
           </c:dLbls>
@@ -3199,7 +3344,7 @@
                   <c:v>-0.323236571501482</c:v>
                 </c:pt>
                 <c:pt idx="7">
-                  <c:v>0</c:v>
+                  <c:v>-0.33586462852538523</c:v>
                 </c:pt>
                 <c:pt idx="8">
                   <c:v>0</c:v>
@@ -3241,11 +3386,11 @@
         </c:dLbls>
         <c:gapWidth val="219"/>
         <c:overlap val="-27"/>
-        <c:axId val="345427168"/>
-        <c:axId val="346588632"/>
+        <c:axId val="250042624"/>
+        <c:axId val="250037920"/>
       </c:barChart>
       <c:catAx>
-        <c:axId val="345427168"/>
+        <c:axId val="250042624"/>
         <c:scaling>
           <c:orientation val="minMax"/>
         </c:scaling>
@@ -3263,7 +3408,7 @@
             <a:round/>
           </a:ln>
         </c:spPr>
-        <c:crossAx val="346588632"/>
+        <c:crossAx val="250037920"/>
         <c:crosses val="autoZero"/>
         <c:auto val="1"/>
         <c:lblAlgn val="ctr"/>
@@ -3271,7 +3416,7 @@
         <c:noMultiLvlLbl val="1"/>
       </c:catAx>
       <c:valAx>
-        <c:axId val="346588632"/>
+        <c:axId val="250037920"/>
         <c:scaling>
           <c:orientation val="minMax"/>
         </c:scaling>
@@ -3296,7 +3441,7 @@
             <a:noFill/>
           </a:ln>
         </c:spPr>
-        <c:crossAx val="345427168"/>
+        <c:crossAx val="250042624"/>
         <c:crosses val="autoZero"/>
         <c:crossBetween val="between"/>
       </c:valAx>
@@ -3466,7 +3611,7 @@
                   <c:v>275000.01</c:v>
                 </c:pt>
                 <c:pt idx="7">
-                  <c:v>0</c:v>
+                  <c:v>275000.01</c:v>
                 </c:pt>
                 <c:pt idx="8">
                   <c:v>0</c:v>
@@ -3606,6 +3751,9 @@
                 <c:pt idx="6">
                   <c:v>282548.76</c:v>
                 </c:pt>
+                <c:pt idx="7">
+                  <c:v>185202.39</c:v>
+                </c:pt>
               </c:numCache>
             </c:numRef>
           </c:val>
@@ -3634,11 +3782,11 @@
         </c:dLbls>
         <c:gapWidth val="219"/>
         <c:overlap val="-27"/>
-        <c:axId val="403180296"/>
-        <c:axId val="403181080"/>
+        <c:axId val="302763248"/>
+        <c:axId val="302755408"/>
       </c:barChart>
       <c:catAx>
-        <c:axId val="403180296"/>
+        <c:axId val="302763248"/>
         <c:scaling>
           <c:orientation val="minMax"/>
         </c:scaling>
@@ -3656,7 +3804,7 @@
             <a:round/>
           </a:ln>
         </c:spPr>
-        <c:crossAx val="403181080"/>
+        <c:crossAx val="302755408"/>
         <c:crosses val="autoZero"/>
         <c:auto val="1"/>
         <c:lblAlgn val="ctr"/>
@@ -3664,7 +3812,7 @@
         <c:noMultiLvlLbl val="1"/>
       </c:catAx>
       <c:valAx>
-        <c:axId val="403181080"/>
+        <c:axId val="302755408"/>
         <c:scaling>
           <c:orientation val="minMax"/>
         </c:scaling>
@@ -3689,7 +3837,7 @@
             <a:noFill/>
           </a:ln>
         </c:spPr>
-        <c:crossAx val="403180296"/>
+        <c:crossAx val="302763248"/>
         <c:crosses val="autoZero"/>
         <c:crossBetween val="between"/>
       </c:valAx>
@@ -3773,23 +3921,24 @@
               </a:ln>
               <a:effectLst/>
             </c:spPr>
-            <c:dLblPos val="ctr"/>
+            <c:dLblPos val="outEnd"/>
             <c:showLegendKey val="0"/>
-            <c:showVal val="0"/>
+            <c:showVal val="1"/>
             <c:showCatName val="0"/>
             <c:showSerName val="0"/>
             <c:showPercent val="0"/>
-            <c:showBubbleSize val="1"/>
+            <c:showBubbleSize val="0"/>
             <c:showLeaderLines val="0"/>
             <c:extLst>
               <c:ext xmlns:c15="http://schemas.microsoft.com/office/drawing/2012/chart" uri="{CE6537A1-D6FC-4f65-9D91-7224C49458BB}">
-                <c15:showLeaderLines val="0"/>
+                <c15:layout/>
+                <c15:showLeaderLines val="1"/>
               </c:ext>
             </c:extLst>
           </c:dLbls>
           <c:cat>
             <c:strRef>
-              <c:f>'Indice de Satisfacción'!$C$5:$C$16</c:f>
+              <c:f>'Indice de Satisfacción'!$C$6:$C$17</c:f>
               <c:strCache>
                 <c:ptCount val="12"/>
                 <c:pt idx="0">
@@ -3833,7 +3982,7 @@
           </c:cat>
           <c:val>
             <c:numRef>
-              <c:f>'Indice de Satisfacción'!$D$5:$D$16</c:f>
+              <c:f>'Indice de Satisfacción'!$D$6:$D$17</c:f>
               <c:numCache>
                 <c:formatCode>0.00%</c:formatCode>
                 <c:ptCount val="12"/>
@@ -3856,6 +4005,9 @@
                   <c:v>0.73329999999999995</c:v>
                 </c:pt>
                 <c:pt idx="6" formatCode="0%">
+                  <c:v>1</c:v>
+                </c:pt>
+                <c:pt idx="7" formatCode="0%">
                   <c:v>1</c:v>
                 </c:pt>
               </c:numCache>
@@ -3877,8 +4029,9 @@
           </c:extLst>
         </c:ser>
         <c:dLbls>
+          <c:dLblPos val="outEnd"/>
           <c:showLegendKey val="0"/>
-          <c:showVal val="0"/>
+          <c:showVal val="1"/>
           <c:showCatName val="0"/>
           <c:showSerName val="0"/>
           <c:showPercent val="0"/>
@@ -3886,11 +4039,11 @@
         </c:dLbls>
         <c:gapWidth val="219"/>
         <c:overlap val="-27"/>
-        <c:axId val="340536440"/>
-        <c:axId val="340532912"/>
+        <c:axId val="364170976"/>
+        <c:axId val="364167056"/>
       </c:barChart>
       <c:catAx>
-        <c:axId val="340536440"/>
+        <c:axId val="364170976"/>
         <c:scaling>
           <c:orientation val="minMax"/>
         </c:scaling>
@@ -3908,7 +4061,7 @@
             <a:round/>
           </a:ln>
         </c:spPr>
-        <c:crossAx val="340532912"/>
+        <c:crossAx val="364167056"/>
         <c:crosses val="autoZero"/>
         <c:auto val="1"/>
         <c:lblAlgn val="ctr"/>
@@ -3916,7 +4069,7 @@
         <c:noMultiLvlLbl val="1"/>
       </c:catAx>
       <c:valAx>
-        <c:axId val="340532912"/>
+        <c:axId val="364167056"/>
         <c:scaling>
           <c:orientation val="minMax"/>
           <c:max val="1"/>
@@ -3943,7 +4096,7 @@
             <a:noFill/>
           </a:ln>
         </c:spPr>
-        <c:crossAx val="340536440"/>
+        <c:crossAx val="364170976"/>
         <c:crosses val="autoZero"/>
         <c:crossBetween val="between"/>
       </c:valAx>
@@ -4000,7 +4153,7 @@
             </a:pPr>
             <a:r>
               <a:rPr lang="es-MX"/>
-              <a:t>Julio</a:t>
+              <a:t>Agosto</a:t>
             </a:r>
           </a:p>
         </c:rich>
@@ -4035,75 +4188,88 @@
               </a:ln>
               <a:effectLst/>
             </c:spPr>
-            <c:dLblPos val="ctr"/>
+            <c:dLblPos val="outEnd"/>
             <c:showLegendKey val="0"/>
-            <c:showVal val="0"/>
+            <c:showVal val="1"/>
             <c:showCatName val="0"/>
             <c:showSerName val="0"/>
             <c:showPercent val="0"/>
-            <c:showBubbleSize val="1"/>
+            <c:showBubbleSize val="0"/>
             <c:showLeaderLines val="0"/>
             <c:extLst>
               <c:ext xmlns:c15="http://schemas.microsoft.com/office/drawing/2012/chart" uri="{CE6537A1-D6FC-4f65-9D91-7224C49458BB}">
-                <c15:showLeaderLines val="0"/>
+                <c15:layout/>
+                <c15:showLeaderLines val="1"/>
               </c:ext>
             </c:extLst>
           </c:dLbls>
           <c:cat>
             <c:strRef>
-              <c:f>Producto!$B$6:$B$60</c:f>
+              <c:f>Producto!$B$3:$B$58</c:f>
               <c:strCache>
-                <c:ptCount val="7"/>
+                <c:ptCount val="9"/>
                 <c:pt idx="0">
+                  <c:v>Servicio de Asesoría y Soporte Técnico Vía Remota</c:v>
+                </c:pt>
+                <c:pt idx="1">
+                  <c:v>Hora de Desarrollo SOS Software</c:v>
+                </c:pt>
+                <c:pt idx="2">
+                  <c:v>Easy Retail Admin Usuario Adicional Producto Nuevo Tradicional</c:v>
+                </c:pt>
+                <c:pt idx="3">
                   <c:v>Paquete de 2 horas de Asesoría y Soporte Técnico Contpaq i®, Servicio vía Remota (Incluye 2 horas gratis por ser cliente distinguido)</c:v>
                 </c:pt>
-                <c:pt idx="1">
-                  <c:v>Servicio de Asesoría y Soporte Técnico Vía Remota</c:v>
-                </c:pt>
-                <c:pt idx="2">
-                  <c:v>Contpaq i® Nominas U. Base Actualización Especial Tradicional</c:v>
-                </c:pt>
-                <c:pt idx="3">
-                  <c:v>Paquete de 5 horas de Asesoría y Soporte Técnico Contpaq i®, Servicio vía Remota</c:v>
-                </c:pt>
                 <c:pt idx="4">
-                  <c:v>Contpaq i® Nominas U. Adicional Producto Nuevo Renta</c:v>
+                  <c:v>Contpaq i® Contabilidad U. Adicional Producto Nuevo Renta</c:v>
                 </c:pt>
                 <c:pt idx="5">
-                  <c:v>Contpaq i® Comercial U. Adicional Actualización Especial Tradicional</c:v>
+                  <c:v>Contpaq i® XML Línea + Multiempresa, Multiusuario Renta</c:v>
                 </c:pt>
                 <c:pt idx="6">
-                  <c:v>Contpaq i® Comercial U. Base Actualización Especial Tradicional</c:v>
+                  <c:v>Contpaq i® Nominas U. Base Producto Nuevo Renta</c:v>
+                </c:pt>
+                <c:pt idx="7">
+                  <c:v>Contpaq i® Contabilidad U. Base Producto Nuevo Renta</c:v>
+                </c:pt>
+                <c:pt idx="8">
+                  <c:v>Join Data</c:v>
                 </c:pt>
               </c:strCache>
             </c:strRef>
           </c:cat>
           <c:val>
             <c:numRef>
-              <c:f>Producto!$J$6:$J$60</c:f>
+              <c:f>Producto!$K$3:$K$58</c:f>
               <c:numCache>
                 <c:formatCode>General</c:formatCode>
-                <c:ptCount val="7"/>
+                <c:ptCount val="9"/>
                 <c:pt idx="0">
-                  <c:v>34</c:v>
+                  <c:v>31.5</c:v>
                 </c:pt>
                 <c:pt idx="1">
-                  <c:v>24</c:v>
+                  <c:v>30</c:v>
                 </c:pt>
                 <c:pt idx="2">
-                  <c:v>8</c:v>
+                  <c:v>23</c:v>
                 </c:pt>
                 <c:pt idx="3">
-                  <c:v>5</c:v>
+                  <c:v>17</c:v>
                 </c:pt>
                 <c:pt idx="4">
-                  <c:v>5</c:v>
+                  <c:v>7</c:v>
                 </c:pt>
                 <c:pt idx="5">
-                  <c:v>12</c:v>
+                  <c:v>7</c:v>
                 </c:pt>
                 <c:pt idx="6">
-                  <c:v>8</c:v>
+                  <c:v>4</c:v>
+                </c:pt>
+                <c:pt idx="7">
+                  <c:v>4</c:v>
+                </c:pt>
+                <c:pt idx="8">
+                  <c:v>3</c:v>
                 </c:pt>
               </c:numCache>
             </c:numRef>
@@ -4124,8 +4290,9 @@
           </c:extLst>
         </c:ser>
         <c:dLbls>
+          <c:dLblPos val="outEnd"/>
           <c:showLegendKey val="0"/>
-          <c:showVal val="0"/>
+          <c:showVal val="1"/>
           <c:showCatName val="0"/>
           <c:showSerName val="0"/>
           <c:showPercent val="0"/>
@@ -4133,11 +4300,11 @@
         </c:dLbls>
         <c:gapWidth val="219"/>
         <c:overlap val="-27"/>
-        <c:axId val="340955760"/>
-        <c:axId val="340956152"/>
+        <c:axId val="373413480"/>
+        <c:axId val="373414264"/>
       </c:barChart>
       <c:catAx>
-        <c:axId val="340955760"/>
+        <c:axId val="373413480"/>
         <c:scaling>
           <c:orientation val="minMax"/>
         </c:scaling>
@@ -4155,7 +4322,7 @@
             <a:round/>
           </a:ln>
         </c:spPr>
-        <c:crossAx val="340956152"/>
+        <c:crossAx val="373414264"/>
         <c:crosses val="autoZero"/>
         <c:auto val="1"/>
         <c:lblAlgn val="ctr"/>
@@ -4163,7 +4330,7 @@
         <c:noMultiLvlLbl val="1"/>
       </c:catAx>
       <c:valAx>
-        <c:axId val="340956152"/>
+        <c:axId val="373414264"/>
         <c:scaling>
           <c:orientation val="minMax"/>
         </c:scaling>
@@ -4188,16 +4355,10 @@
             <a:noFill/>
           </a:ln>
         </c:spPr>
-        <c:crossAx val="340955760"/>
+        <c:crossAx val="373413480"/>
         <c:crosses val="autoZero"/>
         <c:crossBetween val="between"/>
       </c:valAx>
-      <c:dTable>
-        <c:showHorzBorder val="1"/>
-        <c:showVertBorder val="1"/>
-        <c:showOutline val="1"/>
-        <c:showKeys val="1"/>
-      </c:dTable>
       <c:spPr>
         <a:noFill/>
         <a:ln>
@@ -4269,7 +4430,9 @@
       <c:layout/>
       <c:overlay val="0"/>
       <c:spPr>
-        <a:noFill/>
+        <a:solidFill>
+          <a:schemeClr val="bg1"/>
+        </a:solidFill>
         <a:ln>
           <a:noFill/>
         </a:ln>
@@ -4327,6 +4490,65 @@
             <a:effectLst/>
           </c:spPr>
           <c:invertIfNegative val="0"/>
+          <c:dLbls>
+            <c:spPr>
+              <a:noFill/>
+              <a:ln>
+                <a:noFill/>
+              </a:ln>
+              <a:effectLst/>
+            </c:spPr>
+            <c:txPr>
+              <a:bodyPr rot="0" spcFirstLastPara="1" vertOverflow="ellipsis" vert="horz" wrap="square" lIns="38100" tIns="19050" rIns="38100" bIns="19050" anchor="ctr" anchorCtr="1">
+                <a:spAutoFit/>
+              </a:bodyPr>
+              <a:lstStyle/>
+              <a:p>
+                <a:pPr>
+                  <a:defRPr sz="900" b="0" i="0" u="none" strike="noStrike" kern="1200" baseline="0">
+                    <a:solidFill>
+                      <a:schemeClr val="tx1">
+                        <a:lumMod val="75000"/>
+                        <a:lumOff val="25000"/>
+                      </a:schemeClr>
+                    </a:solidFill>
+                    <a:latin typeface="+mn-lt"/>
+                    <a:ea typeface="+mn-ea"/>
+                    <a:cs typeface="+mn-cs"/>
+                  </a:defRPr>
+                </a:pPr>
+                <a:endParaRPr lang="es-MX"/>
+              </a:p>
+            </c:txPr>
+            <c:dLblPos val="outEnd"/>
+            <c:showLegendKey val="0"/>
+            <c:showVal val="1"/>
+            <c:showCatName val="0"/>
+            <c:showSerName val="0"/>
+            <c:showPercent val="0"/>
+            <c:showBubbleSize val="0"/>
+            <c:showLeaderLines val="0"/>
+            <c:extLst>
+              <c:ext xmlns:c15="http://schemas.microsoft.com/office/drawing/2012/chart" uri="{CE6537A1-D6FC-4f65-9D91-7224C49458BB}">
+                <c15:layout/>
+                <c15:showLeaderLines val="1"/>
+                <c15:leaderLines>
+                  <c:spPr>
+                    <a:ln w="9525" cap="flat" cmpd="sng" algn="ctr">
+                      <a:solidFill>
+                        <a:schemeClr val="tx1">
+                          <a:lumMod val="35000"/>
+                          <a:lumOff val="65000"/>
+                        </a:schemeClr>
+                      </a:solidFill>
+                      <a:round/>
+                    </a:ln>
+                    <a:effectLst/>
+                  </c:spPr>
+                </c15:leaderLines>
+              </c:ext>
+            </c:extLst>
+          </c:dLbls>
           <c:cat>
             <c:strRef>
               <c:f>Actividades!$B$5:$B$16</c:f>
@@ -4382,6 +4604,9 @@
                 </c:pt>
                 <c:pt idx="6">
                   <c:v>6</c:v>
+                </c:pt>
+                <c:pt idx="7">
+                  <c:v>13</c:v>
                 </c:pt>
               </c:numCache>
             </c:numRef>
@@ -4412,6 +4637,65 @@
             <a:effectLst/>
           </c:spPr>
           <c:invertIfNegative val="0"/>
+          <c:dLbls>
+            <c:spPr>
+              <a:noFill/>
+              <a:ln>
+                <a:noFill/>
+              </a:ln>
+              <a:effectLst/>
+            </c:spPr>
+            <c:txPr>
+              <a:bodyPr rot="0" spcFirstLastPara="1" vertOverflow="ellipsis" vert="horz" wrap="square" lIns="38100" tIns="19050" rIns="38100" bIns="19050" anchor="ctr" anchorCtr="1">
+                <a:spAutoFit/>
+              </a:bodyPr>
+              <a:lstStyle/>
+              <a:p>
+                <a:pPr>
+                  <a:defRPr sz="900" b="0" i="0" u="none" strike="noStrike" kern="1200" baseline="0">
+                    <a:solidFill>
+                      <a:schemeClr val="tx1">
+                        <a:lumMod val="75000"/>
+                        <a:lumOff val="25000"/>
+                      </a:schemeClr>
+                    </a:solidFill>
+                    <a:latin typeface="+mn-lt"/>
+                    <a:ea typeface="+mn-ea"/>
+                    <a:cs typeface="+mn-cs"/>
+                  </a:defRPr>
+                </a:pPr>
+                <a:endParaRPr lang="es-MX"/>
+              </a:p>
+            </c:txPr>
+            <c:dLblPos val="outEnd"/>
+            <c:showLegendKey val="0"/>
+            <c:showVal val="1"/>
+            <c:showCatName val="0"/>
+            <c:showSerName val="0"/>
+            <c:showPercent val="0"/>
+            <c:showBubbleSize val="0"/>
+            <c:showLeaderLines val="0"/>
+            <c:extLst>
+              <c:ext xmlns:c15="http://schemas.microsoft.com/office/drawing/2012/chart" uri="{CE6537A1-D6FC-4f65-9D91-7224C49458BB}">
+                <c15:layout/>
+                <c15:showLeaderLines val="1"/>
+                <c15:leaderLines>
+                  <c:spPr>
+                    <a:ln w="9525" cap="flat" cmpd="sng" algn="ctr">
+                      <a:solidFill>
+                        <a:schemeClr val="tx1">
+                          <a:lumMod val="35000"/>
+                          <a:lumOff val="65000"/>
+                        </a:schemeClr>
+                      </a:solidFill>
+                      <a:round/>
+                    </a:ln>
+                    <a:effectLst/>
+                  </c:spPr>
+                </c15:leaderLines>
+              </c:ext>
+            </c:extLst>
+          </c:dLbls>
           <c:cat>
             <c:strRef>
               <c:f>Actividades!$B$5:$B$16</c:f>
@@ -4468,13 +4752,17 @@
                 <c:pt idx="6">
                   <c:v>12</c:v>
                 </c:pt>
+                <c:pt idx="7">
+                  <c:v>10</c:v>
+                </c:pt>
               </c:numCache>
             </c:numRef>
           </c:val>
         </c:ser>
         <c:dLbls>
+          <c:dLblPos val="outEnd"/>
           <c:showLegendKey val="0"/>
-          <c:showVal val="0"/>
+          <c:showVal val="1"/>
           <c:showCatName val="0"/>
           <c:showSerName val="0"/>
           <c:showPercent val="0"/>
@@ -4482,11 +4770,11 @@
         </c:dLbls>
         <c:gapWidth val="219"/>
         <c:overlap val="-27"/>
-        <c:axId val="238010152"/>
-        <c:axId val="238006232"/>
+        <c:axId val="364170192"/>
+        <c:axId val="364177248"/>
       </c:barChart>
       <c:catAx>
-        <c:axId val="238010152"/>
+        <c:axId val="364170192"/>
         <c:scaling>
           <c:orientation val="minMax"/>
         </c:scaling>
@@ -4529,7 +4817,7 @@
             <a:endParaRPr lang="es-MX"/>
           </a:p>
         </c:txPr>
-        <c:crossAx val="238006232"/>
+        <c:crossAx val="364177248"/>
         <c:crosses val="autoZero"/>
         <c:auto val="1"/>
         <c:lblAlgn val="ctr"/>
@@ -4537,7 +4825,7 @@
         <c:noMultiLvlLbl val="0"/>
       </c:catAx>
       <c:valAx>
-        <c:axId val="238006232"/>
+        <c:axId val="364177248"/>
         <c:scaling>
           <c:orientation val="minMax"/>
         </c:scaling>
@@ -4588,9 +4876,10 @@
             <a:endParaRPr lang="es-MX"/>
           </a:p>
         </c:txPr>
-        <c:crossAx val="238010152"/>
+        <c:crossAx val="364170192"/>
         <c:crosses val="autoZero"/>
         <c:crossBetween val="between"/>
+        <c:majorUnit val="2"/>
       </c:valAx>
       <c:spPr>
         <a:noFill/>
@@ -4762,6 +5051,65 @@
             <a:effectLst/>
           </c:spPr>
           <c:invertIfNegative val="0"/>
+          <c:dLbls>
+            <c:spPr>
+              <a:noFill/>
+              <a:ln>
+                <a:noFill/>
+              </a:ln>
+              <a:effectLst/>
+            </c:spPr>
+            <c:txPr>
+              <a:bodyPr rot="0" spcFirstLastPara="1" vertOverflow="ellipsis" vert="horz" wrap="square" lIns="38100" tIns="19050" rIns="38100" bIns="19050" anchor="ctr" anchorCtr="1">
+                <a:spAutoFit/>
+              </a:bodyPr>
+              <a:lstStyle/>
+              <a:p>
+                <a:pPr>
+                  <a:defRPr sz="900" b="0" i="0" u="none" strike="noStrike" kern="1200" baseline="0">
+                    <a:solidFill>
+                      <a:schemeClr val="tx1">
+                        <a:lumMod val="75000"/>
+                        <a:lumOff val="25000"/>
+                      </a:schemeClr>
+                    </a:solidFill>
+                    <a:latin typeface="+mn-lt"/>
+                    <a:ea typeface="+mn-ea"/>
+                    <a:cs typeface="+mn-cs"/>
+                  </a:defRPr>
+                </a:pPr>
+                <a:endParaRPr lang="es-MX"/>
+              </a:p>
+            </c:txPr>
+            <c:dLblPos val="outEnd"/>
+            <c:showLegendKey val="0"/>
+            <c:showVal val="1"/>
+            <c:showCatName val="0"/>
+            <c:showSerName val="0"/>
+            <c:showPercent val="0"/>
+            <c:showBubbleSize val="0"/>
+            <c:showLeaderLines val="0"/>
+            <c:extLst>
+              <c:ext xmlns:c15="http://schemas.microsoft.com/office/drawing/2012/chart" uri="{CE6537A1-D6FC-4f65-9D91-7224C49458BB}">
+                <c15:layout/>
+                <c15:showLeaderLines val="1"/>
+                <c15:leaderLines>
+                  <c:spPr>
+                    <a:ln w="9525" cap="flat" cmpd="sng" algn="ctr">
+                      <a:solidFill>
+                        <a:schemeClr val="tx1">
+                          <a:lumMod val="35000"/>
+                          <a:lumOff val="65000"/>
+                        </a:schemeClr>
+                      </a:solidFill>
+                      <a:round/>
+                    </a:ln>
+                    <a:effectLst/>
+                  </c:spPr>
+                </c15:leaderLines>
+              </c:ext>
+            </c:extLst>
+          </c:dLbls>
           <c:cat>
             <c:strRef>
               <c:f>Actividades!$B$5:$B$16</c:f>
@@ -4817,6 +5165,9 @@
                 </c:pt>
                 <c:pt idx="6">
                   <c:v>0</c:v>
+                </c:pt>
+                <c:pt idx="7">
+                  <c:v>1</c:v>
                 </c:pt>
               </c:numCache>
             </c:numRef>
@@ -4847,6 +5198,65 @@
             <a:effectLst/>
           </c:spPr>
           <c:invertIfNegative val="0"/>
+          <c:dLbls>
+            <c:spPr>
+              <a:noFill/>
+              <a:ln>
+                <a:noFill/>
+              </a:ln>
+              <a:effectLst/>
+            </c:spPr>
+            <c:txPr>
+              <a:bodyPr rot="0" spcFirstLastPara="1" vertOverflow="ellipsis" vert="horz" wrap="square" lIns="38100" tIns="19050" rIns="38100" bIns="19050" anchor="ctr" anchorCtr="1">
+                <a:spAutoFit/>
+              </a:bodyPr>
+              <a:lstStyle/>
+              <a:p>
+                <a:pPr>
+                  <a:defRPr sz="900" b="0" i="0" u="none" strike="noStrike" kern="1200" baseline="0">
+                    <a:solidFill>
+                      <a:schemeClr val="tx1">
+                        <a:lumMod val="75000"/>
+                        <a:lumOff val="25000"/>
+                      </a:schemeClr>
+                    </a:solidFill>
+                    <a:latin typeface="+mn-lt"/>
+                    <a:ea typeface="+mn-ea"/>
+                    <a:cs typeface="+mn-cs"/>
+                  </a:defRPr>
+                </a:pPr>
+                <a:endParaRPr lang="es-MX"/>
+              </a:p>
+            </c:txPr>
+            <c:dLblPos val="outEnd"/>
+            <c:showLegendKey val="0"/>
+            <c:showVal val="1"/>
+            <c:showCatName val="0"/>
+            <c:showSerName val="0"/>
+            <c:showPercent val="0"/>
+            <c:showBubbleSize val="0"/>
+            <c:showLeaderLines val="0"/>
+            <c:extLst>
+              <c:ext xmlns:c15="http://schemas.microsoft.com/office/drawing/2012/chart" uri="{CE6537A1-D6FC-4f65-9D91-7224C49458BB}">
+                <c15:layout/>
+                <c15:showLeaderLines val="1"/>
+                <c15:leaderLines>
+                  <c:spPr>
+                    <a:ln w="9525" cap="flat" cmpd="sng" algn="ctr">
+                      <a:solidFill>
+                        <a:schemeClr val="tx1">
+                          <a:lumMod val="35000"/>
+                          <a:lumOff val="65000"/>
+                        </a:schemeClr>
+                      </a:solidFill>
+                      <a:round/>
+                    </a:ln>
+                    <a:effectLst/>
+                  </c:spPr>
+                </c15:leaderLines>
+              </c:ext>
+            </c:extLst>
+          </c:dLbls>
           <c:cat>
             <c:strRef>
               <c:f>Actividades!$B$5:$B$16</c:f>
@@ -4903,13 +5313,17 @@
                 <c:pt idx="6">
                   <c:v>3</c:v>
                 </c:pt>
+                <c:pt idx="7">
+                  <c:v>2</c:v>
+                </c:pt>
               </c:numCache>
             </c:numRef>
           </c:val>
         </c:ser>
         <c:dLbls>
+          <c:dLblPos val="outEnd"/>
           <c:showLegendKey val="0"/>
-          <c:showVal val="0"/>
+          <c:showVal val="1"/>
           <c:showCatName val="0"/>
           <c:showSerName val="0"/>
           <c:showPercent val="0"/>
@@ -4917,11 +5331,11 @@
         </c:dLbls>
         <c:gapWidth val="219"/>
         <c:overlap val="-27"/>
-        <c:axId val="346587848"/>
-        <c:axId val="346583144"/>
+        <c:axId val="302767168"/>
+        <c:axId val="302755016"/>
       </c:barChart>
       <c:catAx>
-        <c:axId val="346587848"/>
+        <c:axId val="302767168"/>
         <c:scaling>
           <c:orientation val="minMax"/>
         </c:scaling>
@@ -4964,7 +5378,7 @@
             <a:endParaRPr lang="es-MX"/>
           </a:p>
         </c:txPr>
-        <c:crossAx val="346583144"/>
+        <c:crossAx val="302755016"/>
         <c:crosses val="autoZero"/>
         <c:auto val="1"/>
         <c:lblAlgn val="ctr"/>
@@ -4972,9 +5386,10 @@
         <c:noMultiLvlLbl val="0"/>
       </c:catAx>
       <c:valAx>
-        <c:axId val="346583144"/>
+        <c:axId val="302755016"/>
         <c:scaling>
           <c:orientation val="minMax"/>
+          <c:max val="20"/>
         </c:scaling>
         <c:delete val="0"/>
         <c:axPos val="l"/>
@@ -5023,9 +5438,10 @@
             <a:endParaRPr lang="es-MX"/>
           </a:p>
         </c:txPr>
-        <c:crossAx val="346587848"/>
+        <c:crossAx val="302767168"/>
         <c:crosses val="autoZero"/>
         <c:crossBetween val="between"/>
+        <c:majorUnit val="2"/>
       </c:valAx>
       <c:spPr>
         <a:noFill/>
@@ -5097,612 +5513,6 @@
 </file>
 
 <file path=ppt/charts/chart25.xml><?xml version="1.0" encoding="utf-8"?>
-<c:chartSpace xmlns:c="http://schemas.openxmlformats.org/drawingml/2006/chart" xmlns:a="http://schemas.openxmlformats.org/drawingml/2006/main" xmlns:r="http://schemas.openxmlformats.org/officeDocument/2006/relationships">
-  <c:date1904 val="0"/>
-  <c:lang val="es-ES"/>
-  <c:roundedCorners val="0"/>
-  <mc:AlternateContent xmlns:mc="http://schemas.openxmlformats.org/markup-compatibility/2006">
-    <mc:Choice xmlns:c14="http://schemas.microsoft.com/office/drawing/2007/8/2/chart" Requires="c14">
-      <c14:style val="102"/>
-    </mc:Choice>
-    <mc:Fallback>
-      <c:style val="2"/>
-    </mc:Fallback>
-  </mc:AlternateContent>
-  <c:chart>
-    <c:title>
-      <c:tx>
-        <c:rich>
-          <a:bodyPr rot="0" spcFirstLastPara="1" vertOverflow="ellipsis" vert="horz" wrap="square" anchor="ctr" anchorCtr="1"/>
-          <a:lstStyle/>
-          <a:p>
-            <a:pPr>
-              <a:defRPr sz="1400" b="0" i="0" u="none" strike="noStrike" kern="1200" spc="0" baseline="0">
-                <a:solidFill>
-                  <a:schemeClr val="tx1">
-                    <a:lumMod val="65000"/>
-                    <a:lumOff val="35000"/>
-                  </a:schemeClr>
-                </a:solidFill>
-                <a:latin typeface="+mn-lt"/>
-                <a:ea typeface="+mn-ea"/>
-                <a:cs typeface="+mn-cs"/>
-              </a:defRPr>
-            </a:pPr>
-            <a:r>
-              <a:rPr lang="es-MX"/>
-              <a:t>Julio</a:t>
-            </a:r>
-          </a:p>
-        </c:rich>
-      </c:tx>
-      <c:layout/>
-      <c:overlay val="0"/>
-      <c:spPr>
-        <a:noFill/>
-        <a:ln>
-          <a:noFill/>
-        </a:ln>
-        <a:effectLst/>
-      </c:spPr>
-      <c:txPr>
-        <a:bodyPr rot="0" spcFirstLastPara="1" vertOverflow="ellipsis" vert="horz" wrap="square" anchor="ctr" anchorCtr="1"/>
-        <a:lstStyle/>
-        <a:p>
-          <a:pPr>
-            <a:defRPr sz="1400" b="0" i="0" u="none" strike="noStrike" kern="1200" spc="0" baseline="0">
-              <a:solidFill>
-                <a:schemeClr val="tx1">
-                  <a:lumMod val="65000"/>
-                  <a:lumOff val="35000"/>
-                </a:schemeClr>
-              </a:solidFill>
-              <a:latin typeface="+mn-lt"/>
-              <a:ea typeface="+mn-ea"/>
-              <a:cs typeface="+mn-cs"/>
-            </a:defRPr>
-          </a:pPr>
-          <a:endParaRPr lang="es-MX"/>
-        </a:p>
-      </c:txPr>
-    </c:title>
-    <c:autoTitleDeleted val="0"/>
-    <c:plotArea>
-      <c:layout/>
-      <c:barChart>
-        <c:barDir val="col"/>
-        <c:grouping val="clustered"/>
-        <c:varyColors val="0"/>
-        <c:ser>
-          <c:idx val="0"/>
-          <c:order val="0"/>
-          <c:tx>
-            <c:strRef>
-              <c:f>'Monitoreo de Actividades'!$B$3</c:f>
-              <c:strCache>
-                <c:ptCount val="1"/>
-              </c:strCache>
-            </c:strRef>
-          </c:tx>
-          <c:spPr>
-            <a:solidFill>
-              <a:schemeClr val="accent1"/>
-            </a:solidFill>
-            <a:ln>
-              <a:noFill/>
-            </a:ln>
-            <a:effectLst/>
-          </c:spPr>
-          <c:invertIfNegative val="0"/>
-          <c:dLbls>
-            <c:spPr>
-              <a:noFill/>
-              <a:ln>
-                <a:noFill/>
-              </a:ln>
-              <a:effectLst/>
-            </c:spPr>
-            <c:txPr>
-              <a:bodyPr rot="0" spcFirstLastPara="1" vertOverflow="ellipsis" vert="horz" wrap="square" lIns="38100" tIns="19050" rIns="38100" bIns="19050" anchor="ctr" anchorCtr="1">
-                <a:spAutoFit/>
-              </a:bodyPr>
-              <a:lstStyle/>
-              <a:p>
-                <a:pPr>
-                  <a:defRPr sz="900" b="0" i="0" u="none" strike="noStrike" kern="1200" baseline="0">
-                    <a:solidFill>
-                      <a:schemeClr val="tx1">
-                        <a:lumMod val="75000"/>
-                        <a:lumOff val="25000"/>
-                      </a:schemeClr>
-                    </a:solidFill>
-                    <a:latin typeface="+mn-lt"/>
-                    <a:ea typeface="+mn-ea"/>
-                    <a:cs typeface="+mn-cs"/>
-                  </a:defRPr>
-                </a:pPr>
-                <a:endParaRPr lang="es-MX"/>
-              </a:p>
-            </c:txPr>
-            <c:dLblPos val="outEnd"/>
-            <c:showLegendKey val="0"/>
-            <c:showVal val="1"/>
-            <c:showCatName val="0"/>
-            <c:showSerName val="0"/>
-            <c:showPercent val="0"/>
-            <c:showBubbleSize val="0"/>
-            <c:showLeaderLines val="0"/>
-            <c:extLst>
-              <c:ext xmlns:c15="http://schemas.microsoft.com/office/drawing/2012/chart" uri="{CE6537A1-D6FC-4f65-9D91-7224C49458BB}">
-                <c15:showLeaderLines val="1"/>
-                <c15:leaderLines>
-                  <c:spPr>
-                    <a:ln w="9525" cap="flat" cmpd="sng" algn="ctr">
-                      <a:solidFill>
-                        <a:schemeClr val="tx1">
-                          <a:lumMod val="35000"/>
-                          <a:lumOff val="65000"/>
-                        </a:schemeClr>
-                      </a:solidFill>
-                      <a:round/>
-                    </a:ln>
-                    <a:effectLst/>
-                  </c:spPr>
-                </c15:leaderLines>
-              </c:ext>
-            </c:extLst>
-          </c:dLbls>
-          <c:cat>
-            <c:strRef>
-              <c:f>'Monitoreo de Actividades'!$C$4:$G$4</c:f>
-              <c:strCache>
-                <c:ptCount val="5"/>
-                <c:pt idx="0">
-                  <c:v>Ventas</c:v>
-                </c:pt>
-                <c:pt idx="1">
-                  <c:v>Soporte</c:v>
-                </c:pt>
-                <c:pt idx="2">
-                  <c:v>Planeación Anual</c:v>
-                </c:pt>
-                <c:pt idx="3">
-                  <c:v>Organizacionales</c:v>
-                </c:pt>
-                <c:pt idx="4">
-                  <c:v>Compras</c:v>
-                </c:pt>
-              </c:strCache>
-            </c:strRef>
-          </c:cat>
-          <c:val>
-            <c:numRef>
-              <c:f>'Monitoreo de Actividades'!$C$3:$G$3</c:f>
-              <c:numCache>
-                <c:formatCode>General</c:formatCode>
-                <c:ptCount val="5"/>
-              </c:numCache>
-            </c:numRef>
-          </c:val>
-        </c:ser>
-        <c:ser>
-          <c:idx val="1"/>
-          <c:order val="1"/>
-          <c:tx>
-            <c:strRef>
-              <c:f>'Monitoreo de Actividades'!$B$4</c:f>
-              <c:strCache>
-                <c:ptCount val="1"/>
-              </c:strCache>
-            </c:strRef>
-          </c:tx>
-          <c:spPr>
-            <a:solidFill>
-              <a:schemeClr val="accent3"/>
-            </a:solidFill>
-            <a:ln>
-              <a:noFill/>
-            </a:ln>
-            <a:effectLst/>
-          </c:spPr>
-          <c:invertIfNegative val="0"/>
-          <c:dLbls>
-            <c:spPr>
-              <a:noFill/>
-              <a:ln>
-                <a:noFill/>
-              </a:ln>
-              <a:effectLst/>
-            </c:spPr>
-            <c:txPr>
-              <a:bodyPr rot="0" spcFirstLastPara="1" vertOverflow="ellipsis" vert="horz" wrap="square" lIns="38100" tIns="19050" rIns="38100" bIns="19050" anchor="ctr" anchorCtr="1">
-                <a:spAutoFit/>
-              </a:bodyPr>
-              <a:lstStyle/>
-              <a:p>
-                <a:pPr>
-                  <a:defRPr sz="900" b="0" i="0" u="none" strike="noStrike" kern="1200" baseline="0">
-                    <a:solidFill>
-                      <a:schemeClr val="tx1">
-                        <a:lumMod val="75000"/>
-                        <a:lumOff val="25000"/>
-                      </a:schemeClr>
-                    </a:solidFill>
-                    <a:latin typeface="+mn-lt"/>
-                    <a:ea typeface="+mn-ea"/>
-                    <a:cs typeface="+mn-cs"/>
-                  </a:defRPr>
-                </a:pPr>
-                <a:endParaRPr lang="es-MX"/>
-              </a:p>
-            </c:txPr>
-            <c:dLblPos val="outEnd"/>
-            <c:showLegendKey val="0"/>
-            <c:showVal val="1"/>
-            <c:showCatName val="0"/>
-            <c:showSerName val="0"/>
-            <c:showPercent val="0"/>
-            <c:showBubbleSize val="0"/>
-            <c:showLeaderLines val="0"/>
-            <c:extLst>
-              <c:ext xmlns:c15="http://schemas.microsoft.com/office/drawing/2012/chart" uri="{CE6537A1-D6FC-4f65-9D91-7224C49458BB}">
-                <c15:layout/>
-                <c15:showLeaderLines val="1"/>
-                <c15:leaderLines>
-                  <c:spPr>
-                    <a:ln w="9525" cap="flat" cmpd="sng" algn="ctr">
-                      <a:solidFill>
-                        <a:schemeClr val="tx1">
-                          <a:lumMod val="35000"/>
-                          <a:lumOff val="65000"/>
-                        </a:schemeClr>
-                      </a:solidFill>
-                      <a:round/>
-                    </a:ln>
-                    <a:effectLst/>
-                  </c:spPr>
-                </c15:leaderLines>
-              </c:ext>
-            </c:extLst>
-          </c:dLbls>
-          <c:cat>
-            <c:strRef>
-              <c:f>'Monitoreo de Actividades'!$C$4:$G$4</c:f>
-              <c:strCache>
-                <c:ptCount val="5"/>
-                <c:pt idx="0">
-                  <c:v>Ventas</c:v>
-                </c:pt>
-                <c:pt idx="1">
-                  <c:v>Soporte</c:v>
-                </c:pt>
-                <c:pt idx="2">
-                  <c:v>Planeación Anual</c:v>
-                </c:pt>
-                <c:pt idx="3">
-                  <c:v>Organizacionales</c:v>
-                </c:pt>
-                <c:pt idx="4">
-                  <c:v>Compras</c:v>
-                </c:pt>
-              </c:strCache>
-            </c:strRef>
-          </c:cat>
-          <c:val>
-            <c:numRef>
-              <c:f>'Monitoreo de Actividades'!$C$4:$G$4</c:f>
-              <c:numCache>
-                <c:formatCode>General</c:formatCode>
-                <c:ptCount val="5"/>
-                <c:pt idx="0">
-                  <c:v>0</c:v>
-                </c:pt>
-                <c:pt idx="1">
-                  <c:v>0</c:v>
-                </c:pt>
-                <c:pt idx="2">
-                  <c:v>0</c:v>
-                </c:pt>
-                <c:pt idx="3">
-                  <c:v>0</c:v>
-                </c:pt>
-                <c:pt idx="4">
-                  <c:v>0</c:v>
-                </c:pt>
-              </c:numCache>
-            </c:numRef>
-          </c:val>
-        </c:ser>
-        <c:ser>
-          <c:idx val="2"/>
-          <c:order val="2"/>
-          <c:tx>
-            <c:strRef>
-              <c:f>'Monitoreo de Actividades'!$B$11</c:f>
-              <c:strCache>
-                <c:ptCount val="1"/>
-                <c:pt idx="0">
-                  <c:v>Julio</c:v>
-                </c:pt>
-              </c:strCache>
-            </c:strRef>
-          </c:tx>
-          <c:spPr>
-            <a:solidFill>
-              <a:schemeClr val="accent5"/>
-            </a:solidFill>
-            <a:ln>
-              <a:noFill/>
-            </a:ln>
-            <a:effectLst/>
-          </c:spPr>
-          <c:invertIfNegative val="0"/>
-          <c:dLbls>
-            <c:spPr>
-              <a:noFill/>
-              <a:ln>
-                <a:noFill/>
-              </a:ln>
-              <a:effectLst/>
-            </c:spPr>
-            <c:txPr>
-              <a:bodyPr rot="0" spcFirstLastPara="1" vertOverflow="ellipsis" vert="horz" wrap="square" lIns="38100" tIns="19050" rIns="38100" bIns="19050" anchor="ctr" anchorCtr="1">
-                <a:spAutoFit/>
-              </a:bodyPr>
-              <a:lstStyle/>
-              <a:p>
-                <a:pPr>
-                  <a:defRPr sz="900" b="0" i="0" u="none" strike="noStrike" kern="1200" baseline="0">
-                    <a:solidFill>
-                      <a:schemeClr val="tx1">
-                        <a:lumMod val="75000"/>
-                        <a:lumOff val="25000"/>
-                      </a:schemeClr>
-                    </a:solidFill>
-                    <a:latin typeface="+mn-lt"/>
-                    <a:ea typeface="+mn-ea"/>
-                    <a:cs typeface="+mn-cs"/>
-                  </a:defRPr>
-                </a:pPr>
-                <a:endParaRPr lang="es-MX"/>
-              </a:p>
-            </c:txPr>
-            <c:dLblPos val="outEnd"/>
-            <c:showLegendKey val="0"/>
-            <c:showVal val="1"/>
-            <c:showCatName val="0"/>
-            <c:showSerName val="0"/>
-            <c:showPercent val="0"/>
-            <c:showBubbleSize val="0"/>
-            <c:showLeaderLines val="0"/>
-            <c:extLst>
-              <c:ext xmlns:c15="http://schemas.microsoft.com/office/drawing/2012/chart" uri="{CE6537A1-D6FC-4f65-9D91-7224C49458BB}">
-                <c15:layout/>
-                <c15:showLeaderLines val="1"/>
-                <c15:leaderLines>
-                  <c:spPr>
-                    <a:ln w="9525" cap="flat" cmpd="sng" algn="ctr">
-                      <a:solidFill>
-                        <a:schemeClr val="tx1">
-                          <a:lumMod val="35000"/>
-                          <a:lumOff val="65000"/>
-                        </a:schemeClr>
-                      </a:solidFill>
-                      <a:round/>
-                    </a:ln>
-                    <a:effectLst/>
-                  </c:spPr>
-                </c15:leaderLines>
-              </c:ext>
-            </c:extLst>
-          </c:dLbls>
-          <c:cat>
-            <c:strRef>
-              <c:f>'Monitoreo de Actividades'!$C$4:$G$4</c:f>
-              <c:strCache>
-                <c:ptCount val="5"/>
-                <c:pt idx="0">
-                  <c:v>Ventas</c:v>
-                </c:pt>
-                <c:pt idx="1">
-                  <c:v>Soporte</c:v>
-                </c:pt>
-                <c:pt idx="2">
-                  <c:v>Planeación Anual</c:v>
-                </c:pt>
-                <c:pt idx="3">
-                  <c:v>Organizacionales</c:v>
-                </c:pt>
-                <c:pt idx="4">
-                  <c:v>Compras</c:v>
-                </c:pt>
-              </c:strCache>
-            </c:strRef>
-          </c:cat>
-          <c:val>
-            <c:numRef>
-              <c:f>'Monitoreo de Actividades'!$C$11:$G$11</c:f>
-              <c:numCache>
-                <c:formatCode>0.00%</c:formatCode>
-                <c:ptCount val="5"/>
-                <c:pt idx="0">
-                  <c:v>0.5</c:v>
-                </c:pt>
-                <c:pt idx="1">
-                  <c:v>1</c:v>
-                </c:pt>
-                <c:pt idx="2">
-                  <c:v>0</c:v>
-                </c:pt>
-                <c:pt idx="3">
-                  <c:v>1</c:v>
-                </c:pt>
-                <c:pt idx="4">
-                  <c:v>1</c:v>
-                </c:pt>
-              </c:numCache>
-            </c:numRef>
-          </c:val>
-        </c:ser>
-        <c:dLbls>
-          <c:dLblPos val="outEnd"/>
-          <c:showLegendKey val="0"/>
-          <c:showVal val="1"/>
-          <c:showCatName val="0"/>
-          <c:showSerName val="0"/>
-          <c:showPercent val="0"/>
-          <c:showBubbleSize val="0"/>
-        </c:dLbls>
-        <c:gapWidth val="219"/>
-        <c:overlap val="-27"/>
-        <c:axId val="341324936"/>
-        <c:axId val="341329640"/>
-      </c:barChart>
-      <c:catAx>
-        <c:axId val="341324936"/>
-        <c:scaling>
-          <c:orientation val="minMax"/>
-        </c:scaling>
-        <c:delete val="0"/>
-        <c:axPos val="b"/>
-        <c:numFmt formatCode="General" sourceLinked="1"/>
-        <c:majorTickMark val="none"/>
-        <c:minorTickMark val="none"/>
-        <c:tickLblPos val="nextTo"/>
-        <c:spPr>
-          <a:noFill/>
-          <a:ln w="9525" cap="flat" cmpd="sng" algn="ctr">
-            <a:solidFill>
-              <a:schemeClr val="tx1">
-                <a:lumMod val="15000"/>
-                <a:lumOff val="85000"/>
-              </a:schemeClr>
-            </a:solidFill>
-            <a:round/>
-          </a:ln>
-          <a:effectLst/>
-        </c:spPr>
-        <c:txPr>
-          <a:bodyPr rot="-60000000" spcFirstLastPara="1" vertOverflow="ellipsis" vert="horz" wrap="square" anchor="ctr" anchorCtr="1"/>
-          <a:lstStyle/>
-          <a:p>
-            <a:pPr>
-              <a:defRPr sz="900" b="0" i="0" u="none" strike="noStrike" kern="1200" baseline="0">
-                <a:solidFill>
-                  <a:schemeClr val="tx1">
-                    <a:lumMod val="65000"/>
-                    <a:lumOff val="35000"/>
-                  </a:schemeClr>
-                </a:solidFill>
-                <a:latin typeface="+mn-lt"/>
-                <a:ea typeface="+mn-ea"/>
-                <a:cs typeface="+mn-cs"/>
-              </a:defRPr>
-            </a:pPr>
-            <a:endParaRPr lang="es-MX"/>
-          </a:p>
-        </c:txPr>
-        <c:crossAx val="341329640"/>
-        <c:crosses val="autoZero"/>
-        <c:auto val="1"/>
-        <c:lblAlgn val="ctr"/>
-        <c:lblOffset val="100"/>
-        <c:noMultiLvlLbl val="0"/>
-      </c:catAx>
-      <c:valAx>
-        <c:axId val="341329640"/>
-        <c:scaling>
-          <c:orientation val="minMax"/>
-        </c:scaling>
-        <c:delete val="0"/>
-        <c:axPos val="l"/>
-        <c:majorGridlines>
-          <c:spPr>
-            <a:ln w="9525" cap="flat" cmpd="sng" algn="ctr">
-              <a:solidFill>
-                <a:schemeClr val="tx1">
-                  <a:lumMod val="15000"/>
-                  <a:lumOff val="85000"/>
-                </a:schemeClr>
-              </a:solidFill>
-              <a:round/>
-            </a:ln>
-            <a:effectLst/>
-          </c:spPr>
-        </c:majorGridlines>
-        <c:numFmt formatCode="General" sourceLinked="1"/>
-        <c:majorTickMark val="none"/>
-        <c:minorTickMark val="none"/>
-        <c:tickLblPos val="nextTo"/>
-        <c:spPr>
-          <a:noFill/>
-          <a:ln>
-            <a:noFill/>
-          </a:ln>
-          <a:effectLst/>
-        </c:spPr>
-        <c:txPr>
-          <a:bodyPr rot="-60000000" spcFirstLastPara="1" vertOverflow="ellipsis" vert="horz" wrap="square" anchor="ctr" anchorCtr="1"/>
-          <a:lstStyle/>
-          <a:p>
-            <a:pPr>
-              <a:defRPr sz="900" b="0" i="0" u="none" strike="noStrike" kern="1200" baseline="0">
-                <a:solidFill>
-                  <a:schemeClr val="tx1">
-                    <a:lumMod val="65000"/>
-                    <a:lumOff val="35000"/>
-                  </a:schemeClr>
-                </a:solidFill>
-                <a:latin typeface="+mn-lt"/>
-                <a:ea typeface="+mn-ea"/>
-                <a:cs typeface="+mn-cs"/>
-              </a:defRPr>
-            </a:pPr>
-            <a:endParaRPr lang="es-MX"/>
-          </a:p>
-        </c:txPr>
-        <c:crossAx val="341324936"/>
-        <c:crosses val="autoZero"/>
-        <c:crossBetween val="between"/>
-      </c:valAx>
-      <c:spPr>
-        <a:noFill/>
-        <a:ln>
-          <a:noFill/>
-        </a:ln>
-        <a:effectLst/>
-      </c:spPr>
-    </c:plotArea>
-    <c:plotVisOnly val="1"/>
-    <c:dispBlanksAs val="gap"/>
-    <c:showDLblsOverMax val="0"/>
-  </c:chart>
-  <c:spPr>
-    <a:solidFill>
-      <a:schemeClr val="bg1"/>
-    </a:solidFill>
-    <a:ln>
-      <a:noFill/>
-    </a:ln>
-    <a:effectLst/>
-  </c:spPr>
-  <c:txPr>
-    <a:bodyPr/>
-    <a:lstStyle/>
-    <a:p>
-      <a:pPr>
-        <a:defRPr/>
-      </a:pPr>
-      <a:endParaRPr lang="es-MX"/>
-    </a:p>
-  </c:txPr>
-  <c:externalData r:id="rId3">
-    <c:autoUpdate val="0"/>
-  </c:externalData>
-</c:chartSpace>
-</file>
-
-<file path=ppt/charts/chart26.xml><?xml version="1.0" encoding="utf-8"?>
 <c:chartSpace xmlns:c="http://schemas.openxmlformats.org/drawingml/2006/chart" xmlns:a="http://schemas.openxmlformats.org/drawingml/2006/main" xmlns:r="http://schemas.openxmlformats.org/officeDocument/2006/relationships">
   <c:date1904 val="0"/>
   <c:lang val="es-ES"/>
@@ -5947,7 +5757,7 @@
                 <c:formatCode>0.00%</c:formatCode>
                 <c:ptCount val="5"/>
                 <c:pt idx="0">
-                  <c:v>0.52500000000000002</c:v>
+                  <c:v>0.57000000000000006</c:v>
                 </c:pt>
                 <c:pt idx="1">
                   <c:v>1</c:v>
@@ -5956,10 +5766,10 @@
                   <c:v>1</c:v>
                 </c:pt>
                 <c:pt idx="3">
-                  <c:v>0.83332499999999998</c:v>
+                  <c:v>0.86665999999999987</c:v>
                 </c:pt>
                 <c:pt idx="4">
-                  <c:v>0.67500000000000004</c:v>
+                  <c:v>0.74</c:v>
                 </c:pt>
               </c:numCache>
             </c:numRef>
@@ -5977,11 +5787,11 @@
         </c:dLbls>
         <c:gapWidth val="219"/>
         <c:overlap val="-27"/>
-        <c:axId val="341321408"/>
-        <c:axId val="341322192"/>
+        <c:axId val="364182344"/>
+        <c:axId val="364179600"/>
       </c:barChart>
       <c:catAx>
-        <c:axId val="341321408"/>
+        <c:axId val="364182344"/>
         <c:scaling>
           <c:orientation val="minMax"/>
         </c:scaling>
@@ -6024,7 +5834,7 @@
             <a:endParaRPr lang="es-MX"/>
           </a:p>
         </c:txPr>
-        <c:crossAx val="341322192"/>
+        <c:crossAx val="364179600"/>
         <c:crosses val="autoZero"/>
         <c:auto val="1"/>
         <c:lblAlgn val="ctr"/>
@@ -6032,7 +5842,7 @@
         <c:noMultiLvlLbl val="1"/>
       </c:catAx>
       <c:valAx>
-        <c:axId val="341322192"/>
+        <c:axId val="364179600"/>
         <c:scaling>
           <c:orientation val="minMax"/>
         </c:scaling>
@@ -6083,7 +5893,7 @@
             <a:endParaRPr lang="es-MX"/>
           </a:p>
         </c:txPr>
-        <c:crossAx val="341321408"/>
+        <c:crossAx val="364182344"/>
         <c:crosses val="autoZero"/>
         <c:crossBetween val="between"/>
       </c:valAx>
@@ -6156,6 +5966,609 @@
 </c:chartSpace>
 </file>
 
+<file path=ppt/charts/chart26.xml><?xml version="1.0" encoding="utf-8"?>
+<c:chartSpace xmlns:c="http://schemas.openxmlformats.org/drawingml/2006/chart" xmlns:a="http://schemas.openxmlformats.org/drawingml/2006/main" xmlns:r="http://schemas.openxmlformats.org/officeDocument/2006/relationships">
+  <c:date1904 val="0"/>
+  <c:lang val="es-ES"/>
+  <c:roundedCorners val="0"/>
+  <mc:AlternateContent xmlns:mc="http://schemas.openxmlformats.org/markup-compatibility/2006">
+    <mc:Choice xmlns:c14="http://schemas.microsoft.com/office/drawing/2007/8/2/chart" Requires="c14">
+      <c14:style val="102"/>
+    </mc:Choice>
+    <mc:Fallback>
+      <c:style val="2"/>
+    </mc:Fallback>
+  </mc:AlternateContent>
+  <c:chart>
+    <c:title>
+      <c:tx>
+        <c:rich>
+          <a:bodyPr rot="0" spcFirstLastPara="1" vertOverflow="ellipsis" vert="horz" wrap="square" anchor="ctr" anchorCtr="1"/>
+          <a:lstStyle/>
+          <a:p>
+            <a:pPr>
+              <a:defRPr sz="1400" b="0" i="0" u="none" strike="noStrike" kern="1200" spc="0" baseline="0">
+                <a:solidFill>
+                  <a:schemeClr val="tx1">
+                    <a:lumMod val="65000"/>
+                    <a:lumOff val="35000"/>
+                  </a:schemeClr>
+                </a:solidFill>
+                <a:latin typeface="+mn-lt"/>
+                <a:ea typeface="+mn-ea"/>
+                <a:cs typeface="+mn-cs"/>
+              </a:defRPr>
+            </a:pPr>
+            <a:r>
+              <a:rPr lang="es-MX"/>
+              <a:t>Agosto</a:t>
+            </a:r>
+          </a:p>
+        </c:rich>
+      </c:tx>
+      <c:layout/>
+      <c:overlay val="0"/>
+      <c:spPr>
+        <a:noFill/>
+        <a:ln>
+          <a:noFill/>
+        </a:ln>
+        <a:effectLst/>
+      </c:spPr>
+      <c:txPr>
+        <a:bodyPr rot="0" spcFirstLastPara="1" vertOverflow="ellipsis" vert="horz" wrap="square" anchor="ctr" anchorCtr="1"/>
+        <a:lstStyle/>
+        <a:p>
+          <a:pPr>
+            <a:defRPr sz="1400" b="0" i="0" u="none" strike="noStrike" kern="1200" spc="0" baseline="0">
+              <a:solidFill>
+                <a:schemeClr val="tx1">
+                  <a:lumMod val="65000"/>
+                  <a:lumOff val="35000"/>
+                </a:schemeClr>
+              </a:solidFill>
+              <a:latin typeface="+mn-lt"/>
+              <a:ea typeface="+mn-ea"/>
+              <a:cs typeface="+mn-cs"/>
+            </a:defRPr>
+          </a:pPr>
+          <a:endParaRPr lang="es-MX"/>
+        </a:p>
+      </c:txPr>
+    </c:title>
+    <c:autoTitleDeleted val="0"/>
+    <c:plotArea>
+      <c:layout/>
+      <c:barChart>
+        <c:barDir val="col"/>
+        <c:grouping val="clustered"/>
+        <c:varyColors val="0"/>
+        <c:ser>
+          <c:idx val="0"/>
+          <c:order val="0"/>
+          <c:tx>
+            <c:strRef>
+              <c:f>'Monitoreo de Actividades'!$B$3</c:f>
+              <c:strCache>
+                <c:ptCount val="1"/>
+              </c:strCache>
+            </c:strRef>
+          </c:tx>
+          <c:spPr>
+            <a:solidFill>
+              <a:schemeClr val="accent1"/>
+            </a:solidFill>
+            <a:ln>
+              <a:noFill/>
+            </a:ln>
+            <a:effectLst/>
+          </c:spPr>
+          <c:invertIfNegative val="0"/>
+          <c:dLbls>
+            <c:spPr>
+              <a:noFill/>
+              <a:ln>
+                <a:noFill/>
+              </a:ln>
+              <a:effectLst/>
+            </c:spPr>
+            <c:txPr>
+              <a:bodyPr rot="0" spcFirstLastPara="1" vertOverflow="ellipsis" vert="horz" wrap="square" lIns="38100" tIns="19050" rIns="38100" bIns="19050" anchor="ctr" anchorCtr="1">
+                <a:spAutoFit/>
+              </a:bodyPr>
+              <a:lstStyle/>
+              <a:p>
+                <a:pPr>
+                  <a:defRPr sz="900" b="0" i="0" u="none" strike="noStrike" kern="1200" baseline="0">
+                    <a:solidFill>
+                      <a:schemeClr val="tx1">
+                        <a:lumMod val="75000"/>
+                        <a:lumOff val="25000"/>
+                      </a:schemeClr>
+                    </a:solidFill>
+                    <a:latin typeface="+mn-lt"/>
+                    <a:ea typeface="+mn-ea"/>
+                    <a:cs typeface="+mn-cs"/>
+                  </a:defRPr>
+                </a:pPr>
+                <a:endParaRPr lang="es-MX"/>
+              </a:p>
+            </c:txPr>
+            <c:dLblPos val="outEnd"/>
+            <c:showLegendKey val="0"/>
+            <c:showVal val="1"/>
+            <c:showCatName val="0"/>
+            <c:showSerName val="0"/>
+            <c:showPercent val="0"/>
+            <c:showBubbleSize val="0"/>
+            <c:showLeaderLines val="0"/>
+            <c:extLst>
+              <c:ext xmlns:c15="http://schemas.microsoft.com/office/drawing/2012/chart" uri="{CE6537A1-D6FC-4f65-9D91-7224C49458BB}">
+                <c15:showLeaderLines val="1"/>
+                <c15:leaderLines>
+                  <c:spPr>
+                    <a:ln w="9525" cap="flat" cmpd="sng" algn="ctr">
+                      <a:solidFill>
+                        <a:schemeClr val="tx1">
+                          <a:lumMod val="35000"/>
+                          <a:lumOff val="65000"/>
+                        </a:schemeClr>
+                      </a:solidFill>
+                      <a:round/>
+                    </a:ln>
+                    <a:effectLst/>
+                  </c:spPr>
+                </c15:leaderLines>
+              </c:ext>
+            </c:extLst>
+          </c:dLbls>
+          <c:cat>
+            <c:strRef>
+              <c:f>'Monitoreo de Actividades'!$C$4:$G$4</c:f>
+              <c:strCache>
+                <c:ptCount val="5"/>
+                <c:pt idx="0">
+                  <c:v>Ventas</c:v>
+                </c:pt>
+                <c:pt idx="1">
+                  <c:v>Soporte</c:v>
+                </c:pt>
+                <c:pt idx="2">
+                  <c:v>Planeación Anual</c:v>
+                </c:pt>
+                <c:pt idx="3">
+                  <c:v>Organizacionales</c:v>
+                </c:pt>
+                <c:pt idx="4">
+                  <c:v>Compras</c:v>
+                </c:pt>
+              </c:strCache>
+            </c:strRef>
+          </c:cat>
+          <c:val>
+            <c:numRef>
+              <c:f>'Monitoreo de Actividades'!$C$3:$G$3</c:f>
+              <c:numCache>
+                <c:formatCode>General</c:formatCode>
+                <c:ptCount val="5"/>
+              </c:numCache>
+            </c:numRef>
+          </c:val>
+        </c:ser>
+        <c:ser>
+          <c:idx val="1"/>
+          <c:order val="1"/>
+          <c:tx>
+            <c:strRef>
+              <c:f>'Monitoreo de Actividades'!$B$4</c:f>
+              <c:strCache>
+                <c:ptCount val="1"/>
+              </c:strCache>
+            </c:strRef>
+          </c:tx>
+          <c:spPr>
+            <a:solidFill>
+              <a:schemeClr val="accent3"/>
+            </a:solidFill>
+            <a:ln>
+              <a:noFill/>
+            </a:ln>
+            <a:effectLst/>
+          </c:spPr>
+          <c:invertIfNegative val="0"/>
+          <c:dLbls>
+            <c:spPr>
+              <a:noFill/>
+              <a:ln>
+                <a:noFill/>
+              </a:ln>
+              <a:effectLst/>
+            </c:spPr>
+            <c:txPr>
+              <a:bodyPr rot="0" spcFirstLastPara="1" vertOverflow="ellipsis" vert="horz" wrap="square" lIns="38100" tIns="19050" rIns="38100" bIns="19050" anchor="ctr" anchorCtr="1">
+                <a:spAutoFit/>
+              </a:bodyPr>
+              <a:lstStyle/>
+              <a:p>
+                <a:pPr>
+                  <a:defRPr sz="900" b="0" i="0" u="none" strike="noStrike" kern="1200" baseline="0">
+                    <a:solidFill>
+                      <a:schemeClr val="tx1">
+                        <a:lumMod val="75000"/>
+                        <a:lumOff val="25000"/>
+                      </a:schemeClr>
+                    </a:solidFill>
+                    <a:latin typeface="+mn-lt"/>
+                    <a:ea typeface="+mn-ea"/>
+                    <a:cs typeface="+mn-cs"/>
+                  </a:defRPr>
+                </a:pPr>
+                <a:endParaRPr lang="es-MX"/>
+              </a:p>
+            </c:txPr>
+            <c:dLblPos val="outEnd"/>
+            <c:showLegendKey val="0"/>
+            <c:showVal val="1"/>
+            <c:showCatName val="0"/>
+            <c:showSerName val="0"/>
+            <c:showPercent val="0"/>
+            <c:showBubbleSize val="0"/>
+            <c:showLeaderLines val="0"/>
+            <c:extLst>
+              <c:ext xmlns:c15="http://schemas.microsoft.com/office/drawing/2012/chart" uri="{CE6537A1-D6FC-4f65-9D91-7224C49458BB}">
+                <c15:layout/>
+                <c15:showLeaderLines val="1"/>
+                <c15:leaderLines>
+                  <c:spPr>
+                    <a:ln w="9525" cap="flat" cmpd="sng" algn="ctr">
+                      <a:solidFill>
+                        <a:schemeClr val="tx1">
+                          <a:lumMod val="35000"/>
+                          <a:lumOff val="65000"/>
+                        </a:schemeClr>
+                      </a:solidFill>
+                      <a:round/>
+                    </a:ln>
+                    <a:effectLst/>
+                  </c:spPr>
+                </c15:leaderLines>
+              </c:ext>
+            </c:extLst>
+          </c:dLbls>
+          <c:cat>
+            <c:strRef>
+              <c:f>'Monitoreo de Actividades'!$C$4:$G$4</c:f>
+              <c:strCache>
+                <c:ptCount val="5"/>
+                <c:pt idx="0">
+                  <c:v>Ventas</c:v>
+                </c:pt>
+                <c:pt idx="1">
+                  <c:v>Soporte</c:v>
+                </c:pt>
+                <c:pt idx="2">
+                  <c:v>Planeación Anual</c:v>
+                </c:pt>
+                <c:pt idx="3">
+                  <c:v>Organizacionales</c:v>
+                </c:pt>
+                <c:pt idx="4">
+                  <c:v>Compras</c:v>
+                </c:pt>
+              </c:strCache>
+            </c:strRef>
+          </c:cat>
+          <c:val>
+            <c:numRef>
+              <c:f>'Monitoreo de Actividades'!$C$4:$G$4</c:f>
+              <c:numCache>
+                <c:formatCode>General</c:formatCode>
+                <c:ptCount val="5"/>
+                <c:pt idx="0">
+                  <c:v>0</c:v>
+                </c:pt>
+                <c:pt idx="1">
+                  <c:v>0</c:v>
+                </c:pt>
+                <c:pt idx="2">
+                  <c:v>0</c:v>
+                </c:pt>
+                <c:pt idx="3">
+                  <c:v>0</c:v>
+                </c:pt>
+                <c:pt idx="4">
+                  <c:v>0</c:v>
+                </c:pt>
+              </c:numCache>
+            </c:numRef>
+          </c:val>
+        </c:ser>
+        <c:ser>
+          <c:idx val="2"/>
+          <c:order val="2"/>
+          <c:tx>
+            <c:strRef>
+              <c:f>'Monitoreo de Actividades'!$B$12</c:f>
+              <c:strCache>
+                <c:ptCount val="1"/>
+                <c:pt idx="0">
+                  <c:v>Agosto</c:v>
+                </c:pt>
+              </c:strCache>
+            </c:strRef>
+          </c:tx>
+          <c:spPr>
+            <a:solidFill>
+              <a:schemeClr val="accent5"/>
+            </a:solidFill>
+            <a:ln>
+              <a:noFill/>
+            </a:ln>
+            <a:effectLst/>
+          </c:spPr>
+          <c:invertIfNegative val="0"/>
+          <c:dLbls>
+            <c:spPr>
+              <a:noFill/>
+              <a:ln>
+                <a:noFill/>
+              </a:ln>
+              <a:effectLst/>
+            </c:spPr>
+            <c:txPr>
+              <a:bodyPr rot="0" spcFirstLastPara="1" vertOverflow="ellipsis" vert="horz" wrap="square" lIns="38100" tIns="19050" rIns="38100" bIns="19050" anchor="ctr" anchorCtr="1">
+                <a:spAutoFit/>
+              </a:bodyPr>
+              <a:lstStyle/>
+              <a:p>
+                <a:pPr>
+                  <a:defRPr sz="900" b="0" i="0" u="none" strike="noStrike" kern="1200" baseline="0">
+                    <a:solidFill>
+                      <a:schemeClr val="tx1">
+                        <a:lumMod val="75000"/>
+                        <a:lumOff val="25000"/>
+                      </a:schemeClr>
+                    </a:solidFill>
+                    <a:latin typeface="+mn-lt"/>
+                    <a:ea typeface="+mn-ea"/>
+                    <a:cs typeface="+mn-cs"/>
+                  </a:defRPr>
+                </a:pPr>
+                <a:endParaRPr lang="es-MX"/>
+              </a:p>
+            </c:txPr>
+            <c:dLblPos val="outEnd"/>
+            <c:showLegendKey val="0"/>
+            <c:showVal val="1"/>
+            <c:showCatName val="0"/>
+            <c:showSerName val="0"/>
+            <c:showPercent val="0"/>
+            <c:showBubbleSize val="0"/>
+            <c:showLeaderLines val="0"/>
+            <c:extLst>
+              <c:ext xmlns:c15="http://schemas.microsoft.com/office/drawing/2012/chart" uri="{CE6537A1-D6FC-4f65-9D91-7224C49458BB}">
+                <c15:layout/>
+                <c15:showLeaderLines val="1"/>
+                <c15:leaderLines>
+                  <c:spPr>
+                    <a:ln w="9525" cap="flat" cmpd="sng" algn="ctr">
+                      <a:solidFill>
+                        <a:schemeClr val="tx1">
+                          <a:lumMod val="35000"/>
+                          <a:lumOff val="65000"/>
+                        </a:schemeClr>
+                      </a:solidFill>
+                      <a:round/>
+                    </a:ln>
+                    <a:effectLst/>
+                  </c:spPr>
+                </c15:leaderLines>
+              </c:ext>
+            </c:extLst>
+          </c:dLbls>
+          <c:cat>
+            <c:strRef>
+              <c:f>'Monitoreo de Actividades'!$C$4:$G$4</c:f>
+              <c:strCache>
+                <c:ptCount val="5"/>
+                <c:pt idx="0">
+                  <c:v>Ventas</c:v>
+                </c:pt>
+                <c:pt idx="1">
+                  <c:v>Soporte</c:v>
+                </c:pt>
+                <c:pt idx="2">
+                  <c:v>Planeación Anual</c:v>
+                </c:pt>
+                <c:pt idx="3">
+                  <c:v>Organizacionales</c:v>
+                </c:pt>
+                <c:pt idx="4">
+                  <c:v>Compras</c:v>
+                </c:pt>
+              </c:strCache>
+            </c:strRef>
+          </c:cat>
+          <c:val>
+            <c:numRef>
+              <c:f>'Monitoreo de Actividades'!$C$12:$G$12</c:f>
+              <c:numCache>
+                <c:formatCode>0.00%</c:formatCode>
+                <c:ptCount val="5"/>
+                <c:pt idx="0">
+                  <c:v>0.75</c:v>
+                </c:pt>
+                <c:pt idx="1">
+                  <c:v>1</c:v>
+                </c:pt>
+                <c:pt idx="3">
+                  <c:v>1</c:v>
+                </c:pt>
+                <c:pt idx="4">
+                  <c:v>1</c:v>
+                </c:pt>
+              </c:numCache>
+            </c:numRef>
+          </c:val>
+        </c:ser>
+        <c:dLbls>
+          <c:dLblPos val="outEnd"/>
+          <c:showLegendKey val="0"/>
+          <c:showVal val="1"/>
+          <c:showCatName val="0"/>
+          <c:showSerName val="0"/>
+          <c:showPercent val="0"/>
+          <c:showBubbleSize val="0"/>
+        </c:dLbls>
+        <c:gapWidth val="219"/>
+        <c:overlap val="-27"/>
+        <c:axId val="251016800"/>
+        <c:axId val="251020720"/>
+      </c:barChart>
+      <c:catAx>
+        <c:axId val="251016800"/>
+        <c:scaling>
+          <c:orientation val="minMax"/>
+        </c:scaling>
+        <c:delete val="0"/>
+        <c:axPos val="b"/>
+        <c:numFmt formatCode="General" sourceLinked="1"/>
+        <c:majorTickMark val="none"/>
+        <c:minorTickMark val="none"/>
+        <c:tickLblPos val="nextTo"/>
+        <c:spPr>
+          <a:noFill/>
+          <a:ln w="9525" cap="flat" cmpd="sng" algn="ctr">
+            <a:solidFill>
+              <a:schemeClr val="tx1">
+                <a:lumMod val="15000"/>
+                <a:lumOff val="85000"/>
+              </a:schemeClr>
+            </a:solidFill>
+            <a:round/>
+          </a:ln>
+          <a:effectLst/>
+        </c:spPr>
+        <c:txPr>
+          <a:bodyPr rot="-60000000" spcFirstLastPara="1" vertOverflow="ellipsis" vert="horz" wrap="square" anchor="ctr" anchorCtr="1"/>
+          <a:lstStyle/>
+          <a:p>
+            <a:pPr>
+              <a:defRPr sz="900" b="0" i="0" u="none" strike="noStrike" kern="1200" baseline="0">
+                <a:solidFill>
+                  <a:schemeClr val="tx1">
+                    <a:lumMod val="65000"/>
+                    <a:lumOff val="35000"/>
+                  </a:schemeClr>
+                </a:solidFill>
+                <a:latin typeface="+mn-lt"/>
+                <a:ea typeface="+mn-ea"/>
+                <a:cs typeface="+mn-cs"/>
+              </a:defRPr>
+            </a:pPr>
+            <a:endParaRPr lang="es-MX"/>
+          </a:p>
+        </c:txPr>
+        <c:crossAx val="251020720"/>
+        <c:crossesAt val="0"/>
+        <c:auto val="1"/>
+        <c:lblAlgn val="ctr"/>
+        <c:lblOffset val="100"/>
+        <c:noMultiLvlLbl val="0"/>
+      </c:catAx>
+      <c:valAx>
+        <c:axId val="251020720"/>
+        <c:scaling>
+          <c:orientation val="minMax"/>
+        </c:scaling>
+        <c:delete val="0"/>
+        <c:axPos val="l"/>
+        <c:majorGridlines>
+          <c:spPr>
+            <a:ln w="9525" cap="flat" cmpd="sng" algn="ctr">
+              <a:solidFill>
+                <a:schemeClr val="tx1">
+                  <a:lumMod val="15000"/>
+                  <a:lumOff val="85000"/>
+                </a:schemeClr>
+              </a:solidFill>
+              <a:round/>
+            </a:ln>
+            <a:effectLst/>
+          </c:spPr>
+        </c:majorGridlines>
+        <c:numFmt formatCode="0.00%" sourceLinked="0"/>
+        <c:majorTickMark val="none"/>
+        <c:minorTickMark val="none"/>
+        <c:tickLblPos val="nextTo"/>
+        <c:spPr>
+          <a:noFill/>
+          <a:ln>
+            <a:noFill/>
+          </a:ln>
+          <a:effectLst/>
+        </c:spPr>
+        <c:txPr>
+          <a:bodyPr rot="-60000000" spcFirstLastPara="1" vertOverflow="ellipsis" vert="horz" wrap="square" anchor="ctr" anchorCtr="1"/>
+          <a:lstStyle/>
+          <a:p>
+            <a:pPr>
+              <a:defRPr sz="900" b="0" i="0" u="none" strike="noStrike" kern="1200" baseline="0">
+                <a:solidFill>
+                  <a:schemeClr val="tx1">
+                    <a:lumMod val="65000"/>
+                    <a:lumOff val="35000"/>
+                  </a:schemeClr>
+                </a:solidFill>
+                <a:latin typeface="+mn-lt"/>
+                <a:ea typeface="+mn-ea"/>
+                <a:cs typeface="+mn-cs"/>
+              </a:defRPr>
+            </a:pPr>
+            <a:endParaRPr lang="es-MX"/>
+          </a:p>
+        </c:txPr>
+        <c:crossAx val="251016800"/>
+        <c:crosses val="autoZero"/>
+        <c:crossBetween val="between"/>
+      </c:valAx>
+      <c:spPr>
+        <a:noFill/>
+        <a:ln>
+          <a:noFill/>
+        </a:ln>
+        <a:effectLst/>
+      </c:spPr>
+    </c:plotArea>
+    <c:plotVisOnly val="1"/>
+    <c:dispBlanksAs val="gap"/>
+    <c:showDLblsOverMax val="0"/>
+  </c:chart>
+  <c:spPr>
+    <a:solidFill>
+      <a:schemeClr val="bg1"/>
+    </a:solidFill>
+    <a:ln>
+      <a:noFill/>
+    </a:ln>
+    <a:effectLst/>
+  </c:spPr>
+  <c:txPr>
+    <a:bodyPr/>
+    <a:lstStyle/>
+    <a:p>
+      <a:pPr>
+        <a:defRPr/>
+      </a:pPr>
+      <a:endParaRPr lang="es-MX"/>
+    </a:p>
+  </c:txPr>
+  <c:externalData r:id="rId3">
+    <c:autoUpdate val="0"/>
+  </c:externalData>
+</c:chartSpace>
+</file>
+
 <file path=ppt/charts/chart3.xml><?xml version="1.0" encoding="utf-8"?>
 <c:chartSpace xmlns:c="http://schemas.openxmlformats.org/drawingml/2006/chart" xmlns:a="http://schemas.openxmlformats.org/drawingml/2006/main" xmlns:r="http://schemas.openxmlformats.org/officeDocument/2006/relationships">
   <c:date1904 val="0"/>
@@ -6224,31 +6637,9 @@
             </a:ln>
           </c:spPr>
           <c:invertIfNegative val="1"/>
-          <c:dLbls>
-            <c:spPr>
-              <a:noFill/>
-              <a:ln>
-                <a:noFill/>
-              </a:ln>
-              <a:effectLst/>
-            </c:spPr>
-            <c:dLblPos val="ctr"/>
-            <c:showLegendKey val="0"/>
-            <c:showVal val="0"/>
-            <c:showCatName val="0"/>
-            <c:showSerName val="0"/>
-            <c:showPercent val="0"/>
-            <c:showBubbleSize val="1"/>
-            <c:showLeaderLines val="0"/>
-            <c:extLst>
-              <c:ext xmlns:c15="http://schemas.microsoft.com/office/drawing/2012/chart" uri="{CE6537A1-D6FC-4f65-9D91-7224C49458BB}">
-                <c15:showLeaderLines val="0"/>
-              </c:ext>
-            </c:extLst>
-          </c:dLbls>
           <c:cat>
             <c:strRef>
-              <c:f>'Desviacion de esfuerzo'!$B$7:$B$18</c:f>
+              <c:f>'Desviacion de esfuerzo'!$B$8:$B$19</c:f>
               <c:strCache>
                 <c:ptCount val="12"/>
                 <c:pt idx="0">
@@ -6292,7 +6683,7 @@
           </c:cat>
           <c:val>
             <c:numRef>
-              <c:f>'Desviacion de esfuerzo'!$C$7:$C$18</c:f>
+              <c:f>'Desviacion de esfuerzo'!$C$8:$C$19</c:f>
               <c:numCache>
                 <c:formatCode>General</c:formatCode>
                 <c:ptCount val="12"/>
@@ -6315,6 +6706,9 @@
                   <c:v>80</c:v>
                 </c:pt>
                 <c:pt idx="6">
+                  <c:v>80</c:v>
+                </c:pt>
+                <c:pt idx="7">
                   <c:v>80</c:v>
                 </c:pt>
               </c:numCache>
@@ -6366,23 +6760,24 @@
               </a:ln>
               <a:effectLst/>
             </c:spPr>
-            <c:dLblPos val="ctr"/>
+            <c:dLblPos val="outEnd"/>
             <c:showLegendKey val="0"/>
-            <c:showVal val="0"/>
+            <c:showVal val="1"/>
             <c:showCatName val="0"/>
             <c:showSerName val="0"/>
             <c:showPercent val="0"/>
-            <c:showBubbleSize val="1"/>
+            <c:showBubbleSize val="0"/>
             <c:showLeaderLines val="0"/>
             <c:extLst>
               <c:ext xmlns:c15="http://schemas.microsoft.com/office/drawing/2012/chart" uri="{CE6537A1-D6FC-4f65-9D91-7224C49458BB}">
-                <c15:showLeaderLines val="0"/>
+                <c15:layout/>
+                <c15:showLeaderLines val="1"/>
               </c:ext>
             </c:extLst>
           </c:dLbls>
           <c:cat>
             <c:strRef>
-              <c:f>'Desviacion de esfuerzo'!$B$7:$B$18</c:f>
+              <c:f>'Desviacion de esfuerzo'!$B$8:$B$19</c:f>
               <c:strCache>
                 <c:ptCount val="12"/>
                 <c:pt idx="0">
@@ -6426,7 +6821,7 @@
           </c:cat>
           <c:val>
             <c:numRef>
-              <c:f>'Desviacion de esfuerzo'!$D$7:$D$18</c:f>
+              <c:f>'Desviacion de esfuerzo'!$D$8:$D$19</c:f>
               <c:numCache>
                 <c:formatCode>General</c:formatCode>
                 <c:ptCount val="12"/>
@@ -6450,6 +6845,9 @@
                 </c:pt>
                 <c:pt idx="6">
                   <c:v>81</c:v>
+                </c:pt>
+                <c:pt idx="7">
+                  <c:v>51</c:v>
                 </c:pt>
               </c:numCache>
             </c:numRef>
@@ -6478,11 +6876,11 @@
           <c:showBubbleSize val="0"/>
         </c:dLbls>
         <c:gapWidth val="100"/>
-        <c:axId val="341752240"/>
-        <c:axId val="341753808"/>
+        <c:axId val="366824096"/>
+        <c:axId val="366826448"/>
       </c:barChart>
       <c:catAx>
-        <c:axId val="341752240"/>
+        <c:axId val="366824096"/>
         <c:scaling>
           <c:orientation val="minMax"/>
         </c:scaling>
@@ -6499,7 +6897,7 @@
             </a:solidFill>
           </a:ln>
         </c:spPr>
-        <c:crossAx val="341753808"/>
+        <c:crossAx val="366826448"/>
         <c:crosses val="autoZero"/>
         <c:auto val="1"/>
         <c:lblAlgn val="ctr"/>
@@ -6507,7 +6905,7 @@
         <c:noMultiLvlLbl val="1"/>
       </c:catAx>
       <c:valAx>
-        <c:axId val="341753808"/>
+        <c:axId val="366826448"/>
         <c:scaling>
           <c:orientation val="minMax"/>
         </c:scaling>
@@ -6533,7 +6931,7 @@
             </a:solidFill>
           </a:ln>
         </c:spPr>
-        <c:crossAx val="341752240"/>
+        <c:crossAx val="366824096"/>
         <c:crosses val="autoZero"/>
         <c:crossBetween val="between"/>
       </c:valAx>
@@ -6651,23 +7049,24 @@
               </a:ln>
               <a:effectLst/>
             </c:spPr>
-            <c:dLblPos val="ctr"/>
+            <c:dLblPos val="outEnd"/>
             <c:showLegendKey val="0"/>
-            <c:showVal val="0"/>
+            <c:showVal val="1"/>
             <c:showCatName val="0"/>
             <c:showSerName val="0"/>
             <c:showPercent val="0"/>
-            <c:showBubbleSize val="1"/>
+            <c:showBubbleSize val="0"/>
             <c:showLeaderLines val="0"/>
             <c:extLst>
               <c:ext xmlns:c15="http://schemas.microsoft.com/office/drawing/2012/chart" uri="{CE6537A1-D6FC-4f65-9D91-7224C49458BB}">
-                <c15:showLeaderLines val="0"/>
+                <c15:layout/>
+                <c15:showLeaderLines val="1"/>
               </c:ext>
             </c:extLst>
           </c:dLbls>
           <c:cat>
             <c:strRef>
-              <c:f>'Desviacion de esfuerzo'!$B$7:$B$18</c:f>
+              <c:f>'Desviacion de esfuerzo'!$B$8:$B$19</c:f>
               <c:strCache>
                 <c:ptCount val="12"/>
                 <c:pt idx="0">
@@ -6711,7 +7110,7 @@
           </c:cat>
           <c:val>
             <c:numRef>
-              <c:f>'Desviacion de esfuerzo'!$E$7:$E$18</c:f>
+              <c:f>'Desviacion de esfuerzo'!$E$8:$E$19</c:f>
               <c:numCache>
                 <c:formatCode>0.00%</c:formatCode>
                 <c:ptCount val="12"/>
@@ -6737,7 +7136,7 @@
                   <c:v>1.2499999999999956E-2</c:v>
                 </c:pt>
                 <c:pt idx="7">
-                  <c:v>0</c:v>
+                  <c:v>-0.36250000000000004</c:v>
                 </c:pt>
                 <c:pt idx="8">
                   <c:v>0</c:v>
@@ -6778,11 +7177,11 @@
           <c:showBubbleSize val="0"/>
         </c:dLbls>
         <c:gapWidth val="100"/>
-        <c:axId val="403166968"/>
-        <c:axId val="403173240"/>
+        <c:axId val="373404072"/>
+        <c:axId val="373400152"/>
       </c:barChart>
       <c:catAx>
-        <c:axId val="403166968"/>
+        <c:axId val="373404072"/>
         <c:scaling>
           <c:orientation val="minMax"/>
         </c:scaling>
@@ -6799,7 +7198,7 @@
             </a:solidFill>
           </a:ln>
         </c:spPr>
-        <c:crossAx val="403173240"/>
+        <c:crossAx val="373400152"/>
         <c:crosses val="autoZero"/>
         <c:auto val="1"/>
         <c:lblAlgn val="ctr"/>
@@ -6807,7 +7206,7 @@
         <c:noMultiLvlLbl val="1"/>
       </c:catAx>
       <c:valAx>
-        <c:axId val="403173240"/>
+        <c:axId val="373400152"/>
         <c:scaling>
           <c:orientation val="minMax"/>
         </c:scaling>
@@ -6833,7 +7232,7 @@
             </a:solidFill>
           </a:ln>
         </c:spPr>
-        <c:crossAx val="403166968"/>
+        <c:crossAx val="373404072"/>
         <c:crosses val="autoZero"/>
         <c:crossBetween val="between"/>
       </c:valAx>
@@ -6910,7 +7309,17 @@
     </c:title>
     <c:autoTitleDeleted val="0"/>
     <c:plotArea>
-      <c:layout/>
+      <c:layout>
+        <c:manualLayout>
+          <c:layoutTarget val="inner"/>
+          <c:xMode val="edge"/>
+          <c:yMode val="edge"/>
+          <c:x val="9.2766687725716876E-2"/>
+          <c:y val="0.1161793604140829"/>
+          <c:w val="0.69857827837549857"/>
+          <c:h val="0.68669577479145782"/>
+        </c:manualLayout>
+      </c:layout>
       <c:barChart>
         <c:barDir val="col"/>
         <c:grouping val="clustered"/>
@@ -6946,23 +7355,24 @@
               </a:ln>
               <a:effectLst/>
             </c:spPr>
-            <c:dLblPos val="ctr"/>
+            <c:dLblPos val="outEnd"/>
             <c:showLegendKey val="0"/>
-            <c:showVal val="0"/>
+            <c:showVal val="1"/>
             <c:showCatName val="0"/>
             <c:showSerName val="0"/>
             <c:showPercent val="0"/>
-            <c:showBubbleSize val="1"/>
+            <c:showBubbleSize val="0"/>
             <c:showLeaderLines val="0"/>
             <c:extLst>
               <c:ext xmlns:c15="http://schemas.microsoft.com/office/drawing/2012/chart" uri="{CE6537A1-D6FC-4f65-9D91-7224C49458BB}">
-                <c15:showLeaderLines val="0"/>
+                <c15:layout/>
+                <c15:showLeaderLines val="1"/>
               </c:ext>
             </c:extLst>
           </c:dLbls>
           <c:cat>
             <c:strRef>
-              <c:f>'Desviacion de esfuerzo'!$B$7:$B$18</c:f>
+              <c:f>'Desviacion de esfuerzo'!$B$8:$B$19</c:f>
               <c:strCache>
                 <c:ptCount val="12"/>
                 <c:pt idx="0">
@@ -7006,7 +7416,7 @@
           </c:cat>
           <c:val>
             <c:numRef>
-              <c:f>'Desviacion de esfuerzo'!$F$7:$F$18</c:f>
+              <c:f>'Desviacion de esfuerzo'!$F$8:$F$19</c:f>
               <c:numCache>
                 <c:formatCode>General</c:formatCode>
                 <c:ptCount val="12"/>
@@ -7029,6 +7439,9 @@
                   <c:v>126</c:v>
                 </c:pt>
                 <c:pt idx="6">
+                  <c:v>126</c:v>
+                </c:pt>
+                <c:pt idx="7">
                   <c:v>126</c:v>
                 </c:pt>
               </c:numCache>
@@ -7054,11 +7467,11 @@
           <c:order val="1"/>
           <c:tx>
             <c:strRef>
-              <c:f>'Desviacion de esfuerzo'!$G$6</c:f>
+              <c:f>'Desviacion de esfuerzo'!$G$7</c:f>
               <c:strCache>
                 <c:ptCount val="1"/>
                 <c:pt idx="0">
-                  <c:v>Reales</c:v>
+                  <c:v>Soporte</c:v>
                 </c:pt>
               </c:strCache>
             </c:strRef>
@@ -7080,23 +7493,24 @@
               </a:ln>
               <a:effectLst/>
             </c:spPr>
-            <c:dLblPos val="ctr"/>
+            <c:dLblPos val="outEnd"/>
             <c:showLegendKey val="0"/>
-            <c:showVal val="0"/>
+            <c:showVal val="1"/>
             <c:showCatName val="0"/>
             <c:showSerName val="0"/>
             <c:showPercent val="0"/>
-            <c:showBubbleSize val="1"/>
+            <c:showBubbleSize val="0"/>
             <c:showLeaderLines val="0"/>
             <c:extLst>
               <c:ext xmlns:c15="http://schemas.microsoft.com/office/drawing/2012/chart" uri="{CE6537A1-D6FC-4f65-9D91-7224C49458BB}">
-                <c15:showLeaderLines val="0"/>
+                <c15:layout/>
+                <c15:showLeaderLines val="1"/>
               </c:ext>
             </c:extLst>
           </c:dLbls>
           <c:cat>
             <c:strRef>
-              <c:f>'Desviacion de esfuerzo'!$B$7:$B$18</c:f>
+              <c:f>'Desviacion de esfuerzo'!$B$8:$B$19</c:f>
               <c:strCache>
                 <c:ptCount val="12"/>
                 <c:pt idx="0">
@@ -7140,7 +7554,7 @@
           </c:cat>
           <c:val>
             <c:numRef>
-              <c:f>'Desviacion de esfuerzo'!$G$7:$G$18</c:f>
+              <c:f>'Desviacion de esfuerzo'!$G$8:$G$19</c:f>
               <c:numCache>
                 <c:formatCode>General</c:formatCode>
                 <c:ptCount val="12"/>
@@ -7164,6 +7578,9 @@
                 </c:pt>
                 <c:pt idx="6">
                   <c:v>186</c:v>
+                </c:pt>
+                <c:pt idx="7">
+                  <c:v>171</c:v>
                 </c:pt>
               </c:numCache>
             </c:numRef>
@@ -7183,20 +7600,116 @@
             </c:ext>
           </c:extLst>
         </c:ser>
+        <c:ser>
+          <c:idx val="2"/>
+          <c:order val="2"/>
+          <c:tx>
+            <c:strRef>
+              <c:f>'Desviacion de esfuerzo'!$H$7</c:f>
+              <c:strCache>
+                <c:ptCount val="1"/>
+                <c:pt idx="0">
+                  <c:v>Garantía</c:v>
+                </c:pt>
+              </c:strCache>
+            </c:strRef>
+          </c:tx>
+          <c:invertIfNegative val="0"/>
+          <c:dLbls>
+            <c:spPr>
+              <a:noFill/>
+              <a:ln>
+                <a:noFill/>
+              </a:ln>
+              <a:effectLst/>
+            </c:spPr>
+            <c:dLblPos val="outEnd"/>
+            <c:showLegendKey val="0"/>
+            <c:showVal val="1"/>
+            <c:showCatName val="0"/>
+            <c:showSerName val="0"/>
+            <c:showPercent val="0"/>
+            <c:showBubbleSize val="0"/>
+            <c:showLeaderLines val="0"/>
+            <c:extLst>
+              <c:ext xmlns:c15="http://schemas.microsoft.com/office/drawing/2012/chart" uri="{CE6537A1-D6FC-4f65-9D91-7224C49458BB}">
+                <c15:layout/>
+                <c15:showLeaderLines val="1"/>
+              </c:ext>
+            </c:extLst>
+          </c:dLbls>
+          <c:cat>
+            <c:strRef>
+              <c:f>'Desviacion de esfuerzo'!$B$8:$B$19</c:f>
+              <c:strCache>
+                <c:ptCount val="12"/>
+                <c:pt idx="0">
+                  <c:v>Enero</c:v>
+                </c:pt>
+                <c:pt idx="1">
+                  <c:v>Febrero</c:v>
+                </c:pt>
+                <c:pt idx="2">
+                  <c:v>Marzo</c:v>
+                </c:pt>
+                <c:pt idx="3">
+                  <c:v>Abril</c:v>
+                </c:pt>
+                <c:pt idx="4">
+                  <c:v>Mayo</c:v>
+                </c:pt>
+                <c:pt idx="5">
+                  <c:v>Junio</c:v>
+                </c:pt>
+                <c:pt idx="6">
+                  <c:v>Julio</c:v>
+                </c:pt>
+                <c:pt idx="7">
+                  <c:v>Agosto</c:v>
+                </c:pt>
+                <c:pt idx="8">
+                  <c:v>Septiembre</c:v>
+                </c:pt>
+                <c:pt idx="9">
+                  <c:v>Octubre</c:v>
+                </c:pt>
+                <c:pt idx="10">
+                  <c:v>Noviembre</c:v>
+                </c:pt>
+                <c:pt idx="11">
+                  <c:v>Diciembre</c:v>
+                </c:pt>
+              </c:strCache>
+            </c:strRef>
+          </c:cat>
+          <c:val>
+            <c:numRef>
+              <c:f>'Desviacion de esfuerzo'!$H$8:$H$19</c:f>
+              <c:numCache>
+                <c:formatCode>General</c:formatCode>
+                <c:ptCount val="12"/>
+                <c:pt idx="7">
+                  <c:v>1</c:v>
+                </c:pt>
+              </c:numCache>
+            </c:numRef>
+          </c:val>
+        </c:ser>
         <c:dLbls>
+          <c:dLblPos val="outEnd"/>
           <c:showLegendKey val="0"/>
-          <c:showVal val="0"/>
+          <c:showVal val="1"/>
           <c:showCatName val="0"/>
           <c:showSerName val="0"/>
           <c:showPercent val="0"/>
           <c:showBubbleSize val="0"/>
         </c:dLbls>
         <c:gapWidth val="100"/>
-        <c:axId val="403176376"/>
-        <c:axId val="403172456"/>
+        <c:axId val="373417400"/>
+        <c:axId val="373415048"/>
       </c:barChart>
       <c:catAx>
-        <c:axId val="403176376"/>
+        <c:axId val="373417400"/>
         <c:scaling>
           <c:orientation val="minMax"/>
         </c:scaling>
@@ -7213,7 +7726,7 @@
             </a:solidFill>
           </a:ln>
         </c:spPr>
-        <c:crossAx val="403172456"/>
+        <c:crossAx val="373415048"/>
         <c:crosses val="autoZero"/>
         <c:auto val="1"/>
         <c:lblAlgn val="ctr"/>
@@ -7221,7 +7734,7 @@
         <c:noMultiLvlLbl val="1"/>
       </c:catAx>
       <c:valAx>
-        <c:axId val="403172456"/>
+        <c:axId val="373415048"/>
         <c:scaling>
           <c:orientation val="minMax"/>
         </c:scaling>
@@ -7247,9 +7760,10 @@
             </a:solidFill>
           </a:ln>
         </c:spPr>
-        <c:crossAx val="403176376"/>
+        <c:crossAx val="373417400"/>
         <c:crosses val="autoZero"/>
         <c:crossBetween val="between"/>
+        <c:majorUnit val="10"/>
       </c:valAx>
       <c:spPr>
         <a:noFill/>
@@ -7334,7 +7848,7 @@
           <c:order val="0"/>
           <c:tx>
             <c:strRef>
-              <c:f>'Desviacion de esfuerzo'!$H$6</c:f>
+              <c:f>'Desviacion de esfuerzo'!$I$6</c:f>
               <c:strCache>
                 <c:ptCount val="1"/>
                 <c:pt idx="0">
@@ -7360,23 +7874,24 @@
               </a:ln>
               <a:effectLst/>
             </c:spPr>
-            <c:dLblPos val="ctr"/>
+            <c:dLblPos val="outEnd"/>
             <c:showLegendKey val="0"/>
-            <c:showVal val="0"/>
+            <c:showVal val="1"/>
             <c:showCatName val="0"/>
             <c:showSerName val="0"/>
             <c:showPercent val="0"/>
-            <c:showBubbleSize val="1"/>
+            <c:showBubbleSize val="0"/>
             <c:showLeaderLines val="0"/>
             <c:extLst>
               <c:ext xmlns:c15="http://schemas.microsoft.com/office/drawing/2012/chart" uri="{CE6537A1-D6FC-4f65-9D91-7224C49458BB}">
-                <c15:showLeaderLines val="0"/>
+                <c15:layout/>
+                <c15:showLeaderLines val="1"/>
               </c:ext>
             </c:extLst>
           </c:dLbls>
           <c:cat>
             <c:strRef>
-              <c:f>'Desviacion de esfuerzo'!$B$7:$B$18</c:f>
+              <c:f>'Desviacion de esfuerzo'!$B$8:$B$19</c:f>
               <c:strCache>
                 <c:ptCount val="12"/>
                 <c:pt idx="0">
@@ -7420,7 +7935,7 @@
           </c:cat>
           <c:val>
             <c:numRef>
-              <c:f>'Desviacion de esfuerzo'!$H$7:$H$18</c:f>
+              <c:f>'Desviacion de esfuerzo'!$I$8:$I$19</c:f>
               <c:numCache>
                 <c:formatCode>0.00%</c:formatCode>
                 <c:ptCount val="12"/>
@@ -7446,7 +7961,7 @@
                   <c:v>0.47619047619047628</c:v>
                 </c:pt>
                 <c:pt idx="7">
-                  <c:v>0</c:v>
+                  <c:v>0.35714285714285721</c:v>
                 </c:pt>
                 <c:pt idx="8">
                   <c:v>0</c:v>
@@ -7487,11 +8002,11 @@
           <c:showBubbleSize val="0"/>
         </c:dLbls>
         <c:gapWidth val="100"/>
-        <c:axId val="398953312"/>
-        <c:axId val="398953704"/>
+        <c:axId val="252444416"/>
+        <c:axId val="252441672"/>
       </c:barChart>
       <c:catAx>
-        <c:axId val="398953312"/>
+        <c:axId val="252444416"/>
         <c:scaling>
           <c:orientation val="minMax"/>
         </c:scaling>
@@ -7508,7 +8023,7 @@
             </a:solidFill>
           </a:ln>
         </c:spPr>
-        <c:crossAx val="398953704"/>
+        <c:crossAx val="252441672"/>
         <c:crosses val="autoZero"/>
         <c:auto val="1"/>
         <c:lblAlgn val="ctr"/>
@@ -7516,7 +8031,7 @@
         <c:noMultiLvlLbl val="1"/>
       </c:catAx>
       <c:valAx>
-        <c:axId val="398953704"/>
+        <c:axId val="252441672"/>
         <c:scaling>
           <c:orientation val="minMax"/>
         </c:scaling>
@@ -7542,7 +8057,7 @@
             </a:solidFill>
           </a:ln>
         </c:spPr>
-        <c:crossAx val="398953312"/>
+        <c:crossAx val="252444416"/>
         <c:crosses val="autoZero"/>
         <c:crossBetween val="between"/>
       </c:valAx>
@@ -7641,11 +8156,11 @@
           <c:order val="0"/>
           <c:tx>
             <c:strRef>
-              <c:f>Física!$C$13</c:f>
+              <c:f>Física!$C$14</c:f>
               <c:strCache>
                 <c:ptCount val="1"/>
                 <c:pt idx="0">
-                  <c:v>Julio</c:v>
+                  <c:v>Agosto</c:v>
                 </c:pt>
               </c:strCache>
             </c:strRef>
@@ -7688,6 +8203,64 @@
             <a:effectLst/>
           </c:spPr>
           <c:invertIfNegative val="0"/>
+          <c:dLbls>
+            <c:spPr>
+              <a:noFill/>
+              <a:ln>
+                <a:noFill/>
+              </a:ln>
+              <a:effectLst/>
+            </c:spPr>
+            <c:txPr>
+              <a:bodyPr rot="0" spcFirstLastPara="1" vertOverflow="ellipsis" vert="horz" wrap="square" lIns="38100" tIns="19050" rIns="38100" bIns="19050" anchor="ctr" anchorCtr="1">
+                <a:spAutoFit/>
+              </a:bodyPr>
+              <a:lstStyle/>
+              <a:p>
+                <a:pPr>
+                  <a:defRPr sz="900" b="0" i="0" u="none" strike="noStrike" kern="1200" baseline="0">
+                    <a:solidFill>
+                      <a:schemeClr val="tx1">
+                        <a:lumMod val="50000"/>
+                        <a:lumOff val="50000"/>
+                      </a:schemeClr>
+                    </a:solidFill>
+                    <a:latin typeface="+mn-lt"/>
+                    <a:ea typeface="+mn-ea"/>
+                    <a:cs typeface="+mn-cs"/>
+                  </a:defRPr>
+                </a:pPr>
+                <a:endParaRPr lang="es-MX"/>
+              </a:p>
+            </c:txPr>
+            <c:dLblPos val="outEnd"/>
+            <c:showLegendKey val="0"/>
+            <c:showVal val="1"/>
+            <c:showCatName val="0"/>
+            <c:showSerName val="0"/>
+            <c:showPercent val="0"/>
+            <c:showBubbleSize val="0"/>
+            <c:showLeaderLines val="0"/>
+            <c:extLst>
+              <c:ext xmlns:c15="http://schemas.microsoft.com/office/drawing/2012/chart" uri="{CE6537A1-D6FC-4f65-9D91-7224C49458BB}">
+                <c15:layout/>
+                <c15:showLeaderLines val="1"/>
+                <c15:leaderLines>
+                  <c:spPr>
+                    <a:ln w="9525">
+                      <a:solidFill>
+                        <a:schemeClr val="tx1">
+                          <a:lumMod val="35000"/>
+                          <a:lumOff val="65000"/>
+                        </a:schemeClr>
+                      </a:solidFill>
+                    </a:ln>
+                    <a:effectLst/>
+                  </c:spPr>
+                </c15:leaderLines>
+              </c:ext>
+            </c:extLst>
+          </c:dLbls>
           <c:cat>
             <c:strRef>
               <c:f>Física!$D$6:$G$6</c:f>
@@ -7710,7 +8283,7 @@
           </c:cat>
           <c:val>
             <c:numRef>
-              <c:f>Física!$D$13:$G$13</c:f>
+              <c:f>Física!$D$14:$G$14</c:f>
               <c:numCache>
                 <c:formatCode>0.00%</c:formatCode>
                 <c:ptCount val="4"/>
@@ -7722,8 +8295,9 @@
           </c:val>
         </c:ser>
         <c:dLbls>
+          <c:dLblPos val="outEnd"/>
           <c:showLegendKey val="0"/>
-          <c:showVal val="0"/>
+          <c:showVal val="1"/>
           <c:showCatName val="0"/>
           <c:showSerName val="0"/>
           <c:showPercent val="0"/>
@@ -7731,11 +8305,11 @@
         </c:dLbls>
         <c:gapWidth val="100"/>
         <c:overlap val="-24"/>
-        <c:axId val="237287984"/>
-        <c:axId val="237288768"/>
+        <c:axId val="373402112"/>
+        <c:axId val="373401328"/>
       </c:barChart>
       <c:catAx>
-        <c:axId val="237287984"/>
+        <c:axId val="373402112"/>
         <c:scaling>
           <c:orientation val="minMax"/>
         </c:scaling>
@@ -7778,7 +8352,7 @@
             <a:endParaRPr lang="es-MX"/>
           </a:p>
         </c:txPr>
-        <c:crossAx val="237288768"/>
+        <c:crossAx val="373401328"/>
         <c:crosses val="autoZero"/>
         <c:auto val="1"/>
         <c:lblAlgn val="ctr"/>
@@ -7786,7 +8360,7 @@
         <c:noMultiLvlLbl val="0"/>
       </c:catAx>
       <c:valAx>
-        <c:axId val="237288768"/>
+        <c:axId val="373401328"/>
         <c:scaling>
           <c:orientation val="minMax"/>
         </c:scaling>
@@ -7837,9 +8411,10 @@
             <a:endParaRPr lang="es-MX"/>
           </a:p>
         </c:txPr>
-        <c:crossAx val="237287984"/>
+        <c:crossAx val="373402112"/>
         <c:crosses val="autoZero"/>
         <c:crossBetween val="between"/>
+        <c:majorUnit val="0.1"/>
       </c:valAx>
       <c:spPr>
         <a:noFill/>
@@ -7930,17 +8505,18 @@
               </a:ln>
               <a:effectLst/>
             </c:spPr>
-            <c:dLblPos val="ctr"/>
+            <c:dLblPos val="outEnd"/>
             <c:showLegendKey val="0"/>
-            <c:showVal val="0"/>
+            <c:showVal val="1"/>
             <c:showCatName val="0"/>
             <c:showSerName val="0"/>
             <c:showPercent val="0"/>
-            <c:showBubbleSize val="1"/>
+            <c:showBubbleSize val="0"/>
             <c:showLeaderLines val="0"/>
             <c:extLst>
               <c:ext xmlns:c15="http://schemas.microsoft.com/office/drawing/2012/chart" uri="{CE6537A1-D6FC-4f65-9D91-7224C49458BB}">
-                <c15:showLeaderLines val="0"/>
+                <c15:layout/>
+                <c15:showLeaderLines val="1"/>
               </c:ext>
             </c:extLst>
           </c:dLbls>
@@ -7962,7 +8538,7 @@
                 <c:formatCode>0.00%</c:formatCode>
                 <c:ptCount val="1"/>
                 <c:pt idx="0">
-                  <c:v>0.7857142857142857</c:v>
+                  <c:v>0.8125</c:v>
                 </c:pt>
               </c:numCache>
             </c:numRef>
@@ -7983,19 +8559,20 @@
           </c:extLst>
         </c:ser>
         <c:dLbls>
+          <c:dLblPos val="outEnd"/>
           <c:showLegendKey val="0"/>
-          <c:showVal val="0"/>
+          <c:showVal val="1"/>
           <c:showCatName val="0"/>
           <c:showSerName val="0"/>
           <c:showPercent val="0"/>
           <c:showBubbleSize val="0"/>
         </c:dLbls>
         <c:gapWidth val="100"/>
-        <c:axId val="403170104"/>
-        <c:axId val="403166576"/>
+        <c:axId val="373407600"/>
+        <c:axId val="373411520"/>
       </c:barChart>
       <c:catAx>
-        <c:axId val="403170104"/>
+        <c:axId val="373407600"/>
         <c:scaling>
           <c:orientation val="minMax"/>
         </c:scaling>
@@ -8012,7 +8589,7 @@
             </a:solidFill>
           </a:ln>
         </c:spPr>
-        <c:crossAx val="403166576"/>
+        <c:crossAx val="373411520"/>
         <c:crosses val="autoZero"/>
         <c:auto val="1"/>
         <c:lblAlgn val="ctr"/>
@@ -8020,7 +8597,7 @@
         <c:noMultiLvlLbl val="1"/>
       </c:catAx>
       <c:valAx>
-        <c:axId val="403166576"/>
+        <c:axId val="373411520"/>
         <c:scaling>
           <c:orientation val="minMax"/>
         </c:scaling>
@@ -8046,7 +8623,7 @@
             </a:solidFill>
           </a:ln>
         </c:spPr>
-        <c:crossAx val="403170104"/>
+        <c:crossAx val="373407600"/>
         <c:crosses val="autoZero"/>
         <c:crossBetween val="between"/>
       </c:valAx>
@@ -8140,17 +8717,18 @@
               </a:ln>
               <a:effectLst/>
             </c:spPr>
-            <c:dLblPos val="ctr"/>
+            <c:dLblPos val="outEnd"/>
             <c:showLegendKey val="0"/>
-            <c:showVal val="0"/>
+            <c:showVal val="1"/>
             <c:showCatName val="0"/>
             <c:showSerName val="0"/>
             <c:showPercent val="0"/>
-            <c:showBubbleSize val="1"/>
+            <c:showBubbleSize val="0"/>
             <c:showLeaderLines val="0"/>
             <c:extLst>
               <c:ext xmlns:c15="http://schemas.microsoft.com/office/drawing/2012/chart" uri="{CE6537A1-D6FC-4f65-9D91-7224C49458BB}">
-                <c15:showLeaderLines val="0"/>
+                <c15:layout/>
+                <c15:showLeaderLines val="1"/>
               </c:ext>
             </c:extLst>
           </c:dLbls>
@@ -8205,19 +8783,20 @@
           </c:extLst>
         </c:ser>
         <c:dLbls>
+          <c:dLblPos val="outEnd"/>
           <c:showLegendKey val="0"/>
-          <c:showVal val="0"/>
+          <c:showVal val="1"/>
           <c:showCatName val="0"/>
           <c:showSerName val="0"/>
           <c:showPercent val="0"/>
           <c:showBubbleSize val="0"/>
         </c:dLbls>
         <c:gapWidth val="100"/>
-        <c:axId val="237631000"/>
-        <c:axId val="237634920"/>
+        <c:axId val="373407992"/>
+        <c:axId val="373408776"/>
       </c:barChart>
       <c:catAx>
-        <c:axId val="237631000"/>
+        <c:axId val="373407992"/>
         <c:scaling>
           <c:orientation val="minMax"/>
         </c:scaling>
@@ -8234,7 +8813,7 @@
             </a:solidFill>
           </a:ln>
         </c:spPr>
-        <c:crossAx val="237634920"/>
+        <c:crossAx val="373408776"/>
         <c:crosses val="autoZero"/>
         <c:auto val="1"/>
         <c:lblAlgn val="ctr"/>
@@ -8242,7 +8821,7 @@
         <c:noMultiLvlLbl val="1"/>
       </c:catAx>
       <c:valAx>
-        <c:axId val="237634920"/>
+        <c:axId val="373408776"/>
         <c:scaling>
           <c:orientation val="minMax"/>
         </c:scaling>
@@ -8268,9 +8847,10 @@
             </a:solidFill>
           </a:ln>
         </c:spPr>
-        <c:crossAx val="237631000"/>
+        <c:crossAx val="373407992"/>
         <c:crosses val="autoZero"/>
         <c:crossBetween val="between"/>
+        <c:majorUnit val="0.1"/>
       </c:valAx>
       <c:spPr>
         <a:noFill/>
@@ -8591,10 +9171,13 @@
 </file>
 
 <file path=ppt/charts/colors8.xml><?xml version="1.0" encoding="utf-8"?>
-<cs:colorStyle xmlns:cs="http://schemas.microsoft.com/office/drawing/2012/chartStyle" xmlns:a="http://schemas.openxmlformats.org/drawingml/2006/main" meth="cycle" id="11">
+<cs:colorStyle xmlns:cs="http://schemas.microsoft.com/office/drawing/2012/chartStyle" xmlns:a="http://schemas.openxmlformats.org/drawingml/2006/main" meth="cycle" id="10">
   <a:schemeClr val="accent1"/>
+  <a:schemeClr val="accent2"/>
   <a:schemeClr val="accent3"/>
+  <a:schemeClr val="accent4"/>
   <a:schemeClr val="accent5"/>
+  <a:schemeClr val="accent6"/>
   <cs:variation/>
   <cs:variation>
     <a:lumMod val="60000"/>
@@ -8628,13 +9211,10 @@
 </file>
 
 <file path=ppt/charts/colors9.xml><?xml version="1.0" encoding="utf-8"?>
-<cs:colorStyle xmlns:cs="http://schemas.microsoft.com/office/drawing/2012/chartStyle" xmlns:a="http://schemas.openxmlformats.org/drawingml/2006/main" meth="cycle" id="10">
+<cs:colorStyle xmlns:cs="http://schemas.microsoft.com/office/drawing/2012/chartStyle" xmlns:a="http://schemas.openxmlformats.org/drawingml/2006/main" meth="cycle" id="11">
   <a:schemeClr val="accent1"/>
-  <a:schemeClr val="accent2"/>
   <a:schemeClr val="accent3"/>
-  <a:schemeClr val="accent4"/>
   <a:schemeClr val="accent5"/>
-  <a:schemeClr val="accent6"/>
   <cs:variation/>
   <cs:variation>
     <a:lumMod val="60000"/>
@@ -22266,6 +22846,16 @@
               <a:t>Enero – </a:t>
             </a:r>
             <a:r>
+              <a:rPr lang="es-MX" sz="2600" dirty="0" smtClean="0">
+                <a:solidFill>
+                  <a:srgbClr val="8B8B8B"/>
+                </a:solidFill>
+                <a:latin typeface="Calibri"/>
+                <a:ea typeface="DejaVu Sans"/>
+              </a:rPr>
+              <a:t>Agosto</a:t>
+            </a:r>
+            <a:r>
               <a:rPr lang="es-MX" sz="2600" strike="noStrike" dirty="0" smtClean="0">
                 <a:solidFill>
                   <a:srgbClr val="8B8B8B"/>
@@ -22273,7 +22863,17 @@
                 <a:latin typeface="Calibri"/>
                 <a:ea typeface="DejaVu Sans"/>
               </a:rPr>
-              <a:t>Agosto 2016</a:t>
+              <a:t> </a:t>
+            </a:r>
+            <a:r>
+              <a:rPr lang="es-MX" sz="2600" strike="noStrike" dirty="0" smtClean="0">
+                <a:solidFill>
+                  <a:srgbClr val="8B8B8B"/>
+                </a:solidFill>
+                <a:latin typeface="Calibri"/>
+                <a:ea typeface="DejaVu Sans"/>
+              </a:rPr>
+              <a:t>2016</a:t>
             </a:r>
             <a:endParaRPr dirty="0"/>
           </a:p>
@@ -22301,7 +22901,7 @@
                 <a:latin typeface="Calibri"/>
                 <a:ea typeface="DejaVu Sans"/>
               </a:rPr>
-              <a:t>11/08/2016</a:t>
+              <a:t>06/09/2016</a:t>
             </a:r>
             <a:endParaRPr dirty="0"/>
           </a:p>
@@ -22597,7 +23197,7 @@
                 <a:latin typeface="Times New Roman"/>
                 <a:ea typeface="DejaVu Sans"/>
               </a:rPr>
-              <a:t>julio </a:t>
+              <a:t>agosto </a:t>
             </a:r>
             <a:r>
               <a:rPr lang="es-MX" strike="noStrike" dirty="0" smtClean="0">
@@ -22639,20 +23239,20 @@
       </p:sp>
       <p:graphicFrame>
         <p:nvGraphicFramePr>
-          <p:cNvPr id="6" name="Gráfico 5"/>
+          <p:cNvPr id="7" name="Gráfico 6"/>
           <p:cNvGraphicFramePr>
             <a:graphicFrameLocks/>
           </p:cNvGraphicFramePr>
           <p:nvPr>
             <p:extLst>
               <p:ext uri="{D42A27DB-BD31-4B8C-83A1-F6EECF244321}">
-                <p14:modId xmlns:p14="http://schemas.microsoft.com/office/powerpoint/2010/main" val="2626725953"/>
+                <p14:modId xmlns:p14="http://schemas.microsoft.com/office/powerpoint/2010/main" val="4259823258"/>
               </p:ext>
             </p:extLst>
           </p:nvPr>
         </p:nvGraphicFramePr>
         <p:xfrm>
-          <a:off x="457200" y="1879979"/>
+          <a:off x="457200" y="2030104"/>
           <a:ext cx="4572000" cy="2743200"/>
         </p:xfrm>
         <a:graphic>
@@ -22800,13 +23400,22 @@
               <a:t>Ene/16 – </a:t>
             </a:r>
             <a:r>
+              <a:rPr lang="es-MX" dirty="0" err="1" smtClean="0">
+                <a:solidFill>
+                  <a:srgbClr val="000000"/>
+                </a:solidFill>
+                <a:latin typeface="+mj-lt"/>
+              </a:rPr>
+              <a:t>Ago</a:t>
+            </a:r>
+            <a:r>
               <a:rPr lang="es-MX" dirty="0" smtClean="0">
                 <a:solidFill>
                   <a:srgbClr val="000000"/>
                 </a:solidFill>
                 <a:latin typeface="+mj-lt"/>
               </a:rPr>
-              <a:t>Jul/16</a:t>
+              <a:t>/16</a:t>
             </a:r>
             <a:endParaRPr lang="es-MX" dirty="0">
               <a:solidFill>
@@ -22903,20 +23512,20 @@
       </p:sp>
       <p:graphicFrame>
         <p:nvGraphicFramePr>
-          <p:cNvPr id="9" name="Gráfico 8"/>
+          <p:cNvPr id="7" name="Gráfico 6"/>
           <p:cNvGraphicFramePr>
             <a:graphicFrameLocks/>
           </p:cNvGraphicFramePr>
           <p:nvPr>
             <p:extLst>
               <p:ext uri="{D42A27DB-BD31-4B8C-83A1-F6EECF244321}">
-                <p14:modId xmlns:p14="http://schemas.microsoft.com/office/powerpoint/2010/main" val="3833544933"/>
+                <p14:modId xmlns:p14="http://schemas.microsoft.com/office/powerpoint/2010/main" val="1075749230"/>
               </p:ext>
             </p:extLst>
           </p:nvPr>
         </p:nvGraphicFramePr>
         <p:xfrm>
-          <a:off x="457200" y="1600200"/>
+          <a:off x="273965" y="1600200"/>
           <a:ext cx="4174195" cy="3269340"/>
         </p:xfrm>
         <a:graphic>
@@ -22927,20 +23536,20 @@
       </p:graphicFrame>
       <p:graphicFrame>
         <p:nvGraphicFramePr>
-          <p:cNvPr id="10" name="Gráfico 9"/>
+          <p:cNvPr id="8" name="Gráfico 7"/>
           <p:cNvGraphicFramePr>
             <a:graphicFrameLocks/>
           </p:cNvGraphicFramePr>
           <p:nvPr>
             <p:extLst>
               <p:ext uri="{D42A27DB-BD31-4B8C-83A1-F6EECF244321}">
-                <p14:modId xmlns:p14="http://schemas.microsoft.com/office/powerpoint/2010/main" val="4076642712"/>
+                <p14:modId xmlns:p14="http://schemas.microsoft.com/office/powerpoint/2010/main" val="2497208927"/>
               </p:ext>
             </p:extLst>
           </p:nvPr>
         </p:nvGraphicFramePr>
         <p:xfrm>
-          <a:off x="4694830" y="3328907"/>
+          <a:off x="4694830" y="3247020"/>
           <a:ext cx="4212715" cy="3284580"/>
         </p:xfrm>
         <a:graphic>
@@ -23088,12 +23697,20 @@
               <a:t>Ene/16 – </a:t>
             </a:r>
             <a:r>
+              <a:rPr lang="es-MX" dirty="0" err="1" smtClean="0">
+                <a:solidFill>
+                  <a:srgbClr val="000000"/>
+                </a:solidFill>
+              </a:rPr>
+              <a:t>Ago</a:t>
+            </a:r>
+            <a:r>
               <a:rPr lang="es-MX" dirty="0" smtClean="0">
                 <a:solidFill>
                   <a:srgbClr val="000000"/>
                 </a:solidFill>
               </a:rPr>
-              <a:t>Jul/16</a:t>
+              <a:t>/16</a:t>
             </a:r>
             <a:endParaRPr lang="es-MX" dirty="0"/>
           </a:p>
@@ -23205,7 +23822,87 @@
                 <a:latin typeface="Times New Roman"/>
                 <a:ea typeface="DejaVu Sans"/>
               </a:rPr>
-              <a:t>Hay una resultado al 100 porciento en el mes de julio lo que aporta al aumento en la calificación global. Arriba del 85 porciento en Carta de Agradecimiento, y 97 porciento en Tickets de servicio.</a:t>
+              <a:t>Se logro un </a:t>
+            </a:r>
+            <a:r>
+              <a:rPr lang="es-MX" strike="noStrike" dirty="0" smtClean="0">
+                <a:solidFill>
+                  <a:srgbClr val="000000"/>
+                </a:solidFill>
+                <a:latin typeface="Times New Roman"/>
+                <a:ea typeface="DejaVu Sans"/>
+              </a:rPr>
+              <a:t>resultado al 100 porciento en el mes de </a:t>
+            </a:r>
+            <a:r>
+              <a:rPr lang="es-MX" strike="noStrike" dirty="0" smtClean="0">
+                <a:solidFill>
+                  <a:srgbClr val="000000"/>
+                </a:solidFill>
+                <a:latin typeface="Times New Roman"/>
+                <a:ea typeface="DejaVu Sans"/>
+              </a:rPr>
+              <a:t>agosto, lo </a:t>
+            </a:r>
+            <a:r>
+              <a:rPr lang="es-MX" strike="noStrike" dirty="0" smtClean="0">
+                <a:solidFill>
+                  <a:srgbClr val="000000"/>
+                </a:solidFill>
+                <a:latin typeface="Times New Roman"/>
+                <a:ea typeface="DejaVu Sans"/>
+              </a:rPr>
+              <a:t>que aporta al aumento en la calificación global. </a:t>
+            </a:r>
+            <a:r>
+              <a:rPr lang="es-MX" dirty="0">
+                <a:solidFill>
+                  <a:srgbClr val="000000"/>
+                </a:solidFill>
+                <a:latin typeface="Times New Roman"/>
+                <a:ea typeface="DejaVu Sans"/>
+              </a:rPr>
+              <a:t>D</a:t>
+            </a:r>
+            <a:r>
+              <a:rPr lang="es-MX" strike="noStrike" dirty="0" smtClean="0">
+                <a:solidFill>
+                  <a:srgbClr val="000000"/>
+                </a:solidFill>
+                <a:latin typeface="Times New Roman"/>
+                <a:ea typeface="DejaVu Sans"/>
+              </a:rPr>
+              <a:t>el 87.5 </a:t>
+            </a:r>
+            <a:r>
+              <a:rPr lang="es-MX" strike="noStrike" dirty="0" smtClean="0">
+                <a:solidFill>
+                  <a:srgbClr val="000000"/>
+                </a:solidFill>
+                <a:latin typeface="Times New Roman"/>
+                <a:ea typeface="DejaVu Sans"/>
+              </a:rPr>
+              <a:t>porciento en Carta de Agradecimiento, y </a:t>
+            </a:r>
+            <a:r>
+              <a:rPr lang="es-MX" strike="noStrike" dirty="0" smtClean="0">
+                <a:solidFill>
+                  <a:srgbClr val="000000"/>
+                </a:solidFill>
+                <a:latin typeface="Times New Roman"/>
+                <a:ea typeface="DejaVu Sans"/>
+              </a:rPr>
+              <a:t>97.5 </a:t>
+            </a:r>
+            <a:r>
+              <a:rPr lang="es-MX" strike="noStrike" dirty="0" smtClean="0">
+                <a:solidFill>
+                  <a:srgbClr val="000000"/>
+                </a:solidFill>
+                <a:latin typeface="Times New Roman"/>
+                <a:ea typeface="DejaVu Sans"/>
+              </a:rPr>
+              <a:t>porciento en Tickets de servicio.</a:t>
             </a:r>
             <a:endParaRPr dirty="0"/>
           </a:p>
@@ -23221,20 +23918,20 @@
       </p:sp>
       <p:graphicFrame>
         <p:nvGraphicFramePr>
-          <p:cNvPr id="9" name="Gráfico 8"/>
+          <p:cNvPr id="10" name="Gráfico 9"/>
           <p:cNvGraphicFramePr>
             <a:graphicFrameLocks/>
           </p:cNvGraphicFramePr>
           <p:nvPr>
             <p:extLst>
               <p:ext uri="{D42A27DB-BD31-4B8C-83A1-F6EECF244321}">
-                <p14:modId xmlns:p14="http://schemas.microsoft.com/office/powerpoint/2010/main" val="2195242459"/>
+                <p14:modId xmlns:p14="http://schemas.microsoft.com/office/powerpoint/2010/main" val="3386784856"/>
               </p:ext>
             </p:extLst>
           </p:nvPr>
         </p:nvGraphicFramePr>
         <p:xfrm>
-          <a:off x="584033" y="1409760"/>
+          <a:off x="229192" y="1416240"/>
           <a:ext cx="4400220" cy="3239040"/>
         </p:xfrm>
         <a:graphic>
@@ -23245,20 +23942,20 @@
       </p:graphicFrame>
       <p:graphicFrame>
         <p:nvGraphicFramePr>
-          <p:cNvPr id="8" name="Gráfico 7"/>
+          <p:cNvPr id="7" name="Gráfico 6"/>
           <p:cNvGraphicFramePr>
             <a:graphicFrameLocks/>
           </p:cNvGraphicFramePr>
           <p:nvPr>
             <p:extLst>
               <p:ext uri="{D42A27DB-BD31-4B8C-83A1-F6EECF244321}">
-                <p14:modId xmlns:p14="http://schemas.microsoft.com/office/powerpoint/2010/main" val="526374974"/>
+                <p14:modId xmlns:p14="http://schemas.microsoft.com/office/powerpoint/2010/main" val="1943873184"/>
               </p:ext>
             </p:extLst>
           </p:nvPr>
         </p:nvGraphicFramePr>
         <p:xfrm>
-          <a:off x="4572000" y="3749722"/>
+          <a:off x="4237630" y="3817962"/>
           <a:ext cx="4572000" cy="2743200"/>
         </p:xfrm>
         <a:graphic>
@@ -23401,12 +24098,20 @@
               <a:t>Ene/16 – </a:t>
             </a:r>
             <a:r>
+              <a:rPr lang="es-MX" dirty="0" err="1" smtClean="0">
+                <a:solidFill>
+                  <a:srgbClr val="000000"/>
+                </a:solidFill>
+              </a:rPr>
+              <a:t>Ago</a:t>
+            </a:r>
+            <a:r>
               <a:rPr lang="es-MX" dirty="0" smtClean="0">
                 <a:solidFill>
                   <a:srgbClr val="000000"/>
                 </a:solidFill>
               </a:rPr>
-              <a:t>Jul/16</a:t>
+              <a:t>/16</a:t>
             </a:r>
             <a:endParaRPr lang="es-MX" dirty="0"/>
           </a:p>
@@ -23475,7 +24180,27 @@
                 <a:latin typeface="Arial"/>
                 <a:ea typeface="DejaVu Sans"/>
               </a:rPr>
-              <a:t>monitoreo arriba del 98 porciento.</a:t>
+              <a:t>monitoreo arriba del </a:t>
+            </a:r>
+            <a:r>
+              <a:rPr lang="es-MX" sz="1400" strike="noStrike" dirty="0" smtClean="0">
+                <a:solidFill>
+                  <a:srgbClr val="000000"/>
+                </a:solidFill>
+                <a:latin typeface="Arial"/>
+                <a:ea typeface="DejaVu Sans"/>
+              </a:rPr>
+              <a:t>98.61 </a:t>
+            </a:r>
+            <a:r>
+              <a:rPr lang="es-MX" sz="1400" strike="noStrike" dirty="0" smtClean="0">
+                <a:solidFill>
+                  <a:srgbClr val="000000"/>
+                </a:solidFill>
+                <a:latin typeface="Arial"/>
+                <a:ea typeface="DejaVu Sans"/>
+              </a:rPr>
+              <a:t>porciento.</a:t>
             </a:r>
             <a:endParaRPr dirty="0"/>
           </a:p>
@@ -23483,21 +24208,21 @@
       </p:sp>
       <p:graphicFrame>
         <p:nvGraphicFramePr>
-          <p:cNvPr id="8" name="Gráfico 7"/>
+          <p:cNvPr id="10" name="Gráfico 9"/>
           <p:cNvGraphicFramePr>
             <a:graphicFrameLocks/>
           </p:cNvGraphicFramePr>
           <p:nvPr>
             <p:extLst>
               <p:ext uri="{D42A27DB-BD31-4B8C-83A1-F6EECF244321}">
-                <p14:modId xmlns:p14="http://schemas.microsoft.com/office/powerpoint/2010/main" val="1281636364"/>
+                <p14:modId xmlns:p14="http://schemas.microsoft.com/office/powerpoint/2010/main" val="3692455711"/>
               </p:ext>
             </p:extLst>
           </p:nvPr>
         </p:nvGraphicFramePr>
         <p:xfrm>
-          <a:off x="0" y="1954202"/>
-          <a:ext cx="4813423" cy="3354777"/>
+          <a:off x="1" y="1944960"/>
+          <a:ext cx="4995080" cy="3828043"/>
         </p:xfrm>
         <a:graphic>
           <a:graphicData uri="http://schemas.openxmlformats.org/drawingml/2006/chart">
@@ -23507,20 +24232,20 @@
       </p:graphicFrame>
       <p:graphicFrame>
         <p:nvGraphicFramePr>
-          <p:cNvPr id="6" name="Gráfico 5"/>
+          <p:cNvPr id="11" name="Gráfico 10"/>
           <p:cNvGraphicFramePr>
             <a:graphicFrameLocks/>
           </p:cNvGraphicFramePr>
           <p:nvPr>
             <p:extLst>
               <p:ext uri="{D42A27DB-BD31-4B8C-83A1-F6EECF244321}">
-                <p14:modId xmlns:p14="http://schemas.microsoft.com/office/powerpoint/2010/main" val="1945739136"/>
+                <p14:modId xmlns:p14="http://schemas.microsoft.com/office/powerpoint/2010/main" val="1532660524"/>
               </p:ext>
             </p:extLst>
           </p:nvPr>
         </p:nvGraphicFramePr>
         <p:xfrm>
-          <a:off x="4572000" y="4009030"/>
+          <a:off x="4572000" y="4114800"/>
           <a:ext cx="4572000" cy="2743200"/>
         </p:xfrm>
         <a:graphic>
@@ -23653,12 +24378,20 @@
               <a:t>Ene/16 – </a:t>
             </a:r>
             <a:r>
+              <a:rPr lang="es-MX" dirty="0" err="1" smtClean="0">
+                <a:solidFill>
+                  <a:srgbClr val="000000"/>
+                </a:solidFill>
+              </a:rPr>
+              <a:t>Ago</a:t>
+            </a:r>
+            <a:r>
               <a:rPr lang="es-MX" dirty="0" smtClean="0">
                 <a:solidFill>
                   <a:srgbClr val="000000"/>
                 </a:solidFill>
               </a:rPr>
-              <a:t>Jul/16</a:t>
+              <a:t>/16</a:t>
             </a:r>
             <a:endParaRPr lang="es-MX" dirty="0"/>
           </a:p>
@@ -23770,7 +24503,27 @@
                 <a:latin typeface="Times New Roman"/>
                 <a:ea typeface="DejaVu Sans"/>
               </a:rPr>
-              <a:t>proceso arriba del 98 porciento.</a:t>
+              <a:t>proceso arriba del </a:t>
+            </a:r>
+            <a:r>
+              <a:rPr lang="es-MX" strike="noStrike" dirty="0" smtClean="0">
+                <a:solidFill>
+                  <a:srgbClr val="000000"/>
+                </a:solidFill>
+                <a:latin typeface="Times New Roman"/>
+                <a:ea typeface="DejaVu Sans"/>
+              </a:rPr>
+              <a:t>91 </a:t>
+            </a:r>
+            <a:r>
+              <a:rPr lang="es-MX" strike="noStrike" dirty="0" smtClean="0">
+                <a:solidFill>
+                  <a:srgbClr val="000000"/>
+                </a:solidFill>
+                <a:latin typeface="Times New Roman"/>
+                <a:ea typeface="DejaVu Sans"/>
+              </a:rPr>
+              <a:t>porciento.</a:t>
             </a:r>
             <a:endParaRPr dirty="0"/>
           </a:p>
@@ -23786,20 +24539,20 @@
       </p:sp>
       <p:graphicFrame>
         <p:nvGraphicFramePr>
-          <p:cNvPr id="7" name="Gráfico 6"/>
+          <p:cNvPr id="9" name="Gráfico 8"/>
           <p:cNvGraphicFramePr>
             <a:graphicFrameLocks/>
           </p:cNvGraphicFramePr>
           <p:nvPr>
             <p:extLst>
               <p:ext uri="{D42A27DB-BD31-4B8C-83A1-F6EECF244321}">
-                <p14:modId xmlns:p14="http://schemas.microsoft.com/office/powerpoint/2010/main" val="3051977898"/>
+                <p14:modId xmlns:p14="http://schemas.microsoft.com/office/powerpoint/2010/main" val="3549787172"/>
               </p:ext>
             </p:extLst>
           </p:nvPr>
         </p:nvGraphicFramePr>
         <p:xfrm>
-          <a:off x="457200" y="1600200"/>
+          <a:off x="0" y="1409760"/>
           <a:ext cx="4450980" cy="3238740"/>
         </p:xfrm>
         <a:graphic>
@@ -23810,20 +24563,20 @@
       </p:graphicFrame>
       <p:graphicFrame>
         <p:nvGraphicFramePr>
-          <p:cNvPr id="8" name="Gráfico 7"/>
+          <p:cNvPr id="10" name="Gráfico 9"/>
           <p:cNvGraphicFramePr>
             <a:graphicFrameLocks/>
           </p:cNvGraphicFramePr>
           <p:nvPr>
             <p:extLst>
               <p:ext uri="{D42A27DB-BD31-4B8C-83A1-F6EECF244321}">
-                <p14:modId xmlns:p14="http://schemas.microsoft.com/office/powerpoint/2010/main" val="4162565387"/>
+                <p14:modId xmlns:p14="http://schemas.microsoft.com/office/powerpoint/2010/main" val="491796335"/>
               </p:ext>
             </p:extLst>
           </p:nvPr>
         </p:nvGraphicFramePr>
         <p:xfrm>
-          <a:off x="4264925" y="3817961"/>
+          <a:off x="4572000" y="3845256"/>
           <a:ext cx="4572000" cy="2743200"/>
         </p:xfrm>
         <a:graphic>
@@ -23966,12 +24719,20 @@
               <a:t>Ene/16 – </a:t>
             </a:r>
             <a:r>
+              <a:rPr lang="es-MX" dirty="0" err="1" smtClean="0">
+                <a:solidFill>
+                  <a:srgbClr val="000000"/>
+                </a:solidFill>
+              </a:rPr>
+              <a:t>Ago</a:t>
+            </a:r>
+            <a:r>
               <a:rPr lang="es-MX" dirty="0" smtClean="0">
                 <a:solidFill>
                   <a:srgbClr val="000000"/>
                 </a:solidFill>
               </a:rPr>
-              <a:t>Jun/16</a:t>
+              <a:t>/16</a:t>
             </a:r>
             <a:endParaRPr lang="es-MX" dirty="0"/>
           </a:p>
@@ -24028,20 +24789,20 @@
       </p:sp>
       <p:graphicFrame>
         <p:nvGraphicFramePr>
-          <p:cNvPr id="6" name="Gráfico 5"/>
+          <p:cNvPr id="5" name="Gráfico 4"/>
           <p:cNvGraphicFramePr>
             <a:graphicFrameLocks/>
           </p:cNvGraphicFramePr>
           <p:nvPr>
             <p:extLst>
               <p:ext uri="{D42A27DB-BD31-4B8C-83A1-F6EECF244321}">
-                <p14:modId xmlns:p14="http://schemas.microsoft.com/office/powerpoint/2010/main" val="945592026"/>
+                <p14:modId xmlns:p14="http://schemas.microsoft.com/office/powerpoint/2010/main" val="4076575068"/>
               </p:ext>
             </p:extLst>
           </p:nvPr>
         </p:nvGraphicFramePr>
         <p:xfrm>
-          <a:off x="1586713" y="2178059"/>
+          <a:off x="1504827" y="2355480"/>
           <a:ext cx="4250955" cy="3238860"/>
         </p:xfrm>
         <a:graphic>
@@ -24222,7 +24983,7 @@
       </p:sp>
       <p:pic>
         <p:nvPicPr>
-          <p:cNvPr id="2" name="Imagen 1"/>
+          <p:cNvPr id="4" name="Imagen 3"/>
           <p:cNvPicPr>
             <a:picLocks noChangeAspect="1"/>
           </p:cNvPicPr>
@@ -24236,8 +24997,8 @@
         </p:blipFill>
         <p:spPr>
           <a:xfrm>
-            <a:off x="0" y="1189320"/>
-            <a:ext cx="9095647" cy="1881428"/>
+            <a:off x="-1" y="1133200"/>
+            <a:ext cx="9112179" cy="2091320"/>
           </a:xfrm>
           <a:prstGeom prst="rect">
             <a:avLst/>
@@ -24246,7 +25007,7 @@
       </p:pic>
       <p:pic>
         <p:nvPicPr>
-          <p:cNvPr id="3" name="Imagen 2"/>
+          <p:cNvPr id="8" name="Imagen 7"/>
           <p:cNvPicPr>
             <a:picLocks noChangeAspect="1"/>
           </p:cNvPicPr>
@@ -24260,8 +25021,8 @@
         </p:blipFill>
         <p:spPr>
           <a:xfrm>
-            <a:off x="300148" y="3414960"/>
-            <a:ext cx="4331366" cy="1940760"/>
+            <a:off x="23902" y="3287802"/>
+            <a:ext cx="4712360" cy="2321428"/>
           </a:xfrm>
           <a:prstGeom prst="rect">
             <a:avLst/>
@@ -24270,7 +25031,7 @@
       </p:pic>
       <p:pic>
         <p:nvPicPr>
-          <p:cNvPr id="7" name="Imagen 6"/>
+          <p:cNvPr id="9" name="Imagen 8"/>
           <p:cNvPicPr>
             <a:picLocks noChangeAspect="1"/>
           </p:cNvPicPr>
@@ -24284,8 +25045,8 @@
         </p:blipFill>
         <p:spPr>
           <a:xfrm>
-            <a:off x="4860114" y="3414960"/>
-            <a:ext cx="4090206" cy="1940760"/>
+            <a:off x="4801383" y="3414960"/>
+            <a:ext cx="4310795" cy="2089416"/>
           </a:xfrm>
           <a:prstGeom prst="rect">
             <a:avLst/>
@@ -24494,17 +25255,17 @@
                 <a:latin typeface="Arial"/>
                 <a:ea typeface="DejaVu Sans"/>
               </a:rPr>
-              <a:t>logra un incremento superior a lo esperado para el mes de julio en ventas</a:t>
+              <a:t>tiene un de</a:t>
             </a:r>
             <a:r>
-              <a:rPr lang="es-MX" strike="noStrike" dirty="0" smtClean="0">
+              <a:rPr lang="es-MX" dirty="0" smtClean="0">
                 <a:solidFill>
                   <a:srgbClr val="000000"/>
                 </a:solidFill>
                 <a:latin typeface="Arial"/>
                 <a:ea typeface="DejaVu Sans"/>
               </a:rPr>
-              <a:t>.</a:t>
+              <a:t>cremento con respecto al mes de julio pero es a las ventas registradas en meses anteriores.</a:t>
             </a:r>
             <a:endParaRPr dirty="0"/>
           </a:p>
@@ -24512,20 +25273,20 @@
       </p:sp>
       <p:graphicFrame>
         <p:nvGraphicFramePr>
-          <p:cNvPr id="6" name="Gráfico 5"/>
+          <p:cNvPr id="5" name="Gráfico 4"/>
           <p:cNvGraphicFramePr>
             <a:graphicFrameLocks/>
           </p:cNvGraphicFramePr>
           <p:nvPr>
             <p:extLst>
               <p:ext uri="{D42A27DB-BD31-4B8C-83A1-F6EECF244321}">
-                <p14:modId xmlns:p14="http://schemas.microsoft.com/office/powerpoint/2010/main" val="3639607920"/>
+                <p14:modId xmlns:p14="http://schemas.microsoft.com/office/powerpoint/2010/main" val="462246992"/>
               </p:ext>
             </p:extLst>
           </p:nvPr>
         </p:nvGraphicFramePr>
         <p:xfrm>
-          <a:off x="2113187" y="1363500"/>
+          <a:off x="2167778" y="1363500"/>
           <a:ext cx="4590080" cy="2740500"/>
         </p:xfrm>
         <a:graphic>
@@ -24680,8 +25441,8 @@
         </p:nvSpPr>
         <p:spPr>
           <a:xfrm>
-            <a:off x="5469636" y="2545200"/>
-            <a:ext cx="3452760" cy="2278800"/>
+            <a:off x="6428096" y="2545200"/>
+            <a:ext cx="2494300" cy="2278800"/>
           </a:xfrm>
           <a:prstGeom prst="rect">
             <a:avLst/>
@@ -24754,7 +25515,7 @@
         </p:nvSpPr>
         <p:spPr>
           <a:xfrm>
-            <a:off x="720000" y="4824000"/>
+            <a:off x="682560" y="5511133"/>
             <a:ext cx="3885480" cy="599760"/>
           </a:xfrm>
           <a:prstGeom prst="rect">
@@ -24881,12 +25642,20 @@
               <a:t>Ene/16 – </a:t>
             </a:r>
             <a:r>
+              <a:rPr lang="es-MX" dirty="0" err="1" smtClean="0">
+                <a:solidFill>
+                  <a:srgbClr val="000000"/>
+                </a:solidFill>
+              </a:rPr>
+              <a:t>Ago</a:t>
+            </a:r>
+            <a:r>
               <a:rPr lang="es-MX" dirty="0" smtClean="0">
                 <a:solidFill>
                   <a:srgbClr val="000000"/>
                 </a:solidFill>
               </a:rPr>
-              <a:t>Jul/16</a:t>
+              <a:t>/16</a:t>
             </a:r>
             <a:endParaRPr lang="es-MX" dirty="0"/>
           </a:p>
@@ -24894,21 +25663,21 @@
       </p:sp>
       <p:graphicFrame>
         <p:nvGraphicFramePr>
-          <p:cNvPr id="8" name="Gráfico 7"/>
+          <p:cNvPr id="9" name="Gráfico 8"/>
           <p:cNvGraphicFramePr>
             <a:graphicFrameLocks/>
           </p:cNvGraphicFramePr>
           <p:nvPr>
             <p:extLst>
               <p:ext uri="{D42A27DB-BD31-4B8C-83A1-F6EECF244321}">
-                <p14:modId xmlns:p14="http://schemas.microsoft.com/office/powerpoint/2010/main" val="964558861"/>
+                <p14:modId xmlns:p14="http://schemas.microsoft.com/office/powerpoint/2010/main" val="605450031"/>
               </p:ext>
             </p:extLst>
           </p:nvPr>
         </p:nvGraphicFramePr>
         <p:xfrm>
-          <a:off x="720000" y="2083140"/>
-          <a:ext cx="4588440" cy="2740860"/>
+          <a:off x="699244" y="2244351"/>
+          <a:ext cx="5708097" cy="3171248"/>
         </p:xfrm>
         <a:graphic>
           <a:graphicData uri="http://schemas.openxmlformats.org/drawingml/2006/chart">
@@ -25258,14 +26027,14 @@
           <p:nvPr>
             <p:extLst>
               <p:ext uri="{D42A27DB-BD31-4B8C-83A1-F6EECF244321}">
-                <p14:modId xmlns:p14="http://schemas.microsoft.com/office/powerpoint/2010/main" val="654246476"/>
+                <p14:modId xmlns:p14="http://schemas.microsoft.com/office/powerpoint/2010/main" val="575543551"/>
               </p:ext>
             </p:extLst>
           </p:nvPr>
         </p:nvGraphicFramePr>
         <p:xfrm>
           <a:off x="1523880" y="1397160"/>
-          <a:ext cx="6095520" cy="3983520"/>
+          <a:ext cx="6095520" cy="4413360"/>
         </p:xfrm>
         <a:graphic>
           <a:graphicData uri="http://schemas.openxmlformats.org/drawingml/2006/table">
@@ -25840,6 +26609,62 @@
                   <a:tcPr/>
                 </a:tc>
               </a:tr>
+              <a:tr h="429840">
+                <a:tc>
+                  <a:txBody>
+                    <a:bodyPr/>
+                    <a:lstStyle/>
+                    <a:p>
+                      <a:r>
+                        <a:rPr lang="es-MX" sz="1400" dirty="0" smtClean="0">
+                          <a:latin typeface="+mn-lt"/>
+                        </a:rPr>
+                        <a:t>Venta Mensual Agosto</a:t>
+                      </a:r>
+                      <a:endParaRPr sz="1400" dirty="0">
+                        <a:latin typeface="+mn-lt"/>
+                      </a:endParaRPr>
+                    </a:p>
+                  </a:txBody>
+                  <a:tcPr/>
+                </a:tc>
+                <a:tc>
+                  <a:txBody>
+                    <a:bodyPr/>
+                    <a:lstStyle/>
+                    <a:p>
+                      <a:r>
+                        <a:rPr lang="es-MX" sz="1400" dirty="0" smtClean="0">
+                          <a:latin typeface="+mn-lt"/>
+                        </a:rPr>
+                        <a:t>02/09/2016</a:t>
+                      </a:r>
+                      <a:endParaRPr sz="1400" dirty="0">
+                        <a:latin typeface="+mn-lt"/>
+                      </a:endParaRPr>
+                    </a:p>
+                  </a:txBody>
+                  <a:tcPr/>
+                </a:tc>
+                <a:tc>
+                  <a:txBody>
+                    <a:bodyPr/>
+                    <a:lstStyle/>
+                    <a:p>
+                      <a:r>
+                        <a:rPr lang="es-MX" sz="1400" dirty="0" smtClean="0">
+                          <a:latin typeface="+mn-lt"/>
+                        </a:rPr>
+                        <a:t>06/09/2016</a:t>
+                      </a:r>
+                      <a:endParaRPr sz="1400" dirty="0">
+                        <a:latin typeface="+mn-lt"/>
+                      </a:endParaRPr>
+                    </a:p>
+                  </a:txBody>
+                  <a:tcPr/>
+                </a:tc>
+              </a:tr>
             </a:tbl>
           </a:graphicData>
         </a:graphic>
@@ -25968,7 +26793,7 @@
         </p:nvSpPr>
         <p:spPr>
           <a:xfrm>
-            <a:off x="457200" y="5542655"/>
+            <a:off x="457200" y="6101640"/>
             <a:ext cx="8227800" cy="756360"/>
           </a:xfrm>
           <a:prstGeom prst="rect">
@@ -26066,21 +26891,21 @@
       </p:sp>
       <p:graphicFrame>
         <p:nvGraphicFramePr>
-          <p:cNvPr id="6" name="Gráfico 5"/>
+          <p:cNvPr id="5" name="Gráfico 4"/>
           <p:cNvGraphicFramePr>
             <a:graphicFrameLocks/>
           </p:cNvGraphicFramePr>
           <p:nvPr>
             <p:extLst>
               <p:ext uri="{D42A27DB-BD31-4B8C-83A1-F6EECF244321}">
-                <p14:modId xmlns:p14="http://schemas.microsoft.com/office/powerpoint/2010/main" val="3835358004"/>
+                <p14:modId xmlns:p14="http://schemas.microsoft.com/office/powerpoint/2010/main" val="1702556761"/>
               </p:ext>
             </p:extLst>
           </p:nvPr>
         </p:nvGraphicFramePr>
         <p:xfrm>
-          <a:off x="457200" y="1132765"/>
-          <a:ext cx="8461612" cy="4580788"/>
+          <a:off x="0" y="1187354"/>
+          <a:ext cx="9144000" cy="4914285"/>
         </p:xfrm>
         <a:graphic>
           <a:graphicData uri="http://schemas.openxmlformats.org/drawingml/2006/chart">
@@ -26148,7 +26973,7 @@
         </p:nvSpPr>
         <p:spPr>
           <a:xfrm>
-            <a:off x="457200" y="273600"/>
+            <a:off x="361666" y="219009"/>
             <a:ext cx="8227800" cy="1143360"/>
           </a:xfrm>
           <a:prstGeom prst="rect">
@@ -26204,12 +27029,20 @@
           <a:p>
             <a:pPr algn="ctr"/>
             <a:r>
+              <a:rPr lang="es-MX" dirty="0" err="1" smtClean="0">
+                <a:solidFill>
+                  <a:srgbClr val="000000"/>
+                </a:solidFill>
+              </a:rPr>
+              <a:t>Ago</a:t>
+            </a:r>
+            <a:r>
               <a:rPr lang="es-MX" dirty="0" smtClean="0">
                 <a:solidFill>
                   <a:srgbClr val="000000"/>
                 </a:solidFill>
               </a:rPr>
-              <a:t>Jul, </a:t>
+              <a:t>, </a:t>
             </a:r>
             <a:r>
               <a:rPr lang="es-MX" dirty="0" smtClean="0">
@@ -26280,7 +27113,27 @@
                 <a:latin typeface="Arial"/>
                 <a:ea typeface="DejaVu Sans"/>
               </a:rPr>
-              <a:t>Se nota un aumento en el cumplimiento en el área de compras pero bajo. En otras se mantiene el mismo incumplimiento.</a:t>
+              <a:t>Se nota un aumento en el cumplimiento en el área de compras </a:t>
+            </a:r>
+            <a:r>
+              <a:rPr lang="es-MX" sz="2200" strike="noStrike" dirty="0" smtClean="0">
+                <a:solidFill>
+                  <a:srgbClr val="000000"/>
+                </a:solidFill>
+                <a:latin typeface="Arial"/>
+                <a:ea typeface="DejaVu Sans"/>
+              </a:rPr>
+              <a:t>superior al 50 porciento. </a:t>
+            </a:r>
+            <a:r>
+              <a:rPr lang="es-MX" sz="2200" strike="noStrike" dirty="0" smtClean="0">
+                <a:solidFill>
+                  <a:srgbClr val="000000"/>
+                </a:solidFill>
+                <a:latin typeface="Arial"/>
+                <a:ea typeface="DejaVu Sans"/>
+              </a:rPr>
+              <a:t>En otras se mantiene el mismo incumplimiento.</a:t>
             </a:r>
             <a:endParaRPr dirty="0"/>
           </a:p>
@@ -26288,20 +27141,20 @@
       </p:sp>
       <p:graphicFrame>
         <p:nvGraphicFramePr>
-          <p:cNvPr id="7" name="Gráfico 6"/>
+          <p:cNvPr id="8" name="Gráfico 7"/>
           <p:cNvGraphicFramePr>
             <a:graphicFrameLocks/>
           </p:cNvGraphicFramePr>
           <p:nvPr>
             <p:extLst>
               <p:ext uri="{D42A27DB-BD31-4B8C-83A1-F6EECF244321}">
-                <p14:modId xmlns:p14="http://schemas.microsoft.com/office/powerpoint/2010/main" val="4064970400"/>
+                <p14:modId xmlns:p14="http://schemas.microsoft.com/office/powerpoint/2010/main" val="3211865656"/>
               </p:ext>
             </p:extLst>
           </p:nvPr>
         </p:nvGraphicFramePr>
         <p:xfrm>
-          <a:off x="109182" y="2634018"/>
+          <a:off x="0" y="2779205"/>
           <a:ext cx="4686300" cy="2743200"/>
         </p:xfrm>
         <a:graphic>
@@ -26312,20 +27165,20 @@
       </p:graphicFrame>
       <p:graphicFrame>
         <p:nvGraphicFramePr>
-          <p:cNvPr id="10" name="Gráfico 9"/>
+          <p:cNvPr id="9" name="Gráfico 8"/>
           <p:cNvGraphicFramePr>
             <a:graphicFrameLocks/>
           </p:cNvGraphicFramePr>
           <p:nvPr>
             <p:extLst>
               <p:ext uri="{D42A27DB-BD31-4B8C-83A1-F6EECF244321}">
-                <p14:modId xmlns:p14="http://schemas.microsoft.com/office/powerpoint/2010/main" val="686345676"/>
+                <p14:modId xmlns:p14="http://schemas.microsoft.com/office/powerpoint/2010/main" val="2237379746"/>
               </p:ext>
             </p:extLst>
           </p:nvPr>
         </p:nvGraphicFramePr>
         <p:xfrm>
-          <a:off x="4787615" y="2644254"/>
+          <a:off x="4883150" y="2779205"/>
           <a:ext cx="4260850" cy="2743200"/>
         </p:xfrm>
         <a:graphic>
@@ -26336,7 +27189,7 @@
       </p:graphicFrame>
       <p:pic>
         <p:nvPicPr>
-          <p:cNvPr id="3" name="Imagen 2"/>
+          <p:cNvPr id="4" name="Imagen 3"/>
           <p:cNvPicPr>
             <a:picLocks noChangeAspect="1"/>
           </p:cNvPicPr>
@@ -26350,8 +27203,8 @@
         </p:blipFill>
         <p:spPr>
           <a:xfrm>
-            <a:off x="1184321" y="1416960"/>
-            <a:ext cx="6773558" cy="1148819"/>
+            <a:off x="752259" y="1376017"/>
+            <a:ext cx="7819651" cy="1326240"/>
           </a:xfrm>
           <a:prstGeom prst="rect">
             <a:avLst/>
@@ -26476,12 +27329,20 @@
               <a:t>Ene/16 – </a:t>
             </a:r>
             <a:r>
+              <a:rPr lang="es-MX" dirty="0" err="1" smtClean="0">
+                <a:solidFill>
+                  <a:srgbClr val="000000"/>
+                </a:solidFill>
+              </a:rPr>
+              <a:t>Ago</a:t>
+            </a:r>
+            <a:r>
               <a:rPr lang="es-MX" dirty="0" smtClean="0">
                 <a:solidFill>
                   <a:srgbClr val="000000"/>
                 </a:solidFill>
               </a:rPr>
-              <a:t>Jul/16</a:t>
+              <a:t>/16</a:t>
             </a:r>
             <a:endParaRPr lang="es-MX" dirty="0"/>
           </a:p>
@@ -26498,8 +27359,8 @@
         </p:nvSpPr>
         <p:spPr>
           <a:xfrm>
-            <a:off x="5022377" y="1668681"/>
-            <a:ext cx="2848148" cy="2648520"/>
+            <a:off x="5022376" y="1668681"/>
+            <a:ext cx="3112183" cy="2648520"/>
           </a:xfrm>
           <a:prstGeom prst="rect">
             <a:avLst/>
@@ -26543,7 +27404,27 @@
                 <a:latin typeface="Arial"/>
                 <a:ea typeface="DejaVu Sans"/>
               </a:rPr>
-              <a:t>: Se obtiene un 100 porciento en las áreas excluyendo compras que logro un 50 porciento.</a:t>
+              <a:t>: Se obtiene un 100 porciento en las </a:t>
+            </a:r>
+            <a:r>
+              <a:rPr lang="es-MX" strike="noStrike" dirty="0" smtClean="0">
+                <a:solidFill>
+                  <a:srgbClr val="000000"/>
+                </a:solidFill>
+                <a:latin typeface="Arial"/>
+                <a:ea typeface="DejaVu Sans"/>
+              </a:rPr>
+              <a:t>áreas.  Ventas logro un incremento al 75 porciento</a:t>
+            </a:r>
+            <a:r>
+              <a:rPr lang="es-MX" strike="noStrike" dirty="0" smtClean="0">
+                <a:solidFill>
+                  <a:srgbClr val="000000"/>
+                </a:solidFill>
+                <a:latin typeface="Arial"/>
+                <a:ea typeface="DejaVu Sans"/>
+              </a:rPr>
+              <a:t>.</a:t>
             </a:r>
             <a:endParaRPr dirty="0"/>
           </a:p>
@@ -26551,21 +27432,21 @@
       </p:sp>
       <p:graphicFrame>
         <p:nvGraphicFramePr>
-          <p:cNvPr id="8" name="Gráfico 7"/>
+          <p:cNvPr id="6" name="Gráfico 5"/>
           <p:cNvGraphicFramePr>
             <a:graphicFrameLocks/>
           </p:cNvGraphicFramePr>
           <p:nvPr>
             <p:extLst>
               <p:ext uri="{D42A27DB-BD31-4B8C-83A1-F6EECF244321}">
-                <p14:modId xmlns:p14="http://schemas.microsoft.com/office/powerpoint/2010/main" val="3207184153"/>
+                <p14:modId xmlns:p14="http://schemas.microsoft.com/office/powerpoint/2010/main" val="644471388"/>
               </p:ext>
             </p:extLst>
           </p:nvPr>
         </p:nvGraphicFramePr>
         <p:xfrm>
-          <a:off x="4572000" y="3814097"/>
-          <a:ext cx="4572000" cy="2743200"/>
+          <a:off x="124664" y="1668681"/>
+          <a:ext cx="4336320" cy="3604740"/>
         </p:xfrm>
         <a:graphic>
           <a:graphicData uri="http://schemas.openxmlformats.org/drawingml/2006/chart">
@@ -26575,21 +27456,21 @@
       </p:graphicFrame>
       <p:graphicFrame>
         <p:nvGraphicFramePr>
-          <p:cNvPr id="9" name="Gráfico 8"/>
+          <p:cNvPr id="7" name="Gráfico 6"/>
           <p:cNvGraphicFramePr>
             <a:graphicFrameLocks/>
           </p:cNvGraphicFramePr>
           <p:nvPr>
             <p:extLst>
               <p:ext uri="{D42A27DB-BD31-4B8C-83A1-F6EECF244321}">
-                <p14:modId xmlns:p14="http://schemas.microsoft.com/office/powerpoint/2010/main" val="1117142150"/>
+                <p14:modId xmlns:p14="http://schemas.microsoft.com/office/powerpoint/2010/main" val="409206702"/>
               </p:ext>
             </p:extLst>
           </p:nvPr>
         </p:nvGraphicFramePr>
         <p:xfrm>
-          <a:off x="274789" y="1668681"/>
-          <a:ext cx="4336320" cy="3604740"/>
+          <a:off x="4469642" y="3872552"/>
+          <a:ext cx="4572000" cy="2743200"/>
         </p:xfrm>
         <a:graphic>
           <a:graphicData uri="http://schemas.openxmlformats.org/drawingml/2006/chart">
@@ -26961,29 +27842,6 @@
           </a:p>
           <a:p>
             <a:r>
-              <a:rPr lang="es-MX" strike="noStrike" dirty="0">
-                <a:solidFill>
-                  <a:srgbClr val="000000"/>
-                </a:solidFill>
-                <a:latin typeface="Times New Roman"/>
-                <a:ea typeface="DejaVu Sans"/>
-              </a:rPr>
-              <a:t>Francisco González </a:t>
-            </a:r>
-            <a:r>
-              <a:rPr lang="es-MX" strike="noStrike" dirty="0" smtClean="0">
-                <a:solidFill>
-                  <a:srgbClr val="000000"/>
-                </a:solidFill>
-                <a:latin typeface="Times New Roman"/>
-                <a:ea typeface="DejaVu Sans"/>
-              </a:rPr>
-              <a:t>Sánchez</a:t>
-            </a:r>
-            <a:endParaRPr dirty="0"/>
-          </a:p>
-          <a:p>
-            <a:r>
               <a:rPr lang="es-MX" strike="noStrike" dirty="0" smtClean="0">
                 <a:solidFill>
                   <a:srgbClr val="000000"/>
@@ -27216,7 +28074,7 @@
         </p:nvSpPr>
         <p:spPr>
           <a:xfrm>
-            <a:off x="5904000" y="2770167"/>
+            <a:off x="5576452" y="3278509"/>
             <a:ext cx="2993246" cy="3043779"/>
           </a:xfrm>
           <a:prstGeom prst="rect">
@@ -27292,7 +28150,7 @@
       </p:sp>
       <p:pic>
         <p:nvPicPr>
-          <p:cNvPr id="3" name="Imagen 2"/>
+          <p:cNvPr id="4" name="Imagen 3"/>
           <p:cNvPicPr>
             <a:picLocks noChangeAspect="1"/>
           </p:cNvPicPr>
@@ -27306,8 +28164,8 @@
         </p:blipFill>
         <p:spPr>
           <a:xfrm>
-            <a:off x="107634" y="1094013"/>
-            <a:ext cx="8367626" cy="1512572"/>
+            <a:off x="0" y="1090288"/>
+            <a:ext cx="9151665" cy="1830333"/>
           </a:xfrm>
           <a:prstGeom prst="rect">
             <a:avLst/>
@@ -27316,20 +28174,20 @@
       </p:pic>
       <p:graphicFrame>
         <p:nvGraphicFramePr>
-          <p:cNvPr id="10" name="Gráfico 9"/>
+          <p:cNvPr id="11" name="Gráfico 10"/>
           <p:cNvGraphicFramePr>
             <a:graphicFrameLocks/>
           </p:cNvGraphicFramePr>
           <p:nvPr>
             <p:extLst>
               <p:ext uri="{D42A27DB-BD31-4B8C-83A1-F6EECF244321}">
-                <p14:modId xmlns:p14="http://schemas.microsoft.com/office/powerpoint/2010/main" val="2530611702"/>
+                <p14:modId xmlns:p14="http://schemas.microsoft.com/office/powerpoint/2010/main" val="3771765555"/>
               </p:ext>
             </p:extLst>
           </p:nvPr>
         </p:nvGraphicFramePr>
         <p:xfrm>
-          <a:off x="617455" y="2934877"/>
+          <a:off x="457200" y="3111061"/>
           <a:ext cx="4988470" cy="2924520"/>
         </p:xfrm>
         <a:graphic>
@@ -27408,7 +28266,7 @@
         </p:nvSpPr>
         <p:spPr>
           <a:xfrm>
-            <a:off x="432000" y="360000"/>
+            <a:off x="391056" y="892263"/>
             <a:ext cx="7846200" cy="430200"/>
           </a:xfrm>
           <a:prstGeom prst="rect">
@@ -27456,21 +28314,21 @@
       </p:sp>
       <p:graphicFrame>
         <p:nvGraphicFramePr>
-          <p:cNvPr id="4" name="Gráfico 3"/>
+          <p:cNvPr id="6" name="Gráfico 5"/>
           <p:cNvGraphicFramePr>
             <a:graphicFrameLocks/>
           </p:cNvGraphicFramePr>
           <p:nvPr>
             <p:extLst>
               <p:ext uri="{D42A27DB-BD31-4B8C-83A1-F6EECF244321}">
-                <p14:modId xmlns:p14="http://schemas.microsoft.com/office/powerpoint/2010/main" val="3436012329"/>
+                <p14:modId xmlns:p14="http://schemas.microsoft.com/office/powerpoint/2010/main" val="4061449588"/>
               </p:ext>
             </p:extLst>
           </p:nvPr>
         </p:nvGraphicFramePr>
         <p:xfrm>
-          <a:off x="1870050" y="1917337"/>
-          <a:ext cx="5403900" cy="3023325"/>
+          <a:off x="1392378" y="1835451"/>
+          <a:ext cx="6482381" cy="3705541"/>
         </p:xfrm>
         <a:graphic>
           <a:graphicData uri="http://schemas.openxmlformats.org/drawingml/2006/chart">
@@ -27694,7 +28552,27 @@
                 <a:latin typeface="Times New Roman"/>
                 <a:ea typeface="DejaVu Sans"/>
               </a:rPr>
-              <a:t>supero en 1 lo planeado lo que representa un aumento con respecto a meses anteriores.</a:t>
+              <a:t>bajo a 51 lo </a:t>
+            </a:r>
+            <a:r>
+              <a:rPr lang="es-MX" strike="noStrike" dirty="0" smtClean="0">
+                <a:solidFill>
+                  <a:srgbClr val="000000"/>
+                </a:solidFill>
+                <a:latin typeface="Times New Roman"/>
+                <a:ea typeface="DejaVu Sans"/>
+              </a:rPr>
+              <a:t>que representa </a:t>
+            </a:r>
+            <a:r>
+              <a:rPr lang="es-MX" strike="noStrike" dirty="0" smtClean="0">
+                <a:solidFill>
+                  <a:srgbClr val="000000"/>
+                </a:solidFill>
+                <a:latin typeface="Times New Roman"/>
+                <a:ea typeface="DejaVu Sans"/>
+              </a:rPr>
+              <a:t>una desviación del 35%</a:t>
             </a:r>
             <a:endParaRPr dirty="0"/>
           </a:p>
@@ -27702,7 +28580,7 @@
       </p:sp>
       <p:pic>
         <p:nvPicPr>
-          <p:cNvPr id="3" name="Imagen 2"/>
+          <p:cNvPr id="5" name="Imagen 4"/>
           <p:cNvPicPr>
             <a:picLocks noChangeAspect="1"/>
           </p:cNvPicPr>
@@ -27716,8 +28594,8 @@
         </p:blipFill>
         <p:spPr>
           <a:xfrm>
-            <a:off x="177512" y="1192202"/>
-            <a:ext cx="5814657" cy="1783010"/>
+            <a:off x="846256" y="1192202"/>
+            <a:ext cx="5352381" cy="1790476"/>
           </a:xfrm>
           <a:prstGeom prst="rect">
             <a:avLst/>
@@ -27726,20 +28604,20 @@
       </p:pic>
       <p:graphicFrame>
         <p:nvGraphicFramePr>
-          <p:cNvPr id="9" name="Gráfico 8"/>
+          <p:cNvPr id="11" name="Gráfico 10"/>
           <p:cNvGraphicFramePr>
             <a:graphicFrameLocks/>
           </p:cNvGraphicFramePr>
           <p:nvPr>
             <p:extLst>
               <p:ext uri="{D42A27DB-BD31-4B8C-83A1-F6EECF244321}">
-                <p14:modId xmlns:p14="http://schemas.microsoft.com/office/powerpoint/2010/main" val="3955762338"/>
+                <p14:modId xmlns:p14="http://schemas.microsoft.com/office/powerpoint/2010/main" val="1415066591"/>
               </p:ext>
             </p:extLst>
           </p:nvPr>
         </p:nvGraphicFramePr>
         <p:xfrm>
-          <a:off x="177512" y="3095133"/>
+          <a:off x="200446" y="3118293"/>
           <a:ext cx="4319240" cy="3516840"/>
         </p:xfrm>
         <a:graphic>
@@ -27750,21 +28628,21 @@
       </p:graphicFrame>
       <p:graphicFrame>
         <p:nvGraphicFramePr>
-          <p:cNvPr id="12" name="Gráfico 11"/>
+          <p:cNvPr id="13" name="Gráfico 12"/>
           <p:cNvGraphicFramePr>
             <a:graphicFrameLocks/>
           </p:cNvGraphicFramePr>
           <p:nvPr>
             <p:extLst>
               <p:ext uri="{D42A27DB-BD31-4B8C-83A1-F6EECF244321}">
-                <p14:modId xmlns:p14="http://schemas.microsoft.com/office/powerpoint/2010/main" val="2132397627"/>
+                <p14:modId xmlns:p14="http://schemas.microsoft.com/office/powerpoint/2010/main" val="3530864403"/>
               </p:ext>
             </p:extLst>
           </p:nvPr>
         </p:nvGraphicFramePr>
         <p:xfrm>
-          <a:off x="4635367" y="3095133"/>
-          <a:ext cx="4323200" cy="3528420"/>
+          <a:off x="4779347" y="3095133"/>
+          <a:ext cx="4263924" cy="3500009"/>
         </p:xfrm>
         <a:graphic>
           <a:graphicData uri="http://schemas.openxmlformats.org/drawingml/2006/chart">
@@ -27951,7 +28829,7 @@
                 <a:latin typeface="Times New Roman"/>
                 <a:ea typeface="DejaVu Sans"/>
               </a:rPr>
-              <a:t>El esfuerzo del área de soporte se encuentra </a:t>
+              <a:t>El esfuerzo del área de soporte se encuentra por encima del </a:t>
             </a:r>
             <a:r>
               <a:rPr lang="es-MX" strike="noStrike" dirty="0" smtClean="0">
@@ -27961,7 +28839,7 @@
                 <a:latin typeface="Times New Roman"/>
                 <a:ea typeface="DejaVu Sans"/>
               </a:rPr>
-              <a:t>por encima del 47 </a:t>
+              <a:t>35 </a:t>
             </a:r>
             <a:r>
               <a:rPr lang="es-MX" strike="noStrike" dirty="0" smtClean="0">
@@ -27971,17 +28849,7 @@
                 <a:latin typeface="Times New Roman"/>
                 <a:ea typeface="DejaVu Sans"/>
               </a:rPr>
-              <a:t>porciento lo cual representa un nivel </a:t>
-            </a:r>
-            <a:r>
-              <a:rPr lang="es-MX" strike="noStrike" dirty="0" smtClean="0">
-                <a:solidFill>
-                  <a:srgbClr val="000000"/>
-                </a:solidFill>
-                <a:latin typeface="Times New Roman"/>
-                <a:ea typeface="DejaVu Sans"/>
-              </a:rPr>
-              <a:t>alto.</a:t>
+              <a:t>porciento lo cual representa un nivel alto.</a:t>
             </a:r>
             <a:endParaRPr dirty="0"/>
           </a:p>
@@ -27989,20 +28857,20 @@
       </p:sp>
       <p:graphicFrame>
         <p:nvGraphicFramePr>
-          <p:cNvPr id="6" name="Gráfico 5"/>
+          <p:cNvPr id="7" name="Gráfico 6"/>
           <p:cNvGraphicFramePr>
             <a:graphicFrameLocks/>
           </p:cNvGraphicFramePr>
           <p:nvPr>
             <p:extLst>
               <p:ext uri="{D42A27DB-BD31-4B8C-83A1-F6EECF244321}">
-                <p14:modId xmlns:p14="http://schemas.microsoft.com/office/powerpoint/2010/main" val="2340539679"/>
+                <p14:modId xmlns:p14="http://schemas.microsoft.com/office/powerpoint/2010/main" val="3246123220"/>
               </p:ext>
             </p:extLst>
           </p:nvPr>
         </p:nvGraphicFramePr>
         <p:xfrm>
-          <a:off x="246090" y="2400149"/>
+          <a:off x="0" y="2331911"/>
           <a:ext cx="4242040" cy="3531660"/>
         </p:xfrm>
         <a:graphic>
@@ -28013,21 +28881,21 @@
       </p:graphicFrame>
       <p:graphicFrame>
         <p:nvGraphicFramePr>
-          <p:cNvPr id="9" name="Gráfico 8"/>
+          <p:cNvPr id="10" name="Gráfico 9"/>
           <p:cNvGraphicFramePr>
             <a:graphicFrameLocks/>
           </p:cNvGraphicFramePr>
           <p:nvPr>
             <p:extLst>
               <p:ext uri="{D42A27DB-BD31-4B8C-83A1-F6EECF244321}">
-                <p14:modId xmlns:p14="http://schemas.microsoft.com/office/powerpoint/2010/main" val="418003848"/>
+                <p14:modId xmlns:p14="http://schemas.microsoft.com/office/powerpoint/2010/main" val="1136207790"/>
               </p:ext>
             </p:extLst>
           </p:nvPr>
         </p:nvGraphicFramePr>
         <p:xfrm>
-          <a:off x="4650482" y="2389014"/>
-          <a:ext cx="4308085" cy="3499340"/>
+          <a:off x="4435523" y="2334991"/>
+          <a:ext cx="4708478" cy="3629081"/>
         </p:xfrm>
         <a:graphic>
           <a:graphicData uri="http://schemas.openxmlformats.org/drawingml/2006/chart">
@@ -28264,7 +29132,7 @@
                 <a:latin typeface="Times New Roman"/>
                 <a:ea typeface="DejaVu Sans"/>
               </a:rPr>
-              <a:t>julio </a:t>
+              <a:t>agosto </a:t>
             </a:r>
             <a:r>
               <a:rPr lang="es-MX" strike="noStrike" dirty="0" smtClean="0">
@@ -28300,20 +29168,20 @@
       </p:sp>
       <p:graphicFrame>
         <p:nvGraphicFramePr>
-          <p:cNvPr id="6" name="Gráfico 5"/>
+          <p:cNvPr id="7" name="Gráfico 6"/>
           <p:cNvGraphicFramePr>
             <a:graphicFrameLocks/>
           </p:cNvGraphicFramePr>
           <p:nvPr>
             <p:extLst>
               <p:ext uri="{D42A27DB-BD31-4B8C-83A1-F6EECF244321}">
-                <p14:modId xmlns:p14="http://schemas.microsoft.com/office/powerpoint/2010/main" val="226701100"/>
+                <p14:modId xmlns:p14="http://schemas.microsoft.com/office/powerpoint/2010/main" val="2076621666"/>
               </p:ext>
             </p:extLst>
           </p:nvPr>
         </p:nvGraphicFramePr>
         <p:xfrm>
-          <a:off x="777923" y="2098343"/>
+          <a:off x="648268" y="2057400"/>
           <a:ext cx="4572000" cy="2743200"/>
         </p:xfrm>
         <a:graphic>
@@ -28456,12 +29324,20 @@
               <a:t>Ene/16 – </a:t>
             </a:r>
             <a:r>
+              <a:rPr lang="es-MX" dirty="0" err="1" smtClean="0">
+                <a:solidFill>
+                  <a:srgbClr val="000000"/>
+                </a:solidFill>
+              </a:rPr>
+              <a:t>Ago</a:t>
+            </a:r>
+            <a:r>
               <a:rPr lang="es-MX" dirty="0" smtClean="0">
                 <a:solidFill>
                   <a:srgbClr val="000000"/>
                 </a:solidFill>
               </a:rPr>
-              <a:t>Jul/16</a:t>
+              <a:t>/16</a:t>
             </a:r>
             <a:endParaRPr lang="es-MX" dirty="0" smtClean="0">
               <a:solidFill>
@@ -28481,20 +29357,20 @@
       </p:sp>
       <p:graphicFrame>
         <p:nvGraphicFramePr>
-          <p:cNvPr id="6" name="Gráfico 5"/>
+          <p:cNvPr id="7" name="Gráfico 6"/>
           <p:cNvGraphicFramePr>
             <a:graphicFrameLocks/>
           </p:cNvGraphicFramePr>
           <p:nvPr>
             <p:extLst>
               <p:ext uri="{D42A27DB-BD31-4B8C-83A1-F6EECF244321}">
-                <p14:modId xmlns:p14="http://schemas.microsoft.com/office/powerpoint/2010/main" val="354955238"/>
+                <p14:modId xmlns:p14="http://schemas.microsoft.com/office/powerpoint/2010/main" val="1788812851"/>
               </p:ext>
             </p:extLst>
           </p:nvPr>
         </p:nvGraphicFramePr>
         <p:xfrm>
-          <a:off x="457200" y="1331898"/>
+          <a:off x="353735" y="1263660"/>
           <a:ext cx="4233020" cy="3238860"/>
         </p:xfrm>
         <a:graphic>
@@ -28505,20 +29381,20 @@
       </p:graphicFrame>
       <p:graphicFrame>
         <p:nvGraphicFramePr>
-          <p:cNvPr id="8" name="Gráfico 7"/>
+          <p:cNvPr id="9" name="Gráfico 8"/>
           <p:cNvGraphicFramePr>
             <a:graphicFrameLocks/>
           </p:cNvGraphicFramePr>
           <p:nvPr>
             <p:extLst>
               <p:ext uri="{D42A27DB-BD31-4B8C-83A1-F6EECF244321}">
-                <p14:modId xmlns:p14="http://schemas.microsoft.com/office/powerpoint/2010/main" val="3495995066"/>
+                <p14:modId xmlns:p14="http://schemas.microsoft.com/office/powerpoint/2010/main" val="2308941103"/>
               </p:ext>
             </p:extLst>
           </p:nvPr>
         </p:nvGraphicFramePr>
         <p:xfrm>
-          <a:off x="3898385" y="3280320"/>
+          <a:off x="3939328" y="3127766"/>
           <a:ext cx="4950240" cy="3577680"/>
         </p:xfrm>
         <a:graphic>
